--- a/Præsentation_Eksamen.pptx
+++ b/Præsentation_Eksamen.pptx
@@ -2,7 +2,7 @@
 <file path=ppt/presentation.xml><?xml version="1.0" encoding="utf-8"?>
 <p:presentation xmlns:a="http://schemas.openxmlformats.org/drawingml/2006/main" xmlns:r="http://schemas.openxmlformats.org/officeDocument/2006/relationships" xmlns:p="http://schemas.openxmlformats.org/presentationml/2006/main" autoCompressPictures="0">
   <p:sldMasterIdLst>
-    <p:sldMasterId id="2147483948" r:id="rId1"/>
+    <p:sldMasterId id="2147483972" r:id="rId1"/>
   </p:sldMasterIdLst>
   <p:notesMasterIdLst>
     <p:notesMasterId r:id="rId16"/>
@@ -723,29 +723,50 @@
           <a:p>
             <a:r>
               <a:rPr lang="da-DK" dirty="0"/>
-              <a:t>Interesseområder, fremtid, gav mening efter kompetencer </a:t>
-            </a:r>
-            <a:r>
-              <a:rPr lang="da-DK" dirty="0" err="1"/>
-              <a:t>bla</a:t>
-            </a:r>
-            <a:r>
-              <a:rPr lang="da-DK" baseline="0" dirty="0"/>
-              <a:t> </a:t>
-            </a:r>
-            <a:r>
-              <a:rPr lang="da-DK" baseline="0" dirty="0" err="1"/>
-              <a:t>bla</a:t>
-            </a:r>
-            <a:r>
-              <a:rPr lang="da-DK" baseline="0" dirty="0"/>
-              <a:t> </a:t>
-            </a:r>
-            <a:r>
-              <a:rPr lang="da-DK" baseline="0" dirty="0" err="1"/>
-              <a:t>bla</a:t>
-            </a:r>
-            <a:endParaRPr lang="da-DK" dirty="0"/>
+              <a:t>Størstedelen af litteraturen konkluderer, at mere forskning er nødvendig på området. Det</a:t>
+            </a:r>
+          </a:p>
+          <a:p>
+            <a:r>
+              <a:rPr lang="da-DK" dirty="0"/>
+              <a:t>kan derfor være svært at lave en endelig konklusion på, hvorvidt en udvidelse af screeningsprogrammet</a:t>
+            </a:r>
+          </a:p>
+          <a:p>
+            <a:r>
+              <a:rPr lang="da-DK" dirty="0"/>
+              <a:t>vil være en god idé. Fordelen er, at man ved en kombination af ultralyd og</a:t>
+            </a:r>
+          </a:p>
+          <a:p>
+            <a:r>
+              <a:rPr lang="da-DK" dirty="0"/>
+              <a:t>røntgen kan opdage tidligere stadier af kræft, hvilket er billigere, og overlevelsesprocenten</a:t>
+            </a:r>
+          </a:p>
+          <a:p>
+            <a:r>
+              <a:rPr lang="da-DK" dirty="0"/>
+              <a:t>er højere. Ulemperne er, at der sker overdiagnosticering ved screeninger, og patienter derfor</a:t>
+            </a:r>
+          </a:p>
+          <a:p>
+            <a:r>
+              <a:rPr lang="da-DK" dirty="0"/>
+              <a:t>behandles uden grund. Tilføjelse af ultralydsscanninger til screeningsprogrammet vil øge</a:t>
+            </a:r>
+          </a:p>
+          <a:p>
+            <a:r>
+              <a:rPr lang="da-DK" dirty="0"/>
+              <a:t>omkostningerne og dermed prisen pr. QALY, hvilket sandsynligvis vil betyde, at udvidelse</a:t>
+            </a:r>
+          </a:p>
+          <a:p>
+            <a:r>
+              <a:rPr lang="da-DK" dirty="0"/>
+              <a:t>af screeningsprogrammet ikke er omkostningseffektivt.</a:t>
+            </a:r>
           </a:p>
         </p:txBody>
       </p:sp>
@@ -766,7 +787,7 @@
           <a:p>
             <a:fld id="{81DAF125-77CF-4549-A25B-16435FA351B7}" type="slidenum">
               <a:rPr lang="da-DK" smtClean="0"/>
-              <a:t>9</a:t>
+              <a:t>8</a:t>
             </a:fld>
             <a:endParaRPr lang="da-DK"/>
           </a:p>
@@ -775,7 +796,7 @@
     </p:spTree>
     <p:extLst>
       <p:ext uri="{BB962C8B-B14F-4D97-AF65-F5344CB8AC3E}">
-        <p14:creationId xmlns:p14="http://schemas.microsoft.com/office/powerpoint/2010/main" val="746107577"/>
+        <p14:creationId xmlns:p14="http://schemas.microsoft.com/office/powerpoint/2010/main" val="1022816383"/>
       </p:ext>
     </p:extLst>
   </p:cSld>
@@ -831,20 +852,27 @@
           <a:p>
             <a:r>
               <a:rPr lang="da-DK" dirty="0"/>
-              <a:t>Brugerundersøgelser til at finde ud af,</a:t>
+              <a:t>Interesseområder, fremtid, gav mening efter kompetencer </a:t>
+            </a:r>
+            <a:r>
+              <a:rPr lang="da-DK" dirty="0" err="1"/>
+              <a:t>bla</a:t>
             </a:r>
             <a:r>
               <a:rPr lang="da-DK" baseline="0" dirty="0"/>
-              <a:t> hvad vi skal have med som krav</a:t>
-            </a:r>
-          </a:p>
-          <a:p>
-            <a:endParaRPr lang="da-DK" baseline="0" dirty="0"/>
-          </a:p>
-          <a:p>
+              <a:t> </a:t>
+            </a:r>
+            <a:r>
+              <a:rPr lang="da-DK" baseline="0" dirty="0" err="1"/>
+              <a:t>bla</a:t>
+            </a:r>
             <a:r>
               <a:rPr lang="da-DK" baseline="0" dirty="0"/>
-              <a:t>UC – 4 styks </a:t>
+              <a:t> </a:t>
+            </a:r>
+            <a:r>
+              <a:rPr lang="da-DK" baseline="0" dirty="0" err="1"/>
+              <a:t>bla</a:t>
             </a:r>
             <a:endParaRPr lang="da-DK" dirty="0"/>
           </a:p>
@@ -867,7 +895,7 @@
           <a:p>
             <a:fld id="{81DAF125-77CF-4549-A25B-16435FA351B7}" type="slidenum">
               <a:rPr lang="da-DK" smtClean="0"/>
-              <a:t>11</a:t>
+              <a:t>9</a:t>
             </a:fld>
             <a:endParaRPr lang="da-DK"/>
           </a:p>
@@ -876,7 +904,7 @@
     </p:spTree>
     <p:extLst>
       <p:ext uri="{BB962C8B-B14F-4D97-AF65-F5344CB8AC3E}">
-        <p14:creationId xmlns:p14="http://schemas.microsoft.com/office/powerpoint/2010/main" val="4183857365"/>
+        <p14:creationId xmlns:p14="http://schemas.microsoft.com/office/powerpoint/2010/main" val="746107577"/>
       </p:ext>
     </p:extLst>
   </p:cSld>
@@ -930,6 +958,107 @@
           <a:bodyPr/>
           <a:lstStyle/>
           <a:p>
+            <a:r>
+              <a:rPr lang="da-DK" dirty="0"/>
+              <a:t>Brugerundersøgelser til at finde ud af,</a:t>
+            </a:r>
+            <a:r>
+              <a:rPr lang="da-DK" baseline="0" dirty="0"/>
+              <a:t> hvad vi skal have med som krav</a:t>
+            </a:r>
+          </a:p>
+          <a:p>
+            <a:endParaRPr lang="da-DK" baseline="0" dirty="0"/>
+          </a:p>
+          <a:p>
+            <a:r>
+              <a:rPr lang="da-DK" baseline="0" dirty="0"/>
+              <a:t>UC – 4 styks </a:t>
+            </a:r>
+            <a:endParaRPr lang="da-DK" dirty="0"/>
+          </a:p>
+        </p:txBody>
+      </p:sp>
+      <p:sp>
+        <p:nvSpPr>
+          <p:cNvPr id="4" name="Pladsholder til slidenummer 3"/>
+          <p:cNvSpPr>
+            <a:spLocks noGrp="1"/>
+          </p:cNvSpPr>
+          <p:nvPr>
+            <p:ph type="sldNum" sz="quarter" idx="10"/>
+          </p:nvPr>
+        </p:nvSpPr>
+        <p:spPr/>
+        <p:txBody>
+          <a:bodyPr/>
+          <a:lstStyle/>
+          <a:p>
+            <a:fld id="{81DAF125-77CF-4549-A25B-16435FA351B7}" type="slidenum">
+              <a:rPr lang="da-DK" smtClean="0"/>
+              <a:t>11</a:t>
+            </a:fld>
+            <a:endParaRPr lang="da-DK"/>
+          </a:p>
+        </p:txBody>
+      </p:sp>
+    </p:spTree>
+    <p:extLst>
+      <p:ext uri="{BB962C8B-B14F-4D97-AF65-F5344CB8AC3E}">
+        <p14:creationId xmlns:p14="http://schemas.microsoft.com/office/powerpoint/2010/main" val="4183857365"/>
+      </p:ext>
+    </p:extLst>
+  </p:cSld>
+  <p:clrMapOvr>
+    <a:masterClrMapping/>
+  </p:clrMapOvr>
+</p:notes>
+</file>
+
+<file path=ppt/notesSlides/notesSlide6.xml><?xml version="1.0" encoding="utf-8"?>
+<p:notes xmlns:a="http://schemas.openxmlformats.org/drawingml/2006/main" xmlns:r="http://schemas.openxmlformats.org/officeDocument/2006/relationships" xmlns:p="http://schemas.openxmlformats.org/presentationml/2006/main">
+  <p:cSld>
+    <p:spTree>
+      <p:nvGrpSpPr>
+        <p:cNvPr id="1" name=""/>
+        <p:cNvGrpSpPr/>
+        <p:nvPr/>
+      </p:nvGrpSpPr>
+      <p:grpSpPr>
+        <a:xfrm>
+          <a:off x="0" y="0"/>
+          <a:ext cx="0" cy="0"/>
+          <a:chOff x="0" y="0"/>
+          <a:chExt cx="0" cy="0"/>
+        </a:xfrm>
+      </p:grpSpPr>
+      <p:sp>
+        <p:nvSpPr>
+          <p:cNvPr id="2" name="Pladsholder til slidebillede 1"/>
+          <p:cNvSpPr>
+            <a:spLocks noGrp="1" noRot="1" noChangeAspect="1"/>
+          </p:cNvSpPr>
+          <p:nvPr>
+            <p:ph type="sldImg"/>
+          </p:nvPr>
+        </p:nvSpPr>
+        <p:spPr/>
+      </p:sp>
+      <p:sp>
+        <p:nvSpPr>
+          <p:cNvPr id="3" name="Pladsholder til noter 2"/>
+          <p:cNvSpPr>
+            <a:spLocks noGrp="1"/>
+          </p:cNvSpPr>
+          <p:nvPr>
+            <p:ph type="body" idx="1"/>
+          </p:nvPr>
+        </p:nvSpPr>
+        <p:spPr/>
+        <p:txBody>
+          <a:bodyPr/>
+          <a:lstStyle/>
+          <a:p>
             <a:endParaRPr lang="da-DK" dirty="0"/>
           </a:p>
         </p:txBody>
@@ -970,7 +1099,7 @@
 </p:notes>
 </file>
 
-<file path=ppt/notesSlides/notesSlide6.xml><?xml version="1.0" encoding="utf-8"?>
+<file path=ppt/notesSlides/notesSlide7.xml><?xml version="1.0" encoding="utf-8"?>
 <p:notes xmlns:a="http://schemas.openxmlformats.org/drawingml/2006/main" xmlns:r="http://schemas.openxmlformats.org/officeDocument/2006/relationships" xmlns:p="http://schemas.openxmlformats.org/presentationml/2006/main">
   <p:cSld>
     <p:spTree>
@@ -1082,8 +1211,8 @@
         </p:nvSpPr>
         <p:spPr>
           <a:xfrm>
-            <a:off x="3175" y="6400800"/>
-            <a:ext cx="12188825" cy="457200"/>
+            <a:off x="1" y="6400800"/>
+            <a:ext cx="12192000" cy="457200"/>
           </a:xfrm>
           <a:prstGeom prst="rect">
             <a:avLst/>
@@ -1120,8 +1249,8 @@
         </p:nvSpPr>
         <p:spPr>
           <a:xfrm>
-            <a:off x="15" y="6334316"/>
-            <a:ext cx="12188825" cy="64008"/>
+            <a:off x="1" y="6334316"/>
+            <a:ext cx="12192000" cy="66484"/>
           </a:xfrm>
           <a:prstGeom prst="rect">
             <a:avLst/>
@@ -1206,7 +1335,7 @@
         </p:nvSpPr>
         <p:spPr>
           <a:xfrm>
-            <a:off x="1100051" y="4455620"/>
+            <a:off x="1100051" y="4455621"/>
             <a:ext cx="10058400" cy="1143000"/>
           </a:xfrm>
         </p:spPr>
@@ -1373,7 +1502,7 @@
     </p:spTree>
     <p:extLst>
       <p:ext uri="{BB962C8B-B14F-4D97-AF65-F5344CB8AC3E}">
-        <p14:creationId xmlns:p14="http://schemas.microsoft.com/office/powerpoint/2010/main" val="1608744373"/>
+        <p14:creationId xmlns:p14="http://schemas.microsoft.com/office/powerpoint/2010/main" val="455421996"/>
       </p:ext>
     </p:extLst>
   </p:cSld>
@@ -1543,7 +1672,7 @@
     </p:spTree>
     <p:extLst>
       <p:ext uri="{BB962C8B-B14F-4D97-AF65-F5344CB8AC3E}">
-        <p14:creationId xmlns:p14="http://schemas.microsoft.com/office/powerpoint/2010/main" val="1715284885"/>
+        <p14:creationId xmlns:p14="http://schemas.microsoft.com/office/powerpoint/2010/main" val="1169741265"/>
       </p:ext>
     </p:extLst>
   </p:cSld>
@@ -1658,8 +1787,8 @@
         </p:nvSpPr>
         <p:spPr>
           <a:xfrm>
-            <a:off x="8724900" y="414778"/>
-            <a:ext cx="2628900" cy="5757421"/>
+            <a:off x="8724900" y="412302"/>
+            <a:ext cx="2628900" cy="5759898"/>
           </a:xfrm>
         </p:spPr>
         <p:txBody>
@@ -1686,8 +1815,8 @@
         </p:nvSpPr>
         <p:spPr>
           <a:xfrm>
-            <a:off x="838200" y="414778"/>
-            <a:ext cx="7734300" cy="5757422"/>
+            <a:off x="838200" y="412302"/>
+            <a:ext cx="7734300" cy="5759898"/>
           </a:xfrm>
         </p:spPr>
         <p:txBody>
@@ -1799,7 +1928,7 @@
     </p:spTree>
     <p:extLst>
       <p:ext uri="{BB962C8B-B14F-4D97-AF65-F5344CB8AC3E}">
-        <p14:creationId xmlns:p14="http://schemas.microsoft.com/office/powerpoint/2010/main" val="1335194978"/>
+        <p14:creationId xmlns:p14="http://schemas.microsoft.com/office/powerpoint/2010/main" val="240334608"/>
       </p:ext>
     </p:extLst>
   </p:cSld>
@@ -1839,11 +1968,7 @@
         <p:spPr/>
         <p:txBody>
           <a:bodyPr/>
-          <a:lstStyle>
-            <a:lvl1pPr marL="0">
-              <a:defRPr/>
-            </a:lvl1pPr>
-          </a:lstStyle>
+          <a:lstStyle/>
           <a:p>
             <a:r>
               <a:rPr lang="da-DK"/>
@@ -1973,7 +2098,7 @@
     </p:spTree>
     <p:extLst>
       <p:ext uri="{BB962C8B-B14F-4D97-AF65-F5344CB8AC3E}">
-        <p14:creationId xmlns:p14="http://schemas.microsoft.com/office/powerpoint/2010/main" val="909810899"/>
+        <p14:creationId xmlns:p14="http://schemas.microsoft.com/office/powerpoint/2010/main" val="2802144332"/>
       </p:ext>
     </p:extLst>
   </p:cSld>
@@ -2354,7 +2479,7 @@
     </p:spTree>
     <p:extLst>
       <p:ext uri="{BB962C8B-B14F-4D97-AF65-F5344CB8AC3E}">
-        <p14:creationId xmlns:p14="http://schemas.microsoft.com/office/powerpoint/2010/main" val="3037328922"/>
+        <p14:creationId xmlns:p14="http://schemas.microsoft.com/office/powerpoint/2010/main" val="1729782726"/>
       </p:ext>
     </p:extLst>
   </p:cSld>
@@ -2421,8 +2546,8 @@
         </p:nvSpPr>
         <p:spPr>
           <a:xfrm>
-            <a:off x="1097279" y="1845734"/>
-            <a:ext cx="4937760" cy="4023360"/>
+            <a:off x="1097280" y="1845734"/>
+            <a:ext cx="4937760" cy="4023359"/>
           </a:xfrm>
         </p:spPr>
         <p:txBody>
@@ -2591,7 +2716,7 @@
     </p:spTree>
     <p:extLst>
       <p:ext uri="{BB962C8B-B14F-4D97-AF65-F5344CB8AC3E}">
-        <p14:creationId xmlns:p14="http://schemas.microsoft.com/office/powerpoint/2010/main" val="1920988634"/>
+        <p14:creationId xmlns:p14="http://schemas.microsoft.com/office/powerpoint/2010/main" val="1046162724"/>
       </p:ext>
     </p:extLst>
   </p:cSld>
@@ -2729,8 +2854,8 @@
         </p:nvSpPr>
         <p:spPr>
           <a:xfrm>
-            <a:off x="1097280" y="2582334"/>
-            <a:ext cx="4937760" cy="3378200"/>
+            <a:off x="1097280" y="2582335"/>
+            <a:ext cx="4937760" cy="3286760"/>
           </a:xfrm>
         </p:spPr>
         <p:txBody>
@@ -2858,7 +2983,7 @@
         <p:spPr>
           <a:xfrm>
             <a:off x="6217920" y="2582334"/>
-            <a:ext cx="4937760" cy="3378200"/>
+            <a:ext cx="4937760" cy="3286760"/>
           </a:xfrm>
         </p:spPr>
         <p:txBody>
@@ -2970,7 +3095,7 @@
     </p:spTree>
     <p:extLst>
       <p:ext uri="{BB962C8B-B14F-4D97-AF65-F5344CB8AC3E}">
-        <p14:creationId xmlns:p14="http://schemas.microsoft.com/office/powerpoint/2010/main" val="544979681"/>
+        <p14:creationId xmlns:p14="http://schemas.microsoft.com/office/powerpoint/2010/main" val="3009347047"/>
       </p:ext>
     </p:extLst>
   </p:cSld>
@@ -3088,7 +3213,7 @@
     </p:spTree>
     <p:extLst>
       <p:ext uri="{BB962C8B-B14F-4D97-AF65-F5344CB8AC3E}">
-        <p14:creationId xmlns:p14="http://schemas.microsoft.com/office/powerpoint/2010/main" val="1476989314"/>
+        <p14:creationId xmlns:p14="http://schemas.microsoft.com/office/powerpoint/2010/main" val="291147459"/>
       </p:ext>
     </p:extLst>
   </p:cSld>
@@ -3267,7 +3392,7 @@
     </p:spTree>
     <p:extLst>
       <p:ext uri="{BB962C8B-B14F-4D97-AF65-F5344CB8AC3E}">
-        <p14:creationId xmlns:p14="http://schemas.microsoft.com/office/powerpoint/2010/main" val="4034543712"/>
+        <p14:creationId xmlns:p14="http://schemas.microsoft.com/office/powerpoint/2010/main" val="2980987961"/>
       </p:ext>
     </p:extLst>
   </p:cSld>
@@ -3634,7 +3759,7 @@
     </p:spTree>
     <p:extLst>
       <p:ext uri="{BB962C8B-B14F-4D97-AF65-F5344CB8AC3E}">
-        <p14:creationId xmlns:p14="http://schemas.microsoft.com/office/powerpoint/2010/main" val="1620532367"/>
+        <p14:creationId xmlns:p14="http://schemas.microsoft.com/office/powerpoint/2010/main" val="2343492180"/>
       </p:ext>
     </p:extLst>
   </p:cSld>
@@ -3750,11 +3875,11 @@
         <p:spPr>
           <a:xfrm>
             <a:off x="1097280" y="5074920"/>
-            <a:ext cx="10113264" cy="822960"/>
+            <a:ext cx="10113645" cy="822960"/>
           </a:xfrm>
         </p:spPr>
         <p:txBody>
-          <a:bodyPr lIns="91440" tIns="0" rIns="91440" bIns="0" anchor="b">
+          <a:bodyPr tIns="0" bIns="0" anchor="b">
             <a:noAutofit/>
           </a:bodyPr>
           <a:lstStyle>
@@ -3790,23 +3915,18 @@
             <a:off x="15" y="0"/>
             <a:ext cx="12191985" cy="4915076"/>
           </a:xfrm>
-          <a:blipFill>
-            <a:blip r:embed="rId2"/>
-            <a:stretch>
-              <a:fillRect/>
-            </a:stretch>
-          </a:blipFill>
+          <a:solidFill>
+            <a:schemeClr val="bg2">
+              <a:lumMod val="90000"/>
+            </a:schemeClr>
+          </a:solidFill>
         </p:spPr>
         <p:txBody>
           <a:bodyPr lIns="457200" tIns="457200" anchor="t"/>
           <a:lstStyle>
             <a:lvl1pPr marL="0" indent="0">
               <a:buNone/>
-              <a:defRPr sz="3200">
-                <a:solidFill>
-                  <a:schemeClr val="bg1"/>
-                </a:solidFill>
-              </a:defRPr>
+              <a:defRPr sz="3200"/>
             </a:lvl1pPr>
             <a:lvl2pPr marL="457200" indent="0">
               <a:buNone/>
@@ -3862,7 +3982,7 @@
         </p:nvSpPr>
         <p:spPr>
           <a:xfrm>
-            <a:off x="1097280" y="5907023"/>
+            <a:off x="1097280" y="5907024"/>
             <a:ext cx="10113264" cy="594360"/>
           </a:xfrm>
         </p:spPr>
@@ -3995,7 +4115,7 @@
     </p:spTree>
     <p:extLst>
       <p:ext uri="{BB962C8B-B14F-4D97-AF65-F5344CB8AC3E}">
-        <p14:creationId xmlns:p14="http://schemas.microsoft.com/office/powerpoint/2010/main" val="2346858311"/>
+        <p14:creationId xmlns:p14="http://schemas.microsoft.com/office/powerpoint/2010/main" val="1033614599"/>
       </p:ext>
     </p:extLst>
   </p:cSld>
@@ -4035,8 +4155,8 @@
         </p:nvSpPr>
         <p:spPr>
           <a:xfrm>
-            <a:off x="1" y="6400800"/>
-            <a:ext cx="12192000" cy="457200"/>
+            <a:off x="3175" y="6400800"/>
+            <a:ext cx="12188825" cy="457200"/>
           </a:xfrm>
           <a:prstGeom prst="rect">
             <a:avLst/>
@@ -4073,8 +4193,8 @@
         </p:nvSpPr>
         <p:spPr>
           <a:xfrm>
-            <a:off x="0" y="6334316"/>
-            <a:ext cx="12192001" cy="65998"/>
+            <a:off x="15" y="6334316"/>
+            <a:ext cx="12188825" cy="64008"/>
           </a:xfrm>
           <a:prstGeom prst="rect">
             <a:avLst/>
@@ -4354,23 +4474,23 @@
     </p:spTree>
     <p:extLst>
       <p:ext uri="{BB962C8B-B14F-4D97-AF65-F5344CB8AC3E}">
-        <p14:creationId xmlns:p14="http://schemas.microsoft.com/office/powerpoint/2010/main" val="1965880765"/>
+        <p14:creationId xmlns:p14="http://schemas.microsoft.com/office/powerpoint/2010/main" val="1166207043"/>
       </p:ext>
     </p:extLst>
   </p:cSld>
   <p:clrMap bg1="lt1" tx1="dk1" bg2="lt2" tx2="dk2" accent1="accent1" accent2="accent2" accent3="accent3" accent4="accent4" accent5="accent5" accent6="accent6" hlink="hlink" folHlink="folHlink"/>
   <p:sldLayoutIdLst>
-    <p:sldLayoutId id="2147483949" r:id="rId1"/>
-    <p:sldLayoutId id="2147483950" r:id="rId2"/>
-    <p:sldLayoutId id="2147483951" r:id="rId3"/>
-    <p:sldLayoutId id="2147483952" r:id="rId4"/>
-    <p:sldLayoutId id="2147483953" r:id="rId5"/>
-    <p:sldLayoutId id="2147483954" r:id="rId6"/>
-    <p:sldLayoutId id="2147483955" r:id="rId7"/>
-    <p:sldLayoutId id="2147483956" r:id="rId8"/>
-    <p:sldLayoutId id="2147483957" r:id="rId9"/>
-    <p:sldLayoutId id="2147483958" r:id="rId10"/>
-    <p:sldLayoutId id="2147483959" r:id="rId11"/>
+    <p:sldLayoutId id="2147483973" r:id="rId1"/>
+    <p:sldLayoutId id="2147483974" r:id="rId2"/>
+    <p:sldLayoutId id="2147483975" r:id="rId3"/>
+    <p:sldLayoutId id="2147483976" r:id="rId4"/>
+    <p:sldLayoutId id="2147483977" r:id="rId5"/>
+    <p:sldLayoutId id="2147483978" r:id="rId6"/>
+    <p:sldLayoutId id="2147483979" r:id="rId7"/>
+    <p:sldLayoutId id="2147483980" r:id="rId8"/>
+    <p:sldLayoutId id="2147483981" r:id="rId9"/>
+    <p:sldLayoutId id="2147483982" r:id="rId10"/>
+    <p:sldLayoutId id="2147483983" r:id="rId11"/>
   </p:sldLayoutIdLst>
   <p:hf sldNum="0" hdr="0" ftr="0" dt="0"/>
   <p:txStyles>
@@ -4770,12 +4890,27 @@
         </p:nvSpPr>
         <p:spPr/>
         <p:txBody>
-          <a:bodyPr/>
-          <a:lstStyle/>
-          <a:p>
-            <a:r>
-              <a:rPr lang="da-DK" dirty="0"/>
-              <a:t>Automatisk Ultralydsscanner</a:t>
+          <a:bodyPr>
+            <a:normAutofit/>
+          </a:bodyPr>
+          <a:lstStyle/>
+          <a:p>
+            <a:r>
+              <a:rPr lang="da-DK" sz="6000" dirty="0">
+                <a:latin typeface="+mn-lt"/>
+              </a:rPr>
+              <a:t>AUTOMATISK </a:t>
+            </a:r>
+            <a:br>
+              <a:rPr lang="da-DK" sz="6000" dirty="0">
+                <a:latin typeface="+mn-lt"/>
+              </a:rPr>
+            </a:br>
+            <a:r>
+              <a:rPr lang="da-DK" sz="6000" dirty="0">
+                <a:latin typeface="+mn-lt"/>
+              </a:rPr>
+              <a:t>ULTRALYDSSCANNER</a:t>
             </a:r>
           </a:p>
         </p:txBody>
@@ -4802,6 +4937,42 @@
           </a:p>
         </p:txBody>
       </p:sp>
+      <p:pic>
+        <p:nvPicPr>
+          <p:cNvPr id="4" name="Billede 3"/>
+          <p:cNvPicPr>
+            <a:picLocks noChangeAspect="1"/>
+          </p:cNvPicPr>
+          <p:nvPr/>
+        </p:nvPicPr>
+        <p:blipFill>
+          <a:blip r:embed="rId2">
+            <a:extLst>
+              <a:ext uri="{BEBA8EAE-BF5A-486C-A8C5-ECC9F3942E4B}">
+                <a14:imgProps xmlns:a14="http://schemas.microsoft.com/office/drawing/2010/main">
+                  <a14:imgLayer r:embed="rId3">
+                    <a14:imgEffect>
+                      <a14:saturation sat="400000"/>
+                    </a14:imgEffect>
+                  </a14:imgLayer>
+                </a14:imgProps>
+              </a:ext>
+            </a:extLst>
+          </a:blip>
+          <a:stretch>
+            <a:fillRect/>
+          </a:stretch>
+        </p:blipFill>
+        <p:spPr>
+          <a:xfrm>
+            <a:off x="6415423" y="-226746"/>
+            <a:ext cx="4234071" cy="4945702"/>
+          </a:xfrm>
+          <a:prstGeom prst="rect">
+            <a:avLst/>
+          </a:prstGeom>
+        </p:spPr>
+      </p:pic>
     </p:spTree>
     <p:extLst>
       <p:ext uri="{BB962C8B-B14F-4D97-AF65-F5344CB8AC3E}">
@@ -4875,37 +5046,79 @@
             </a:r>
           </a:p>
           <a:p>
-            <a:endParaRPr lang="da-DK" b="1" dirty="0"/>
-          </a:p>
-          <a:p>
-            <a:r>
-              <a:rPr lang="da-DK" b="1" dirty="0"/>
-              <a:t>Risikovurdering</a:t>
-            </a:r>
-          </a:p>
-          <a:p>
-            <a:endParaRPr lang="da-DK" b="1" dirty="0"/>
-          </a:p>
-          <a:p>
-            <a:r>
-              <a:rPr lang="da-DK" b="1" dirty="0" err="1"/>
+            <a:r>
+              <a:rPr lang="da-DK" dirty="0"/>
+              <a:t>- </a:t>
+            </a:r>
+            <a:r>
+              <a:rPr lang="da-DK" dirty="0" err="1"/>
+              <a:t>Scrumboard</a:t>
+            </a:r>
+            <a:r>
+              <a:rPr lang="da-DK" dirty="0"/>
+              <a:t> </a:t>
+            </a:r>
+          </a:p>
+          <a:p>
+            <a:r>
+              <a:rPr lang="da-DK" dirty="0"/>
+              <a:t>- Evaluering af sprint</a:t>
+            </a:r>
+          </a:p>
+          <a:p>
+            <a:r>
+              <a:rPr lang="da-DK" dirty="0"/>
+              <a:t>- Risikovurdering af projektet</a:t>
+            </a:r>
+          </a:p>
+          <a:p>
+            <a:r>
+              <a:rPr lang="da-DK" dirty="0"/>
+              <a:t>- </a:t>
+            </a:r>
+            <a:r>
+              <a:rPr lang="da-DK" dirty="0" err="1"/>
               <a:t>Burndown</a:t>
             </a:r>
             <a:r>
-              <a:rPr lang="da-DK" b="1" dirty="0"/>
+              <a:rPr lang="da-DK" dirty="0"/>
               <a:t> </a:t>
             </a:r>
             <a:r>
-              <a:rPr lang="da-DK" b="1" dirty="0" err="1"/>
+              <a:rPr lang="da-DK" dirty="0" err="1"/>
               <a:t>charts</a:t>
             </a:r>
-            <a:endParaRPr lang="da-DK" b="1" dirty="0"/>
-          </a:p>
-          <a:p>
             <a:endParaRPr lang="da-DK" dirty="0"/>
           </a:p>
-        </p:txBody>
-      </p:sp>
+          <a:p>
+            <a:endParaRPr lang="da-DK" dirty="0"/>
+          </a:p>
+        </p:txBody>
+      </p:sp>
+      <p:pic>
+        <p:nvPicPr>
+          <p:cNvPr id="4" name="Billede 3"/>
+          <p:cNvPicPr>
+            <a:picLocks noChangeAspect="1"/>
+          </p:cNvPicPr>
+          <p:nvPr/>
+        </p:nvPicPr>
+        <p:blipFill>
+          <a:blip r:embed="rId2"/>
+          <a:stretch>
+            <a:fillRect/>
+          </a:stretch>
+        </p:blipFill>
+        <p:spPr>
+          <a:xfrm>
+            <a:off x="5732522" y="2161727"/>
+            <a:ext cx="5096586" cy="3391373"/>
+          </a:xfrm>
+          <a:prstGeom prst="rect">
+            <a:avLst/>
+          </a:prstGeom>
+        </p:spPr>
+      </p:pic>
     </p:spTree>
     <p:extLst>
       <p:ext uri="{BB962C8B-B14F-4D97-AF65-F5344CB8AC3E}">
@@ -5086,13 +5299,13 @@
           <a:p>
             <a:r>
               <a:rPr lang="da-DK" dirty="0"/>
-              <a:t>Opdeling i genbrugelige moduler </a:t>
+              <a:t>- Opdeling i genbrugelige moduler </a:t>
             </a:r>
           </a:p>
           <a:p>
             <a:r>
               <a:rPr lang="da-DK" dirty="0"/>
-              <a:t>Lav kobling, høj samhørighed</a:t>
+              <a:t>- Lav kobling, høj samhørighed</a:t>
             </a:r>
           </a:p>
         </p:txBody>
@@ -5287,8 +5500,8 @@
         </p:blipFill>
         <p:spPr>
           <a:xfrm>
-            <a:off x="2264899" y="1737360"/>
-            <a:ext cx="8102991" cy="4557933"/>
+            <a:off x="0" y="0"/>
+            <a:ext cx="12192000" cy="6858000"/>
           </a:xfrm>
           <a:prstGeom prst="rect">
             <a:avLst/>
@@ -5341,60 +5554,96 @@
           <a:lstStyle/>
           <a:p>
             <a:r>
+              <a:rPr lang="da-DK" dirty="0">
+                <a:latin typeface="+mn-lt"/>
+              </a:rPr>
+              <a:t>Agenda</a:t>
+            </a:r>
+          </a:p>
+        </p:txBody>
+      </p:sp>
+      <p:sp>
+        <p:nvSpPr>
+          <p:cNvPr id="3" name="Pladsholder til indhold 2"/>
+          <p:cNvSpPr>
+            <a:spLocks noGrp="1"/>
+          </p:cNvSpPr>
+          <p:nvPr>
+            <p:ph idx="1"/>
+          </p:nvPr>
+        </p:nvSpPr>
+        <p:spPr/>
+        <p:txBody>
+          <a:bodyPr/>
+          <a:lstStyle/>
+          <a:p>
+            <a:pPr>
+              <a:buFont typeface="Arial" panose="020B0604020202020204" pitchFamily="34" charset="0"/>
+              <a:buChar char="•"/>
+            </a:pPr>
+            <a:r>
               <a:rPr lang="da-DK" dirty="0"/>
-              <a:t>Agenda</a:t>
-            </a:r>
-          </a:p>
-        </p:txBody>
-      </p:sp>
-      <p:sp>
-        <p:nvSpPr>
-          <p:cNvPr id="3" name="Pladsholder til indhold 2"/>
-          <p:cNvSpPr>
-            <a:spLocks noGrp="1"/>
-          </p:cNvSpPr>
-          <p:nvPr>
-            <p:ph idx="1"/>
-          </p:nvPr>
-        </p:nvSpPr>
-        <p:spPr/>
-        <p:txBody>
-          <a:bodyPr/>
-          <a:lstStyle/>
-          <a:p>
+              <a:t> Indledning</a:t>
+            </a:r>
+          </a:p>
+          <a:p>
+            <a:pPr>
+              <a:buFont typeface="Arial" panose="020B0604020202020204" pitchFamily="34" charset="0"/>
+              <a:buChar char="•"/>
+            </a:pPr>
             <a:r>
               <a:rPr lang="da-DK" dirty="0"/>
-              <a:t>Indledning</a:t>
-            </a:r>
-          </a:p>
-          <a:p>
+              <a:t> Analyser </a:t>
+            </a:r>
+          </a:p>
+          <a:p>
+            <a:pPr>
+              <a:buFont typeface="Arial" panose="020B0604020202020204" pitchFamily="34" charset="0"/>
+              <a:buChar char="•"/>
+            </a:pPr>
             <a:r>
               <a:rPr lang="da-DK" dirty="0"/>
-              <a:t>Analyser </a:t>
-            </a:r>
-          </a:p>
-          <a:p>
+              <a:t> Metoder</a:t>
+            </a:r>
+          </a:p>
+          <a:p>
+            <a:pPr>
+              <a:buFont typeface="Arial" panose="020B0604020202020204" pitchFamily="34" charset="0"/>
+              <a:buChar char="•"/>
+            </a:pPr>
             <a:r>
               <a:rPr lang="da-DK" dirty="0"/>
-              <a:t>Metoder</a:t>
-            </a:r>
-          </a:p>
-          <a:p>
+              <a:t> Systemkrav</a:t>
+            </a:r>
+          </a:p>
+          <a:p>
+            <a:pPr>
+              <a:buFont typeface="Arial" panose="020B0604020202020204" pitchFamily="34" charset="0"/>
+              <a:buChar char="•"/>
+            </a:pPr>
             <a:r>
               <a:rPr lang="da-DK" dirty="0"/>
-              <a:t>Systemkrav</a:t>
-            </a:r>
-          </a:p>
-          <a:p>
+              <a:t> Software </a:t>
+            </a:r>
+          </a:p>
+          <a:p>
+            <a:pPr>
+              <a:buFont typeface="Arial" panose="020B0604020202020204" pitchFamily="34" charset="0"/>
+              <a:buChar char="•"/>
+            </a:pPr>
             <a:r>
               <a:rPr lang="da-DK" dirty="0"/>
-              <a:t>Software </a:t>
-            </a:r>
-          </a:p>
-          <a:p>
+              <a:t> Konklusion</a:t>
+            </a:r>
+          </a:p>
+          <a:p>
+            <a:pPr>
+              <a:buFont typeface="Arial" panose="020B0604020202020204" pitchFamily="34" charset="0"/>
+              <a:buChar char="•"/>
+            </a:pPr>
             <a:r>
               <a:rPr lang="da-DK" dirty="0"/>
-              <a:t>Konklusion </a:t>
+              <a:t> Præsentation </a:t>
             </a:r>
           </a:p>
         </p:txBody>
@@ -5473,9 +5722,13 @@
             <a:endParaRPr lang="da-DK" dirty="0"/>
           </a:p>
           <a:p>
+            <a:pPr>
+              <a:buFont typeface="Arial" panose="020B0604020202020204" pitchFamily="34" charset="0"/>
+              <a:buChar char="•"/>
+            </a:pPr>
             <a:r>
               <a:rPr lang="da-DK" dirty="0"/>
-              <a:t>- Søren Pallesen fra </a:t>
+              <a:t> Søren Pallesen fra </a:t>
             </a:r>
             <a:r>
               <a:rPr lang="da-DK" dirty="0" err="1"/>
@@ -5495,27 +5748,43 @@
             </a:r>
           </a:p>
           <a:p>
+            <a:pPr>
+              <a:buFont typeface="Arial" panose="020B0604020202020204" pitchFamily="34" charset="0"/>
+              <a:buChar char="•"/>
+            </a:pPr>
             <a:r>
               <a:rPr lang="da-DK" dirty="0"/>
-              <a:t>- Uhensigtsmæssigheder ved mammografi med røntgen </a:t>
-            </a:r>
-          </a:p>
-          <a:p>
+              <a:t> Uhensigtsmæssigheder ved mammografi med røntgen </a:t>
+            </a:r>
+          </a:p>
+          <a:p>
+            <a:pPr>
+              <a:buFont typeface="Arial" panose="020B0604020202020204" pitchFamily="34" charset="0"/>
+              <a:buChar char="•"/>
+            </a:pPr>
             <a:r>
               <a:rPr lang="da-DK" dirty="0"/>
-              <a:t>- Fordele ved brug af kombination af ultralyd og røntgen</a:t>
-            </a:r>
-          </a:p>
-          <a:p>
+              <a:t> Fordele ved brug af kombination af ultralyd og røntgen</a:t>
+            </a:r>
+          </a:p>
+          <a:p>
+            <a:pPr>
+              <a:buFont typeface="Arial" panose="020B0604020202020204" pitchFamily="34" charset="0"/>
+              <a:buChar char="•"/>
+            </a:pPr>
             <a:r>
               <a:rPr lang="da-DK" dirty="0"/>
-              <a:t>- Udvidelse af screeninger for brystkræft</a:t>
-            </a:r>
-          </a:p>
-          <a:p>
+              <a:t> Udvidelse af screeninger for brystkræft</a:t>
+            </a:r>
+          </a:p>
+          <a:p>
+            <a:pPr>
+              <a:buFont typeface="Arial" panose="020B0604020202020204" pitchFamily="34" charset="0"/>
+              <a:buChar char="•"/>
+            </a:pPr>
             <a:r>
               <a:rPr lang="da-DK" dirty="0"/>
-              <a:t>- </a:t>
+              <a:t> </a:t>
             </a:r>
             <a:r>
               <a:rPr lang="da-DK" dirty="0" err="1"/>
@@ -5604,7 +5873,7 @@
         <p:spPr>
           <a:xfrm>
             <a:off x="1097280" y="1845734"/>
-            <a:ext cx="10485120" cy="4023360"/>
+            <a:ext cx="10058400" cy="4023360"/>
           </a:xfrm>
         </p:spPr>
         <p:txBody>
@@ -5619,27 +5888,43 @@
             </a:r>
           </a:p>
           <a:p>
+            <a:pPr>
+              <a:buFont typeface="Arial" panose="020B0604020202020204" pitchFamily="34" charset="0"/>
+              <a:buChar char="•"/>
+            </a:pPr>
             <a:r>
               <a:rPr lang="da-DK" dirty="0"/>
-              <a:t>- Hvordan vil en automatiseret ultralydsscanning til screening for brystkræft kunne udvikles ved brug  af robotarm og 3D kamera?</a:t>
-            </a:r>
-          </a:p>
-          <a:p>
+              <a:t> Hvordan vil en automatiseret ultralydsscanning til screening for brystkræft kunne udvikles ved brug  af robotarm og 3D kamera?</a:t>
+            </a:r>
+          </a:p>
+          <a:p>
+            <a:pPr>
+              <a:buFont typeface="Arial" panose="020B0604020202020204" pitchFamily="34" charset="0"/>
+              <a:buChar char="•"/>
+            </a:pPr>
             <a:r>
               <a:rPr lang="da-DK" dirty="0"/>
-              <a:t>- Hvilke omkostninger vil indførslen af en Automatisk Ultralydsscanner kunne give?</a:t>
-            </a:r>
-          </a:p>
-          <a:p>
+              <a:t> Hvilke omkostninger vil indførslen af en Automatisk Ultralydsscanner kunne give?</a:t>
+            </a:r>
+          </a:p>
+          <a:p>
+            <a:pPr>
+              <a:buFont typeface="Arial" panose="020B0604020202020204" pitchFamily="34" charset="0"/>
+              <a:buChar char="•"/>
+            </a:pPr>
             <a:r>
               <a:rPr lang="da-DK" dirty="0"/>
-              <a:t>- Hvilke konsekvenser vil en tilføjelse af Automatisk Ultralydsscanner til screeningsprogrammet have?</a:t>
-            </a:r>
-          </a:p>
-          <a:p>
+              <a:t> Hvilke konsekvenser vil en tilføjelse af Automatisk Ultralydsscanner til screeningsprogrammet     have?</a:t>
+            </a:r>
+          </a:p>
+          <a:p>
+            <a:pPr>
+              <a:buFont typeface="Arial" panose="020B0604020202020204" pitchFamily="34" charset="0"/>
+              <a:buChar char="•"/>
+            </a:pPr>
             <a:r>
               <a:rPr lang="da-DK" dirty="0"/>
-              <a:t>- Hvad kræves for at få Automatisk Ultralydsscanner CE-mærket?</a:t>
+              <a:t> Hvad kræves for at få Automatisk Ultralydsscanner CE-mærket?</a:t>
             </a:r>
           </a:p>
           <a:p>
@@ -5901,7 +6186,30 @@
             </a:r>
           </a:p>
           <a:p>
-            <a:endParaRPr lang="da-DK" dirty="0"/>
+            <a:r>
+              <a:rPr lang="da-DK" dirty="0"/>
+              <a:t>- </a:t>
+            </a:r>
+            <a:r>
+              <a:rPr lang="da-DK" dirty="0" err="1"/>
+              <a:t>Break-even</a:t>
+            </a:r>
+            <a:r>
+              <a:rPr lang="da-DK" dirty="0"/>
+              <a:t> analyse</a:t>
+            </a:r>
+          </a:p>
+          <a:p>
+            <a:r>
+              <a:rPr lang="da-DK" dirty="0"/>
+              <a:t>- Transport som variabel </a:t>
+            </a:r>
+          </a:p>
+          <a:p>
+            <a:r>
+              <a:rPr lang="da-DK" dirty="0"/>
+              <a:t>- Omkostninger til udstyr </a:t>
+            </a:r>
           </a:p>
           <a:p>
             <a:pPr marL="0" indent="0">
@@ -5911,6 +6219,30 @@
           </a:p>
         </p:txBody>
       </p:sp>
+      <p:pic>
+        <p:nvPicPr>
+          <p:cNvPr id="4" name="Billede 3"/>
+          <p:cNvPicPr>
+            <a:picLocks noChangeAspect="1"/>
+          </p:cNvPicPr>
+          <p:nvPr/>
+        </p:nvPicPr>
+        <p:blipFill>
+          <a:blip r:embed="rId2"/>
+          <a:stretch>
+            <a:fillRect/>
+          </a:stretch>
+        </p:blipFill>
+        <p:spPr>
+          <a:xfrm>
+            <a:off x="4278630" y="2442869"/>
+            <a:ext cx="6877050" cy="2619375"/>
+          </a:xfrm>
+          <a:prstGeom prst="rect">
+            <a:avLst/>
+          </a:prstGeom>
+        </p:spPr>
+      </p:pic>
     </p:spTree>
     <p:extLst>
       <p:ext uri="{BB962C8B-B14F-4D97-AF65-F5344CB8AC3E}">
@@ -5982,6 +6314,39 @@
               <a:rPr lang="da-DK" b="1" dirty="0"/>
               <a:t>Forskningslitteratur om screeninger</a:t>
             </a:r>
+          </a:p>
+          <a:p>
+            <a:r>
+              <a:rPr lang="da-DK" dirty="0"/>
+              <a:t>- Nationale og internationale studier</a:t>
+            </a:r>
+          </a:p>
+          <a:p>
+            <a:r>
+              <a:rPr lang="da-DK" dirty="0"/>
+              <a:t>- Kombination af ultralyd og røntgen opdager tidligere stadier af kræft </a:t>
+            </a:r>
+          </a:p>
+          <a:p>
+            <a:r>
+              <a:rPr lang="da-DK" dirty="0"/>
+              <a:t>- Billigere behandling og højere overlevelsesprocent ved tidligere stadier </a:t>
+            </a:r>
+          </a:p>
+          <a:p>
+            <a:r>
+              <a:rPr lang="da-DK" dirty="0"/>
+              <a:t>- Overdiagnosticering og unødvendig behandling </a:t>
+            </a:r>
+          </a:p>
+          <a:p>
+            <a:r>
+              <a:rPr lang="da-DK" dirty="0"/>
+              <a:t>- Omkostningseffektivitet, QALY </a:t>
+            </a:r>
+          </a:p>
+          <a:p>
+            <a:endParaRPr lang="da-DK" dirty="0"/>
           </a:p>
           <a:p>
             <a:endParaRPr lang="da-DK" dirty="0"/>
@@ -6105,42 +6470,42 @@
 <file path=ppt/theme/theme1.xml><?xml version="1.0" encoding="utf-8"?>
 <a:theme xmlns:a="http://schemas.openxmlformats.org/drawingml/2006/main" name="Retrospektiv">
   <a:themeElements>
-    <a:clrScheme name="Retrospektiv">
+    <a:clrScheme name="Blågrøn">
       <a:dk1>
-        <a:srgbClr val="000000"/>
+        <a:sysClr val="windowText" lastClr="000000"/>
       </a:dk1>
       <a:lt1>
         <a:sysClr val="window" lastClr="FFFFFF"/>
       </a:lt1>
       <a:dk2>
-        <a:srgbClr val="637052"/>
+        <a:srgbClr val="373545"/>
       </a:dk2>
       <a:lt2>
-        <a:srgbClr val="CCDDEA"/>
+        <a:srgbClr val="CEDBE6"/>
       </a:lt2>
       <a:accent1>
-        <a:srgbClr val="E48312"/>
+        <a:srgbClr val="3494BA"/>
       </a:accent1>
       <a:accent2>
-        <a:srgbClr val="BD582C"/>
+        <a:srgbClr val="58B6C0"/>
       </a:accent2>
       <a:accent3>
-        <a:srgbClr val="865640"/>
+        <a:srgbClr val="75BDA7"/>
       </a:accent3>
       <a:accent4>
-        <a:srgbClr val="9B8357"/>
+        <a:srgbClr val="7A8C8E"/>
       </a:accent4>
       <a:accent5>
-        <a:srgbClr val="C2BC80"/>
+        <a:srgbClr val="84ACB6"/>
       </a:accent5>
       <a:accent6>
-        <a:srgbClr val="94A088"/>
+        <a:srgbClr val="2683C6"/>
       </a:accent6>
       <a:hlink>
-        <a:srgbClr val="2998E3"/>
+        <a:srgbClr val="6B9F25"/>
       </a:hlink>
       <a:folHlink>
-        <a:srgbClr val="8C8C8C"/>
+        <a:srgbClr val="9F6715"/>
       </a:folHlink>
     </a:clrScheme>
     <a:fontScheme name="Retrospektiv">
@@ -6379,7 +6744,7 @@
   <a:extraClrSchemeLst/>
   <a:extLst>
     <a:ext uri="{05A4C25C-085E-4340-85A3-A5531E510DB2}">
-      <thm15:themeFamily xmlns:thm15="http://schemas.microsoft.com/office/thememl/2012/main" name="Retrospect" id="{5F128B03-DCCA-4EEB-AB3B-CF2899314A46}" vid="{3F1AAB62-24C6-49D2-8E01-B56FAC9A3DCD}"/>
+      <thm15:themeFamily xmlns:thm15="http://schemas.microsoft.com/office/thememl/2012/main" name="Retrospect" id="{5F128B03-DCCA-4EEB-AB3B-CF2899314A46}" vid="{9CC26709-368C-4D72-9060-94E5B3FF3CD6}"/>
     </a:ext>
   </a:extLst>
 </a:theme>

--- a/Præsentation_Eksamen.pptx
+++ b/Præsentation_Eksamen.pptx
@@ -143,6 +143,9 @@
         </p14:section>
       </p14:sectionLst>
     </p:ext>
+    <p:ext uri="{EFAFB233-063F-42B5-8137-9DF3F51BA10A}">
+      <p15:sldGuideLst xmlns:p15="http://schemas.microsoft.com/office/powerpoint/2012/main"/>
+    </p:ext>
   </p:extLst>
 </p:presentation>
 </file>
@@ -324,7 +327,6 @@
               <a:rPr lang="da-DK"/>
               <a:t>Femte niveau</a:t>
             </a:r>
-            <a:endParaRPr lang="da-DK"/>
           </a:p>
         </p:txBody>
       </p:sp>
@@ -541,18 +543,6 @@
           <a:bodyPr/>
           <a:lstStyle/>
           <a:p>
-            <a:r>
-              <a:rPr lang="da-DK" dirty="0" err="1"/>
-              <a:t>Proof</a:t>
-            </a:r>
-            <a:r>
-              <a:rPr lang="da-DK" dirty="0"/>
-              <a:t> of </a:t>
-            </a:r>
-            <a:r>
-              <a:rPr lang="da-DK" dirty="0" err="1"/>
-              <a:t>concept</a:t>
-            </a:r>
             <a:endParaRPr lang="da-DK" dirty="0"/>
           </a:p>
         </p:txBody>
@@ -574,7 +564,7 @@
           <a:p>
             <a:fld id="{81DAF125-77CF-4549-A25B-16435FA351B7}" type="slidenum">
               <a:rPr lang="da-DK" smtClean="0"/>
-              <a:t>4</a:t>
+              <a:t>1</a:t>
             </a:fld>
             <a:endParaRPr lang="da-DK"/>
           </a:p>
@@ -583,7 +573,7 @@
     </p:spTree>
     <p:extLst>
       <p:ext uri="{BB962C8B-B14F-4D97-AF65-F5344CB8AC3E}">
-        <p14:creationId xmlns:p14="http://schemas.microsoft.com/office/powerpoint/2010/main" val="587981342"/>
+        <p14:creationId xmlns:p14="http://schemas.microsoft.com/office/powerpoint/2010/main" val="2145411434"/>
       </p:ext>
     </p:extLst>
   </p:cSld>
@@ -637,6 +627,18 @@
           <a:bodyPr/>
           <a:lstStyle/>
           <a:p>
+            <a:r>
+              <a:rPr lang="da-DK" dirty="0" err="1"/>
+              <a:t>Proof</a:t>
+            </a:r>
+            <a:r>
+              <a:rPr lang="da-DK" dirty="0"/>
+              <a:t> of </a:t>
+            </a:r>
+            <a:r>
+              <a:rPr lang="da-DK" dirty="0" err="1"/>
+              <a:t>concept</a:t>
+            </a:r>
             <a:endParaRPr lang="da-DK" dirty="0"/>
           </a:p>
         </p:txBody>
@@ -658,7 +660,7 @@
           <a:p>
             <a:fld id="{81DAF125-77CF-4549-A25B-16435FA351B7}" type="slidenum">
               <a:rPr lang="da-DK" smtClean="0"/>
-              <a:t>5</a:t>
+              <a:t>4</a:t>
             </a:fld>
             <a:endParaRPr lang="da-DK"/>
           </a:p>
@@ -667,7 +669,7 @@
     </p:spTree>
     <p:extLst>
       <p:ext uri="{BB962C8B-B14F-4D97-AF65-F5344CB8AC3E}">
-        <p14:creationId xmlns:p14="http://schemas.microsoft.com/office/powerpoint/2010/main" val="2705765586"/>
+        <p14:creationId xmlns:p14="http://schemas.microsoft.com/office/powerpoint/2010/main" val="587981342"/>
       </p:ext>
     </p:extLst>
   </p:cSld>
@@ -721,52 +723,7 @@
           <a:bodyPr/>
           <a:lstStyle/>
           <a:p>
-            <a:r>
-              <a:rPr lang="da-DK" dirty="0"/>
-              <a:t>Størstedelen af litteraturen konkluderer, at mere forskning er nødvendig på området. Det</a:t>
-            </a:r>
-          </a:p>
-          <a:p>
-            <a:r>
-              <a:rPr lang="da-DK" dirty="0"/>
-              <a:t>kan derfor være svært at lave en endelig konklusion på, hvorvidt en udvidelse af screeningsprogrammet</a:t>
-            </a:r>
-          </a:p>
-          <a:p>
-            <a:r>
-              <a:rPr lang="da-DK" dirty="0"/>
-              <a:t>vil være en god idé. Fordelen er, at man ved en kombination af ultralyd og</a:t>
-            </a:r>
-          </a:p>
-          <a:p>
-            <a:r>
-              <a:rPr lang="da-DK" dirty="0"/>
-              <a:t>røntgen kan opdage tidligere stadier af kræft, hvilket er billigere, og overlevelsesprocenten</a:t>
-            </a:r>
-          </a:p>
-          <a:p>
-            <a:r>
-              <a:rPr lang="da-DK" dirty="0"/>
-              <a:t>er højere. Ulemperne er, at der sker overdiagnosticering ved screeninger, og patienter derfor</a:t>
-            </a:r>
-          </a:p>
-          <a:p>
-            <a:r>
-              <a:rPr lang="da-DK" dirty="0"/>
-              <a:t>behandles uden grund. Tilføjelse af ultralydsscanninger til screeningsprogrammet vil øge</a:t>
-            </a:r>
-          </a:p>
-          <a:p>
-            <a:r>
-              <a:rPr lang="da-DK" dirty="0"/>
-              <a:t>omkostningerne og dermed prisen pr. QALY, hvilket sandsynligvis vil betyde, at udvidelse</a:t>
-            </a:r>
-          </a:p>
-          <a:p>
-            <a:r>
-              <a:rPr lang="da-DK" dirty="0"/>
-              <a:t>af screeningsprogrammet ikke er omkostningseffektivt.</a:t>
-            </a:r>
+            <a:endParaRPr lang="da-DK" dirty="0"/>
           </a:p>
         </p:txBody>
       </p:sp>
@@ -787,7 +744,7 @@
           <a:p>
             <a:fld id="{81DAF125-77CF-4549-A25B-16435FA351B7}" type="slidenum">
               <a:rPr lang="da-DK" smtClean="0"/>
-              <a:t>8</a:t>
+              <a:t>5</a:t>
             </a:fld>
             <a:endParaRPr lang="da-DK"/>
           </a:p>
@@ -796,7 +753,7 @@
     </p:spTree>
     <p:extLst>
       <p:ext uri="{BB962C8B-B14F-4D97-AF65-F5344CB8AC3E}">
-        <p14:creationId xmlns:p14="http://schemas.microsoft.com/office/powerpoint/2010/main" val="1022816383"/>
+        <p14:creationId xmlns:p14="http://schemas.microsoft.com/office/powerpoint/2010/main" val="2705765586"/>
       </p:ext>
     </p:extLst>
   </p:cSld>
@@ -852,29 +809,50 @@
           <a:p>
             <a:r>
               <a:rPr lang="da-DK" dirty="0"/>
-              <a:t>Interesseområder, fremtid, gav mening efter kompetencer </a:t>
-            </a:r>
-            <a:r>
-              <a:rPr lang="da-DK" dirty="0" err="1"/>
-              <a:t>bla</a:t>
-            </a:r>
-            <a:r>
-              <a:rPr lang="da-DK" baseline="0" dirty="0"/>
-              <a:t> </a:t>
-            </a:r>
-            <a:r>
-              <a:rPr lang="da-DK" baseline="0" dirty="0" err="1"/>
-              <a:t>bla</a:t>
-            </a:r>
-            <a:r>
-              <a:rPr lang="da-DK" baseline="0" dirty="0"/>
-              <a:t> </a:t>
-            </a:r>
-            <a:r>
-              <a:rPr lang="da-DK" baseline="0" dirty="0" err="1"/>
-              <a:t>bla</a:t>
-            </a:r>
-            <a:endParaRPr lang="da-DK" dirty="0"/>
+              <a:t>Størstedelen af litteraturen konkluderer, at mere forskning er nødvendig på området. Det</a:t>
+            </a:r>
+          </a:p>
+          <a:p>
+            <a:r>
+              <a:rPr lang="da-DK" dirty="0"/>
+              <a:t>kan derfor være svært at lave en endelig konklusion på, hvorvidt en udvidelse af screeningsprogrammet</a:t>
+            </a:r>
+          </a:p>
+          <a:p>
+            <a:r>
+              <a:rPr lang="da-DK" dirty="0"/>
+              <a:t>vil være en god idé. Fordelen er, at man ved en kombination af ultralyd og</a:t>
+            </a:r>
+          </a:p>
+          <a:p>
+            <a:r>
+              <a:rPr lang="da-DK" dirty="0"/>
+              <a:t>røntgen kan opdage tidligere stadier af kræft, hvilket er billigere, og overlevelsesprocenten</a:t>
+            </a:r>
+          </a:p>
+          <a:p>
+            <a:r>
+              <a:rPr lang="da-DK" dirty="0"/>
+              <a:t>er højere. Ulemperne er, at der sker overdiagnosticering ved screeninger, og patienter derfor</a:t>
+            </a:r>
+          </a:p>
+          <a:p>
+            <a:r>
+              <a:rPr lang="da-DK" dirty="0"/>
+              <a:t>behandles uden grund. Tilføjelse af ultralydsscanninger til screeningsprogrammet vil øge</a:t>
+            </a:r>
+          </a:p>
+          <a:p>
+            <a:r>
+              <a:rPr lang="da-DK" dirty="0"/>
+              <a:t>omkostningerne og dermed prisen pr. QALY, hvilket sandsynligvis vil betyde, at udvidelse</a:t>
+            </a:r>
+          </a:p>
+          <a:p>
+            <a:r>
+              <a:rPr lang="da-DK" dirty="0"/>
+              <a:t>af screeningsprogrammet ikke er omkostningseffektivt.</a:t>
+            </a:r>
           </a:p>
         </p:txBody>
       </p:sp>
@@ -895,7 +873,7 @@
           <a:p>
             <a:fld id="{81DAF125-77CF-4549-A25B-16435FA351B7}" type="slidenum">
               <a:rPr lang="da-DK" smtClean="0"/>
-              <a:t>9</a:t>
+              <a:t>8</a:t>
             </a:fld>
             <a:endParaRPr lang="da-DK"/>
           </a:p>
@@ -904,7 +882,7 @@
     </p:spTree>
     <p:extLst>
       <p:ext uri="{BB962C8B-B14F-4D97-AF65-F5344CB8AC3E}">
-        <p14:creationId xmlns:p14="http://schemas.microsoft.com/office/powerpoint/2010/main" val="746107577"/>
+        <p14:creationId xmlns:p14="http://schemas.microsoft.com/office/powerpoint/2010/main" val="1022816383"/>
       </p:ext>
     </p:extLst>
   </p:cSld>
@@ -960,20 +938,27 @@
           <a:p>
             <a:r>
               <a:rPr lang="da-DK" dirty="0"/>
-              <a:t>Brugerundersøgelser til at finde ud af,</a:t>
+              <a:t>Interesseområder, fremtid, gav mening efter kompetencer </a:t>
+            </a:r>
+            <a:r>
+              <a:rPr lang="da-DK" dirty="0" err="1"/>
+              <a:t>bla</a:t>
             </a:r>
             <a:r>
               <a:rPr lang="da-DK" baseline="0" dirty="0"/>
-              <a:t> hvad vi skal have med som krav</a:t>
-            </a:r>
-          </a:p>
-          <a:p>
-            <a:endParaRPr lang="da-DK" baseline="0" dirty="0"/>
-          </a:p>
-          <a:p>
+              <a:t> </a:t>
+            </a:r>
+            <a:r>
+              <a:rPr lang="da-DK" baseline="0" dirty="0" err="1"/>
+              <a:t>bla</a:t>
+            </a:r>
             <a:r>
               <a:rPr lang="da-DK" baseline="0" dirty="0"/>
-              <a:t>UC – 4 styks </a:t>
+              <a:t> </a:t>
+            </a:r>
+            <a:r>
+              <a:rPr lang="da-DK" baseline="0" dirty="0" err="1"/>
+              <a:t>bla</a:t>
             </a:r>
             <a:endParaRPr lang="da-DK" dirty="0"/>
           </a:p>
@@ -996,7 +981,7 @@
           <a:p>
             <a:fld id="{81DAF125-77CF-4549-A25B-16435FA351B7}" type="slidenum">
               <a:rPr lang="da-DK" smtClean="0"/>
-              <a:t>11</a:t>
+              <a:t>9</a:t>
             </a:fld>
             <a:endParaRPr lang="da-DK"/>
           </a:p>
@@ -1005,7 +990,7 @@
     </p:spTree>
     <p:extLst>
       <p:ext uri="{BB962C8B-B14F-4D97-AF65-F5344CB8AC3E}">
-        <p14:creationId xmlns:p14="http://schemas.microsoft.com/office/powerpoint/2010/main" val="4183857365"/>
+        <p14:creationId xmlns:p14="http://schemas.microsoft.com/office/powerpoint/2010/main" val="746107577"/>
       </p:ext>
     </p:extLst>
   </p:cSld>
@@ -1059,6 +1044,107 @@
           <a:bodyPr/>
           <a:lstStyle/>
           <a:p>
+            <a:r>
+              <a:rPr lang="da-DK" dirty="0"/>
+              <a:t>Brugerundersøgelser til at finde ud af,</a:t>
+            </a:r>
+            <a:r>
+              <a:rPr lang="da-DK" baseline="0" dirty="0"/>
+              <a:t> hvad vi skal have med som krav</a:t>
+            </a:r>
+          </a:p>
+          <a:p>
+            <a:endParaRPr lang="da-DK" baseline="0" dirty="0"/>
+          </a:p>
+          <a:p>
+            <a:r>
+              <a:rPr lang="da-DK" baseline="0" dirty="0"/>
+              <a:t>UC – 4 styks </a:t>
+            </a:r>
+            <a:endParaRPr lang="da-DK" dirty="0"/>
+          </a:p>
+        </p:txBody>
+      </p:sp>
+      <p:sp>
+        <p:nvSpPr>
+          <p:cNvPr id="4" name="Pladsholder til slidenummer 3"/>
+          <p:cNvSpPr>
+            <a:spLocks noGrp="1"/>
+          </p:cNvSpPr>
+          <p:nvPr>
+            <p:ph type="sldNum" sz="quarter" idx="10"/>
+          </p:nvPr>
+        </p:nvSpPr>
+        <p:spPr/>
+        <p:txBody>
+          <a:bodyPr/>
+          <a:lstStyle/>
+          <a:p>
+            <a:fld id="{81DAF125-77CF-4549-A25B-16435FA351B7}" type="slidenum">
+              <a:rPr lang="da-DK" smtClean="0"/>
+              <a:t>11</a:t>
+            </a:fld>
+            <a:endParaRPr lang="da-DK"/>
+          </a:p>
+        </p:txBody>
+      </p:sp>
+    </p:spTree>
+    <p:extLst>
+      <p:ext uri="{BB962C8B-B14F-4D97-AF65-F5344CB8AC3E}">
+        <p14:creationId xmlns:p14="http://schemas.microsoft.com/office/powerpoint/2010/main" val="4183857365"/>
+      </p:ext>
+    </p:extLst>
+  </p:cSld>
+  <p:clrMapOvr>
+    <a:masterClrMapping/>
+  </p:clrMapOvr>
+</p:notes>
+</file>
+
+<file path=ppt/notesSlides/notesSlide7.xml><?xml version="1.0" encoding="utf-8"?>
+<p:notes xmlns:a="http://schemas.openxmlformats.org/drawingml/2006/main" xmlns:r="http://schemas.openxmlformats.org/officeDocument/2006/relationships" xmlns:p="http://schemas.openxmlformats.org/presentationml/2006/main">
+  <p:cSld>
+    <p:spTree>
+      <p:nvGrpSpPr>
+        <p:cNvPr id="1" name=""/>
+        <p:cNvGrpSpPr/>
+        <p:nvPr/>
+      </p:nvGrpSpPr>
+      <p:grpSpPr>
+        <a:xfrm>
+          <a:off x="0" y="0"/>
+          <a:ext cx="0" cy="0"/>
+          <a:chOff x="0" y="0"/>
+          <a:chExt cx="0" cy="0"/>
+        </a:xfrm>
+      </p:grpSpPr>
+      <p:sp>
+        <p:nvSpPr>
+          <p:cNvPr id="2" name="Pladsholder til slidebillede 1"/>
+          <p:cNvSpPr>
+            <a:spLocks noGrp="1" noRot="1" noChangeAspect="1"/>
+          </p:cNvSpPr>
+          <p:nvPr>
+            <p:ph type="sldImg"/>
+          </p:nvPr>
+        </p:nvSpPr>
+        <p:spPr/>
+      </p:sp>
+      <p:sp>
+        <p:nvSpPr>
+          <p:cNvPr id="3" name="Pladsholder til noter 2"/>
+          <p:cNvSpPr>
+            <a:spLocks noGrp="1"/>
+          </p:cNvSpPr>
+          <p:nvPr>
+            <p:ph type="body" idx="1"/>
+          </p:nvPr>
+        </p:nvSpPr>
+        <p:spPr/>
+        <p:txBody>
+          <a:bodyPr/>
+          <a:lstStyle/>
+          <a:p>
             <a:endParaRPr lang="da-DK" dirty="0"/>
           </a:p>
         </p:txBody>
@@ -1099,7 +1185,7 @@
 </p:notes>
 </file>
 
-<file path=ppt/notesSlides/notesSlide7.xml><?xml version="1.0" encoding="utf-8"?>
+<file path=ppt/notesSlides/notesSlide8.xml><?xml version="1.0" encoding="utf-8"?>
 <p:notes xmlns:a="http://schemas.openxmlformats.org/drawingml/2006/main" xmlns:r="http://schemas.openxmlformats.org/officeDocument/2006/relationships" xmlns:p="http://schemas.openxmlformats.org/presentationml/2006/main">
   <p:cSld>
     <p:spTree>
@@ -4946,11 +5032,11 @@
           <p:nvPr/>
         </p:nvPicPr>
         <p:blipFill>
-          <a:blip r:embed="rId2">
+          <a:blip r:embed="rId3">
             <a:extLst>
               <a:ext uri="{BEBA8EAE-BF5A-486C-A8C5-ECC9F3942E4B}">
                 <a14:imgProps xmlns:a14="http://schemas.microsoft.com/office/drawing/2010/main">
-                  <a14:imgLayer r:embed="rId3">
+                  <a14:imgLayer r:embed="rId4">
                     <a14:imgEffect>
                       <a14:saturation sat="400000"/>
                     </a14:imgEffect>
@@ -6446,7 +6532,7 @@
         </p:blipFill>
         <p:spPr>
           <a:xfrm>
-            <a:off x="3424237" y="2376487"/>
+            <a:off x="3454717" y="2670401"/>
             <a:ext cx="5343525" cy="2105025"/>
           </a:xfrm>
           <a:prstGeom prst="rect">

--- a/Præsentation_Eksamen.pptx
+++ b/Præsentation_Eksamen.pptx
@@ -232,7 +232,7 @@
           <a:p>
             <a:fld id="{6AF9F838-B633-4D47-BC11-C4B614E0B93C}" type="datetimeFigureOut">
               <a:rPr lang="da-DK" smtClean="0"/>
-              <a:t>04-01-2017</a:t>
+              <a:t>05-01-2017</a:t>
             </a:fld>
             <a:endParaRPr lang="da-DK"/>
           </a:p>
@@ -583,6 +583,177 @@
 </p:notes>
 </file>
 
+<file path=ppt/notesSlides/notesSlide10.xml><?xml version="1.0" encoding="utf-8"?>
+<p:notes xmlns:a="http://schemas.openxmlformats.org/drawingml/2006/main" xmlns:r="http://schemas.openxmlformats.org/officeDocument/2006/relationships" xmlns:p="http://schemas.openxmlformats.org/presentationml/2006/main">
+  <p:cSld>
+    <p:spTree>
+      <p:nvGrpSpPr>
+        <p:cNvPr id="1" name=""/>
+        <p:cNvGrpSpPr/>
+        <p:nvPr/>
+      </p:nvGrpSpPr>
+      <p:grpSpPr>
+        <a:xfrm>
+          <a:off x="0" y="0"/>
+          <a:ext cx="0" cy="0"/>
+          <a:chOff x="0" y="0"/>
+          <a:chExt cx="0" cy="0"/>
+        </a:xfrm>
+      </p:grpSpPr>
+      <p:sp>
+        <p:nvSpPr>
+          <p:cNvPr id="2" name="Pladsholder til slidebillede 1"/>
+          <p:cNvSpPr>
+            <a:spLocks noGrp="1" noRot="1" noChangeAspect="1"/>
+          </p:cNvSpPr>
+          <p:nvPr>
+            <p:ph type="sldImg"/>
+          </p:nvPr>
+        </p:nvSpPr>
+        <p:spPr/>
+      </p:sp>
+      <p:sp>
+        <p:nvSpPr>
+          <p:cNvPr id="3" name="Pladsholder til noter 2"/>
+          <p:cNvSpPr>
+            <a:spLocks noGrp="1"/>
+          </p:cNvSpPr>
+          <p:nvPr>
+            <p:ph type="body" idx="1"/>
+          </p:nvPr>
+        </p:nvSpPr>
+        <p:spPr/>
+        <p:txBody>
+          <a:bodyPr/>
+          <a:lstStyle/>
+          <a:p>
+            <a:endParaRPr lang="da-DK" dirty="0"/>
+          </a:p>
+        </p:txBody>
+      </p:sp>
+      <p:sp>
+        <p:nvSpPr>
+          <p:cNvPr id="4" name="Pladsholder til slidenummer 3"/>
+          <p:cNvSpPr>
+            <a:spLocks noGrp="1"/>
+          </p:cNvSpPr>
+          <p:nvPr>
+            <p:ph type="sldNum" sz="quarter" idx="10"/>
+          </p:nvPr>
+        </p:nvSpPr>
+        <p:spPr/>
+        <p:txBody>
+          <a:bodyPr/>
+          <a:lstStyle/>
+          <a:p>
+            <a:fld id="{81DAF125-77CF-4549-A25B-16435FA351B7}" type="slidenum">
+              <a:rPr lang="da-DK" smtClean="0"/>
+              <a:t>12</a:t>
+            </a:fld>
+            <a:endParaRPr lang="da-DK"/>
+          </a:p>
+        </p:txBody>
+      </p:sp>
+    </p:spTree>
+    <p:extLst>
+      <p:ext uri="{BB962C8B-B14F-4D97-AF65-F5344CB8AC3E}">
+        <p14:creationId xmlns:p14="http://schemas.microsoft.com/office/powerpoint/2010/main" val="1635502081"/>
+      </p:ext>
+    </p:extLst>
+  </p:cSld>
+  <p:clrMapOvr>
+    <a:masterClrMapping/>
+  </p:clrMapOvr>
+</p:notes>
+</file>
+
+<file path=ppt/notesSlides/notesSlide11.xml><?xml version="1.0" encoding="utf-8"?>
+<p:notes xmlns:a="http://schemas.openxmlformats.org/drawingml/2006/main" xmlns:r="http://schemas.openxmlformats.org/officeDocument/2006/relationships" xmlns:p="http://schemas.openxmlformats.org/presentationml/2006/main">
+  <p:cSld>
+    <p:spTree>
+      <p:nvGrpSpPr>
+        <p:cNvPr id="1" name=""/>
+        <p:cNvGrpSpPr/>
+        <p:nvPr/>
+      </p:nvGrpSpPr>
+      <p:grpSpPr>
+        <a:xfrm>
+          <a:off x="0" y="0"/>
+          <a:ext cx="0" cy="0"/>
+          <a:chOff x="0" y="0"/>
+          <a:chExt cx="0" cy="0"/>
+        </a:xfrm>
+      </p:grpSpPr>
+      <p:sp>
+        <p:nvSpPr>
+          <p:cNvPr id="2" name="Pladsholder til slidebillede 1"/>
+          <p:cNvSpPr>
+            <a:spLocks noGrp="1" noRot="1" noChangeAspect="1"/>
+          </p:cNvSpPr>
+          <p:nvPr>
+            <p:ph type="sldImg"/>
+          </p:nvPr>
+        </p:nvSpPr>
+        <p:spPr/>
+      </p:sp>
+      <p:sp>
+        <p:nvSpPr>
+          <p:cNvPr id="3" name="Pladsholder til noter 2"/>
+          <p:cNvSpPr>
+            <a:spLocks noGrp="1"/>
+          </p:cNvSpPr>
+          <p:nvPr>
+            <p:ph type="body" idx="1"/>
+          </p:nvPr>
+        </p:nvSpPr>
+        <p:spPr/>
+        <p:txBody>
+          <a:bodyPr/>
+          <a:lstStyle/>
+          <a:p>
+            <a:r>
+              <a:rPr lang="da-DK" dirty="0"/>
+              <a:t>Fortæl om vores forbedringer</a:t>
+            </a:r>
+          </a:p>
+        </p:txBody>
+      </p:sp>
+      <p:sp>
+        <p:nvSpPr>
+          <p:cNvPr id="4" name="Pladsholder til slidenummer 3"/>
+          <p:cNvSpPr>
+            <a:spLocks noGrp="1"/>
+          </p:cNvSpPr>
+          <p:nvPr>
+            <p:ph type="sldNum" sz="quarter" idx="10"/>
+          </p:nvPr>
+        </p:nvSpPr>
+        <p:spPr/>
+        <p:txBody>
+          <a:bodyPr/>
+          <a:lstStyle/>
+          <a:p>
+            <a:fld id="{81DAF125-77CF-4549-A25B-16435FA351B7}" type="slidenum">
+              <a:rPr lang="da-DK" smtClean="0"/>
+              <a:t>14</a:t>
+            </a:fld>
+            <a:endParaRPr lang="da-DK"/>
+          </a:p>
+        </p:txBody>
+      </p:sp>
+    </p:spTree>
+    <p:extLst>
+      <p:ext uri="{BB962C8B-B14F-4D97-AF65-F5344CB8AC3E}">
+        <p14:creationId xmlns:p14="http://schemas.microsoft.com/office/powerpoint/2010/main" val="35115869"/>
+      </p:ext>
+    </p:extLst>
+  </p:cSld>
+  <p:clrMapOvr>
+    <a:masterClrMapping/>
+  </p:clrMapOvr>
+</p:notes>
+</file>
+
 <file path=ppt/notesSlides/notesSlide2.xml><?xml version="1.0" encoding="utf-8"?>
 <p:notes xmlns:a="http://schemas.openxmlformats.org/drawingml/2006/main" xmlns:r="http://schemas.openxmlformats.org/officeDocument/2006/relationships" xmlns:p="http://schemas.openxmlformats.org/presentationml/2006/main">
   <p:cSld>
@@ -627,18 +798,6 @@
           <a:bodyPr/>
           <a:lstStyle/>
           <a:p>
-            <a:r>
-              <a:rPr lang="da-DK" dirty="0" err="1"/>
-              <a:t>Proof</a:t>
-            </a:r>
-            <a:r>
-              <a:rPr lang="da-DK" dirty="0"/>
-              <a:t> of </a:t>
-            </a:r>
-            <a:r>
-              <a:rPr lang="da-DK" dirty="0" err="1"/>
-              <a:t>concept</a:t>
-            </a:r>
             <a:endParaRPr lang="da-DK" dirty="0"/>
           </a:p>
         </p:txBody>
@@ -660,7 +819,7 @@
           <a:p>
             <a:fld id="{81DAF125-77CF-4549-A25B-16435FA351B7}" type="slidenum">
               <a:rPr lang="da-DK" smtClean="0"/>
-              <a:t>4</a:t>
+              <a:t>2</a:t>
             </a:fld>
             <a:endParaRPr lang="da-DK"/>
           </a:p>
@@ -669,7 +828,7 @@
     </p:spTree>
     <p:extLst>
       <p:ext uri="{BB962C8B-B14F-4D97-AF65-F5344CB8AC3E}">
-        <p14:creationId xmlns:p14="http://schemas.microsoft.com/office/powerpoint/2010/main" val="587981342"/>
+        <p14:creationId xmlns:p14="http://schemas.microsoft.com/office/powerpoint/2010/main" val="2982809533"/>
       </p:ext>
     </p:extLst>
   </p:cSld>
@@ -744,7 +903,7 @@
           <a:p>
             <a:fld id="{81DAF125-77CF-4549-A25B-16435FA351B7}" type="slidenum">
               <a:rPr lang="da-DK" smtClean="0"/>
-              <a:t>5</a:t>
+              <a:t>3</a:t>
             </a:fld>
             <a:endParaRPr lang="da-DK"/>
           </a:p>
@@ -753,7 +912,7 @@
     </p:spTree>
     <p:extLst>
       <p:ext uri="{BB962C8B-B14F-4D97-AF65-F5344CB8AC3E}">
-        <p14:creationId xmlns:p14="http://schemas.microsoft.com/office/powerpoint/2010/main" val="2705765586"/>
+        <p14:creationId xmlns:p14="http://schemas.microsoft.com/office/powerpoint/2010/main" val="323785671"/>
       </p:ext>
     </p:extLst>
   </p:cSld>
@@ -808,51 +967,26 @@
           <a:lstStyle/>
           <a:p>
             <a:r>
+              <a:rPr lang="da-DK" dirty="0" err="1"/>
+              <a:t>Proof</a:t>
+            </a:r>
+            <a:r>
               <a:rPr lang="da-DK" dirty="0"/>
-              <a:t>Størstedelen af litteraturen konkluderer, at mere forskning er nødvendig på området. Det</a:t>
-            </a:r>
-          </a:p>
-          <a:p>
+              <a:t> of </a:t>
+            </a:r>
+            <a:r>
+              <a:rPr lang="da-DK" dirty="0" err="1"/>
+              <a:t>concept</a:t>
+            </a:r>
             <a:r>
               <a:rPr lang="da-DK" dirty="0"/>
-              <a:t>kan derfor være svært at lave en endelig konklusion på, hvorvidt en udvidelse af screeningsprogrammet</a:t>
-            </a:r>
-          </a:p>
-          <a:p>
-            <a:r>
-              <a:rPr lang="da-DK" dirty="0"/>
-              <a:t>vil være en god idé. Fordelen er, at man ved en kombination af ultralyd og</a:t>
-            </a:r>
-          </a:p>
-          <a:p>
-            <a:r>
-              <a:rPr lang="da-DK" dirty="0"/>
-              <a:t>røntgen kan opdage tidligere stadier af kræft, hvilket er billigere, og overlevelsesprocenten</a:t>
-            </a:r>
-          </a:p>
-          <a:p>
-            <a:r>
-              <a:rPr lang="da-DK" dirty="0"/>
-              <a:t>er højere. Ulemperne er, at der sker overdiagnosticering ved screeninger, og patienter derfor</a:t>
-            </a:r>
-          </a:p>
-          <a:p>
-            <a:r>
-              <a:rPr lang="da-DK" dirty="0"/>
-              <a:t>behandles uden grund. Tilføjelse af ultralydsscanninger til screeningsprogrammet vil øge</a:t>
-            </a:r>
-          </a:p>
-          <a:p>
-            <a:r>
-              <a:rPr lang="da-DK" dirty="0"/>
-              <a:t>omkostningerne og dermed prisen pr. QALY, hvilket sandsynligvis vil betyde, at udvidelse</a:t>
-            </a:r>
-          </a:p>
-          <a:p>
-            <a:r>
-              <a:rPr lang="da-DK" dirty="0"/>
-              <a:t>af screeningsprogrammet ikke er omkostningseffektivt.</a:t>
-            </a:r>
+              <a:t> nævnes her.</a:t>
+            </a:r>
+            <a:r>
+              <a:rPr lang="da-DK" baseline="0" dirty="0"/>
+              <a:t> </a:t>
+            </a:r>
+            <a:endParaRPr lang="da-DK" dirty="0"/>
           </a:p>
         </p:txBody>
       </p:sp>
@@ -873,7 +1007,7 @@
           <a:p>
             <a:fld id="{81DAF125-77CF-4549-A25B-16435FA351B7}" type="slidenum">
               <a:rPr lang="da-DK" smtClean="0"/>
-              <a:t>8</a:t>
+              <a:t>4</a:t>
             </a:fld>
             <a:endParaRPr lang="da-DK"/>
           </a:p>
@@ -882,7 +1016,7 @@
     </p:spTree>
     <p:extLst>
       <p:ext uri="{BB962C8B-B14F-4D97-AF65-F5344CB8AC3E}">
-        <p14:creationId xmlns:p14="http://schemas.microsoft.com/office/powerpoint/2010/main" val="1022816383"/>
+        <p14:creationId xmlns:p14="http://schemas.microsoft.com/office/powerpoint/2010/main" val="587981342"/>
       </p:ext>
     </p:extLst>
   </p:cSld>
@@ -936,30 +1070,6 @@
           <a:bodyPr/>
           <a:lstStyle/>
           <a:p>
-            <a:r>
-              <a:rPr lang="da-DK" dirty="0"/>
-              <a:t>Interesseområder, fremtid, gav mening efter kompetencer </a:t>
-            </a:r>
-            <a:r>
-              <a:rPr lang="da-DK" dirty="0" err="1"/>
-              <a:t>bla</a:t>
-            </a:r>
-            <a:r>
-              <a:rPr lang="da-DK" baseline="0" dirty="0"/>
-              <a:t> </a:t>
-            </a:r>
-            <a:r>
-              <a:rPr lang="da-DK" baseline="0" dirty="0" err="1"/>
-              <a:t>bla</a:t>
-            </a:r>
-            <a:r>
-              <a:rPr lang="da-DK" baseline="0" dirty="0"/>
-              <a:t> </a:t>
-            </a:r>
-            <a:r>
-              <a:rPr lang="da-DK" baseline="0" dirty="0" err="1"/>
-              <a:t>bla</a:t>
-            </a:r>
             <a:endParaRPr lang="da-DK" dirty="0"/>
           </a:p>
         </p:txBody>
@@ -981,7 +1091,7 @@
           <a:p>
             <a:fld id="{81DAF125-77CF-4549-A25B-16435FA351B7}" type="slidenum">
               <a:rPr lang="da-DK" smtClean="0"/>
-              <a:t>9</a:t>
+              <a:t>5</a:t>
             </a:fld>
             <a:endParaRPr lang="da-DK"/>
           </a:p>
@@ -990,7 +1100,7 @@
     </p:spTree>
     <p:extLst>
       <p:ext uri="{BB962C8B-B14F-4D97-AF65-F5344CB8AC3E}">
-        <p14:creationId xmlns:p14="http://schemas.microsoft.com/office/powerpoint/2010/main" val="746107577"/>
+        <p14:creationId xmlns:p14="http://schemas.microsoft.com/office/powerpoint/2010/main" val="2705765586"/>
       </p:ext>
     </p:extLst>
   </p:cSld>
@@ -1044,24 +1154,7 @@
           <a:bodyPr/>
           <a:lstStyle/>
           <a:p>
-            <a:r>
-              <a:rPr lang="da-DK" dirty="0"/>
-              <a:t>Brugerundersøgelser til at finde ud af,</a:t>
-            </a:r>
-            <a:r>
-              <a:rPr lang="da-DK" baseline="0" dirty="0"/>
-              <a:t> hvad vi skal have med som krav</a:t>
-            </a:r>
-          </a:p>
-          <a:p>
-            <a:endParaRPr lang="da-DK" baseline="0" dirty="0"/>
-          </a:p>
-          <a:p>
-            <a:r>
-              <a:rPr lang="da-DK" baseline="0" dirty="0"/>
-              <a:t>UC – 4 styks </a:t>
-            </a:r>
-            <a:endParaRPr lang="da-DK" dirty="0"/>
+            <a:endParaRPr lang="da-DK"/>
           </a:p>
         </p:txBody>
       </p:sp>
@@ -1082,7 +1175,7 @@
           <a:p>
             <a:fld id="{81DAF125-77CF-4549-A25B-16435FA351B7}" type="slidenum">
               <a:rPr lang="da-DK" smtClean="0"/>
-              <a:t>11</a:t>
+              <a:t>7</a:t>
             </a:fld>
             <a:endParaRPr lang="da-DK"/>
           </a:p>
@@ -1091,7 +1184,7 @@
     </p:spTree>
     <p:extLst>
       <p:ext uri="{BB962C8B-B14F-4D97-AF65-F5344CB8AC3E}">
-        <p14:creationId xmlns:p14="http://schemas.microsoft.com/office/powerpoint/2010/main" val="4183857365"/>
+        <p14:creationId xmlns:p14="http://schemas.microsoft.com/office/powerpoint/2010/main" val="4196849113"/>
       </p:ext>
     </p:extLst>
   </p:cSld>
@@ -1145,7 +1238,52 @@
           <a:bodyPr/>
           <a:lstStyle/>
           <a:p>
-            <a:endParaRPr lang="da-DK" dirty="0"/>
+            <a:r>
+              <a:rPr lang="da-DK" dirty="0"/>
+              <a:t>Størstedelen af litteraturen konkluderer, at mere forskning er nødvendig på området. Det</a:t>
+            </a:r>
+          </a:p>
+          <a:p>
+            <a:r>
+              <a:rPr lang="da-DK" dirty="0"/>
+              <a:t>kan derfor være svært at lave en endelig konklusion på, hvorvidt en udvidelse af screeningsprogrammet</a:t>
+            </a:r>
+          </a:p>
+          <a:p>
+            <a:r>
+              <a:rPr lang="da-DK" dirty="0"/>
+              <a:t>vil være en god idé. Fordelen er, at man ved en kombination af ultralyd og</a:t>
+            </a:r>
+          </a:p>
+          <a:p>
+            <a:r>
+              <a:rPr lang="da-DK" dirty="0"/>
+              <a:t>røntgen kan opdage tidligere stadier af kræft, hvilket er billigere, og overlevelsesprocenten</a:t>
+            </a:r>
+          </a:p>
+          <a:p>
+            <a:r>
+              <a:rPr lang="da-DK" dirty="0"/>
+              <a:t>er højere. Ulemperne er, at der sker overdiagnosticering ved screeninger, og patienter derfor</a:t>
+            </a:r>
+          </a:p>
+          <a:p>
+            <a:r>
+              <a:rPr lang="da-DK" dirty="0"/>
+              <a:t>behandles uden grund. Tilføjelse af ultralydsscanninger til screeningsprogrammet vil øge</a:t>
+            </a:r>
+          </a:p>
+          <a:p>
+            <a:r>
+              <a:rPr lang="da-DK" dirty="0"/>
+              <a:t>omkostningerne og dermed prisen pr. QALY, hvilket sandsynligvis vil betyde, at udvidelse</a:t>
+            </a:r>
+          </a:p>
+          <a:p>
+            <a:r>
+              <a:rPr lang="da-DK" dirty="0"/>
+              <a:t>af screeningsprogrammet ikke er omkostningseffektivt.</a:t>
+            </a:r>
           </a:p>
         </p:txBody>
       </p:sp>
@@ -1166,7 +1304,7 @@
           <a:p>
             <a:fld id="{81DAF125-77CF-4549-A25B-16435FA351B7}" type="slidenum">
               <a:rPr lang="da-DK" smtClean="0"/>
-              <a:t>12</a:t>
+              <a:t>8</a:t>
             </a:fld>
             <a:endParaRPr lang="da-DK"/>
           </a:p>
@@ -1175,7 +1313,7 @@
     </p:spTree>
     <p:extLst>
       <p:ext uri="{BB962C8B-B14F-4D97-AF65-F5344CB8AC3E}">
-        <p14:creationId xmlns:p14="http://schemas.microsoft.com/office/powerpoint/2010/main" val="1635502081"/>
+        <p14:creationId xmlns:p14="http://schemas.microsoft.com/office/powerpoint/2010/main" val="1022816383"/>
       </p:ext>
     </p:extLst>
   </p:cSld>
@@ -1231,8 +1369,29 @@
           <a:p>
             <a:r>
               <a:rPr lang="da-DK" dirty="0"/>
-              <a:t>Fortæl om vores forbedringer</a:t>
-            </a:r>
+              <a:t>Interesseområder, fremtid, gav mening efter kompetencer </a:t>
+            </a:r>
+            <a:r>
+              <a:rPr lang="da-DK" dirty="0" err="1"/>
+              <a:t>bla</a:t>
+            </a:r>
+            <a:r>
+              <a:rPr lang="da-DK" baseline="0" dirty="0"/>
+              <a:t> </a:t>
+            </a:r>
+            <a:r>
+              <a:rPr lang="da-DK" baseline="0" dirty="0" err="1"/>
+              <a:t>bla</a:t>
+            </a:r>
+            <a:r>
+              <a:rPr lang="da-DK" baseline="0" dirty="0"/>
+              <a:t> </a:t>
+            </a:r>
+            <a:r>
+              <a:rPr lang="da-DK" baseline="0" dirty="0" err="1"/>
+              <a:t>bla</a:t>
+            </a:r>
+            <a:endParaRPr lang="da-DK" dirty="0"/>
           </a:p>
         </p:txBody>
       </p:sp>
@@ -1253,7 +1412,7 @@
           <a:p>
             <a:fld id="{81DAF125-77CF-4549-A25B-16435FA351B7}" type="slidenum">
               <a:rPr lang="da-DK" smtClean="0"/>
-              <a:t>14</a:t>
+              <a:t>9</a:t>
             </a:fld>
             <a:endParaRPr lang="da-DK"/>
           </a:p>
@@ -1262,7 +1421,108 @@
     </p:spTree>
     <p:extLst>
       <p:ext uri="{BB962C8B-B14F-4D97-AF65-F5344CB8AC3E}">
-        <p14:creationId xmlns:p14="http://schemas.microsoft.com/office/powerpoint/2010/main" val="35115869"/>
+        <p14:creationId xmlns:p14="http://schemas.microsoft.com/office/powerpoint/2010/main" val="746107577"/>
+      </p:ext>
+    </p:extLst>
+  </p:cSld>
+  <p:clrMapOvr>
+    <a:masterClrMapping/>
+  </p:clrMapOvr>
+</p:notes>
+</file>
+
+<file path=ppt/notesSlides/notesSlide9.xml><?xml version="1.0" encoding="utf-8"?>
+<p:notes xmlns:a="http://schemas.openxmlformats.org/drawingml/2006/main" xmlns:r="http://schemas.openxmlformats.org/officeDocument/2006/relationships" xmlns:p="http://schemas.openxmlformats.org/presentationml/2006/main">
+  <p:cSld>
+    <p:spTree>
+      <p:nvGrpSpPr>
+        <p:cNvPr id="1" name=""/>
+        <p:cNvGrpSpPr/>
+        <p:nvPr/>
+      </p:nvGrpSpPr>
+      <p:grpSpPr>
+        <a:xfrm>
+          <a:off x="0" y="0"/>
+          <a:ext cx="0" cy="0"/>
+          <a:chOff x="0" y="0"/>
+          <a:chExt cx="0" cy="0"/>
+        </a:xfrm>
+      </p:grpSpPr>
+      <p:sp>
+        <p:nvSpPr>
+          <p:cNvPr id="2" name="Pladsholder til slidebillede 1"/>
+          <p:cNvSpPr>
+            <a:spLocks noGrp="1" noRot="1" noChangeAspect="1"/>
+          </p:cNvSpPr>
+          <p:nvPr>
+            <p:ph type="sldImg"/>
+          </p:nvPr>
+        </p:nvSpPr>
+        <p:spPr/>
+      </p:sp>
+      <p:sp>
+        <p:nvSpPr>
+          <p:cNvPr id="3" name="Pladsholder til noter 2"/>
+          <p:cNvSpPr>
+            <a:spLocks noGrp="1"/>
+          </p:cNvSpPr>
+          <p:nvPr>
+            <p:ph type="body" idx="1"/>
+          </p:nvPr>
+        </p:nvSpPr>
+        <p:spPr/>
+        <p:txBody>
+          <a:bodyPr/>
+          <a:lstStyle/>
+          <a:p>
+            <a:r>
+              <a:rPr lang="da-DK" dirty="0"/>
+              <a:t>Brugerundersøgelser til at finde ud af,</a:t>
+            </a:r>
+            <a:r>
+              <a:rPr lang="da-DK" baseline="0" dirty="0"/>
+              <a:t> hvad vi skal have med som krav</a:t>
+            </a:r>
+          </a:p>
+          <a:p>
+            <a:endParaRPr lang="da-DK" baseline="0" dirty="0"/>
+          </a:p>
+          <a:p>
+            <a:r>
+              <a:rPr lang="da-DK" baseline="0" dirty="0"/>
+              <a:t>UC – 4 styks </a:t>
+            </a:r>
+            <a:endParaRPr lang="da-DK" dirty="0"/>
+          </a:p>
+        </p:txBody>
+      </p:sp>
+      <p:sp>
+        <p:nvSpPr>
+          <p:cNvPr id="4" name="Pladsholder til slidenummer 3"/>
+          <p:cNvSpPr>
+            <a:spLocks noGrp="1"/>
+          </p:cNvSpPr>
+          <p:nvPr>
+            <p:ph type="sldNum" sz="quarter" idx="10"/>
+          </p:nvPr>
+        </p:nvSpPr>
+        <p:spPr/>
+        <p:txBody>
+          <a:bodyPr/>
+          <a:lstStyle/>
+          <a:p>
+            <a:fld id="{81DAF125-77CF-4549-A25B-16435FA351B7}" type="slidenum">
+              <a:rPr lang="da-DK" smtClean="0"/>
+              <a:t>11</a:t>
+            </a:fld>
+            <a:endParaRPr lang="da-DK"/>
+          </a:p>
+        </p:txBody>
+      </p:sp>
+    </p:spTree>
+    <p:extLst>
+      <p:ext uri="{BB962C8B-B14F-4D97-AF65-F5344CB8AC3E}">
+        <p14:creationId xmlns:p14="http://schemas.microsoft.com/office/powerpoint/2010/main" val="4183857365"/>
       </p:ext>
     </p:extLst>
   </p:cSld>
@@ -1498,7 +1758,7 @@
           <a:p>
             <a:fld id="{ACF1A1B0-862D-4909-A7DB-D8ADA062DFCA}" type="datetimeFigureOut">
               <a:rPr lang="en-US" smtClean="0"/>
-              <a:t>1/4/2017</a:t>
+              <a:t>1/5/2017</a:t>
             </a:fld>
             <a:endParaRPr lang="en-US" dirty="0"/>
           </a:p>
@@ -1707,7 +1967,7 @@
           <a:p>
             <a:fld id="{7B156144-9CB7-4E3A-B87E-A382F9BE05EF}" type="datetimeFigureOut">
               <a:rPr lang="en-US" smtClean="0"/>
-              <a:t>1/4/2017</a:t>
+              <a:t>1/5/2017</a:t>
             </a:fld>
             <a:endParaRPr lang="en-US" dirty="0"/>
           </a:p>
@@ -1963,7 +2223,7 @@
           <a:p>
             <a:fld id="{2643D55F-46AB-4791-9172-4FA8DD3A6A9C}" type="datetimeFigureOut">
               <a:rPr lang="en-US" smtClean="0"/>
-              <a:t>1/4/2017</a:t>
+              <a:t>1/5/2017</a:t>
             </a:fld>
             <a:endParaRPr lang="en-US" dirty="0"/>
           </a:p>
@@ -2133,7 +2393,7 @@
           <a:p>
             <a:fld id="{58026881-8A08-449C-8D73-E5F201F814C1}" type="datetimeFigureOut">
               <a:rPr lang="en-US" smtClean="0"/>
-              <a:t>1/4/2017</a:t>
+              <a:t>1/5/2017</a:t>
             </a:fld>
             <a:endParaRPr lang="en-US" dirty="0"/>
           </a:p>
@@ -2476,7 +2736,7 @@
           <a:p>
             <a:fld id="{1BEB5A5E-0C07-4E93-A112-D37B4D166B30}" type="datetimeFigureOut">
               <a:rPr lang="en-US" smtClean="0"/>
-              <a:t>1/4/2017</a:t>
+              <a:t>1/5/2017</a:t>
             </a:fld>
             <a:endParaRPr lang="en-US" dirty="0"/>
           </a:p>
@@ -2751,7 +3011,7 @@
           <a:p>
             <a:fld id="{9E1F71C5-DC57-4358-A1EA-30C08AF6E3C5}" type="datetimeFigureOut">
               <a:rPr lang="en-US" smtClean="0"/>
-              <a:t>1/4/2017</a:t>
+              <a:t>1/5/2017</a:t>
             </a:fld>
             <a:endParaRPr lang="en-US" dirty="0"/>
           </a:p>
@@ -3130,7 +3390,7 @@
           <a:p>
             <a:fld id="{12571DBA-DE60-4731-B773-47AAA185C143}" type="datetimeFigureOut">
               <a:rPr lang="en-US" smtClean="0"/>
-              <a:t>1/4/2017</a:t>
+              <a:t>1/5/2017</a:t>
             </a:fld>
             <a:endParaRPr lang="en-US" dirty="0"/>
           </a:p>
@@ -3248,7 +3508,7 @@
           <a:p>
             <a:fld id="{4F170639-886C-4FCF-9EAB-ABB5DA3F3F4A}" type="datetimeFigureOut">
               <a:rPr lang="en-US" smtClean="0"/>
-              <a:t>1/4/2017</a:t>
+              <a:t>1/5/2017</a:t>
             </a:fld>
             <a:endParaRPr lang="en-US" dirty="0"/>
           </a:p>
@@ -3419,7 +3679,7 @@
           <a:p>
             <a:fld id="{34C4A628-C83B-4C66-83F4-1711CE3738FD}" type="datetimeFigureOut">
               <a:rPr lang="en-US" smtClean="0"/>
-              <a:t>1/4/2017</a:t>
+              <a:t>1/5/2017</a:t>
             </a:fld>
             <a:endParaRPr lang="en-US" dirty="0"/>
           </a:p>
@@ -3773,7 +4033,7 @@
           <a:p>
             <a:fld id="{B88C1D73-9400-43CA-A37F-F9B7D00DE14C}" type="datetimeFigureOut">
               <a:rPr lang="en-US" smtClean="0"/>
-              <a:t>1/4/2017</a:t>
+              <a:t>1/5/2017</a:t>
             </a:fld>
             <a:endParaRPr lang="en-US" dirty="0"/>
           </a:p>
@@ -4150,7 +4410,7 @@
           <a:p>
             <a:fld id="{188B7711-B905-4633-B4D7-6F3A49A2E7D9}" type="datetimeFigureOut">
               <a:rPr lang="en-US" smtClean="0"/>
-              <a:t>1/4/2017</a:t>
+              <a:t>1/5/2017</a:t>
             </a:fld>
             <a:endParaRPr lang="en-US" dirty="0"/>
           </a:p>
@@ -4438,7 +4698,7 @@
             <a:fld id="{89C235CF-BDA2-4E7E-8BBD-350479985E74}" type="datetimeFigureOut">
               <a:rPr lang="en-US" smtClean="0"/>
               <a:pPr/>
-              <a:t>1/4/2017</a:t>
+              <a:t>1/5/2017</a:t>
             </a:fld>
             <a:endParaRPr lang="en-US" dirty="0"/>
           </a:p>
@@ -4974,7 +5234,12 @@
             <p:ph type="ctrTitle"/>
           </p:nvPr>
         </p:nvSpPr>
-        <p:spPr/>
+        <p:spPr>
+          <a:xfrm>
+            <a:off x="1097280" y="2493818"/>
+            <a:ext cx="10058400" cy="1831294"/>
+          </a:xfrm>
+        </p:spPr>
         <p:txBody>
           <a:bodyPr>
             <a:normAutofit/>
@@ -5018,8 +5283,11 @@
           <a:p>
             <a:r>
               <a:rPr lang="da-DK" dirty="0"/>
-              <a:t>Bachelorprojekt 2017</a:t>
-            </a:r>
+              <a:t>Bachelorprojekt 16118</a:t>
+            </a:r>
+          </a:p>
+          <a:p>
+            <a:endParaRPr lang="da-DK" dirty="0"/>
           </a:p>
         </p:txBody>
       </p:sp>
@@ -5031,7 +5299,7 @@
           </p:cNvPicPr>
           <p:nvPr/>
         </p:nvPicPr>
-        <p:blipFill>
+        <p:blipFill rotWithShape="1">
           <a:blip r:embed="rId3">
             <a:extLst>
               <a:ext uri="{BEBA8EAE-BF5A-486C-A8C5-ECC9F3942E4B}">
@@ -5045,14 +5313,13 @@
               </a:ext>
             </a:extLst>
           </a:blip>
-          <a:stretch>
-            <a:fillRect/>
-          </a:stretch>
+          <a:srcRect t="18396"/>
+          <a:stretch/>
         </p:blipFill>
         <p:spPr>
           <a:xfrm>
-            <a:off x="6415423" y="-226746"/>
-            <a:ext cx="4234071" cy="4945702"/>
+            <a:off x="7237503" y="720850"/>
+            <a:ext cx="3918177" cy="3734771"/>
           </a:xfrm>
           <a:prstGeom prst="rect">
             <a:avLst/>
@@ -5132,9 +5399,13 @@
             </a:r>
           </a:p>
           <a:p>
+            <a:pPr>
+              <a:buFont typeface="Arial" panose="020B0604020202020204" pitchFamily="34" charset="0"/>
+              <a:buChar char="•"/>
+            </a:pPr>
             <a:r>
               <a:rPr lang="da-DK" dirty="0"/>
-              <a:t>- </a:t>
+              <a:t> </a:t>
             </a:r>
             <a:r>
               <a:rPr lang="da-DK" dirty="0" err="1"/>
@@ -5146,21 +5417,33 @@
             </a:r>
           </a:p>
           <a:p>
+            <a:pPr>
+              <a:buFont typeface="Arial" panose="020B0604020202020204" pitchFamily="34" charset="0"/>
+              <a:buChar char="•"/>
+            </a:pPr>
             <a:r>
               <a:rPr lang="da-DK" dirty="0"/>
-              <a:t>- Evaluering af sprint</a:t>
-            </a:r>
-          </a:p>
-          <a:p>
+              <a:t> Evaluering af sprint</a:t>
+            </a:r>
+          </a:p>
+          <a:p>
+            <a:pPr>
+              <a:buFont typeface="Arial" panose="020B0604020202020204" pitchFamily="34" charset="0"/>
+              <a:buChar char="•"/>
+            </a:pPr>
             <a:r>
               <a:rPr lang="da-DK" dirty="0"/>
-              <a:t>- Risikovurdering af projektet</a:t>
-            </a:r>
-          </a:p>
-          <a:p>
+              <a:t> Risikovurdering af projektet</a:t>
+            </a:r>
+          </a:p>
+          <a:p>
+            <a:pPr>
+              <a:buFont typeface="Arial" panose="020B0604020202020204" pitchFamily="34" charset="0"/>
+              <a:buChar char="•"/>
+            </a:pPr>
             <a:r>
               <a:rPr lang="da-DK" dirty="0"/>
-              <a:t>- </a:t>
+              <a:t> </a:t>
             </a:r>
             <a:r>
               <a:rPr lang="da-DK" dirty="0" err="1"/>
@@ -5272,18 +5555,26 @@
           <a:bodyPr/>
           <a:lstStyle/>
           <a:p>
-            <a:r>
-              <a:rPr lang="da-DK" b="1" dirty="0" err="1"/>
+            <a:pPr>
+              <a:buFont typeface="Arial" panose="020B0604020202020204" pitchFamily="34" charset="0"/>
+              <a:buChar char="•"/>
+            </a:pPr>
+            <a:r>
+              <a:rPr lang="da-DK" dirty="0" err="1"/>
               <a:t>Use</a:t>
             </a:r>
             <a:r>
-              <a:rPr lang="da-DK" b="1" dirty="0"/>
+              <a:rPr lang="da-DK" dirty="0"/>
               <a:t> cases </a:t>
             </a:r>
           </a:p>
           <a:p>
-            <a:r>
-              <a:rPr lang="da-DK" b="1" dirty="0"/>
+            <a:pPr>
+              <a:buFont typeface="Arial" panose="020B0604020202020204" pitchFamily="34" charset="0"/>
+              <a:buChar char="•"/>
+            </a:pPr>
+            <a:r>
+              <a:rPr lang="da-DK" dirty="0"/>
               <a:t>Brugerundersøgelser</a:t>
             </a:r>
           </a:p>
@@ -5487,12 +5778,14 @@
           <a:bodyPr/>
           <a:lstStyle/>
           <a:p>
+            <a:pPr>
+              <a:buFont typeface="Arial" panose="020B0604020202020204" pitchFamily="34" charset="0"/>
+              <a:buChar char="•"/>
+            </a:pPr>
             <a:r>
               <a:rPr lang="da-DK" dirty="0"/>
-              <a:t>Scrum har været godt </a:t>
-            </a:r>
-          </a:p>
-          <a:p>
+              <a:t> </a:t>
+            </a:r>
             <a:r>
               <a:rPr lang="da-DK" dirty="0" err="1"/>
               <a:t>Proof</a:t>
@@ -5505,10 +5798,30 @@
               <a:rPr lang="da-DK" dirty="0" err="1"/>
               <a:t>Concept</a:t>
             </a:r>
+            <a:endParaRPr lang="da-DK" dirty="0"/>
+          </a:p>
+          <a:p>
+            <a:pPr>
+              <a:buFont typeface="Arial" panose="020B0604020202020204" pitchFamily="34" charset="0"/>
+              <a:buChar char="•"/>
+            </a:pPr>
             <a:r>
               <a:rPr lang="da-DK" dirty="0"/>
-              <a:t>, videreudvikling påkrævet</a:t>
-            </a:r>
+              <a:t> Videreudvikling påkrævet</a:t>
+            </a:r>
+          </a:p>
+          <a:p>
+            <a:pPr>
+              <a:buFont typeface="Arial" panose="020B0604020202020204" pitchFamily="34" charset="0"/>
+              <a:buChar char="•"/>
+            </a:pPr>
+            <a:r>
+              <a:rPr lang="da-DK" dirty="0"/>
+              <a:t> Scrum </a:t>
+            </a:r>
+          </a:p>
+          <a:p>
+            <a:endParaRPr lang="da-DK" dirty="0"/>
           </a:p>
           <a:p>
             <a:endParaRPr lang="da-DK" dirty="0"/>
@@ -5660,7 +5973,9 @@
         </p:nvSpPr>
         <p:spPr/>
         <p:txBody>
-          <a:bodyPr/>
+          <a:bodyPr>
+            <a:normAutofit/>
+          </a:bodyPr>
           <a:lstStyle/>
           <a:p>
             <a:pPr>
@@ -6094,27 +6409,43 @@
             </a:r>
           </a:p>
           <a:p>
+            <a:pPr>
+              <a:buFont typeface="Arial" panose="020B0604020202020204" pitchFamily="34" charset="0"/>
+              <a:buChar char="•"/>
+            </a:pPr>
             <a:r>
               <a:rPr lang="da-DK" dirty="0"/>
-              <a:t>- Detektering af brystområde, men ikke fuld scanning </a:t>
-            </a:r>
-          </a:p>
-          <a:p>
+              <a:t> Detektering af brystområde, men ikke fuld scanning </a:t>
+            </a:r>
+          </a:p>
+          <a:p>
+            <a:pPr>
+              <a:buFont typeface="Arial" panose="020B0604020202020204" pitchFamily="34" charset="0"/>
+              <a:buChar char="•"/>
+            </a:pPr>
             <a:r>
               <a:rPr lang="da-DK" dirty="0"/>
-              <a:t>- Omkostninger forbundet med screeningsprogrammet </a:t>
-            </a:r>
-          </a:p>
-          <a:p>
+              <a:t> Omkostninger forbundet med screeningsprogrammet </a:t>
+            </a:r>
+          </a:p>
+          <a:p>
+            <a:pPr>
+              <a:buFont typeface="Arial" panose="020B0604020202020204" pitchFamily="34" charset="0"/>
+              <a:buChar char="•"/>
+            </a:pPr>
             <a:r>
               <a:rPr lang="da-DK" dirty="0"/>
-              <a:t>- Flere kræftformer findes, højere overlevelsesproces men også overdiagnosticering </a:t>
-            </a:r>
-          </a:p>
-          <a:p>
+              <a:t> Flere kræftformer findes, højere overlevelsesproces men også overdiagnosticering </a:t>
+            </a:r>
+          </a:p>
+          <a:p>
+            <a:pPr>
+              <a:buFont typeface="Arial" panose="020B0604020202020204" pitchFamily="34" charset="0"/>
+              <a:buChar char="•"/>
+            </a:pPr>
             <a:r>
               <a:rPr lang="da-DK" dirty="0"/>
-              <a:t>- MDD skal overholdes</a:t>
+              <a:t> MDD skal overholdes</a:t>
             </a:r>
           </a:p>
         </p:txBody>
@@ -6272,9 +6603,13 @@
             </a:r>
           </a:p>
           <a:p>
+            <a:pPr>
+              <a:buFont typeface="Arial" panose="020B0604020202020204" pitchFamily="34" charset="0"/>
+              <a:buChar char="•"/>
+            </a:pPr>
             <a:r>
               <a:rPr lang="da-DK" dirty="0"/>
-              <a:t>- </a:t>
+              <a:t> </a:t>
             </a:r>
             <a:r>
               <a:rPr lang="da-DK" dirty="0" err="1"/>
@@ -6286,15 +6621,23 @@
             </a:r>
           </a:p>
           <a:p>
+            <a:pPr>
+              <a:buFont typeface="Arial" panose="020B0604020202020204" pitchFamily="34" charset="0"/>
+              <a:buChar char="•"/>
+            </a:pPr>
             <a:r>
               <a:rPr lang="da-DK" dirty="0"/>
-              <a:t>- Transport som variabel </a:t>
-            </a:r>
-          </a:p>
-          <a:p>
+              <a:t> Transport som variabel </a:t>
+            </a:r>
+          </a:p>
+          <a:p>
+            <a:pPr>
+              <a:buFont typeface="Arial" panose="020B0604020202020204" pitchFamily="34" charset="0"/>
+              <a:buChar char="•"/>
+            </a:pPr>
             <a:r>
               <a:rPr lang="da-DK" dirty="0"/>
-              <a:t>- Omkostninger til udstyr </a:t>
+              <a:t> Omkostninger til udstyr </a:t>
             </a:r>
           </a:p>
           <a:p>
@@ -6314,7 +6657,7 @@
           <p:nvPr/>
         </p:nvPicPr>
         <p:blipFill>
-          <a:blip r:embed="rId2"/>
+          <a:blip r:embed="rId3"/>
           <a:stretch>
             <a:fillRect/>
           </a:stretch>
@@ -6402,33 +6745,53 @@
             </a:r>
           </a:p>
           <a:p>
+            <a:pPr>
+              <a:buFont typeface="Arial" panose="020B0604020202020204" pitchFamily="34" charset="0"/>
+              <a:buChar char="•"/>
+            </a:pPr>
             <a:r>
               <a:rPr lang="da-DK" dirty="0"/>
-              <a:t>- Nationale og internationale studier</a:t>
-            </a:r>
-          </a:p>
-          <a:p>
+              <a:t> Nationale og internationale studier</a:t>
+            </a:r>
+          </a:p>
+          <a:p>
+            <a:pPr>
+              <a:buFont typeface="Arial" panose="020B0604020202020204" pitchFamily="34" charset="0"/>
+              <a:buChar char="•"/>
+            </a:pPr>
             <a:r>
               <a:rPr lang="da-DK" dirty="0"/>
-              <a:t>- Kombination af ultralyd og røntgen opdager tidligere stadier af kræft </a:t>
-            </a:r>
-          </a:p>
-          <a:p>
+              <a:t> Kombination af ultralyd og røntgen opdager tidligere stadier af kræft </a:t>
+            </a:r>
+          </a:p>
+          <a:p>
+            <a:pPr>
+              <a:buFont typeface="Arial" panose="020B0604020202020204" pitchFamily="34" charset="0"/>
+              <a:buChar char="•"/>
+            </a:pPr>
             <a:r>
               <a:rPr lang="da-DK" dirty="0"/>
-              <a:t>- Billigere behandling og højere overlevelsesprocent ved tidligere stadier </a:t>
-            </a:r>
-          </a:p>
-          <a:p>
+              <a:t> Billigere behandling og højere overlevelsesprocent ved tidligere stadier </a:t>
+            </a:r>
+          </a:p>
+          <a:p>
+            <a:pPr>
+              <a:buFont typeface="Arial" panose="020B0604020202020204" pitchFamily="34" charset="0"/>
+              <a:buChar char="•"/>
+            </a:pPr>
             <a:r>
               <a:rPr lang="da-DK" dirty="0"/>
-              <a:t>- Overdiagnosticering og unødvendig behandling </a:t>
-            </a:r>
-          </a:p>
-          <a:p>
+              <a:t> Overdiagnosticering og unødvendig behandling </a:t>
+            </a:r>
+          </a:p>
+          <a:p>
+            <a:pPr>
+              <a:buFont typeface="Arial" panose="020B0604020202020204" pitchFamily="34" charset="0"/>
+              <a:buChar char="•"/>
+            </a:pPr>
             <a:r>
               <a:rPr lang="da-DK" dirty="0"/>
-              <a:t>- Omkostningseffektivitet, QALY </a:t>
+              <a:t> Omkostningseffektivitet, QALY </a:t>
             </a:r>
           </a:p>
           <a:p>

--- a/Præsentation_Eksamen.pptx
+++ b/Præsentation_Eksamen.pptx
@@ -6520,6 +6520,66 @@
             <a:r>
               <a:rPr lang="da-DK" b="1" dirty="0"/>
               <a:t>Medicinsk godkendelse</a:t>
+            </a:r>
+          </a:p>
+          <a:p>
+            <a:r>
+              <a:rPr lang="da-DK" b="1" dirty="0"/>
+              <a:t>- Vejen til CE-mærkning</a:t>
+            </a:r>
+          </a:p>
+          <a:p>
+            <a:pPr lvl="1"/>
+            <a:r>
+              <a:rPr lang="da-DK" b="1" dirty="0"/>
+              <a:t>Klassificering</a:t>
+            </a:r>
+          </a:p>
+          <a:p>
+            <a:pPr lvl="1"/>
+            <a:r>
+              <a:rPr lang="da-DK" b="1" dirty="0"/>
+              <a:t>Overholde krav om sikkerhed og ydeevne</a:t>
+            </a:r>
+          </a:p>
+          <a:p>
+            <a:pPr lvl="1"/>
+            <a:r>
+              <a:rPr lang="da-DK" b="1" dirty="0"/>
+              <a:t>Dokumentation til hvordan kravene er overholdt</a:t>
+            </a:r>
+          </a:p>
+          <a:p>
+            <a:pPr lvl="1"/>
+            <a:r>
+              <a:rPr lang="da-DK" b="1" dirty="0"/>
+              <a:t>Valg af bemyndiget organ </a:t>
+            </a:r>
+          </a:p>
+          <a:p>
+            <a:pPr lvl="1"/>
+            <a:r>
+              <a:rPr lang="da-DK" b="1" dirty="0"/>
+              <a:t>Markedsovervågningssystem</a:t>
+            </a:r>
+          </a:p>
+          <a:p>
+            <a:pPr lvl="1"/>
+            <a:r>
+              <a:rPr lang="da-DK" b="1" dirty="0"/>
+              <a:t>Underskrivelse af </a:t>
+            </a:r>
+            <a:r>
+              <a:rPr lang="da-DK" b="1" dirty="0" err="1"/>
+              <a:t>overenstemmelseserklæring</a:t>
+            </a:r>
+            <a:endParaRPr lang="da-DK" b="1" dirty="0"/>
+          </a:p>
+          <a:p>
+            <a:pPr lvl="1"/>
+            <a:r>
+              <a:rPr lang="da-DK" b="1" dirty="0"/>
+              <a:t>Registrering hos lægemiddelstyrelsen. </a:t>
             </a:r>
           </a:p>
           <a:p>

--- a/Præsentation_Eksamen.pptx
+++ b/Præsentation_Eksamen.pptx
@@ -232,7 +232,7 @@
           <a:p>
             <a:fld id="{6AF9F838-B633-4D47-BC11-C4B614E0B93C}" type="datetimeFigureOut">
               <a:rPr lang="da-DK" smtClean="0"/>
-              <a:t>05-01-2017</a:t>
+              <a:t>06-01-2017</a:t>
             </a:fld>
             <a:endParaRPr lang="da-DK"/>
           </a:p>
@@ -543,7 +543,10 @@
           <a:bodyPr/>
           <a:lstStyle/>
           <a:p>
-            <a:endParaRPr lang="da-DK" dirty="0"/>
+            <a:r>
+              <a:rPr lang="da-DK" dirty="0"/>
+              <a:t>Charlotte</a:t>
+            </a:r>
           </a:p>
         </p:txBody>
       </p:sp>
@@ -627,7 +630,10 @@
           <a:bodyPr/>
           <a:lstStyle/>
           <a:p>
-            <a:endParaRPr lang="da-DK" dirty="0"/>
+            <a:r>
+              <a:rPr lang="da-DK" dirty="0"/>
+              <a:t>MSN</a:t>
+            </a:r>
           </a:p>
         </p:txBody>
       </p:sp>
@@ -648,7 +654,7 @@
           <a:p>
             <a:fld id="{81DAF125-77CF-4549-A25B-16435FA351B7}" type="slidenum">
               <a:rPr lang="da-DK" smtClean="0"/>
-              <a:t>12</a:t>
+              <a:t>10</a:t>
             </a:fld>
             <a:endParaRPr lang="da-DK"/>
           </a:p>
@@ -657,7 +663,7 @@
     </p:spTree>
     <p:extLst>
       <p:ext uri="{BB962C8B-B14F-4D97-AF65-F5344CB8AC3E}">
-        <p14:creationId xmlns:p14="http://schemas.microsoft.com/office/powerpoint/2010/main" val="1635502081"/>
+        <p14:creationId xmlns:p14="http://schemas.microsoft.com/office/powerpoint/2010/main" val="3284237135"/>
       </p:ext>
     </p:extLst>
   </p:cSld>
@@ -710,6 +716,330 @@
         <p:txBody>
           <a:bodyPr/>
           <a:lstStyle/>
+          <a:p>
+            <a:r>
+              <a:rPr lang="da-DK" dirty="0"/>
+              <a:t>MSN</a:t>
+            </a:r>
+          </a:p>
+          <a:p>
+            <a:endParaRPr lang="da-DK" dirty="0"/>
+          </a:p>
+          <a:p>
+            <a:r>
+              <a:rPr lang="da-DK" dirty="0"/>
+              <a:t>Brugerundersøgelser til at finde ud af,</a:t>
+            </a:r>
+            <a:r>
+              <a:rPr lang="da-DK" baseline="0" dirty="0"/>
+              <a:t> hvad vi skal have med som krav</a:t>
+            </a:r>
+          </a:p>
+          <a:p>
+            <a:endParaRPr lang="da-DK" baseline="0" dirty="0"/>
+          </a:p>
+          <a:p>
+            <a:r>
+              <a:rPr lang="da-DK" baseline="0" dirty="0"/>
+              <a:t>UC – 4 styks </a:t>
+            </a:r>
+            <a:endParaRPr lang="da-DK" dirty="0"/>
+          </a:p>
+        </p:txBody>
+      </p:sp>
+      <p:sp>
+        <p:nvSpPr>
+          <p:cNvPr id="4" name="Pladsholder til slidenummer 3"/>
+          <p:cNvSpPr>
+            <a:spLocks noGrp="1"/>
+          </p:cNvSpPr>
+          <p:nvPr>
+            <p:ph type="sldNum" sz="quarter" idx="10"/>
+          </p:nvPr>
+        </p:nvSpPr>
+        <p:spPr/>
+        <p:txBody>
+          <a:bodyPr/>
+          <a:lstStyle/>
+          <a:p>
+            <a:fld id="{81DAF125-77CF-4549-A25B-16435FA351B7}" type="slidenum">
+              <a:rPr lang="da-DK" smtClean="0"/>
+              <a:t>11</a:t>
+            </a:fld>
+            <a:endParaRPr lang="da-DK"/>
+          </a:p>
+        </p:txBody>
+      </p:sp>
+    </p:spTree>
+    <p:extLst>
+      <p:ext uri="{BB962C8B-B14F-4D97-AF65-F5344CB8AC3E}">
+        <p14:creationId xmlns:p14="http://schemas.microsoft.com/office/powerpoint/2010/main" val="4183857365"/>
+      </p:ext>
+    </p:extLst>
+  </p:cSld>
+  <p:clrMapOvr>
+    <a:masterClrMapping/>
+  </p:clrMapOvr>
+</p:notes>
+</file>
+
+<file path=ppt/notesSlides/notesSlide12.xml><?xml version="1.0" encoding="utf-8"?>
+<p:notes xmlns:a="http://schemas.openxmlformats.org/drawingml/2006/main" xmlns:r="http://schemas.openxmlformats.org/officeDocument/2006/relationships" xmlns:p="http://schemas.openxmlformats.org/presentationml/2006/main">
+  <p:cSld>
+    <p:spTree>
+      <p:nvGrpSpPr>
+        <p:cNvPr id="1" name=""/>
+        <p:cNvGrpSpPr/>
+        <p:nvPr/>
+      </p:nvGrpSpPr>
+      <p:grpSpPr>
+        <a:xfrm>
+          <a:off x="0" y="0"/>
+          <a:ext cx="0" cy="0"/>
+          <a:chOff x="0" y="0"/>
+          <a:chExt cx="0" cy="0"/>
+        </a:xfrm>
+      </p:grpSpPr>
+      <p:sp>
+        <p:nvSpPr>
+          <p:cNvPr id="2" name="Pladsholder til slidebillede 1"/>
+          <p:cNvSpPr>
+            <a:spLocks noGrp="1" noRot="1" noChangeAspect="1"/>
+          </p:cNvSpPr>
+          <p:nvPr>
+            <p:ph type="sldImg"/>
+          </p:nvPr>
+        </p:nvSpPr>
+        <p:spPr/>
+      </p:sp>
+      <p:sp>
+        <p:nvSpPr>
+          <p:cNvPr id="3" name="Pladsholder til noter 2"/>
+          <p:cNvSpPr>
+            <a:spLocks noGrp="1"/>
+          </p:cNvSpPr>
+          <p:nvPr>
+            <p:ph type="body" idx="1"/>
+          </p:nvPr>
+        </p:nvSpPr>
+        <p:spPr/>
+        <p:txBody>
+          <a:bodyPr/>
+          <a:lstStyle/>
+          <a:p>
+            <a:r>
+              <a:rPr lang="da-DK" dirty="0"/>
+              <a:t>MSN</a:t>
+            </a:r>
+          </a:p>
+          <a:p>
+            <a:endParaRPr lang="da-DK" dirty="0"/>
+          </a:p>
+          <a:p>
+            <a:r>
+              <a:rPr lang="da-DK" dirty="0"/>
+              <a:t>Vi</a:t>
+            </a:r>
+            <a:r>
+              <a:rPr lang="da-DK" baseline="0" dirty="0"/>
+              <a:t> har arbejdet ud fra, at det skal kunne videreudvikles på. </a:t>
+            </a:r>
+            <a:endParaRPr lang="da-DK" dirty="0"/>
+          </a:p>
+        </p:txBody>
+      </p:sp>
+      <p:sp>
+        <p:nvSpPr>
+          <p:cNvPr id="4" name="Pladsholder til slidenummer 3"/>
+          <p:cNvSpPr>
+            <a:spLocks noGrp="1"/>
+          </p:cNvSpPr>
+          <p:nvPr>
+            <p:ph type="sldNum" sz="quarter" idx="10"/>
+          </p:nvPr>
+        </p:nvSpPr>
+        <p:spPr/>
+        <p:txBody>
+          <a:bodyPr/>
+          <a:lstStyle/>
+          <a:p>
+            <a:fld id="{81DAF125-77CF-4549-A25B-16435FA351B7}" type="slidenum">
+              <a:rPr lang="da-DK" smtClean="0"/>
+              <a:t>12</a:t>
+            </a:fld>
+            <a:endParaRPr lang="da-DK"/>
+          </a:p>
+        </p:txBody>
+      </p:sp>
+    </p:spTree>
+    <p:extLst>
+      <p:ext uri="{BB962C8B-B14F-4D97-AF65-F5344CB8AC3E}">
+        <p14:creationId xmlns:p14="http://schemas.microsoft.com/office/powerpoint/2010/main" val="1635502081"/>
+      </p:ext>
+    </p:extLst>
+  </p:cSld>
+  <p:clrMapOvr>
+    <a:masterClrMapping/>
+  </p:clrMapOvr>
+</p:notes>
+</file>
+
+<file path=ppt/notesSlides/notesSlide13.xml><?xml version="1.0" encoding="utf-8"?>
+<p:notes xmlns:a="http://schemas.openxmlformats.org/drawingml/2006/main" xmlns:r="http://schemas.openxmlformats.org/officeDocument/2006/relationships" xmlns:p="http://schemas.openxmlformats.org/presentationml/2006/main">
+  <p:cSld>
+    <p:spTree>
+      <p:nvGrpSpPr>
+        <p:cNvPr id="1" name=""/>
+        <p:cNvGrpSpPr/>
+        <p:nvPr/>
+      </p:nvGrpSpPr>
+      <p:grpSpPr>
+        <a:xfrm>
+          <a:off x="0" y="0"/>
+          <a:ext cx="0" cy="0"/>
+          <a:chOff x="0" y="0"/>
+          <a:chExt cx="0" cy="0"/>
+        </a:xfrm>
+      </p:grpSpPr>
+      <p:sp>
+        <p:nvSpPr>
+          <p:cNvPr id="2" name="Pladsholder til slidebillede 1"/>
+          <p:cNvSpPr>
+            <a:spLocks noGrp="1" noRot="1" noChangeAspect="1"/>
+          </p:cNvSpPr>
+          <p:nvPr>
+            <p:ph type="sldImg"/>
+          </p:nvPr>
+        </p:nvSpPr>
+        <p:spPr/>
+      </p:sp>
+      <p:sp>
+        <p:nvSpPr>
+          <p:cNvPr id="3" name="Pladsholder til noter 2"/>
+          <p:cNvSpPr>
+            <a:spLocks noGrp="1"/>
+          </p:cNvSpPr>
+          <p:nvPr>
+            <p:ph type="body" idx="1"/>
+          </p:nvPr>
+        </p:nvSpPr>
+        <p:spPr/>
+        <p:txBody>
+          <a:bodyPr/>
+          <a:lstStyle/>
+          <a:p>
+            <a:r>
+              <a:rPr lang="da-DK" dirty="0"/>
+              <a:t>MSN</a:t>
+            </a:r>
+          </a:p>
+          <a:p>
+            <a:r>
+              <a:rPr lang="da-DK" dirty="0"/>
+              <a:t>Det</a:t>
+            </a:r>
+            <a:r>
+              <a:rPr lang="da-DK" baseline="0" dirty="0"/>
+              <a:t> kan ikke bruges i hospitalsvæsenet </a:t>
+            </a:r>
+          </a:p>
+          <a:p>
+            <a:endParaRPr lang="da-DK" baseline="0" dirty="0"/>
+          </a:p>
+          <a:p>
+            <a:r>
+              <a:rPr lang="da-DK" baseline="0" dirty="0"/>
+              <a:t>Tværfaglig</a:t>
+            </a:r>
+            <a:endParaRPr lang="da-DK" dirty="0"/>
+          </a:p>
+        </p:txBody>
+      </p:sp>
+      <p:sp>
+        <p:nvSpPr>
+          <p:cNvPr id="4" name="Pladsholder til slidenummer 3"/>
+          <p:cNvSpPr>
+            <a:spLocks noGrp="1"/>
+          </p:cNvSpPr>
+          <p:nvPr>
+            <p:ph type="sldNum" sz="quarter" idx="10"/>
+          </p:nvPr>
+        </p:nvSpPr>
+        <p:spPr/>
+        <p:txBody>
+          <a:bodyPr/>
+          <a:lstStyle/>
+          <a:p>
+            <a:fld id="{81DAF125-77CF-4549-A25B-16435FA351B7}" type="slidenum">
+              <a:rPr lang="da-DK" smtClean="0"/>
+              <a:t>13</a:t>
+            </a:fld>
+            <a:endParaRPr lang="da-DK"/>
+          </a:p>
+        </p:txBody>
+      </p:sp>
+    </p:spTree>
+    <p:extLst>
+      <p:ext uri="{BB962C8B-B14F-4D97-AF65-F5344CB8AC3E}">
+        <p14:creationId xmlns:p14="http://schemas.microsoft.com/office/powerpoint/2010/main" val="1808237219"/>
+      </p:ext>
+    </p:extLst>
+  </p:cSld>
+  <p:clrMapOvr>
+    <a:masterClrMapping/>
+  </p:clrMapOvr>
+</p:notes>
+</file>
+
+<file path=ppt/notesSlides/notesSlide14.xml><?xml version="1.0" encoding="utf-8"?>
+<p:notes xmlns:a="http://schemas.openxmlformats.org/drawingml/2006/main" xmlns:r="http://schemas.openxmlformats.org/officeDocument/2006/relationships" xmlns:p="http://schemas.openxmlformats.org/presentationml/2006/main">
+  <p:cSld>
+    <p:spTree>
+      <p:nvGrpSpPr>
+        <p:cNvPr id="1" name=""/>
+        <p:cNvGrpSpPr/>
+        <p:nvPr/>
+      </p:nvGrpSpPr>
+      <p:grpSpPr>
+        <a:xfrm>
+          <a:off x="0" y="0"/>
+          <a:ext cx="0" cy="0"/>
+          <a:chOff x="0" y="0"/>
+          <a:chExt cx="0" cy="0"/>
+        </a:xfrm>
+      </p:grpSpPr>
+      <p:sp>
+        <p:nvSpPr>
+          <p:cNvPr id="2" name="Pladsholder til slidebillede 1"/>
+          <p:cNvSpPr>
+            <a:spLocks noGrp="1" noRot="1" noChangeAspect="1"/>
+          </p:cNvSpPr>
+          <p:nvPr>
+            <p:ph type="sldImg"/>
+          </p:nvPr>
+        </p:nvSpPr>
+        <p:spPr/>
+      </p:sp>
+      <p:sp>
+        <p:nvSpPr>
+          <p:cNvPr id="3" name="Pladsholder til noter 2"/>
+          <p:cNvSpPr>
+            <a:spLocks noGrp="1"/>
+          </p:cNvSpPr>
+          <p:nvPr>
+            <p:ph type="body" idx="1"/>
+          </p:nvPr>
+        </p:nvSpPr>
+        <p:spPr/>
+        <p:txBody>
+          <a:bodyPr/>
+          <a:lstStyle/>
+          <a:p>
+            <a:endParaRPr lang="da-DK" dirty="0"/>
+          </a:p>
+          <a:p>
+            <a:endParaRPr lang="da-DK" dirty="0"/>
+          </a:p>
           <a:p>
             <a:r>
               <a:rPr lang="da-DK" dirty="0"/>
@@ -798,7 +1128,10 @@
           <a:bodyPr/>
           <a:lstStyle/>
           <a:p>
-            <a:endParaRPr lang="da-DK" dirty="0"/>
+            <a:r>
+              <a:rPr lang="da-DK" dirty="0"/>
+              <a:t>Charlotte</a:t>
+            </a:r>
           </a:p>
         </p:txBody>
       </p:sp>
@@ -882,7 +1215,10 @@
           <a:bodyPr/>
           <a:lstStyle/>
           <a:p>
-            <a:endParaRPr lang="da-DK" dirty="0"/>
+            <a:r>
+              <a:rPr lang="da-DK" dirty="0"/>
+              <a:t>Marie</a:t>
+            </a:r>
           </a:p>
         </p:txBody>
       </p:sp>
@@ -967,6 +1303,12 @@
           <a:lstStyle/>
           <a:p>
             <a:r>
+              <a:rPr lang="da-DK" dirty="0"/>
+              <a:t>Marie</a:t>
+            </a:r>
+          </a:p>
+          <a:p>
+            <a:r>
               <a:rPr lang="da-DK" dirty="0" err="1"/>
               <a:t>Proof</a:t>
             </a:r>
@@ -1070,6 +1412,56 @@
           <a:bodyPr/>
           <a:lstStyle/>
           <a:p>
+            <a:pPr>
+              <a:buFont typeface="Arial" panose="020B0604020202020204" pitchFamily="34" charset="0"/>
+              <a:buNone/>
+            </a:pPr>
+            <a:r>
+              <a:rPr lang="da-DK" dirty="0"/>
+              <a:t>Marie </a:t>
+            </a:r>
+          </a:p>
+          <a:p>
+            <a:pPr>
+              <a:buFont typeface="Arial" panose="020B0604020202020204" pitchFamily="34" charset="0"/>
+              <a:buChar char="•"/>
+            </a:pPr>
+            <a:r>
+              <a:rPr lang="da-DK" dirty="0"/>
+              <a:t>Detektering af brystområde, men ikke fuld scanning </a:t>
+            </a:r>
+          </a:p>
+          <a:p>
+            <a:pPr>
+              <a:buFont typeface="Arial" panose="020B0604020202020204" pitchFamily="34" charset="0"/>
+              <a:buChar char="•"/>
+            </a:pPr>
+            <a:r>
+              <a:rPr lang="da-DK" dirty="0"/>
+              <a:t> Omkostninger forbundet med screeningsprogrammet </a:t>
+            </a:r>
+          </a:p>
+          <a:p>
+            <a:pPr>
+              <a:buFont typeface="Arial" panose="020B0604020202020204" pitchFamily="34" charset="0"/>
+              <a:buChar char="•"/>
+            </a:pPr>
+            <a:r>
+              <a:rPr lang="da-DK" dirty="0"/>
+              <a:t> Flere kræftformer findes, højere overlevelsesproces men også overdiagnosticering </a:t>
+            </a:r>
+          </a:p>
+          <a:p>
+            <a:pPr>
+              <a:buFont typeface="Arial" panose="020B0604020202020204" pitchFamily="34" charset="0"/>
+              <a:buChar char="•"/>
+            </a:pPr>
+            <a:r>
+              <a:rPr lang="da-DK" dirty="0"/>
+              <a:t> MDD skal overholdes</a:t>
+            </a:r>
+          </a:p>
+          <a:p>
             <a:endParaRPr lang="da-DK" dirty="0"/>
           </a:p>
         </p:txBody>
@@ -1154,7 +1546,76 @@
           <a:bodyPr/>
           <a:lstStyle/>
           <a:p>
-            <a:endParaRPr lang="da-DK"/>
+            <a:r>
+              <a:rPr lang="da-DK" dirty="0"/>
+              <a:t>Marie</a:t>
+            </a:r>
+          </a:p>
+          <a:p>
+            <a:endParaRPr lang="da-DK" dirty="0"/>
+          </a:p>
+          <a:p>
+            <a:r>
+              <a:rPr lang="da-DK" dirty="0"/>
+              <a:t>- Vejen til CE-mærkning</a:t>
+            </a:r>
+          </a:p>
+          <a:p>
+            <a:pPr lvl="1"/>
+            <a:r>
+              <a:rPr lang="da-DK" dirty="0"/>
+              <a:t>Klassificering</a:t>
+            </a:r>
+          </a:p>
+          <a:p>
+            <a:pPr lvl="1"/>
+            <a:r>
+              <a:rPr lang="da-DK" dirty="0"/>
+              <a:t>Overholde krav om sikkerhed og ydeevne</a:t>
+            </a:r>
+          </a:p>
+          <a:p>
+            <a:pPr lvl="1"/>
+            <a:r>
+              <a:rPr lang="da-DK" dirty="0"/>
+              <a:t>Dokumentation til hvordan kravene er overholdt</a:t>
+            </a:r>
+          </a:p>
+          <a:p>
+            <a:pPr lvl="1"/>
+            <a:r>
+              <a:rPr lang="da-DK" dirty="0"/>
+              <a:t>Valg af bemyndiget organ </a:t>
+            </a:r>
+          </a:p>
+          <a:p>
+            <a:pPr lvl="1"/>
+            <a:r>
+              <a:rPr lang="da-DK" dirty="0"/>
+              <a:t>Markedsovervågningssystem</a:t>
+            </a:r>
+          </a:p>
+          <a:p>
+            <a:pPr lvl="1"/>
+            <a:r>
+              <a:rPr lang="da-DK" dirty="0"/>
+              <a:t>Underskrivelse af </a:t>
+            </a:r>
+            <a:r>
+              <a:rPr lang="da-DK" dirty="0" err="1"/>
+              <a:t>overenstemmelseserklæring</a:t>
+            </a:r>
+            <a:endParaRPr lang="da-DK" dirty="0"/>
+          </a:p>
+          <a:p>
+            <a:pPr lvl="1"/>
+            <a:r>
+              <a:rPr lang="da-DK" dirty="0"/>
+              <a:t>Registrering hos lægemiddelstyrelsen. </a:t>
+            </a:r>
+          </a:p>
+          <a:p>
+            <a:endParaRPr lang="da-DK" dirty="0"/>
           </a:p>
         </p:txBody>
       </p:sp>
@@ -1175,7 +1636,7 @@
           <a:p>
             <a:fld id="{81DAF125-77CF-4549-A25B-16435FA351B7}" type="slidenum">
               <a:rPr lang="da-DK" smtClean="0"/>
-              <a:t>7</a:t>
+              <a:t>6</a:t>
             </a:fld>
             <a:endParaRPr lang="da-DK"/>
           </a:p>
@@ -1184,7 +1645,7 @@
     </p:spTree>
     <p:extLst>
       <p:ext uri="{BB962C8B-B14F-4D97-AF65-F5344CB8AC3E}">
-        <p14:creationId xmlns:p14="http://schemas.microsoft.com/office/powerpoint/2010/main" val="4196849113"/>
+        <p14:creationId xmlns:p14="http://schemas.microsoft.com/office/powerpoint/2010/main" val="1007746447"/>
       </p:ext>
     </p:extLst>
   </p:cSld>
@@ -1240,49 +1701,7 @@
           <a:p>
             <a:r>
               <a:rPr lang="da-DK" dirty="0"/>
-              <a:t>Størstedelen af litteraturen konkluderer, at mere forskning er nødvendig på området. Det</a:t>
-            </a:r>
-          </a:p>
-          <a:p>
-            <a:r>
-              <a:rPr lang="da-DK" dirty="0"/>
-              <a:t>kan derfor være svært at lave en endelig konklusion på, hvorvidt en udvidelse af screeningsprogrammet</a:t>
-            </a:r>
-          </a:p>
-          <a:p>
-            <a:r>
-              <a:rPr lang="da-DK" dirty="0"/>
-              <a:t>vil være en god idé. Fordelen er, at man ved en kombination af ultralyd og</a:t>
-            </a:r>
-          </a:p>
-          <a:p>
-            <a:r>
-              <a:rPr lang="da-DK" dirty="0"/>
-              <a:t>røntgen kan opdage tidligere stadier af kræft, hvilket er billigere, og overlevelsesprocenten</a:t>
-            </a:r>
-          </a:p>
-          <a:p>
-            <a:r>
-              <a:rPr lang="da-DK" dirty="0"/>
-              <a:t>er højere. Ulemperne er, at der sker overdiagnosticering ved screeninger, og patienter derfor</a:t>
-            </a:r>
-          </a:p>
-          <a:p>
-            <a:r>
-              <a:rPr lang="da-DK" dirty="0"/>
-              <a:t>behandles uden grund. Tilføjelse af ultralydsscanninger til screeningsprogrammet vil øge</a:t>
-            </a:r>
-          </a:p>
-          <a:p>
-            <a:r>
-              <a:rPr lang="da-DK" dirty="0"/>
-              <a:t>omkostningerne og dermed prisen pr. QALY, hvilket sandsynligvis vil betyde, at udvidelse</a:t>
-            </a:r>
-          </a:p>
-          <a:p>
-            <a:r>
-              <a:rPr lang="da-DK" dirty="0"/>
-              <a:t>af screeningsprogrammet ikke er omkostningseffektivt.</a:t>
+              <a:t>Charlotte</a:t>
             </a:r>
           </a:p>
         </p:txBody>
@@ -1304,7 +1723,7 @@
           <a:p>
             <a:fld id="{81DAF125-77CF-4549-A25B-16435FA351B7}" type="slidenum">
               <a:rPr lang="da-DK" smtClean="0"/>
-              <a:t>8</a:t>
+              <a:t>7</a:t>
             </a:fld>
             <a:endParaRPr lang="da-DK"/>
           </a:p>
@@ -1313,7 +1732,7 @@
     </p:spTree>
     <p:extLst>
       <p:ext uri="{BB962C8B-B14F-4D97-AF65-F5344CB8AC3E}">
-        <p14:creationId xmlns:p14="http://schemas.microsoft.com/office/powerpoint/2010/main" val="1022816383"/>
+        <p14:creationId xmlns:p14="http://schemas.microsoft.com/office/powerpoint/2010/main" val="4196849113"/>
       </p:ext>
     </p:extLst>
   </p:cSld>
@@ -1369,29 +1788,8 @@
           <a:p>
             <a:r>
               <a:rPr lang="da-DK" dirty="0"/>
-              <a:t>Interesseområder, fremtid, gav mening efter kompetencer </a:t>
-            </a:r>
-            <a:r>
-              <a:rPr lang="da-DK" dirty="0" err="1"/>
-              <a:t>bla</a:t>
-            </a:r>
-            <a:r>
-              <a:rPr lang="da-DK" baseline="0" dirty="0"/>
-              <a:t> </a:t>
-            </a:r>
-            <a:r>
-              <a:rPr lang="da-DK" baseline="0" dirty="0" err="1"/>
-              <a:t>bla</a:t>
-            </a:r>
-            <a:r>
-              <a:rPr lang="da-DK" baseline="0" dirty="0"/>
-              <a:t> </a:t>
-            </a:r>
-            <a:r>
-              <a:rPr lang="da-DK" baseline="0" dirty="0" err="1"/>
-              <a:t>bla</a:t>
-            </a:r>
-            <a:endParaRPr lang="da-DK" dirty="0"/>
+              <a:t>Charlotte</a:t>
+            </a:r>
           </a:p>
         </p:txBody>
       </p:sp>
@@ -1412,7 +1810,7 @@
           <a:p>
             <a:fld id="{81DAF125-77CF-4549-A25B-16435FA351B7}" type="slidenum">
               <a:rPr lang="da-DK" smtClean="0"/>
-              <a:t>9</a:t>
+              <a:t>8</a:t>
             </a:fld>
             <a:endParaRPr lang="da-DK"/>
           </a:p>
@@ -1421,7 +1819,7 @@
     </p:spTree>
     <p:extLst>
       <p:ext uri="{BB962C8B-B14F-4D97-AF65-F5344CB8AC3E}">
-        <p14:creationId xmlns:p14="http://schemas.microsoft.com/office/powerpoint/2010/main" val="746107577"/>
+        <p14:creationId xmlns:p14="http://schemas.microsoft.com/office/powerpoint/2010/main" val="1022816383"/>
       </p:ext>
     </p:extLst>
   </p:cSld>
@@ -1477,20 +1875,33 @@
           <a:p>
             <a:r>
               <a:rPr lang="da-DK" dirty="0"/>
-              <a:t>Brugerundersøgelser til at finde ud af,</a:t>
+              <a:t>Charlotte</a:t>
+            </a:r>
+          </a:p>
+          <a:p>
+            <a:r>
+              <a:rPr lang="da-DK" dirty="0"/>
+              <a:t>Interesseområder, fremtid, gav mening efter kompetencer </a:t>
+            </a:r>
+            <a:r>
+              <a:rPr lang="da-DK" dirty="0" err="1"/>
+              <a:t>bla</a:t>
             </a:r>
             <a:r>
               <a:rPr lang="da-DK" baseline="0" dirty="0"/>
-              <a:t> hvad vi skal have med som krav</a:t>
-            </a:r>
-          </a:p>
-          <a:p>
-            <a:endParaRPr lang="da-DK" baseline="0" dirty="0"/>
-          </a:p>
-          <a:p>
+              <a:t> </a:t>
+            </a:r>
+            <a:r>
+              <a:rPr lang="da-DK" baseline="0" dirty="0" err="1"/>
+              <a:t>bla</a:t>
+            </a:r>
             <a:r>
               <a:rPr lang="da-DK" baseline="0" dirty="0"/>
-              <a:t>UC – 4 styks </a:t>
+              <a:t> </a:t>
+            </a:r>
+            <a:r>
+              <a:rPr lang="da-DK" baseline="0" dirty="0" err="1"/>
+              <a:t>bla</a:t>
             </a:r>
             <a:endParaRPr lang="da-DK" dirty="0"/>
           </a:p>
@@ -1513,7 +1924,7 @@
           <a:p>
             <a:fld id="{81DAF125-77CF-4549-A25B-16435FA351B7}" type="slidenum">
               <a:rPr lang="da-DK" smtClean="0"/>
-              <a:t>11</a:t>
+              <a:t>9</a:t>
             </a:fld>
             <a:endParaRPr lang="da-DK"/>
           </a:p>
@@ -1522,7 +1933,7 @@
     </p:spTree>
     <p:extLst>
       <p:ext uri="{BB962C8B-B14F-4D97-AF65-F5344CB8AC3E}">
-        <p14:creationId xmlns:p14="http://schemas.microsoft.com/office/powerpoint/2010/main" val="4183857365"/>
+        <p14:creationId xmlns:p14="http://schemas.microsoft.com/office/powerpoint/2010/main" val="746107577"/>
       </p:ext>
     </p:extLst>
   </p:cSld>
@@ -1758,7 +2169,7 @@
           <a:p>
             <a:fld id="{ACF1A1B0-862D-4909-A7DB-D8ADA062DFCA}" type="datetimeFigureOut">
               <a:rPr lang="en-US" smtClean="0"/>
-              <a:t>1/5/2017</a:t>
+              <a:t>1/6/2017</a:t>
             </a:fld>
             <a:endParaRPr lang="en-US" dirty="0"/>
           </a:p>
@@ -1967,7 +2378,7 @@
           <a:p>
             <a:fld id="{7B156144-9CB7-4E3A-B87E-A382F9BE05EF}" type="datetimeFigureOut">
               <a:rPr lang="en-US" smtClean="0"/>
-              <a:t>1/5/2017</a:t>
+              <a:t>1/6/2017</a:t>
             </a:fld>
             <a:endParaRPr lang="en-US" dirty="0"/>
           </a:p>
@@ -2223,7 +2634,7 @@
           <a:p>
             <a:fld id="{2643D55F-46AB-4791-9172-4FA8DD3A6A9C}" type="datetimeFigureOut">
               <a:rPr lang="en-US" smtClean="0"/>
-              <a:t>1/5/2017</a:t>
+              <a:t>1/6/2017</a:t>
             </a:fld>
             <a:endParaRPr lang="en-US" dirty="0"/>
           </a:p>
@@ -2393,7 +2804,7 @@
           <a:p>
             <a:fld id="{58026881-8A08-449C-8D73-E5F201F814C1}" type="datetimeFigureOut">
               <a:rPr lang="en-US" smtClean="0"/>
-              <a:t>1/5/2017</a:t>
+              <a:t>1/6/2017</a:t>
             </a:fld>
             <a:endParaRPr lang="en-US" dirty="0"/>
           </a:p>
@@ -2736,7 +3147,7 @@
           <a:p>
             <a:fld id="{1BEB5A5E-0C07-4E93-A112-D37B4D166B30}" type="datetimeFigureOut">
               <a:rPr lang="en-US" smtClean="0"/>
-              <a:t>1/5/2017</a:t>
+              <a:t>1/6/2017</a:t>
             </a:fld>
             <a:endParaRPr lang="en-US" dirty="0"/>
           </a:p>
@@ -3011,7 +3422,7 @@
           <a:p>
             <a:fld id="{9E1F71C5-DC57-4358-A1EA-30C08AF6E3C5}" type="datetimeFigureOut">
               <a:rPr lang="en-US" smtClean="0"/>
-              <a:t>1/5/2017</a:t>
+              <a:t>1/6/2017</a:t>
             </a:fld>
             <a:endParaRPr lang="en-US" dirty="0"/>
           </a:p>
@@ -3390,7 +3801,7 @@
           <a:p>
             <a:fld id="{12571DBA-DE60-4731-B773-47AAA185C143}" type="datetimeFigureOut">
               <a:rPr lang="en-US" smtClean="0"/>
-              <a:t>1/5/2017</a:t>
+              <a:t>1/6/2017</a:t>
             </a:fld>
             <a:endParaRPr lang="en-US" dirty="0"/>
           </a:p>
@@ -3508,7 +3919,7 @@
           <a:p>
             <a:fld id="{4F170639-886C-4FCF-9EAB-ABB5DA3F3F4A}" type="datetimeFigureOut">
               <a:rPr lang="en-US" smtClean="0"/>
-              <a:t>1/5/2017</a:t>
+              <a:t>1/6/2017</a:t>
             </a:fld>
             <a:endParaRPr lang="en-US" dirty="0"/>
           </a:p>
@@ -3679,7 +4090,7 @@
           <a:p>
             <a:fld id="{34C4A628-C83B-4C66-83F4-1711CE3738FD}" type="datetimeFigureOut">
               <a:rPr lang="en-US" smtClean="0"/>
-              <a:t>1/5/2017</a:t>
+              <a:t>1/6/2017</a:t>
             </a:fld>
             <a:endParaRPr lang="en-US" dirty="0"/>
           </a:p>
@@ -4033,7 +4444,7 @@
           <a:p>
             <a:fld id="{B88C1D73-9400-43CA-A37F-F9B7D00DE14C}" type="datetimeFigureOut">
               <a:rPr lang="en-US" smtClean="0"/>
-              <a:t>1/5/2017</a:t>
+              <a:t>1/6/2017</a:t>
             </a:fld>
             <a:endParaRPr lang="en-US" dirty="0"/>
           </a:p>
@@ -4410,7 +4821,7 @@
           <a:p>
             <a:fld id="{188B7711-B905-4633-B4D7-6F3A49A2E7D9}" type="datetimeFigureOut">
               <a:rPr lang="en-US" smtClean="0"/>
-              <a:t>1/5/2017</a:t>
+              <a:t>1/6/2017</a:t>
             </a:fld>
             <a:endParaRPr lang="en-US" dirty="0"/>
           </a:p>
@@ -4698,7 +5109,7 @@
             <a:fld id="{89C235CF-BDA2-4E7E-8BBD-350479985E74}" type="datetimeFigureOut">
               <a:rPr lang="en-US" smtClean="0"/>
               <a:pPr/>
-              <a:t>1/5/2017</a:t>
+              <a:t>1/6/2017</a:t>
             </a:fld>
             <a:endParaRPr lang="en-US" dirty="0"/>
           </a:p>
@@ -5326,6 +5737,111 @@
           </a:prstGeom>
         </p:spPr>
       </p:pic>
+      <p:pic>
+        <p:nvPicPr>
+          <p:cNvPr id="5" name="Billede 4"/>
+          <p:cNvPicPr>
+            <a:picLocks noChangeAspect="1"/>
+          </p:cNvPicPr>
+          <p:nvPr/>
+        </p:nvPicPr>
+        <p:blipFill rotWithShape="1">
+          <a:blip r:embed="rId3">
+            <a:extLst>
+              <a:ext uri="{BEBA8EAE-BF5A-486C-A8C5-ECC9F3942E4B}">
+                <a14:imgProps xmlns:a14="http://schemas.microsoft.com/office/drawing/2010/main">
+                  <a14:imgLayer r:embed="rId4">
+                    <a14:imgEffect>
+                      <a14:saturation sat="400000"/>
+                    </a14:imgEffect>
+                  </a14:imgLayer>
+                </a14:imgProps>
+              </a:ext>
+            </a:extLst>
+          </a:blip>
+          <a:srcRect t="18396"/>
+          <a:stretch/>
+        </p:blipFill>
+        <p:spPr>
+          <a:xfrm>
+            <a:off x="7237503" y="720850"/>
+            <a:ext cx="3918177" cy="3734771"/>
+          </a:xfrm>
+          <a:prstGeom prst="rect">
+            <a:avLst/>
+          </a:prstGeom>
+        </p:spPr>
+      </p:pic>
+      <p:pic>
+        <p:nvPicPr>
+          <p:cNvPr id="6" name="Billede 5"/>
+          <p:cNvPicPr>
+            <a:picLocks noChangeAspect="1"/>
+          </p:cNvPicPr>
+          <p:nvPr/>
+        </p:nvPicPr>
+        <p:blipFill rotWithShape="1">
+          <a:blip r:embed="rId3">
+            <a:extLst>
+              <a:ext uri="{BEBA8EAE-BF5A-486C-A8C5-ECC9F3942E4B}">
+                <a14:imgProps xmlns:a14="http://schemas.microsoft.com/office/drawing/2010/main">
+                  <a14:imgLayer r:embed="rId4">
+                    <a14:imgEffect>
+                      <a14:saturation sat="400000"/>
+                    </a14:imgEffect>
+                  </a14:imgLayer>
+                </a14:imgProps>
+              </a:ext>
+            </a:extLst>
+          </a:blip>
+          <a:srcRect t="18396"/>
+          <a:stretch/>
+        </p:blipFill>
+        <p:spPr>
+          <a:xfrm>
+            <a:off x="7237503" y="720850"/>
+            <a:ext cx="3918177" cy="3734771"/>
+          </a:xfrm>
+          <a:prstGeom prst="rect">
+            <a:avLst/>
+          </a:prstGeom>
+        </p:spPr>
+      </p:pic>
+      <p:pic>
+        <p:nvPicPr>
+          <p:cNvPr id="7" name="Billede 6"/>
+          <p:cNvPicPr>
+            <a:picLocks noChangeAspect="1"/>
+          </p:cNvPicPr>
+          <p:nvPr/>
+        </p:nvPicPr>
+        <p:blipFill rotWithShape="1">
+          <a:blip r:embed="rId3">
+            <a:extLst>
+              <a:ext uri="{BEBA8EAE-BF5A-486C-A8C5-ECC9F3942E4B}">
+                <a14:imgProps xmlns:a14="http://schemas.microsoft.com/office/drawing/2010/main">
+                  <a14:imgLayer r:embed="rId4">
+                    <a14:imgEffect>
+                      <a14:saturation sat="400000"/>
+                    </a14:imgEffect>
+                  </a14:imgLayer>
+                </a14:imgProps>
+              </a:ext>
+            </a:extLst>
+          </a:blip>
+          <a:srcRect t="18396"/>
+          <a:stretch/>
+        </p:blipFill>
+        <p:spPr>
+          <a:xfrm>
+            <a:off x="7237503" y="720849"/>
+            <a:ext cx="3918177" cy="3734771"/>
+          </a:xfrm>
+          <a:prstGeom prst="rect">
+            <a:avLst/>
+          </a:prstGeom>
+        </p:spPr>
+      </p:pic>
     </p:spTree>
     <p:extLst>
       <p:ext uri="{BB962C8B-B14F-4D97-AF65-F5344CB8AC3E}">
@@ -5473,15 +5989,39 @@
           <p:nvPr/>
         </p:nvPicPr>
         <p:blipFill>
-          <a:blip r:embed="rId2"/>
+          <a:blip r:embed="rId3"/>
           <a:stretch>
             <a:fillRect/>
           </a:stretch>
         </p:blipFill>
         <p:spPr>
           <a:xfrm>
-            <a:off x="5732522" y="2161727"/>
+            <a:off x="6059094" y="2161727"/>
             <a:ext cx="5096586" cy="3391373"/>
+          </a:xfrm>
+          <a:prstGeom prst="rect">
+            <a:avLst/>
+          </a:prstGeom>
+        </p:spPr>
+      </p:pic>
+      <p:pic>
+        <p:nvPicPr>
+          <p:cNvPr id="5" name="Billede 4"/>
+          <p:cNvPicPr>
+            <a:picLocks noChangeAspect="1"/>
+          </p:cNvPicPr>
+          <p:nvPr/>
+        </p:nvPicPr>
+        <p:blipFill>
+          <a:blip r:embed="rId4"/>
+          <a:stretch>
+            <a:fillRect/>
+          </a:stretch>
+        </p:blipFill>
+        <p:spPr>
+          <a:xfrm>
+            <a:off x="1097280" y="4542979"/>
+            <a:ext cx="4505498" cy="1326115"/>
           </a:xfrm>
           <a:prstGeom prst="rect">
             <a:avLst/>
@@ -5599,7 +6139,7 @@
         </p:blipFill>
         <p:spPr>
           <a:xfrm>
-            <a:off x="6394820" y="1845734"/>
+            <a:off x="6810456" y="1845734"/>
             <a:ext cx="3791479" cy="4020111"/>
           </a:xfrm>
           <a:prstGeom prst="rect">
@@ -5674,22 +6214,13 @@
           <a:bodyPr/>
           <a:lstStyle/>
           <a:p>
-            <a:r>
-              <a:rPr lang="da-DK" dirty="0"/>
-              <a:t>- Opdeling i genbrugelige moduler </a:t>
-            </a:r>
-          </a:p>
-          <a:p>
-            <a:r>
-              <a:rPr lang="da-DK" dirty="0"/>
-              <a:t>- Lav kobling, høj samhørighed</a:t>
-            </a:r>
+            <a:endParaRPr lang="da-DK" dirty="0"/>
           </a:p>
         </p:txBody>
       </p:sp>
       <p:pic>
         <p:nvPicPr>
-          <p:cNvPr id="6" name="Pladsholder til indhold 3"/>
+          <p:cNvPr id="7" name="Pladsholder til indhold 3"/>
           <p:cNvPicPr>
             <a:picLocks noChangeAspect="1"/>
           </p:cNvPicPr>
@@ -5703,8 +6234,8 @@
         </p:blipFill>
         <p:spPr>
           <a:xfrm>
-            <a:off x="2520430" y="2721196"/>
-            <a:ext cx="6208901" cy="2592443"/>
+            <a:off x="2548687" y="2363555"/>
+            <a:ext cx="7155585" cy="2987718"/>
           </a:xfrm>
           <a:prstGeom prst="rect">
             <a:avLst/>
@@ -5821,6 +6352,16 @@
             </a:r>
           </a:p>
           <a:p>
+            <a:pPr>
+              <a:buFont typeface="Arial" panose="020B0604020202020204" pitchFamily="34" charset="0"/>
+              <a:buChar char="•"/>
+            </a:pPr>
+            <a:r>
+              <a:rPr lang="da-DK" dirty="0"/>
+              <a:t> Tværfaglig forståelse </a:t>
+            </a:r>
+          </a:p>
+          <a:p>
             <a:endParaRPr lang="da-DK" dirty="0"/>
           </a:p>
           <a:p>
@@ -5907,6 +6448,39 @@
           </a:prstGeom>
         </p:spPr>
       </p:pic>
+      <p:sp>
+        <p:nvSpPr>
+          <p:cNvPr id="3" name="Tekstfelt 2"/>
+          <p:cNvSpPr txBox="1"/>
+          <p:nvPr/>
+        </p:nvSpPr>
+        <p:spPr>
+          <a:xfrm>
+            <a:off x="216131" y="286603"/>
+            <a:ext cx="3507971" cy="769441"/>
+          </a:xfrm>
+          <a:prstGeom prst="rect">
+            <a:avLst/>
+          </a:prstGeom>
+          <a:noFill/>
+        </p:spPr>
+        <p:txBody>
+          <a:bodyPr wrap="square" rtlCol="0">
+            <a:spAutoFit/>
+          </a:bodyPr>
+          <a:lstStyle/>
+          <a:p>
+            <a:r>
+              <a:rPr lang="da-DK" sz="4400" dirty="0">
+                <a:solidFill>
+                  <a:schemeClr val="bg1"/>
+                </a:solidFill>
+              </a:rPr>
+              <a:t>Demo</a:t>
+            </a:r>
+          </a:p>
+        </p:txBody>
+      </p:sp>
     </p:spTree>
     <p:extLst>
       <p:ext uri="{BB962C8B-B14F-4D97-AF65-F5344CB8AC3E}">
@@ -6044,7 +6618,7 @@
             </a:pPr>
             <a:r>
               <a:rPr lang="da-DK" dirty="0"/>
-              <a:t> Præsentation </a:t>
+              <a:t> Demo </a:t>
             </a:r>
           </a:p>
         </p:txBody>
@@ -6295,7 +6869,7 @@
             </a:pPr>
             <a:r>
               <a:rPr lang="da-DK" dirty="0"/>
-              <a:t> Hvordan vil en automatiseret ultralydsscanning til screening for brystkræft kunne udvikles ved brug  af robotarm og 3D kamera?</a:t>
+              <a:t> Hvordan den udvikles</a:t>
             </a:r>
           </a:p>
           <a:p>
@@ -6305,7 +6879,7 @@
             </a:pPr>
             <a:r>
               <a:rPr lang="da-DK" dirty="0"/>
-              <a:t> Hvilke omkostninger vil indførslen af en Automatisk Ultralydsscanner kunne give?</a:t>
+              <a:t> Omkostninger </a:t>
             </a:r>
           </a:p>
           <a:p>
@@ -6315,7 +6889,7 @@
             </a:pPr>
             <a:r>
               <a:rPr lang="da-DK" dirty="0"/>
-              <a:t> Hvilke konsekvenser vil en tilføjelse af Automatisk Ultralydsscanner til screeningsprogrammet     have?</a:t>
+              <a:t> Konsekvenser ved screeninger </a:t>
             </a:r>
           </a:p>
           <a:p>
@@ -6325,14 +6899,8 @@
             </a:pPr>
             <a:r>
               <a:rPr lang="da-DK" dirty="0"/>
-              <a:t> Hvad kræves for at få Automatisk Ultralydsscanner CE-mærket?</a:t>
-            </a:r>
-          </a:p>
-          <a:p>
-            <a:pPr marL="36900" indent="0">
-              <a:buNone/>
-            </a:pPr>
-            <a:endParaRPr lang="da-DK" dirty="0"/>
+              <a:t> Medicinsk godkendelse </a:t>
+            </a:r>
           </a:p>
         </p:txBody>
       </p:sp>
@@ -6415,7 +6983,7 @@
             </a:pPr>
             <a:r>
               <a:rPr lang="da-DK" dirty="0"/>
-              <a:t> Detektering af brystområde, men ikke fuld scanning </a:t>
+              <a:t> Detektering af brystområde - ikke fuld scanning </a:t>
             </a:r>
           </a:p>
           <a:p>
@@ -6425,7 +6993,7 @@
             </a:pPr>
             <a:r>
               <a:rPr lang="da-DK" dirty="0"/>
-              <a:t> Omkostninger forbundet med screeningsprogrammet </a:t>
+              <a:t> Screeningsprogrammets omkostninger </a:t>
             </a:r>
           </a:p>
           <a:p>
@@ -6435,7 +7003,7 @@
             </a:pPr>
             <a:r>
               <a:rPr lang="da-DK" dirty="0"/>
-              <a:t> Flere kræftformer findes, højere overlevelsesproces men også overdiagnosticering </a:t>
+              <a:t> Flere kræftformer findes, højere overlevelsesproces, overdiagnosticering </a:t>
             </a:r>
           </a:p>
           <a:p>
@@ -6523,67 +7091,24 @@
             </a:r>
           </a:p>
           <a:p>
-            <a:r>
-              <a:rPr lang="da-DK" b="1" dirty="0"/>
-              <a:t>- Vejen til CE-mærkning</a:t>
-            </a:r>
-          </a:p>
-          <a:p>
-            <a:pPr lvl="1"/>
-            <a:r>
-              <a:rPr lang="da-DK" b="1" dirty="0"/>
-              <a:t>Klassificering</a:t>
-            </a:r>
-          </a:p>
-          <a:p>
-            <a:pPr lvl="1"/>
-            <a:r>
-              <a:rPr lang="da-DK" b="1" dirty="0"/>
-              <a:t>Overholde krav om sikkerhed og ydeevne</a:t>
-            </a:r>
-          </a:p>
-          <a:p>
-            <a:pPr lvl="1"/>
-            <a:r>
-              <a:rPr lang="da-DK" b="1" dirty="0"/>
-              <a:t>Dokumentation til hvordan kravene er overholdt</a:t>
-            </a:r>
-          </a:p>
-          <a:p>
-            <a:pPr lvl="1"/>
-            <a:r>
-              <a:rPr lang="da-DK" b="1" dirty="0"/>
-              <a:t>Valg af bemyndiget organ </a:t>
-            </a:r>
-          </a:p>
-          <a:p>
-            <a:pPr lvl="1"/>
-            <a:r>
-              <a:rPr lang="da-DK" b="1" dirty="0"/>
-              <a:t>Markedsovervågningssystem</a:t>
-            </a:r>
-          </a:p>
-          <a:p>
-            <a:pPr lvl="1"/>
-            <a:r>
-              <a:rPr lang="da-DK" b="1" dirty="0"/>
-              <a:t>Underskrivelse af </a:t>
-            </a:r>
-            <a:r>
-              <a:rPr lang="da-DK" b="1" dirty="0" err="1"/>
-              <a:t>overenstemmelseserklæring</a:t>
-            </a:r>
-            <a:endParaRPr lang="da-DK" b="1" dirty="0"/>
-          </a:p>
-          <a:p>
-            <a:pPr lvl="1"/>
-            <a:r>
-              <a:rPr lang="da-DK" b="1" dirty="0"/>
-              <a:t>Registrering hos lægemiddelstyrelsen. </a:t>
-            </a:r>
-          </a:p>
-          <a:p>
-            <a:endParaRPr lang="da-DK" dirty="0"/>
+            <a:pPr>
+              <a:buFont typeface="Arial" panose="020B0604020202020204" pitchFamily="34" charset="0"/>
+              <a:buChar char="•"/>
+            </a:pPr>
+            <a:r>
+              <a:rPr lang="da-DK" dirty="0"/>
+              <a:t> Hvorfor </a:t>
+            </a:r>
+          </a:p>
+          <a:p>
+            <a:pPr>
+              <a:buFont typeface="Arial" panose="020B0604020202020204" pitchFamily="34" charset="0"/>
+              <a:buChar char="•"/>
+            </a:pPr>
+            <a:r>
+              <a:rPr lang="da-DK" dirty="0"/>
+              <a:t> Hvordan</a:t>
+            </a:r>
           </a:p>
           <a:p>
             <a:endParaRPr lang="da-DK" dirty="0"/>
@@ -6955,7 +7480,7 @@
         </p:blipFill>
         <p:spPr>
           <a:xfrm>
-            <a:off x="3454717" y="2670401"/>
+            <a:off x="3454717" y="2804901"/>
             <a:ext cx="5343525" cy="2105025"/>
           </a:xfrm>
           <a:prstGeom prst="rect">

--- a/Præsentation_Eksamen.pptx
+++ b/Præsentation_Eksamen.pptx
@@ -232,7 +232,7 @@
           <a:p>
             <a:fld id="{6AF9F838-B633-4D47-BC11-C4B614E0B93C}" type="datetimeFigureOut">
               <a:rPr lang="da-DK" smtClean="0"/>
-              <a:t>06-01-2017</a:t>
+              <a:t>09-01-2017</a:t>
             </a:fld>
             <a:endParaRPr lang="da-DK"/>
           </a:p>
@@ -569,7 +569,7 @@
               <a:rPr lang="da-DK" smtClean="0"/>
               <a:t>1</a:t>
             </a:fld>
-            <a:endParaRPr lang="da-DK"/>
+            <a:endParaRPr lang="da-DK" dirty="0"/>
           </a:p>
         </p:txBody>
       </p:sp>
@@ -1154,7 +1154,7 @@
               <a:rPr lang="da-DK" smtClean="0"/>
               <a:t>2</a:t>
             </a:fld>
-            <a:endParaRPr lang="da-DK"/>
+            <a:endParaRPr lang="da-DK" dirty="0"/>
           </a:p>
         </p:txBody>
       </p:sp>
@@ -1700,9 +1700,86 @@
           <a:lstStyle/>
           <a:p>
             <a:r>
-              <a:rPr lang="da-DK" dirty="0"/>
-              <a:t>Charlotte</a:t>
-            </a:r>
+              <a:rPr lang="da-DK" baseline="0" dirty="0"/>
+              <a:t>Vi har set på det scenarie, hvor man vælger at udvide screeningsprogrammet. </a:t>
+            </a:r>
+          </a:p>
+          <a:p>
+            <a:r>
+              <a:rPr lang="da-DK" baseline="0" dirty="0"/>
+              <a:t>Dertil har vi lavet en </a:t>
+            </a:r>
+            <a:r>
+              <a:rPr lang="da-DK" baseline="0" dirty="0" err="1"/>
+              <a:t>break-even</a:t>
+            </a:r>
+            <a:r>
+              <a:rPr lang="da-DK" baseline="0" dirty="0"/>
+              <a:t> analyse, hvor automatisk ultralydsscanner sammenlignes med en scanning foretaget af en radiolog. </a:t>
+            </a:r>
+          </a:p>
+          <a:p>
+            <a:r>
+              <a:rPr lang="da-DK" baseline="0" dirty="0"/>
+              <a:t>Vi fandt ud af, at transporttid er en vigtig faktor efter interview med radiolog Lars </a:t>
+            </a:r>
+            <a:r>
+              <a:rPr lang="da-DK" baseline="0" dirty="0" err="1"/>
+              <a:t>Bolvig</a:t>
+            </a:r>
+            <a:r>
+              <a:rPr lang="da-DK" baseline="0" dirty="0"/>
+              <a:t>, og derfor har vi opstillet et scenarie hvor transport er variabel. </a:t>
+            </a:r>
+          </a:p>
+          <a:p>
+            <a:r>
+              <a:rPr lang="da-DK" baseline="0" dirty="0"/>
+              <a:t>Omkostningerne for tid, indkøb mm. blev gjort op, og ud fra skemaet kan man se, at jo længere transporttid for radiologen, jo dyrere bliver scanningen. </a:t>
+            </a:r>
+          </a:p>
+          <a:p>
+            <a:r>
+              <a:rPr lang="da-DK" baseline="0" dirty="0"/>
+              <a:t>Sidste </a:t>
+            </a:r>
+            <a:r>
+              <a:rPr lang="da-DK" baseline="0" dirty="0" err="1"/>
+              <a:t>kolonnne</a:t>
+            </a:r>
+            <a:r>
+              <a:rPr lang="da-DK" baseline="0" dirty="0"/>
+              <a:t> viser så breakeven scanninger, dvs. antal scanninger før omkostningerne for indkøb af automatisk ultralydsscanner er lig med scanning foretaget af radiolog. </a:t>
+            </a:r>
+          </a:p>
+          <a:p>
+            <a:endParaRPr lang="da-DK" baseline="0" dirty="0"/>
+          </a:p>
+          <a:p>
+            <a:r>
+              <a:rPr lang="da-DK" baseline="0" dirty="0"/>
+              <a:t>Det skal nævnes, at analysen kun er et skøn, da der er mange uforudsete udgifter kombineret med en scanning. Bl.a. indkaldelse af patient mm. det er derfor valgt at simplificerer dette og sammenligne de </a:t>
+            </a:r>
+            <a:r>
+              <a:rPr lang="da-DK" baseline="0" dirty="0" err="1"/>
+              <a:t>umiddelbarte</a:t>
+            </a:r>
+            <a:r>
+              <a:rPr lang="da-DK" baseline="0" dirty="0"/>
+              <a:t> forskelle som tid for radiografer og radiologer. </a:t>
+            </a:r>
+          </a:p>
+          <a:p>
+            <a:endParaRPr lang="da-DK" baseline="0" dirty="0"/>
+          </a:p>
+          <a:p>
+            <a:r>
+              <a:rPr lang="da-DK" baseline="0" dirty="0"/>
+              <a:t>Selve UR10 robotten koster tæt på de 200.000 kr. Derudover vil man skulle sætte penge af til at oplære radiografer, vedligeholdelse mm</a:t>
+            </a:r>
+          </a:p>
+          <a:p>
+            <a:endParaRPr lang="da-DK" dirty="0"/>
           </a:p>
         </p:txBody>
       </p:sp>
@@ -1788,7 +1865,63 @@
           <a:p>
             <a:r>
               <a:rPr lang="da-DK" dirty="0"/>
-              <a:t>Charlotte</a:t>
+              <a:t>Vi</a:t>
+            </a:r>
+            <a:r>
+              <a:rPr lang="da-DK" baseline="0" dirty="0"/>
+              <a:t> har også kigget på, om en kombination af ultralyd og røntgen – og i det hele taget screeninger for brystkræft er omkostningseffektive. </a:t>
+            </a:r>
+          </a:p>
+          <a:p>
+            <a:r>
+              <a:rPr lang="da-DK" baseline="0" dirty="0"/>
+              <a:t>Derfor lavede vi et litteraturstudie med både national og internationale litteratur. </a:t>
+            </a:r>
+          </a:p>
+          <a:p>
+            <a:r>
+              <a:rPr lang="da-DK" baseline="0" dirty="0"/>
+              <a:t>Forskningen peger på, at en kombination af ultralyd og røntgen opdager tidligere stadier af kræft, hvor det også er billigere at behandle og overlevelsesprocenten er højere. </a:t>
+            </a:r>
+          </a:p>
+          <a:p>
+            <a:r>
+              <a:rPr lang="da-DK" baseline="0" dirty="0"/>
+              <a:t>Et BMC Cancer studie beskrev den </a:t>
+            </a:r>
+            <a:r>
+              <a:rPr lang="da-DK" sz="1200" b="0" i="0" u="none" strike="noStrike" kern="1200" baseline="0" dirty="0">
+                <a:solidFill>
+                  <a:schemeClr val="tx1"/>
+                </a:solidFill>
+                <a:latin typeface="+mn-lt"/>
+                <a:ea typeface="+mn-ea"/>
+                <a:cs typeface="+mn-cs"/>
+              </a:rPr>
+              <a:t>positive prædikative værdi til at være 10,3 % ved en kombination af ultralyd og røntgen, mens den ved almindelig mammografi er 38%. Det viser, at overdiagnosticering er et problem, og der kan gives unødvendig behandling pga. de mange falske positive resultater. </a:t>
+            </a:r>
+          </a:p>
+          <a:p>
+            <a:endParaRPr lang="da-DK" sz="1200" b="0" i="0" u="none" strike="noStrike" kern="1200" baseline="0" dirty="0">
+              <a:solidFill>
+                <a:schemeClr val="tx1"/>
+              </a:solidFill>
+              <a:latin typeface="+mn-lt"/>
+              <a:ea typeface="+mn-ea"/>
+              <a:cs typeface="+mn-cs"/>
+            </a:endParaRPr>
+          </a:p>
+          <a:p>
+            <a:r>
+              <a:rPr lang="da-DK" sz="1200" b="0" i="0" u="none" strike="noStrike" kern="1200" baseline="0" dirty="0">
+                <a:solidFill>
+                  <a:schemeClr val="tx1"/>
+                </a:solidFill>
+                <a:latin typeface="+mn-lt"/>
+                <a:ea typeface="+mn-ea"/>
+                <a:cs typeface="+mn-cs"/>
+              </a:rPr>
+              <a:t>Danmark har ikke en officiel grænse for QALY, så det kan derfor være svært at sige, om det er omkostningseffektivt, men givet de pejlemærker fra Sundhedsstyrelsen tyder selve screeningsprogrammet på at være omkostningseffektivt, mens kombinationen af ultralyd og røntgen ikke er inden for pejlemærkerne. </a:t>
             </a:r>
           </a:p>
         </p:txBody>
@@ -1812,7 +1945,7 @@
               <a:rPr lang="da-DK" smtClean="0"/>
               <a:t>8</a:t>
             </a:fld>
-            <a:endParaRPr lang="da-DK"/>
+            <a:endParaRPr lang="da-DK" dirty="0"/>
           </a:p>
         </p:txBody>
       </p:sp>
@@ -1881,29 +2014,18 @@
           <a:p>
             <a:r>
               <a:rPr lang="da-DK" dirty="0"/>
-              <a:t>Interesseområder, fremtid, gav mening efter kompetencer </a:t>
-            </a:r>
-            <a:r>
-              <a:rPr lang="da-DK" dirty="0" err="1"/>
-              <a:t>bla</a:t>
+              <a:t>Men hvis</a:t>
             </a:r>
             <a:r>
               <a:rPr lang="da-DK" baseline="0" dirty="0"/>
-              <a:t> </a:t>
-            </a:r>
-            <a:r>
-              <a:rPr lang="da-DK" baseline="0" dirty="0" err="1"/>
-              <a:t>bla</a:t>
-            </a:r>
-            <a:r>
-              <a:rPr lang="da-DK" baseline="0" dirty="0"/>
-              <a:t> </a:t>
-            </a:r>
-            <a:r>
-              <a:rPr lang="da-DK" baseline="0" dirty="0" err="1"/>
-              <a:t>bla</a:t>
-            </a:r>
-            <a:endParaRPr lang="da-DK" dirty="0"/>
+              <a:t> vi skal se på de metoder vi har anvendt for at fuldføre projektarbejdet, så har vi valgt at lave en arbejdsfordeling på baggrund af interesseområder, kompetencer og også efter, hvad vi gerne vil arbejde videre med i et fremtidigt arbejde. </a:t>
+            </a:r>
+          </a:p>
+          <a:p>
+            <a:endParaRPr lang="da-DK" baseline="0" dirty="0"/>
+          </a:p>
+          <a:p>
+            <a:endParaRPr lang="da-DK" baseline="0" dirty="0"/>
           </a:p>
         </p:txBody>
       </p:sp>
@@ -2169,7 +2291,7 @@
           <a:p>
             <a:fld id="{ACF1A1B0-862D-4909-A7DB-D8ADA062DFCA}" type="datetimeFigureOut">
               <a:rPr lang="en-US" smtClean="0"/>
-              <a:t>1/6/2017</a:t>
+              <a:t>1/9/2017</a:t>
             </a:fld>
             <a:endParaRPr lang="en-US" dirty="0"/>
           </a:p>
@@ -2378,7 +2500,7 @@
           <a:p>
             <a:fld id="{7B156144-9CB7-4E3A-B87E-A382F9BE05EF}" type="datetimeFigureOut">
               <a:rPr lang="en-US" smtClean="0"/>
-              <a:t>1/6/2017</a:t>
+              <a:t>1/9/2017</a:t>
             </a:fld>
             <a:endParaRPr lang="en-US" dirty="0"/>
           </a:p>
@@ -2634,7 +2756,7 @@
           <a:p>
             <a:fld id="{2643D55F-46AB-4791-9172-4FA8DD3A6A9C}" type="datetimeFigureOut">
               <a:rPr lang="en-US" smtClean="0"/>
-              <a:t>1/6/2017</a:t>
+              <a:t>1/9/2017</a:t>
             </a:fld>
             <a:endParaRPr lang="en-US" dirty="0"/>
           </a:p>
@@ -2804,7 +2926,7 @@
           <a:p>
             <a:fld id="{58026881-8A08-449C-8D73-E5F201F814C1}" type="datetimeFigureOut">
               <a:rPr lang="en-US" smtClean="0"/>
-              <a:t>1/6/2017</a:t>
+              <a:t>1/9/2017</a:t>
             </a:fld>
             <a:endParaRPr lang="en-US" dirty="0"/>
           </a:p>
@@ -3147,7 +3269,7 @@
           <a:p>
             <a:fld id="{1BEB5A5E-0C07-4E93-A112-D37B4D166B30}" type="datetimeFigureOut">
               <a:rPr lang="en-US" smtClean="0"/>
-              <a:t>1/6/2017</a:t>
+              <a:t>1/9/2017</a:t>
             </a:fld>
             <a:endParaRPr lang="en-US" dirty="0"/>
           </a:p>
@@ -3422,7 +3544,7 @@
           <a:p>
             <a:fld id="{9E1F71C5-DC57-4358-A1EA-30C08AF6E3C5}" type="datetimeFigureOut">
               <a:rPr lang="en-US" smtClean="0"/>
-              <a:t>1/6/2017</a:t>
+              <a:t>1/9/2017</a:t>
             </a:fld>
             <a:endParaRPr lang="en-US" dirty="0"/>
           </a:p>
@@ -3801,7 +3923,7 @@
           <a:p>
             <a:fld id="{12571DBA-DE60-4731-B773-47AAA185C143}" type="datetimeFigureOut">
               <a:rPr lang="en-US" smtClean="0"/>
-              <a:t>1/6/2017</a:t>
+              <a:t>1/9/2017</a:t>
             </a:fld>
             <a:endParaRPr lang="en-US" dirty="0"/>
           </a:p>
@@ -3919,7 +4041,7 @@
           <a:p>
             <a:fld id="{4F170639-886C-4FCF-9EAB-ABB5DA3F3F4A}" type="datetimeFigureOut">
               <a:rPr lang="en-US" smtClean="0"/>
-              <a:t>1/6/2017</a:t>
+              <a:t>1/9/2017</a:t>
             </a:fld>
             <a:endParaRPr lang="en-US" dirty="0"/>
           </a:p>
@@ -4090,7 +4212,7 @@
           <a:p>
             <a:fld id="{34C4A628-C83B-4C66-83F4-1711CE3738FD}" type="datetimeFigureOut">
               <a:rPr lang="en-US" smtClean="0"/>
-              <a:t>1/6/2017</a:t>
+              <a:t>1/9/2017</a:t>
             </a:fld>
             <a:endParaRPr lang="en-US" dirty="0"/>
           </a:p>
@@ -4444,7 +4566,7 @@
           <a:p>
             <a:fld id="{B88C1D73-9400-43CA-A37F-F9B7D00DE14C}" type="datetimeFigureOut">
               <a:rPr lang="en-US" smtClean="0"/>
-              <a:t>1/6/2017</a:t>
+              <a:t>1/9/2017</a:t>
             </a:fld>
             <a:endParaRPr lang="en-US" dirty="0"/>
           </a:p>
@@ -4821,7 +4943,7 @@
           <a:p>
             <a:fld id="{188B7711-B905-4633-B4D7-6F3A49A2E7D9}" type="datetimeFigureOut">
               <a:rPr lang="en-US" smtClean="0"/>
-              <a:t>1/6/2017</a:t>
+              <a:t>1/9/2017</a:t>
             </a:fld>
             <a:endParaRPr lang="en-US" dirty="0"/>
           </a:p>
@@ -5109,7 +5231,7 @@
             <a:fld id="{89C235CF-BDA2-4E7E-8BBD-350479985E74}" type="datetimeFigureOut">
               <a:rPr lang="en-US" smtClean="0"/>
               <a:pPr/>
-              <a:t>1/6/2017</a:t>
+              <a:t>1/9/2017</a:t>
             </a:fld>
             <a:endParaRPr lang="en-US" dirty="0"/>
           </a:p>
@@ -5694,11 +5816,8 @@
           <a:p>
             <a:r>
               <a:rPr lang="da-DK" dirty="0"/>
-              <a:t>Bachelorprojekt 16118</a:t>
-            </a:r>
-          </a:p>
-          <a:p>
-            <a:endParaRPr lang="da-DK" dirty="0"/>
+              <a:t>Bachelorprojekt for Diplomingeniører I ST og IKT</a:t>
+            </a:r>
           </a:p>
         </p:txBody>
       </p:sp>
@@ -6703,23 +6822,7 @@
             </a:pPr>
             <a:r>
               <a:rPr lang="da-DK" dirty="0"/>
-              <a:t> Søren Pallesen fra </a:t>
-            </a:r>
-            <a:r>
-              <a:rPr lang="da-DK" dirty="0" err="1"/>
-              <a:t>Robotic</a:t>
-            </a:r>
-            <a:r>
-              <a:rPr lang="da-DK" dirty="0"/>
-              <a:t> </a:t>
-            </a:r>
-            <a:r>
-              <a:rPr lang="da-DK" dirty="0" err="1"/>
-              <a:t>Ultrasound</a:t>
-            </a:r>
-            <a:r>
-              <a:rPr lang="da-DK" dirty="0"/>
-              <a:t> </a:t>
+              <a:t> Søren Pallesen fra Robotic Ultrasound </a:t>
             </a:r>
           </a:p>
           <a:p>
@@ -6759,19 +6862,11 @@
             </a:pPr>
             <a:r>
               <a:rPr lang="da-DK" dirty="0"/>
-              <a:t> </a:t>
+              <a:t> Proof of </a:t>
             </a:r>
             <a:r>
               <a:rPr lang="da-DK" dirty="0" err="1"/>
-              <a:t>Proof</a:t>
-            </a:r>
-            <a:r>
-              <a:rPr lang="da-DK" dirty="0"/>
-              <a:t> of </a:t>
-            </a:r>
-            <a:r>
-              <a:rPr lang="da-DK" dirty="0" err="1"/>
-              <a:t>concept</a:t>
+              <a:t>Concept</a:t>
             </a:r>
             <a:endParaRPr lang="da-DK" dirty="0"/>
           </a:p>
@@ -7304,7 +7399,7 @@
           <a:p>
             <a:r>
               <a:rPr lang="da-DK" dirty="0"/>
-              <a:t>Analyse</a:t>
+              <a:t>Analyser</a:t>
             </a:r>
           </a:p>
         </p:txBody>

--- a/Præsentation_Eksamen.pptx
+++ b/Præsentation_Eksamen.pptx
@@ -1132,6 +1132,25 @@
               <a:rPr lang="da-DK" dirty="0"/>
               <a:t>Charlotte</a:t>
             </a:r>
+          </a:p>
+          <a:p>
+            <a:r>
+              <a:rPr lang="da-DK" dirty="0"/>
+              <a:t>Ved </a:t>
+            </a:r>
+            <a:r>
+              <a:rPr lang="da-DK" dirty="0" err="1"/>
+              <a:t>demostrationen</a:t>
+            </a:r>
+            <a:r>
+              <a:rPr lang="da-DK" dirty="0"/>
+              <a:t> forventer vi, at vi går over i vores bachelorlokale</a:t>
+            </a:r>
+            <a:r>
+              <a:rPr lang="da-DK" baseline="0" dirty="0"/>
+              <a:t>. </a:t>
+            </a:r>
+            <a:endParaRPr lang="da-DK" dirty="0"/>
           </a:p>
         </p:txBody>
       </p:sp>
@@ -5819,6 +5838,12 @@
               <a:t>Bachelorprojekt for Diplomingeniører I ST og IKT</a:t>
             </a:r>
           </a:p>
+          <a:p>
+            <a:r>
+              <a:rPr lang="da-DK" dirty="0"/>
+              <a:t>Af Marie, Mathias &amp; Charlotte</a:t>
+            </a:r>
+          </a:p>
         </p:txBody>
       </p:sp>
       <p:pic>
@@ -6219,12 +6244,8 @@
               <a:buChar char="•"/>
             </a:pPr>
             <a:r>
-              <a:rPr lang="da-DK" dirty="0" err="1"/>
-              <a:t>Use</a:t>
-            </a:r>
-            <a:r>
-              <a:rPr lang="da-DK" dirty="0"/>
-              <a:t> cases </a:t>
+              <a:rPr lang="da-DK" dirty="0"/>
+              <a:t> Funktionelle krav </a:t>
             </a:r>
           </a:p>
           <a:p>
@@ -6234,7 +6255,17 @@
             </a:pPr>
             <a:r>
               <a:rPr lang="da-DK" dirty="0"/>
-              <a:t>Brugerundersøgelser</a:t>
+              <a:t> Ikke funktionelle krav</a:t>
+            </a:r>
+          </a:p>
+          <a:p>
+            <a:pPr>
+              <a:buFont typeface="Arial" panose="020B0604020202020204" pitchFamily="34" charset="0"/>
+              <a:buChar char="•"/>
+            </a:pPr>
+            <a:r>
+              <a:rPr lang="da-DK" dirty="0"/>
+              <a:t> Brugerundersøgelser</a:t>
             </a:r>
           </a:p>
           <a:p>
@@ -6258,7 +6289,7 @@
         </p:blipFill>
         <p:spPr>
           <a:xfrm>
-            <a:off x="6810456" y="1845734"/>
+            <a:off x="6537500" y="1848983"/>
             <a:ext cx="3791479" cy="4020111"/>
           </a:xfrm>
           <a:prstGeom prst="rect">
@@ -6822,7 +6853,23 @@
             </a:pPr>
             <a:r>
               <a:rPr lang="da-DK" dirty="0"/>
-              <a:t> Søren Pallesen fra Robotic Ultrasound </a:t>
+              <a:t> </a:t>
+            </a:r>
+            <a:r>
+              <a:rPr lang="da-DK" dirty="0" err="1"/>
+              <a:t>Cand.scient.med</a:t>
+            </a:r>
+            <a:r>
+              <a:rPr lang="da-DK" dirty="0"/>
+              <a:t>. Søren Pallesen stifter af </a:t>
+            </a:r>
+            <a:r>
+              <a:rPr lang="da-DK" dirty="0" err="1"/>
+              <a:t>Robotic</a:t>
+            </a:r>
+            <a:r>
+              <a:rPr lang="da-DK" dirty="0"/>
+              <a:t> Ultrasound </a:t>
             </a:r>
           </a:p>
           <a:p>
@@ -6854,24 +6901,6 @@
               <a:rPr lang="da-DK" dirty="0"/>
               <a:t> Udvidelse af screeninger for brystkræft</a:t>
             </a:r>
-          </a:p>
-          <a:p>
-            <a:pPr>
-              <a:buFont typeface="Arial" panose="020B0604020202020204" pitchFamily="34" charset="0"/>
-              <a:buChar char="•"/>
-            </a:pPr>
-            <a:r>
-              <a:rPr lang="da-DK" dirty="0"/>
-              <a:t> Proof of </a:t>
-            </a:r>
-            <a:r>
-              <a:rPr lang="da-DK" dirty="0" err="1"/>
-              <a:t>Concept</a:t>
-            </a:r>
-            <a:endParaRPr lang="da-DK" dirty="0"/>
-          </a:p>
-          <a:p>
-            <a:endParaRPr lang="da-DK" dirty="0"/>
           </a:p>
           <a:p>
             <a:endParaRPr lang="da-DK" b="1" dirty="0"/>
@@ -7078,7 +7107,7 @@
             </a:pPr>
             <a:r>
               <a:rPr lang="da-DK" dirty="0"/>
-              <a:t> Detektering af brystområde - ikke fuld scanning </a:t>
+              <a:t> Detektering af brystområde - ikke fuld ultralydsscanning </a:t>
             </a:r>
           </a:p>
           <a:p>
@@ -7192,7 +7221,7 @@
             </a:pPr>
             <a:r>
               <a:rPr lang="da-DK" dirty="0"/>
-              <a:t> Hvorfor </a:t>
+              <a:t> Hvad er det? </a:t>
             </a:r>
           </a:p>
           <a:p>
@@ -7202,7 +7231,17 @@
             </a:pPr>
             <a:r>
               <a:rPr lang="da-DK" dirty="0"/>
-              <a:t> Hvordan</a:t>
+              <a:t> Hvorfor er det lavet? </a:t>
+            </a:r>
+          </a:p>
+          <a:p>
+            <a:pPr>
+              <a:buFont typeface="Arial" panose="020B0604020202020204" pitchFamily="34" charset="0"/>
+              <a:buChar char="•"/>
+            </a:pPr>
+            <a:r>
+              <a:rPr lang="da-DK" dirty="0"/>
+              <a:t> Hvordan er det lavet? </a:t>
             </a:r>
           </a:p>
           <a:p>
@@ -7210,6 +7249,47 @@
           </a:p>
         </p:txBody>
       </p:sp>
+      <p:pic>
+        <p:nvPicPr>
+          <p:cNvPr id="1026" name="Picture 2" descr="Image result for CE mærkning"/>
+          <p:cNvPicPr>
+            <a:picLocks noChangeAspect="1" noChangeArrowheads="1"/>
+          </p:cNvPicPr>
+          <p:nvPr/>
+        </p:nvPicPr>
+        <p:blipFill>
+          <a:blip r:embed="rId3">
+            <a:extLst>
+              <a:ext uri="{28A0092B-C50C-407E-A947-70E740481C1C}">
+                <a14:useLocalDpi xmlns:a14="http://schemas.microsoft.com/office/drawing/2010/main" val="0"/>
+              </a:ext>
+            </a:extLst>
+          </a:blip>
+          <a:srcRect/>
+          <a:stretch>
+            <a:fillRect/>
+          </a:stretch>
+        </p:blipFill>
+        <p:spPr bwMode="auto">
+          <a:xfrm>
+            <a:off x="4945939" y="1952414"/>
+            <a:ext cx="6648450" cy="3810000"/>
+          </a:xfrm>
+          <a:prstGeom prst="rect">
+            <a:avLst/>
+          </a:prstGeom>
+          <a:noFill/>
+          <a:extLst>
+            <a:ext uri="{909E8E84-426E-40DD-AFC4-6F175D3DCCD1}">
+              <a14:hiddenFill xmlns:a14="http://schemas.microsoft.com/office/drawing/2010/main">
+                <a:solidFill>
+                  <a:srgbClr val="FFFFFF"/>
+                </a:solidFill>
+              </a14:hiddenFill>
+            </a:ext>
+          </a:extLst>
+        </p:spPr>
+      </p:pic>
     </p:spTree>
     <p:extLst>
       <p:ext uri="{BB962C8B-B14F-4D97-AF65-F5344CB8AC3E}">

--- a/Præsentation_Eksamen.pptx
+++ b/Præsentation_Eksamen.pptx
@@ -6861,7 +6861,7 @@
             </a:r>
             <a:r>
               <a:rPr lang="da-DK" dirty="0"/>
-              <a:t>. Søren Pallesen stifter af </a:t>
+              <a:t>. Søren Pallesen og stifter af </a:t>
             </a:r>
             <a:r>
               <a:rPr lang="da-DK" dirty="0" err="1"/>
@@ -6869,7 +6869,7 @@
             </a:r>
             <a:r>
               <a:rPr lang="da-DK" dirty="0"/>
-              <a:t> Ultrasound </a:t>
+              <a:t> Ultrasound</a:t>
             </a:r>
           </a:p>
           <a:p>
@@ -6891,19 +6891,6 @@
               <a:rPr lang="da-DK" dirty="0"/>
               <a:t> Fordele ved brug af kombination af ultralyd og røntgen</a:t>
             </a:r>
-          </a:p>
-          <a:p>
-            <a:pPr>
-              <a:buFont typeface="Arial" panose="020B0604020202020204" pitchFamily="34" charset="0"/>
-              <a:buChar char="•"/>
-            </a:pPr>
-            <a:r>
-              <a:rPr lang="da-DK" dirty="0"/>
-              <a:t> Udvidelse af screeninger for brystkræft</a:t>
-            </a:r>
-          </a:p>
-          <a:p>
-            <a:endParaRPr lang="da-DK" b="1" dirty="0"/>
           </a:p>
         </p:txBody>
       </p:sp>
@@ -7137,7 +7124,15 @@
             </a:pPr>
             <a:r>
               <a:rPr lang="da-DK" dirty="0"/>
-              <a:t> MDD skal overholdes</a:t>
+              <a:t> Medical Device </a:t>
+            </a:r>
+            <a:r>
+              <a:rPr lang="da-DK" dirty="0" err="1"/>
+              <a:t>Directiv</a:t>
+            </a:r>
+            <a:r>
+              <a:rPr lang="da-DK" dirty="0"/>
+              <a:t> skal overholdes</a:t>
             </a:r>
           </a:p>
         </p:txBody>

--- a/Præsentation_Eksamen.pptx
+++ b/Præsentation_Eksamen.pptx
@@ -232,7 +232,7 @@
           <a:p>
             <a:fld id="{6AF9F838-B633-4D47-BC11-C4B614E0B93C}" type="datetimeFigureOut">
               <a:rPr lang="da-DK" smtClean="0"/>
-              <a:t>09-01-2017</a:t>
+              <a:t>10-01-2017</a:t>
             </a:fld>
             <a:endParaRPr lang="da-DK"/>
           </a:p>
@@ -1785,7 +1785,7 @@
             </a:r>
             <a:r>
               <a:rPr lang="da-DK" baseline="0" dirty="0"/>
-              <a:t> forskelle som tid for radiografer og radiologer. </a:t>
+              <a:t> forskelle som tid for radiografer og radiologer. Tallene for den gennemsnitlige tid er et estimat af en radiolog og radiograf – men det ville styrke analysen at have flere radiologers estimat. </a:t>
             </a:r>
           </a:p>
           <a:p>
@@ -2037,13 +2037,12 @@
             </a:r>
             <a:r>
               <a:rPr lang="da-DK" baseline="0" dirty="0"/>
-              <a:t> vi skal se på de metoder vi har anvendt for at fuldføre projektarbejdet, så har vi valgt at lave en arbejdsfordeling på baggrund af interesseområder, kompetencer og også efter, hvad vi gerne vil arbejde videre med i et fremtidigt arbejde. </a:t>
-            </a:r>
-          </a:p>
-          <a:p>
-            <a:endParaRPr lang="da-DK" baseline="0" dirty="0"/>
-          </a:p>
-          <a:p>
+              <a:t> vi skal se på de metoder vi har anvendt for at fuldføre projektarbejdet, så har vi valgt at lave en arbejdsfordeling på baggrund af interesseområder, kompetencer og også efter, hvad vi gerne vil arbejde videre med i et fremtidigt arbejde</a:t>
+            </a:r>
+            <a:r>
+              <a:rPr lang="da-DK" baseline="0"/>
+              <a:t>. </a:t>
+            </a:r>
             <a:endParaRPr lang="da-DK" baseline="0" dirty="0"/>
           </a:p>
         </p:txBody>
@@ -2310,7 +2309,7 @@
           <a:p>
             <a:fld id="{ACF1A1B0-862D-4909-A7DB-D8ADA062DFCA}" type="datetimeFigureOut">
               <a:rPr lang="en-US" smtClean="0"/>
-              <a:t>1/9/2017</a:t>
+              <a:t>1/10/2017</a:t>
             </a:fld>
             <a:endParaRPr lang="en-US" dirty="0"/>
           </a:p>
@@ -2519,7 +2518,7 @@
           <a:p>
             <a:fld id="{7B156144-9CB7-4E3A-B87E-A382F9BE05EF}" type="datetimeFigureOut">
               <a:rPr lang="en-US" smtClean="0"/>
-              <a:t>1/9/2017</a:t>
+              <a:t>1/10/2017</a:t>
             </a:fld>
             <a:endParaRPr lang="en-US" dirty="0"/>
           </a:p>
@@ -2775,7 +2774,7 @@
           <a:p>
             <a:fld id="{2643D55F-46AB-4791-9172-4FA8DD3A6A9C}" type="datetimeFigureOut">
               <a:rPr lang="en-US" smtClean="0"/>
-              <a:t>1/9/2017</a:t>
+              <a:t>1/10/2017</a:t>
             </a:fld>
             <a:endParaRPr lang="en-US" dirty="0"/>
           </a:p>
@@ -2945,7 +2944,7 @@
           <a:p>
             <a:fld id="{58026881-8A08-449C-8D73-E5F201F814C1}" type="datetimeFigureOut">
               <a:rPr lang="en-US" smtClean="0"/>
-              <a:t>1/9/2017</a:t>
+              <a:t>1/10/2017</a:t>
             </a:fld>
             <a:endParaRPr lang="en-US" dirty="0"/>
           </a:p>
@@ -3288,7 +3287,7 @@
           <a:p>
             <a:fld id="{1BEB5A5E-0C07-4E93-A112-D37B4D166B30}" type="datetimeFigureOut">
               <a:rPr lang="en-US" smtClean="0"/>
-              <a:t>1/9/2017</a:t>
+              <a:t>1/10/2017</a:t>
             </a:fld>
             <a:endParaRPr lang="en-US" dirty="0"/>
           </a:p>
@@ -3563,7 +3562,7 @@
           <a:p>
             <a:fld id="{9E1F71C5-DC57-4358-A1EA-30C08AF6E3C5}" type="datetimeFigureOut">
               <a:rPr lang="en-US" smtClean="0"/>
-              <a:t>1/9/2017</a:t>
+              <a:t>1/10/2017</a:t>
             </a:fld>
             <a:endParaRPr lang="en-US" dirty="0"/>
           </a:p>
@@ -3942,7 +3941,7 @@
           <a:p>
             <a:fld id="{12571DBA-DE60-4731-B773-47AAA185C143}" type="datetimeFigureOut">
               <a:rPr lang="en-US" smtClean="0"/>
-              <a:t>1/9/2017</a:t>
+              <a:t>1/10/2017</a:t>
             </a:fld>
             <a:endParaRPr lang="en-US" dirty="0"/>
           </a:p>
@@ -4060,7 +4059,7 @@
           <a:p>
             <a:fld id="{4F170639-886C-4FCF-9EAB-ABB5DA3F3F4A}" type="datetimeFigureOut">
               <a:rPr lang="en-US" smtClean="0"/>
-              <a:t>1/9/2017</a:t>
+              <a:t>1/10/2017</a:t>
             </a:fld>
             <a:endParaRPr lang="en-US" dirty="0"/>
           </a:p>
@@ -4231,7 +4230,7 @@
           <a:p>
             <a:fld id="{34C4A628-C83B-4C66-83F4-1711CE3738FD}" type="datetimeFigureOut">
               <a:rPr lang="en-US" smtClean="0"/>
-              <a:t>1/9/2017</a:t>
+              <a:t>1/10/2017</a:t>
             </a:fld>
             <a:endParaRPr lang="en-US" dirty="0"/>
           </a:p>
@@ -4585,7 +4584,7 @@
           <a:p>
             <a:fld id="{B88C1D73-9400-43CA-A37F-F9B7D00DE14C}" type="datetimeFigureOut">
               <a:rPr lang="en-US" smtClean="0"/>
-              <a:t>1/9/2017</a:t>
+              <a:t>1/10/2017</a:t>
             </a:fld>
             <a:endParaRPr lang="en-US" dirty="0"/>
           </a:p>
@@ -4962,7 +4961,7 @@
           <a:p>
             <a:fld id="{188B7711-B905-4633-B4D7-6F3A49A2E7D9}" type="datetimeFigureOut">
               <a:rPr lang="en-US" smtClean="0"/>
-              <a:t>1/9/2017</a:t>
+              <a:t>1/10/2017</a:t>
             </a:fld>
             <a:endParaRPr lang="en-US" dirty="0"/>
           </a:p>
@@ -5250,7 +5249,7 @@
             <a:fld id="{89C235CF-BDA2-4E7E-8BBD-350479985E74}" type="datetimeFigureOut">
               <a:rPr lang="en-US" smtClean="0"/>
               <a:pPr/>
-              <a:t>1/9/2017</a:t>
+              <a:t>1/10/2017</a:t>
             </a:fld>
             <a:endParaRPr lang="en-US" dirty="0"/>
           </a:p>
@@ -7354,7 +7353,7 @@
           <a:p>
             <a:r>
               <a:rPr lang="da-DK" b="1" dirty="0"/>
-              <a:t>Økonomiske konsekvenser </a:t>
+              <a:t>Økonomi ved udvidelse af screeningsprogram</a:t>
             </a:r>
           </a:p>
           <a:p>

--- a/Præsentation_Eksamen.pptx
+++ b/Præsentation_Eksamen.pptx
@@ -2,7 +2,7 @@
 <file path=ppt/presentation.xml><?xml version="1.0" encoding="utf-8"?>
 <p:presentation xmlns:a="http://schemas.openxmlformats.org/drawingml/2006/main" xmlns:r="http://schemas.openxmlformats.org/officeDocument/2006/relationships" xmlns:p="http://schemas.openxmlformats.org/presentationml/2006/main" autoCompressPictures="0">
   <p:sldMasterIdLst>
-    <p:sldMasterId id="2147483972" r:id="rId1"/>
+    <p:sldMasterId id="2147484001" r:id="rId1"/>
   </p:sldMasterIdLst>
   <p:notesMasterIdLst>
     <p:notesMasterId r:id="rId16"/>
@@ -2100,187 +2100,706 @@
           <a:chExt cx="0" cy="0"/>
         </a:xfrm>
       </p:grpSpPr>
-      <p:sp>
-        <p:nvSpPr>
-          <p:cNvPr id="7" name="Rectangle 6"/>
-          <p:cNvSpPr/>
+      <p:grpSp>
+        <p:nvGrpSpPr>
+          <p:cNvPr id="16" name="Group 15"/>
+          <p:cNvGrpSpPr/>
           <p:nvPr/>
+        </p:nvGrpSpPr>
+        <p:grpSpPr>
+          <a:xfrm>
+            <a:off x="0" y="-8467"/>
+            <a:ext cx="12192000" cy="6866467"/>
+            <a:chOff x="0" y="-8467"/>
+            <a:chExt cx="12192000" cy="6866467"/>
+          </a:xfrm>
+        </p:grpSpPr>
+        <p:sp>
+          <p:nvSpPr>
+            <p:cNvPr id="15" name="Freeform 14"/>
+            <p:cNvSpPr/>
+            <p:nvPr/>
+          </p:nvSpPr>
+          <p:spPr>
+            <a:xfrm>
+              <a:off x="0" y="-7862"/>
+              <a:ext cx="863600" cy="5698067"/>
+            </a:xfrm>
+            <a:custGeom>
+              <a:avLst/>
+              <a:gdLst/>
+              <a:ahLst/>
+              <a:cxnLst/>
+              <a:rect l="l" t="t" r="r" b="b"/>
+              <a:pathLst>
+                <a:path w="863600" h="5698067">
+                  <a:moveTo>
+                    <a:pt x="0" y="8467"/>
+                  </a:moveTo>
+                  <a:lnTo>
+                    <a:pt x="863600" y="0"/>
+                  </a:lnTo>
+                  <a:lnTo>
+                    <a:pt x="863600" y="16934"/>
+                  </a:lnTo>
+                  <a:lnTo>
+                    <a:pt x="0" y="5698067"/>
+                  </a:lnTo>
+                  <a:lnTo>
+                    <a:pt x="0" y="8467"/>
+                  </a:lnTo>
+                  <a:close/>
+                </a:path>
+              </a:pathLst>
+            </a:custGeom>
+            <a:solidFill>
+              <a:schemeClr val="accent1">
+                <a:alpha val="70000"/>
+              </a:schemeClr>
+            </a:solidFill>
+            <a:ln>
+              <a:noFill/>
+            </a:ln>
+            <a:effectLst/>
+          </p:spPr>
+          <p:style>
+            <a:lnRef idx="1">
+              <a:schemeClr val="accent1"/>
+            </a:lnRef>
+            <a:fillRef idx="3">
+              <a:schemeClr val="accent1"/>
+            </a:fillRef>
+            <a:effectRef idx="2">
+              <a:schemeClr val="accent1"/>
+            </a:effectRef>
+            <a:fontRef idx="minor">
+              <a:schemeClr val="lt1"/>
+            </a:fontRef>
+          </p:style>
+        </p:sp>
+        <p:cxnSp>
+          <p:nvCxnSpPr>
+            <p:cNvPr id="19" name="Straight Connector 18"/>
+            <p:cNvCxnSpPr/>
+            <p:nvPr/>
+          </p:nvCxnSpPr>
+          <p:spPr>
+            <a:xfrm>
+              <a:off x="9371012" y="0"/>
+              <a:ext cx="1219200" cy="6858000"/>
+            </a:xfrm>
+            <a:prstGeom prst="line">
+              <a:avLst/>
+            </a:prstGeom>
+            <a:ln w="9525">
+              <a:solidFill>
+                <a:schemeClr val="accent1">
+                  <a:alpha val="70000"/>
+                </a:schemeClr>
+              </a:solidFill>
+            </a:ln>
+          </p:spPr>
+          <p:style>
+            <a:lnRef idx="2">
+              <a:schemeClr val="accent1"/>
+            </a:lnRef>
+            <a:fillRef idx="0">
+              <a:schemeClr val="accent1"/>
+            </a:fillRef>
+            <a:effectRef idx="1">
+              <a:schemeClr val="accent1"/>
+            </a:effectRef>
+            <a:fontRef idx="minor">
+              <a:schemeClr val="tx1"/>
+            </a:fontRef>
+          </p:style>
+        </p:cxnSp>
+        <p:cxnSp>
+          <p:nvCxnSpPr>
+            <p:cNvPr id="20" name="Straight Connector 19"/>
+            <p:cNvCxnSpPr/>
+            <p:nvPr/>
+          </p:nvCxnSpPr>
+          <p:spPr>
+            <a:xfrm flipH="1">
+              <a:off x="7425267" y="3681413"/>
+              <a:ext cx="4763558" cy="3176587"/>
+            </a:xfrm>
+            <a:prstGeom prst="line">
+              <a:avLst/>
+            </a:prstGeom>
+            <a:ln w="9525">
+              <a:solidFill>
+                <a:schemeClr val="accent1">
+                  <a:alpha val="70000"/>
+                </a:schemeClr>
+              </a:solidFill>
+            </a:ln>
+          </p:spPr>
+          <p:style>
+            <a:lnRef idx="2">
+              <a:schemeClr val="accent1"/>
+            </a:lnRef>
+            <a:fillRef idx="0">
+              <a:schemeClr val="accent1"/>
+            </a:fillRef>
+            <a:effectRef idx="1">
+              <a:schemeClr val="accent1"/>
+            </a:effectRef>
+            <a:fontRef idx="minor">
+              <a:schemeClr val="tx1"/>
+            </a:fontRef>
+          </p:style>
+        </p:cxnSp>
+        <p:sp>
+          <p:nvSpPr>
+            <p:cNvPr id="21" name="Rectangle 23"/>
+            <p:cNvSpPr/>
+            <p:nvPr/>
+          </p:nvSpPr>
+          <p:spPr>
+            <a:xfrm>
+              <a:off x="9181476" y="-8467"/>
+              <a:ext cx="3007349" cy="6866467"/>
+            </a:xfrm>
+            <a:custGeom>
+              <a:avLst/>
+              <a:gdLst/>
+              <a:ahLst/>
+              <a:cxnLst/>
+              <a:rect l="l" t="t" r="r" b="b"/>
+              <a:pathLst>
+                <a:path w="3007349" h="6866467">
+                  <a:moveTo>
+                    <a:pt x="2045532" y="0"/>
+                  </a:moveTo>
+                  <a:lnTo>
+                    <a:pt x="3007349" y="0"/>
+                  </a:lnTo>
+                  <a:lnTo>
+                    <a:pt x="3007349" y="6866467"/>
+                  </a:lnTo>
+                  <a:lnTo>
+                    <a:pt x="0" y="6866467"/>
+                  </a:lnTo>
+                  <a:lnTo>
+                    <a:pt x="2045532" y="0"/>
+                  </a:lnTo>
+                  <a:close/>
+                </a:path>
+              </a:pathLst>
+            </a:custGeom>
+            <a:solidFill>
+              <a:schemeClr val="accent1">
+                <a:alpha val="36000"/>
+              </a:schemeClr>
+            </a:solidFill>
+            <a:ln>
+              <a:noFill/>
+            </a:ln>
+            <a:effectLst/>
+          </p:spPr>
+          <p:style>
+            <a:lnRef idx="1">
+              <a:schemeClr val="accent1"/>
+            </a:lnRef>
+            <a:fillRef idx="3">
+              <a:schemeClr val="accent1"/>
+            </a:fillRef>
+            <a:effectRef idx="2">
+              <a:schemeClr val="accent1"/>
+            </a:effectRef>
+            <a:fontRef idx="minor">
+              <a:schemeClr val="lt1"/>
+            </a:fontRef>
+          </p:style>
+        </p:sp>
+        <p:sp>
+          <p:nvSpPr>
+            <p:cNvPr id="22" name="Rectangle 25"/>
+            <p:cNvSpPr/>
+            <p:nvPr/>
+          </p:nvSpPr>
+          <p:spPr>
+            <a:xfrm>
+              <a:off x="9603442" y="-8467"/>
+              <a:ext cx="2588558" cy="6866467"/>
+            </a:xfrm>
+            <a:custGeom>
+              <a:avLst/>
+              <a:gdLst/>
+              <a:ahLst/>
+              <a:cxnLst/>
+              <a:rect l="l" t="t" r="r" b="b"/>
+              <a:pathLst>
+                <a:path w="2573311" h="6866467">
+                  <a:moveTo>
+                    <a:pt x="0" y="0"/>
+                  </a:moveTo>
+                  <a:lnTo>
+                    <a:pt x="2573311" y="0"/>
+                  </a:lnTo>
+                  <a:lnTo>
+                    <a:pt x="2573311" y="6866467"/>
+                  </a:lnTo>
+                  <a:lnTo>
+                    <a:pt x="1202336" y="6866467"/>
+                  </a:lnTo>
+                  <a:lnTo>
+                    <a:pt x="0" y="0"/>
+                  </a:lnTo>
+                  <a:close/>
+                </a:path>
+              </a:pathLst>
+            </a:custGeom>
+            <a:solidFill>
+              <a:schemeClr val="accent1">
+                <a:alpha val="20000"/>
+              </a:schemeClr>
+            </a:solidFill>
+            <a:ln>
+              <a:noFill/>
+            </a:ln>
+            <a:effectLst/>
+          </p:spPr>
+          <p:style>
+            <a:lnRef idx="1">
+              <a:schemeClr val="accent1"/>
+            </a:lnRef>
+            <a:fillRef idx="3">
+              <a:schemeClr val="accent1"/>
+            </a:fillRef>
+            <a:effectRef idx="2">
+              <a:schemeClr val="accent1"/>
+            </a:effectRef>
+            <a:fontRef idx="minor">
+              <a:schemeClr val="lt1"/>
+            </a:fontRef>
+          </p:style>
+        </p:sp>
+        <p:sp>
+          <p:nvSpPr>
+            <p:cNvPr id="23" name="Isosceles Triangle 22"/>
+            <p:cNvSpPr/>
+            <p:nvPr/>
+          </p:nvSpPr>
+          <p:spPr>
+            <a:xfrm>
+              <a:off x="8932333" y="3048000"/>
+              <a:ext cx="3259667" cy="3810000"/>
+            </a:xfrm>
+            <a:prstGeom prst="triangle">
+              <a:avLst>
+                <a:gd name="adj" fmla="val 100000"/>
+              </a:avLst>
+            </a:prstGeom>
+            <a:solidFill>
+              <a:schemeClr val="accent1">
+                <a:lumMod val="75000"/>
+                <a:alpha val="66000"/>
+              </a:schemeClr>
+            </a:solidFill>
+            <a:ln>
+              <a:noFill/>
+            </a:ln>
+            <a:effectLst/>
+          </p:spPr>
+          <p:style>
+            <a:lnRef idx="1">
+              <a:schemeClr val="accent1"/>
+            </a:lnRef>
+            <a:fillRef idx="3">
+              <a:schemeClr val="accent1"/>
+            </a:fillRef>
+            <a:effectRef idx="2">
+              <a:schemeClr val="accent1"/>
+            </a:effectRef>
+            <a:fontRef idx="minor">
+              <a:schemeClr val="lt1"/>
+            </a:fontRef>
+          </p:style>
+        </p:sp>
+        <p:sp>
+          <p:nvSpPr>
+            <p:cNvPr id="24" name="Rectangle 27"/>
+            <p:cNvSpPr/>
+            <p:nvPr/>
+          </p:nvSpPr>
+          <p:spPr>
+            <a:xfrm>
+              <a:off x="9334500" y="-8467"/>
+              <a:ext cx="2854326" cy="6866467"/>
+            </a:xfrm>
+            <a:custGeom>
+              <a:avLst/>
+              <a:gdLst/>
+              <a:ahLst/>
+              <a:cxnLst/>
+              <a:rect l="l" t="t" r="r" b="b"/>
+              <a:pathLst>
+                <a:path w="2858013" h="6866467">
+                  <a:moveTo>
+                    <a:pt x="0" y="0"/>
+                  </a:moveTo>
+                  <a:lnTo>
+                    <a:pt x="2858013" y="0"/>
+                  </a:lnTo>
+                  <a:lnTo>
+                    <a:pt x="2858013" y="6866467"/>
+                  </a:lnTo>
+                  <a:lnTo>
+                    <a:pt x="2473942" y="6866467"/>
+                  </a:lnTo>
+                  <a:lnTo>
+                    <a:pt x="0" y="0"/>
+                  </a:lnTo>
+                  <a:close/>
+                </a:path>
+              </a:pathLst>
+            </a:custGeom>
+            <a:solidFill>
+              <a:schemeClr val="accent1">
+                <a:lumMod val="75000"/>
+                <a:alpha val="50000"/>
+              </a:schemeClr>
+            </a:solidFill>
+            <a:ln>
+              <a:noFill/>
+            </a:ln>
+            <a:effectLst/>
+          </p:spPr>
+          <p:style>
+            <a:lnRef idx="1">
+              <a:schemeClr val="accent1"/>
+            </a:lnRef>
+            <a:fillRef idx="3">
+              <a:schemeClr val="accent1"/>
+            </a:fillRef>
+            <a:effectRef idx="2">
+              <a:schemeClr val="accent1"/>
+            </a:effectRef>
+            <a:fontRef idx="minor">
+              <a:schemeClr val="lt1"/>
+            </a:fontRef>
+          </p:style>
+        </p:sp>
+        <p:sp>
+          <p:nvSpPr>
+            <p:cNvPr id="25" name="Rectangle 28"/>
+            <p:cNvSpPr/>
+            <p:nvPr/>
+          </p:nvSpPr>
+          <p:spPr>
+            <a:xfrm>
+              <a:off x="10898730" y="-8467"/>
+              <a:ext cx="1290094" cy="6866467"/>
+            </a:xfrm>
+            <a:custGeom>
+              <a:avLst/>
+              <a:gdLst/>
+              <a:ahLst/>
+              <a:cxnLst/>
+              <a:rect l="l" t="t" r="r" b="b"/>
+              <a:pathLst>
+                <a:path w="1290094" h="6858000">
+                  <a:moveTo>
+                    <a:pt x="1019735" y="0"/>
+                  </a:moveTo>
+                  <a:lnTo>
+                    <a:pt x="1290094" y="0"/>
+                  </a:lnTo>
+                  <a:lnTo>
+                    <a:pt x="1290094" y="6858000"/>
+                  </a:lnTo>
+                  <a:lnTo>
+                    <a:pt x="0" y="6858000"/>
+                  </a:lnTo>
+                  <a:lnTo>
+                    <a:pt x="1019735" y="0"/>
+                  </a:lnTo>
+                  <a:close/>
+                </a:path>
+              </a:pathLst>
+            </a:custGeom>
+            <a:solidFill>
+              <a:schemeClr val="accent2">
+                <a:alpha val="70000"/>
+              </a:schemeClr>
+            </a:solidFill>
+            <a:ln>
+              <a:noFill/>
+            </a:ln>
+            <a:effectLst/>
+          </p:spPr>
+          <p:style>
+            <a:lnRef idx="1">
+              <a:schemeClr val="accent1"/>
+            </a:lnRef>
+            <a:fillRef idx="3">
+              <a:schemeClr val="accent1"/>
+            </a:fillRef>
+            <a:effectRef idx="2">
+              <a:schemeClr val="accent1"/>
+            </a:effectRef>
+            <a:fontRef idx="minor">
+              <a:schemeClr val="lt1"/>
+            </a:fontRef>
+          </p:style>
+        </p:sp>
+        <p:sp>
+          <p:nvSpPr>
+            <p:cNvPr id="26" name="Rectangle 29"/>
+            <p:cNvSpPr/>
+            <p:nvPr/>
+          </p:nvSpPr>
+          <p:spPr>
+            <a:xfrm>
+              <a:off x="10938999" y="-8467"/>
+              <a:ext cx="1249825" cy="6866467"/>
+            </a:xfrm>
+            <a:custGeom>
+              <a:avLst/>
+              <a:gdLst/>
+              <a:ahLst/>
+              <a:cxnLst/>
+              <a:rect l="l" t="t" r="r" b="b"/>
+              <a:pathLst>
+                <a:path w="1249825" h="6858000">
+                  <a:moveTo>
+                    <a:pt x="0" y="0"/>
+                  </a:moveTo>
+                  <a:lnTo>
+                    <a:pt x="1249825" y="0"/>
+                  </a:lnTo>
+                  <a:lnTo>
+                    <a:pt x="1249825" y="6858000"/>
+                  </a:lnTo>
+                  <a:lnTo>
+                    <a:pt x="1109382" y="6858000"/>
+                  </a:lnTo>
+                  <a:lnTo>
+                    <a:pt x="0" y="0"/>
+                  </a:lnTo>
+                  <a:close/>
+                </a:path>
+              </a:pathLst>
+            </a:custGeom>
+            <a:solidFill>
+              <a:schemeClr val="accent2">
+                <a:lumMod val="75000"/>
+                <a:alpha val="80000"/>
+              </a:schemeClr>
+            </a:solidFill>
+            <a:ln>
+              <a:noFill/>
+            </a:ln>
+            <a:effectLst/>
+          </p:spPr>
+          <p:style>
+            <a:lnRef idx="1">
+              <a:schemeClr val="accent1"/>
+            </a:lnRef>
+            <a:fillRef idx="3">
+              <a:schemeClr val="accent1"/>
+            </a:fillRef>
+            <a:effectRef idx="2">
+              <a:schemeClr val="accent1"/>
+            </a:effectRef>
+            <a:fontRef idx="minor">
+              <a:schemeClr val="lt1"/>
+            </a:fontRef>
+          </p:style>
+        </p:sp>
+        <p:sp>
+          <p:nvSpPr>
+            <p:cNvPr id="27" name="Isosceles Triangle 26"/>
+            <p:cNvSpPr/>
+            <p:nvPr/>
+          </p:nvSpPr>
+          <p:spPr>
+            <a:xfrm>
+              <a:off x="10371666" y="3589867"/>
+              <a:ext cx="1817159" cy="3268133"/>
+            </a:xfrm>
+            <a:prstGeom prst="triangle">
+              <a:avLst>
+                <a:gd name="adj" fmla="val 100000"/>
+              </a:avLst>
+            </a:prstGeom>
+            <a:solidFill>
+              <a:schemeClr val="accent1">
+                <a:lumMod val="75000"/>
+                <a:alpha val="66000"/>
+              </a:schemeClr>
+            </a:solidFill>
+            <a:ln>
+              <a:noFill/>
+            </a:ln>
+            <a:effectLst/>
+          </p:spPr>
+          <p:style>
+            <a:lnRef idx="1">
+              <a:schemeClr val="accent1"/>
+            </a:lnRef>
+            <a:fillRef idx="3">
+              <a:schemeClr val="accent1"/>
+            </a:fillRef>
+            <a:effectRef idx="2">
+              <a:schemeClr val="accent1"/>
+            </a:effectRef>
+            <a:fontRef idx="minor">
+              <a:schemeClr val="lt1"/>
+            </a:fontRef>
+          </p:style>
+        </p:sp>
+      </p:grpSp>
+      <p:sp>
+        <p:nvSpPr>
+          <p:cNvPr id="2" name="Title 1"/>
+          <p:cNvSpPr>
+            <a:spLocks noGrp="1"/>
+          </p:cNvSpPr>
+          <p:nvPr>
+            <p:ph type="ctrTitle"/>
+          </p:nvPr>
         </p:nvSpPr>
         <p:spPr>
           <a:xfrm>
-            <a:off x="1" y="6400800"/>
-            <a:ext cx="12192000" cy="457200"/>
+            <a:off x="1507067" y="2404534"/>
+            <a:ext cx="7766936" cy="1646302"/>
           </a:xfrm>
-          <a:prstGeom prst="rect">
-            <a:avLst/>
-          </a:prstGeom>
-          <a:solidFill>
-            <a:schemeClr val="accent2"/>
-          </a:solidFill>
-          <a:ln>
-            <a:noFill/>
-          </a:ln>
         </p:spPr>
-        <p:style>
-          <a:lnRef idx="2">
-            <a:schemeClr val="accent1">
-              <a:shade val="50000"/>
-            </a:schemeClr>
-          </a:lnRef>
-          <a:fillRef idx="1">
-            <a:schemeClr val="accent1"/>
-          </a:fillRef>
-          <a:effectRef idx="0">
-            <a:schemeClr val="accent1"/>
-          </a:effectRef>
-          <a:fontRef idx="minor">
-            <a:schemeClr val="lt1"/>
-          </a:fontRef>
-        </p:style>
-      </p:sp>
-      <p:sp>
-        <p:nvSpPr>
-          <p:cNvPr id="8" name="Rectangle 7"/>
-          <p:cNvSpPr/>
-          <p:nvPr/>
+        <p:txBody>
+          <a:bodyPr anchor="b">
+            <a:noAutofit/>
+          </a:bodyPr>
+          <a:lstStyle>
+            <a:lvl1pPr algn="r">
+              <a:defRPr sz="5400">
+                <a:solidFill>
+                  <a:schemeClr val="accent1"/>
+                </a:solidFill>
+              </a:defRPr>
+            </a:lvl1pPr>
+          </a:lstStyle>
+          <a:p>
+            <a:r>
+              <a:rPr lang="da-DK"/>
+              <a:t>Klik for at redigere i master</a:t>
+            </a:r>
+            <a:endParaRPr lang="en-US" dirty="0"/>
+          </a:p>
+        </p:txBody>
+      </p:sp>
+      <p:sp>
+        <p:nvSpPr>
+          <p:cNvPr id="3" name="Subtitle 2"/>
+          <p:cNvSpPr>
+            <a:spLocks noGrp="1"/>
+          </p:cNvSpPr>
+          <p:nvPr>
+            <p:ph type="subTitle" idx="1"/>
+          </p:nvPr>
         </p:nvSpPr>
         <p:spPr>
           <a:xfrm>
-            <a:off x="1" y="6334316"/>
-            <a:ext cx="12192000" cy="66484"/>
-          </a:xfrm>
-          <a:prstGeom prst="rect">
-            <a:avLst/>
-          </a:prstGeom>
-          <a:solidFill>
-            <a:schemeClr val="accent1"/>
-          </a:solidFill>
-          <a:ln>
-            <a:noFill/>
-          </a:ln>
-        </p:spPr>
-        <p:style>
-          <a:lnRef idx="2">
-            <a:schemeClr val="accent1">
-              <a:shade val="50000"/>
-            </a:schemeClr>
-          </a:lnRef>
-          <a:fillRef idx="1">
-            <a:schemeClr val="accent1"/>
-          </a:fillRef>
-          <a:effectRef idx="0">
-            <a:schemeClr val="accent1"/>
-          </a:effectRef>
-          <a:fontRef idx="minor">
-            <a:schemeClr val="lt1"/>
-          </a:fontRef>
-        </p:style>
-      </p:sp>
-      <p:sp>
-        <p:nvSpPr>
-          <p:cNvPr id="2" name="Title 1"/>
-          <p:cNvSpPr>
-            <a:spLocks noGrp="1"/>
-          </p:cNvSpPr>
-          <p:nvPr>
-            <p:ph type="ctrTitle"/>
-          </p:nvPr>
-        </p:nvSpPr>
-        <p:spPr>
-          <a:xfrm>
-            <a:off x="1097280" y="758952"/>
-            <a:ext cx="10058400" cy="3566160"/>
+            <a:off x="1507067" y="4050833"/>
+            <a:ext cx="7766936" cy="1096899"/>
           </a:xfrm>
         </p:spPr>
         <p:txBody>
-          <a:bodyPr anchor="b">
-            <a:normAutofit/>
-          </a:bodyPr>
+          <a:bodyPr anchor="t"/>
           <a:lstStyle>
-            <a:lvl1pPr algn="l">
-              <a:lnSpc>
-                <a:spcPct val="85000"/>
-              </a:lnSpc>
-              <a:defRPr sz="8000" spc="-50" baseline="0">
+            <a:lvl1pPr marL="0" indent="0" algn="r">
+              <a:buNone/>
+              <a:defRPr>
                 <a:solidFill>
                   <a:schemeClr val="tx1">
-                    <a:lumMod val="85000"/>
-                    <a:lumOff val="15000"/>
+                    <a:lumMod val="50000"/>
+                    <a:lumOff val="50000"/>
                   </a:schemeClr>
                 </a:solidFill>
               </a:defRPr>
             </a:lvl1pPr>
-          </a:lstStyle>
-          <a:p>
-            <a:r>
-              <a:rPr lang="da-DK"/>
-              <a:t>Klik for at redigere i master</a:t>
-            </a:r>
-            <a:endParaRPr lang="en-US" dirty="0"/>
-          </a:p>
-        </p:txBody>
-      </p:sp>
-      <p:sp>
-        <p:nvSpPr>
-          <p:cNvPr id="3" name="Subtitle 2"/>
-          <p:cNvSpPr>
-            <a:spLocks noGrp="1"/>
-          </p:cNvSpPr>
-          <p:nvPr>
-            <p:ph type="subTitle" idx="1"/>
-          </p:nvPr>
-        </p:nvSpPr>
-        <p:spPr>
-          <a:xfrm>
-            <a:off x="1100051" y="4455621"/>
-            <a:ext cx="10058400" cy="1143000"/>
-          </a:xfrm>
-        </p:spPr>
-        <p:txBody>
-          <a:bodyPr lIns="91440" rIns="91440">
-            <a:normAutofit/>
-          </a:bodyPr>
-          <a:lstStyle>
-            <a:lvl1pPr marL="0" indent="0" algn="l">
-              <a:buNone/>
-              <a:defRPr sz="2400" cap="all" spc="200" baseline="0">
+            <a:lvl2pPr marL="457200" indent="0" algn="ctr">
+              <a:buNone/>
+              <a:defRPr>
                 <a:solidFill>
-                  <a:schemeClr val="tx2"/>
+                  <a:schemeClr val="tx1">
+                    <a:tint val="75000"/>
+                  </a:schemeClr>
                 </a:solidFill>
-                <a:latin typeface="+mj-lt"/>
               </a:defRPr>
-            </a:lvl1pPr>
-            <a:lvl2pPr marL="457200" indent="0" algn="ctr">
-              <a:buNone/>
-              <a:defRPr sz="2400"/>
             </a:lvl2pPr>
             <a:lvl3pPr marL="914400" indent="0" algn="ctr">
               <a:buNone/>
-              <a:defRPr sz="2400"/>
+              <a:defRPr>
+                <a:solidFill>
+                  <a:schemeClr val="tx1">
+                    <a:tint val="75000"/>
+                  </a:schemeClr>
+                </a:solidFill>
+              </a:defRPr>
             </a:lvl3pPr>
             <a:lvl4pPr marL="1371600" indent="0" algn="ctr">
               <a:buNone/>
-              <a:defRPr sz="2000"/>
+              <a:defRPr>
+                <a:solidFill>
+                  <a:schemeClr val="tx1">
+                    <a:tint val="75000"/>
+                  </a:schemeClr>
+                </a:solidFill>
+              </a:defRPr>
             </a:lvl4pPr>
             <a:lvl5pPr marL="1828800" indent="0" algn="ctr">
               <a:buNone/>
-              <a:defRPr sz="2000"/>
+              <a:defRPr>
+                <a:solidFill>
+                  <a:schemeClr val="tx1">
+                    <a:tint val="75000"/>
+                  </a:schemeClr>
+                </a:solidFill>
+              </a:defRPr>
             </a:lvl5pPr>
             <a:lvl6pPr marL="2286000" indent="0" algn="ctr">
               <a:buNone/>
-              <a:defRPr sz="2000"/>
+              <a:defRPr>
+                <a:solidFill>
+                  <a:schemeClr val="tx1">
+                    <a:tint val="75000"/>
+                  </a:schemeClr>
+                </a:solidFill>
+              </a:defRPr>
             </a:lvl6pPr>
             <a:lvl7pPr marL="2743200" indent="0" algn="ctr">
               <a:buNone/>
-              <a:defRPr sz="2000"/>
+              <a:defRPr>
+                <a:solidFill>
+                  <a:schemeClr val="tx1">
+                    <a:tint val="75000"/>
+                  </a:schemeClr>
+                </a:solidFill>
+              </a:defRPr>
             </a:lvl7pPr>
             <a:lvl8pPr marL="3200400" indent="0" algn="ctr">
               <a:buNone/>
-              <a:defRPr sz="2000"/>
+              <a:defRPr>
+                <a:solidFill>
+                  <a:schemeClr val="tx1">
+                    <a:tint val="75000"/>
+                  </a:schemeClr>
+                </a:solidFill>
+              </a:defRPr>
             </a:lvl8pPr>
             <a:lvl9pPr marL="3657600" indent="0" algn="ctr">
               <a:buNone/>
-              <a:defRPr sz="2000"/>
+              <a:defRPr>
+                <a:solidFill>
+                  <a:schemeClr val="tx1">
+                    <a:tint val="75000"/>
+                  </a:schemeClr>
+                </a:solidFill>
+              </a:defRPr>
             </a:lvl9pPr>
           </a:lstStyle>
           <a:p>
@@ -2358,48 +2877,10 @@
           </a:p>
         </p:txBody>
       </p:sp>
-      <p:cxnSp>
-        <p:nvCxnSpPr>
-          <p:cNvPr id="9" name="Straight Connector 8"/>
-          <p:cNvCxnSpPr/>
-          <p:nvPr/>
-        </p:nvCxnSpPr>
-        <p:spPr>
-          <a:xfrm>
-            <a:off x="1207658" y="4343400"/>
-            <a:ext cx="9875520" cy="0"/>
-          </a:xfrm>
-          <a:prstGeom prst="line">
-            <a:avLst/>
-          </a:prstGeom>
-          <a:ln w="6350">
-            <a:solidFill>
-              <a:schemeClr val="tx1">
-                <a:lumMod val="50000"/>
-                <a:lumOff val="50000"/>
-              </a:schemeClr>
-            </a:solidFill>
-          </a:ln>
-        </p:spPr>
-        <p:style>
-          <a:lnRef idx="1">
-            <a:schemeClr val="accent1"/>
-          </a:lnRef>
-          <a:fillRef idx="0">
-            <a:schemeClr val="accent1"/>
-          </a:fillRef>
-          <a:effectRef idx="0">
-            <a:schemeClr val="accent1"/>
-          </a:effectRef>
-          <a:fontRef idx="minor">
-            <a:schemeClr val="tx1"/>
-          </a:fontRef>
-        </p:style>
-      </p:cxnSp>
     </p:spTree>
     <p:extLst>
       <p:ext uri="{BB962C8B-B14F-4D97-AF65-F5344CB8AC3E}">
-        <p14:creationId xmlns:p14="http://schemas.microsoft.com/office/powerpoint/2010/main" val="455421996"/>
+        <p14:creationId xmlns:p14="http://schemas.microsoft.com/office/powerpoint/2010/main" val="520858513"/>
       </p:ext>
     </p:extLst>
   </p:cSld>
@@ -2410,6 +2891,1626 @@
 </file>
 
 <file path=ppt/slideLayouts/slideLayout10.xml><?xml version="1.0" encoding="utf-8"?>
+<p:sldLayout xmlns:a="http://schemas.openxmlformats.org/drawingml/2006/main" xmlns:r="http://schemas.openxmlformats.org/officeDocument/2006/relationships" xmlns:p="http://schemas.openxmlformats.org/presentationml/2006/main" preserve="1">
+  <p:cSld name="Titel og billedtekst">
+    <p:spTree>
+      <p:nvGrpSpPr>
+        <p:cNvPr id="1" name=""/>
+        <p:cNvGrpSpPr/>
+        <p:nvPr/>
+      </p:nvGrpSpPr>
+      <p:grpSpPr>
+        <a:xfrm>
+          <a:off x="0" y="0"/>
+          <a:ext cx="0" cy="0"/>
+          <a:chOff x="0" y="0"/>
+          <a:chExt cx="0" cy="0"/>
+        </a:xfrm>
+      </p:grpSpPr>
+      <p:sp>
+        <p:nvSpPr>
+          <p:cNvPr id="2" name="Title 1"/>
+          <p:cNvSpPr>
+            <a:spLocks noGrp="1"/>
+          </p:cNvSpPr>
+          <p:nvPr>
+            <p:ph type="title"/>
+          </p:nvPr>
+        </p:nvSpPr>
+        <p:spPr>
+          <a:xfrm>
+            <a:off x="677335" y="609600"/>
+            <a:ext cx="8596668" cy="3403600"/>
+          </a:xfrm>
+        </p:spPr>
+        <p:txBody>
+          <a:bodyPr anchor="ctr">
+            <a:normAutofit/>
+          </a:bodyPr>
+          <a:lstStyle>
+            <a:lvl1pPr algn="l">
+              <a:defRPr sz="4400" b="0" cap="none"/>
+            </a:lvl1pPr>
+          </a:lstStyle>
+          <a:p>
+            <a:r>
+              <a:rPr lang="da-DK"/>
+              <a:t>Klik for at redigere i master</a:t>
+            </a:r>
+            <a:endParaRPr lang="en-US" dirty="0"/>
+          </a:p>
+        </p:txBody>
+      </p:sp>
+      <p:sp>
+        <p:nvSpPr>
+          <p:cNvPr id="3" name="Text Placeholder 2"/>
+          <p:cNvSpPr>
+            <a:spLocks noGrp="1"/>
+          </p:cNvSpPr>
+          <p:nvPr>
+            <p:ph type="body" idx="1"/>
+          </p:nvPr>
+        </p:nvSpPr>
+        <p:spPr>
+          <a:xfrm>
+            <a:off x="677335" y="4470400"/>
+            <a:ext cx="8596668" cy="1570962"/>
+          </a:xfrm>
+        </p:spPr>
+        <p:txBody>
+          <a:bodyPr anchor="ctr">
+            <a:normAutofit/>
+          </a:bodyPr>
+          <a:lstStyle>
+            <a:lvl1pPr marL="0" indent="0" algn="l">
+              <a:buNone/>
+              <a:defRPr sz="1800">
+                <a:solidFill>
+                  <a:schemeClr val="tx1">
+                    <a:lumMod val="75000"/>
+                    <a:lumOff val="25000"/>
+                  </a:schemeClr>
+                </a:solidFill>
+              </a:defRPr>
+            </a:lvl1pPr>
+            <a:lvl2pPr marL="457200" indent="0">
+              <a:buNone/>
+              <a:defRPr sz="1800">
+                <a:solidFill>
+                  <a:schemeClr val="tx1">
+                    <a:tint val="75000"/>
+                  </a:schemeClr>
+                </a:solidFill>
+              </a:defRPr>
+            </a:lvl2pPr>
+            <a:lvl3pPr marL="914400" indent="0">
+              <a:buNone/>
+              <a:defRPr sz="1600">
+                <a:solidFill>
+                  <a:schemeClr val="tx1">
+                    <a:tint val="75000"/>
+                  </a:schemeClr>
+                </a:solidFill>
+              </a:defRPr>
+            </a:lvl3pPr>
+            <a:lvl4pPr marL="1371600" indent="0">
+              <a:buNone/>
+              <a:defRPr sz="1400">
+                <a:solidFill>
+                  <a:schemeClr val="tx1">
+                    <a:tint val="75000"/>
+                  </a:schemeClr>
+                </a:solidFill>
+              </a:defRPr>
+            </a:lvl4pPr>
+            <a:lvl5pPr marL="1828800" indent="0">
+              <a:buNone/>
+              <a:defRPr sz="1400">
+                <a:solidFill>
+                  <a:schemeClr val="tx1">
+                    <a:tint val="75000"/>
+                  </a:schemeClr>
+                </a:solidFill>
+              </a:defRPr>
+            </a:lvl5pPr>
+            <a:lvl6pPr marL="2286000" indent="0">
+              <a:buNone/>
+              <a:defRPr sz="1400">
+                <a:solidFill>
+                  <a:schemeClr val="tx1">
+                    <a:tint val="75000"/>
+                  </a:schemeClr>
+                </a:solidFill>
+              </a:defRPr>
+            </a:lvl6pPr>
+            <a:lvl7pPr marL="2743200" indent="0">
+              <a:buNone/>
+              <a:defRPr sz="1400">
+                <a:solidFill>
+                  <a:schemeClr val="tx1">
+                    <a:tint val="75000"/>
+                  </a:schemeClr>
+                </a:solidFill>
+              </a:defRPr>
+            </a:lvl7pPr>
+            <a:lvl8pPr marL="3200400" indent="0">
+              <a:buNone/>
+              <a:defRPr sz="1400">
+                <a:solidFill>
+                  <a:schemeClr val="tx1">
+                    <a:tint val="75000"/>
+                  </a:schemeClr>
+                </a:solidFill>
+              </a:defRPr>
+            </a:lvl8pPr>
+            <a:lvl9pPr marL="3657600" indent="0">
+              <a:buNone/>
+              <a:defRPr sz="1400">
+                <a:solidFill>
+                  <a:schemeClr val="tx1">
+                    <a:tint val="75000"/>
+                  </a:schemeClr>
+                </a:solidFill>
+              </a:defRPr>
+            </a:lvl9pPr>
+          </a:lstStyle>
+          <a:p>
+            <a:pPr lvl="0"/>
+            <a:r>
+              <a:rPr lang="da-DK"/>
+              <a:t>Rediger typografien i masterens</a:t>
+            </a:r>
+          </a:p>
+        </p:txBody>
+      </p:sp>
+      <p:sp>
+        <p:nvSpPr>
+          <p:cNvPr id="4" name="Date Placeholder 3"/>
+          <p:cNvSpPr>
+            <a:spLocks noGrp="1"/>
+          </p:cNvSpPr>
+          <p:nvPr>
+            <p:ph type="dt" sz="half" idx="10"/>
+          </p:nvPr>
+        </p:nvSpPr>
+        <p:spPr/>
+        <p:txBody>
+          <a:bodyPr/>
+          <a:lstStyle/>
+          <a:p>
+            <a:fld id="{89C235CF-BDA2-4E7E-8BBD-350479985E74}" type="datetimeFigureOut">
+              <a:rPr lang="en-US" smtClean="0"/>
+              <a:pPr/>
+              <a:t>1/10/2017</a:t>
+            </a:fld>
+            <a:endParaRPr lang="en-US" dirty="0"/>
+          </a:p>
+        </p:txBody>
+      </p:sp>
+      <p:sp>
+        <p:nvSpPr>
+          <p:cNvPr id="5" name="Footer Placeholder 4"/>
+          <p:cNvSpPr>
+            <a:spLocks noGrp="1"/>
+          </p:cNvSpPr>
+          <p:nvPr>
+            <p:ph type="ftr" sz="quarter" idx="11"/>
+          </p:nvPr>
+        </p:nvSpPr>
+        <p:spPr/>
+        <p:txBody>
+          <a:bodyPr/>
+          <a:lstStyle/>
+          <a:p>
+            <a:endParaRPr lang="en-US" dirty="0"/>
+          </a:p>
+        </p:txBody>
+      </p:sp>
+      <p:sp>
+        <p:nvSpPr>
+          <p:cNvPr id="6" name="Slide Number Placeholder 5"/>
+          <p:cNvSpPr>
+            <a:spLocks noGrp="1"/>
+          </p:cNvSpPr>
+          <p:nvPr>
+            <p:ph type="sldNum" sz="quarter" idx="12"/>
+          </p:nvPr>
+        </p:nvSpPr>
+        <p:spPr/>
+        <p:txBody>
+          <a:bodyPr/>
+          <a:lstStyle/>
+          <a:p>
+            <a:fld id="{4FAB73BC-B049-4115-A692-8D63A059BFB8}" type="slidenum">
+              <a:rPr lang="en-US" smtClean="0"/>
+              <a:pPr/>
+              <a:t>‹nr.›</a:t>
+            </a:fld>
+            <a:endParaRPr lang="en-US" dirty="0"/>
+          </a:p>
+        </p:txBody>
+      </p:sp>
+    </p:spTree>
+    <p:extLst>
+      <p:ext uri="{BB962C8B-B14F-4D97-AF65-F5344CB8AC3E}">
+        <p14:creationId xmlns:p14="http://schemas.microsoft.com/office/powerpoint/2010/main" val="2892260029"/>
+      </p:ext>
+    </p:extLst>
+  </p:cSld>
+  <p:clrMapOvr>
+    <a:masterClrMapping/>
+  </p:clrMapOvr>
+  <p:hf sldNum="0" hdr="0" ftr="0" dt="0"/>
+</p:sldLayout>
+</file>
+
+<file path=ppt/slideLayouts/slideLayout11.xml><?xml version="1.0" encoding="utf-8"?>
+<p:sldLayout xmlns:a="http://schemas.openxmlformats.org/drawingml/2006/main" xmlns:r="http://schemas.openxmlformats.org/officeDocument/2006/relationships" xmlns:p="http://schemas.openxmlformats.org/presentationml/2006/main" preserve="1">
+  <p:cSld name="Citat med billedtekst">
+    <p:spTree>
+      <p:nvGrpSpPr>
+        <p:cNvPr id="1" name=""/>
+        <p:cNvGrpSpPr/>
+        <p:nvPr/>
+      </p:nvGrpSpPr>
+      <p:grpSpPr>
+        <a:xfrm>
+          <a:off x="0" y="0"/>
+          <a:ext cx="0" cy="0"/>
+          <a:chOff x="0" y="0"/>
+          <a:chExt cx="0" cy="0"/>
+        </a:xfrm>
+      </p:grpSpPr>
+      <p:sp>
+        <p:nvSpPr>
+          <p:cNvPr id="2" name="Title 1"/>
+          <p:cNvSpPr>
+            <a:spLocks noGrp="1"/>
+          </p:cNvSpPr>
+          <p:nvPr>
+            <p:ph type="title"/>
+          </p:nvPr>
+        </p:nvSpPr>
+        <p:spPr>
+          <a:xfrm>
+            <a:off x="931334" y="609600"/>
+            <a:ext cx="8094134" cy="3022600"/>
+          </a:xfrm>
+        </p:spPr>
+        <p:txBody>
+          <a:bodyPr anchor="ctr">
+            <a:normAutofit/>
+          </a:bodyPr>
+          <a:lstStyle>
+            <a:lvl1pPr algn="l">
+              <a:defRPr sz="4400" b="0" cap="none"/>
+            </a:lvl1pPr>
+          </a:lstStyle>
+          <a:p>
+            <a:r>
+              <a:rPr lang="da-DK"/>
+              <a:t>Klik for at redigere i master</a:t>
+            </a:r>
+            <a:endParaRPr lang="en-US" dirty="0"/>
+          </a:p>
+        </p:txBody>
+      </p:sp>
+      <p:sp>
+        <p:nvSpPr>
+          <p:cNvPr id="23" name="Text Placeholder 9"/>
+          <p:cNvSpPr>
+            <a:spLocks noGrp="1"/>
+          </p:cNvSpPr>
+          <p:nvPr>
+            <p:ph type="body" sz="quarter" idx="13"/>
+          </p:nvPr>
+        </p:nvSpPr>
+        <p:spPr>
+          <a:xfrm>
+            <a:off x="1366139" y="3632200"/>
+            <a:ext cx="7224524" cy="381000"/>
+          </a:xfrm>
+        </p:spPr>
+        <p:txBody>
+          <a:bodyPr anchor="ctr">
+            <a:noAutofit/>
+          </a:bodyPr>
+          <a:lstStyle>
+            <a:lvl1pPr marL="0" indent="0">
+              <a:buFontTx/>
+              <a:buNone/>
+              <a:defRPr sz="1600">
+                <a:solidFill>
+                  <a:schemeClr val="tx1">
+                    <a:lumMod val="50000"/>
+                    <a:lumOff val="50000"/>
+                  </a:schemeClr>
+                </a:solidFill>
+              </a:defRPr>
+            </a:lvl1pPr>
+            <a:lvl2pPr marL="457200" indent="0">
+              <a:buFontTx/>
+              <a:buNone/>
+              <a:defRPr/>
+            </a:lvl2pPr>
+            <a:lvl3pPr marL="914400" indent="0">
+              <a:buFontTx/>
+              <a:buNone/>
+              <a:defRPr/>
+            </a:lvl3pPr>
+            <a:lvl4pPr marL="1371600" indent="0">
+              <a:buFontTx/>
+              <a:buNone/>
+              <a:defRPr/>
+            </a:lvl4pPr>
+            <a:lvl5pPr marL="1828800" indent="0">
+              <a:buFontTx/>
+              <a:buNone/>
+              <a:defRPr/>
+            </a:lvl5pPr>
+          </a:lstStyle>
+          <a:p>
+            <a:pPr lvl="0"/>
+            <a:r>
+              <a:rPr lang="da-DK"/>
+              <a:t>Rediger typografien i masterens</a:t>
+            </a:r>
+          </a:p>
+        </p:txBody>
+      </p:sp>
+      <p:sp>
+        <p:nvSpPr>
+          <p:cNvPr id="3" name="Text Placeholder 2"/>
+          <p:cNvSpPr>
+            <a:spLocks noGrp="1"/>
+          </p:cNvSpPr>
+          <p:nvPr>
+            <p:ph type="body" idx="1"/>
+          </p:nvPr>
+        </p:nvSpPr>
+        <p:spPr>
+          <a:xfrm>
+            <a:off x="677335" y="4470400"/>
+            <a:ext cx="8596668" cy="1570962"/>
+          </a:xfrm>
+        </p:spPr>
+        <p:txBody>
+          <a:bodyPr anchor="ctr">
+            <a:normAutofit/>
+          </a:bodyPr>
+          <a:lstStyle>
+            <a:lvl1pPr marL="0" indent="0" algn="l">
+              <a:buNone/>
+              <a:defRPr sz="1800">
+                <a:solidFill>
+                  <a:schemeClr val="tx1">
+                    <a:lumMod val="75000"/>
+                    <a:lumOff val="25000"/>
+                  </a:schemeClr>
+                </a:solidFill>
+              </a:defRPr>
+            </a:lvl1pPr>
+            <a:lvl2pPr marL="457200" indent="0">
+              <a:buNone/>
+              <a:defRPr sz="1800">
+                <a:solidFill>
+                  <a:schemeClr val="tx1">
+                    <a:tint val="75000"/>
+                  </a:schemeClr>
+                </a:solidFill>
+              </a:defRPr>
+            </a:lvl2pPr>
+            <a:lvl3pPr marL="914400" indent="0">
+              <a:buNone/>
+              <a:defRPr sz="1600">
+                <a:solidFill>
+                  <a:schemeClr val="tx1">
+                    <a:tint val="75000"/>
+                  </a:schemeClr>
+                </a:solidFill>
+              </a:defRPr>
+            </a:lvl3pPr>
+            <a:lvl4pPr marL="1371600" indent="0">
+              <a:buNone/>
+              <a:defRPr sz="1400">
+                <a:solidFill>
+                  <a:schemeClr val="tx1">
+                    <a:tint val="75000"/>
+                  </a:schemeClr>
+                </a:solidFill>
+              </a:defRPr>
+            </a:lvl4pPr>
+            <a:lvl5pPr marL="1828800" indent="0">
+              <a:buNone/>
+              <a:defRPr sz="1400">
+                <a:solidFill>
+                  <a:schemeClr val="tx1">
+                    <a:tint val="75000"/>
+                  </a:schemeClr>
+                </a:solidFill>
+              </a:defRPr>
+            </a:lvl5pPr>
+            <a:lvl6pPr marL="2286000" indent="0">
+              <a:buNone/>
+              <a:defRPr sz="1400">
+                <a:solidFill>
+                  <a:schemeClr val="tx1">
+                    <a:tint val="75000"/>
+                  </a:schemeClr>
+                </a:solidFill>
+              </a:defRPr>
+            </a:lvl6pPr>
+            <a:lvl7pPr marL="2743200" indent="0">
+              <a:buNone/>
+              <a:defRPr sz="1400">
+                <a:solidFill>
+                  <a:schemeClr val="tx1">
+                    <a:tint val="75000"/>
+                  </a:schemeClr>
+                </a:solidFill>
+              </a:defRPr>
+            </a:lvl7pPr>
+            <a:lvl8pPr marL="3200400" indent="0">
+              <a:buNone/>
+              <a:defRPr sz="1400">
+                <a:solidFill>
+                  <a:schemeClr val="tx1">
+                    <a:tint val="75000"/>
+                  </a:schemeClr>
+                </a:solidFill>
+              </a:defRPr>
+            </a:lvl8pPr>
+            <a:lvl9pPr marL="3657600" indent="0">
+              <a:buNone/>
+              <a:defRPr sz="1400">
+                <a:solidFill>
+                  <a:schemeClr val="tx1">
+                    <a:tint val="75000"/>
+                  </a:schemeClr>
+                </a:solidFill>
+              </a:defRPr>
+            </a:lvl9pPr>
+          </a:lstStyle>
+          <a:p>
+            <a:pPr lvl="0"/>
+            <a:r>
+              <a:rPr lang="da-DK"/>
+              <a:t>Rediger typografien i masterens</a:t>
+            </a:r>
+          </a:p>
+        </p:txBody>
+      </p:sp>
+      <p:sp>
+        <p:nvSpPr>
+          <p:cNvPr id="4" name="Date Placeholder 3"/>
+          <p:cNvSpPr>
+            <a:spLocks noGrp="1"/>
+          </p:cNvSpPr>
+          <p:nvPr>
+            <p:ph type="dt" sz="half" idx="10"/>
+          </p:nvPr>
+        </p:nvSpPr>
+        <p:spPr/>
+        <p:txBody>
+          <a:bodyPr/>
+          <a:lstStyle/>
+          <a:p>
+            <a:fld id="{89C235CF-BDA2-4E7E-8BBD-350479985E74}" type="datetimeFigureOut">
+              <a:rPr lang="en-US" smtClean="0"/>
+              <a:pPr/>
+              <a:t>1/10/2017</a:t>
+            </a:fld>
+            <a:endParaRPr lang="en-US" dirty="0"/>
+          </a:p>
+        </p:txBody>
+      </p:sp>
+      <p:sp>
+        <p:nvSpPr>
+          <p:cNvPr id="5" name="Footer Placeholder 4"/>
+          <p:cNvSpPr>
+            <a:spLocks noGrp="1"/>
+          </p:cNvSpPr>
+          <p:nvPr>
+            <p:ph type="ftr" sz="quarter" idx="11"/>
+          </p:nvPr>
+        </p:nvSpPr>
+        <p:spPr/>
+        <p:txBody>
+          <a:bodyPr/>
+          <a:lstStyle/>
+          <a:p>
+            <a:endParaRPr lang="en-US" dirty="0"/>
+          </a:p>
+        </p:txBody>
+      </p:sp>
+      <p:sp>
+        <p:nvSpPr>
+          <p:cNvPr id="6" name="Slide Number Placeholder 5"/>
+          <p:cNvSpPr>
+            <a:spLocks noGrp="1"/>
+          </p:cNvSpPr>
+          <p:nvPr>
+            <p:ph type="sldNum" sz="quarter" idx="12"/>
+          </p:nvPr>
+        </p:nvSpPr>
+        <p:spPr/>
+        <p:txBody>
+          <a:bodyPr/>
+          <a:lstStyle/>
+          <a:p>
+            <a:fld id="{4FAB73BC-B049-4115-A692-8D63A059BFB8}" type="slidenum">
+              <a:rPr lang="en-US" smtClean="0"/>
+              <a:pPr/>
+              <a:t>‹nr.›</a:t>
+            </a:fld>
+            <a:endParaRPr lang="en-US" dirty="0"/>
+          </a:p>
+        </p:txBody>
+      </p:sp>
+      <p:sp>
+        <p:nvSpPr>
+          <p:cNvPr id="24" name="TextBox 23"/>
+          <p:cNvSpPr txBox="1"/>
+          <p:nvPr/>
+        </p:nvSpPr>
+        <p:spPr>
+          <a:xfrm>
+            <a:off x="541870" y="790378"/>
+            <a:ext cx="609600" cy="584776"/>
+          </a:xfrm>
+          <a:prstGeom prst="rect">
+            <a:avLst/>
+          </a:prstGeom>
+        </p:spPr>
+        <p:txBody>
+          <a:bodyPr vert="horz" lIns="91440" tIns="45720" rIns="91440" bIns="45720" rtlCol="0" anchor="ctr">
+            <a:noAutofit/>
+          </a:bodyPr>
+          <a:lstStyle/>
+          <a:p>
+            <a:pPr lvl="0"/>
+            <a:r>
+              <a:rPr lang="en-US" sz="8000" baseline="0" dirty="0">
+                <a:ln w="3175" cmpd="sng">
+                  <a:noFill/>
+                </a:ln>
+                <a:solidFill>
+                  <a:schemeClr val="accent1">
+                    <a:lumMod val="60000"/>
+                    <a:lumOff val="40000"/>
+                  </a:schemeClr>
+                </a:solidFill>
+                <a:effectLst/>
+                <a:latin typeface="Arial"/>
+              </a:rPr>
+              <a:t>“</a:t>
+            </a:r>
+          </a:p>
+        </p:txBody>
+      </p:sp>
+      <p:sp>
+        <p:nvSpPr>
+          <p:cNvPr id="25" name="TextBox 24"/>
+          <p:cNvSpPr txBox="1"/>
+          <p:nvPr/>
+        </p:nvSpPr>
+        <p:spPr>
+          <a:xfrm>
+            <a:off x="8893011" y="2886556"/>
+            <a:ext cx="609600" cy="584776"/>
+          </a:xfrm>
+          <a:prstGeom prst="rect">
+            <a:avLst/>
+          </a:prstGeom>
+        </p:spPr>
+        <p:txBody>
+          <a:bodyPr vert="horz" lIns="91440" tIns="45720" rIns="91440" bIns="45720" rtlCol="0" anchor="ctr">
+            <a:noAutofit/>
+          </a:bodyPr>
+          <a:lstStyle/>
+          <a:p>
+            <a:pPr lvl="0"/>
+            <a:r>
+              <a:rPr lang="en-US" sz="8000" baseline="0" dirty="0">
+                <a:ln w="3175" cmpd="sng">
+                  <a:noFill/>
+                </a:ln>
+                <a:solidFill>
+                  <a:schemeClr val="accent1">
+                    <a:lumMod val="60000"/>
+                    <a:lumOff val="40000"/>
+                  </a:schemeClr>
+                </a:solidFill>
+                <a:effectLst/>
+                <a:latin typeface="Arial"/>
+              </a:rPr>
+              <a:t>”</a:t>
+            </a:r>
+          </a:p>
+        </p:txBody>
+      </p:sp>
+    </p:spTree>
+    <p:extLst>
+      <p:ext uri="{BB962C8B-B14F-4D97-AF65-F5344CB8AC3E}">
+        <p14:creationId xmlns:p14="http://schemas.microsoft.com/office/powerpoint/2010/main" val="1750819477"/>
+      </p:ext>
+    </p:extLst>
+  </p:cSld>
+  <p:clrMapOvr>
+    <a:masterClrMapping/>
+  </p:clrMapOvr>
+  <p:hf sldNum="0" hdr="0" ftr="0" dt="0"/>
+</p:sldLayout>
+</file>
+
+<file path=ppt/slideLayouts/slideLayout12.xml><?xml version="1.0" encoding="utf-8"?>
+<p:sldLayout xmlns:a="http://schemas.openxmlformats.org/drawingml/2006/main" xmlns:r="http://schemas.openxmlformats.org/officeDocument/2006/relationships" xmlns:p="http://schemas.openxmlformats.org/presentationml/2006/main" preserve="1">
+  <p:cSld name="Navnekort">
+    <p:spTree>
+      <p:nvGrpSpPr>
+        <p:cNvPr id="1" name=""/>
+        <p:cNvGrpSpPr/>
+        <p:nvPr/>
+      </p:nvGrpSpPr>
+      <p:grpSpPr>
+        <a:xfrm>
+          <a:off x="0" y="0"/>
+          <a:ext cx="0" cy="0"/>
+          <a:chOff x="0" y="0"/>
+          <a:chExt cx="0" cy="0"/>
+        </a:xfrm>
+      </p:grpSpPr>
+      <p:sp>
+        <p:nvSpPr>
+          <p:cNvPr id="2" name="Title 1"/>
+          <p:cNvSpPr>
+            <a:spLocks noGrp="1"/>
+          </p:cNvSpPr>
+          <p:nvPr>
+            <p:ph type="title"/>
+          </p:nvPr>
+        </p:nvSpPr>
+        <p:spPr>
+          <a:xfrm>
+            <a:off x="677335" y="1931988"/>
+            <a:ext cx="8596668" cy="2595460"/>
+          </a:xfrm>
+        </p:spPr>
+        <p:txBody>
+          <a:bodyPr anchor="b">
+            <a:normAutofit/>
+          </a:bodyPr>
+          <a:lstStyle>
+            <a:lvl1pPr algn="l">
+              <a:defRPr sz="4400" b="0" cap="none"/>
+            </a:lvl1pPr>
+          </a:lstStyle>
+          <a:p>
+            <a:r>
+              <a:rPr lang="da-DK"/>
+              <a:t>Klik for at redigere i master</a:t>
+            </a:r>
+            <a:endParaRPr lang="en-US" dirty="0"/>
+          </a:p>
+        </p:txBody>
+      </p:sp>
+      <p:sp>
+        <p:nvSpPr>
+          <p:cNvPr id="3" name="Text Placeholder 2"/>
+          <p:cNvSpPr>
+            <a:spLocks noGrp="1"/>
+          </p:cNvSpPr>
+          <p:nvPr>
+            <p:ph type="body" idx="1"/>
+          </p:nvPr>
+        </p:nvSpPr>
+        <p:spPr>
+          <a:xfrm>
+            <a:off x="677335" y="4527448"/>
+            <a:ext cx="8596668" cy="1513914"/>
+          </a:xfrm>
+        </p:spPr>
+        <p:txBody>
+          <a:bodyPr anchor="t">
+            <a:normAutofit/>
+          </a:bodyPr>
+          <a:lstStyle>
+            <a:lvl1pPr marL="0" indent="0" algn="l">
+              <a:buNone/>
+              <a:defRPr sz="1800">
+                <a:solidFill>
+                  <a:schemeClr val="tx1">
+                    <a:lumMod val="75000"/>
+                    <a:lumOff val="25000"/>
+                  </a:schemeClr>
+                </a:solidFill>
+              </a:defRPr>
+            </a:lvl1pPr>
+            <a:lvl2pPr marL="457200" indent="0">
+              <a:buNone/>
+              <a:defRPr sz="1800">
+                <a:solidFill>
+                  <a:schemeClr val="tx1">
+                    <a:tint val="75000"/>
+                  </a:schemeClr>
+                </a:solidFill>
+              </a:defRPr>
+            </a:lvl2pPr>
+            <a:lvl3pPr marL="914400" indent="0">
+              <a:buNone/>
+              <a:defRPr sz="1600">
+                <a:solidFill>
+                  <a:schemeClr val="tx1">
+                    <a:tint val="75000"/>
+                  </a:schemeClr>
+                </a:solidFill>
+              </a:defRPr>
+            </a:lvl3pPr>
+            <a:lvl4pPr marL="1371600" indent="0">
+              <a:buNone/>
+              <a:defRPr sz="1400">
+                <a:solidFill>
+                  <a:schemeClr val="tx1">
+                    <a:tint val="75000"/>
+                  </a:schemeClr>
+                </a:solidFill>
+              </a:defRPr>
+            </a:lvl4pPr>
+            <a:lvl5pPr marL="1828800" indent="0">
+              <a:buNone/>
+              <a:defRPr sz="1400">
+                <a:solidFill>
+                  <a:schemeClr val="tx1">
+                    <a:tint val="75000"/>
+                  </a:schemeClr>
+                </a:solidFill>
+              </a:defRPr>
+            </a:lvl5pPr>
+            <a:lvl6pPr marL="2286000" indent="0">
+              <a:buNone/>
+              <a:defRPr sz="1400">
+                <a:solidFill>
+                  <a:schemeClr val="tx1">
+                    <a:tint val="75000"/>
+                  </a:schemeClr>
+                </a:solidFill>
+              </a:defRPr>
+            </a:lvl6pPr>
+            <a:lvl7pPr marL="2743200" indent="0">
+              <a:buNone/>
+              <a:defRPr sz="1400">
+                <a:solidFill>
+                  <a:schemeClr val="tx1">
+                    <a:tint val="75000"/>
+                  </a:schemeClr>
+                </a:solidFill>
+              </a:defRPr>
+            </a:lvl7pPr>
+            <a:lvl8pPr marL="3200400" indent="0">
+              <a:buNone/>
+              <a:defRPr sz="1400">
+                <a:solidFill>
+                  <a:schemeClr val="tx1">
+                    <a:tint val="75000"/>
+                  </a:schemeClr>
+                </a:solidFill>
+              </a:defRPr>
+            </a:lvl8pPr>
+            <a:lvl9pPr marL="3657600" indent="0">
+              <a:buNone/>
+              <a:defRPr sz="1400">
+                <a:solidFill>
+                  <a:schemeClr val="tx1">
+                    <a:tint val="75000"/>
+                  </a:schemeClr>
+                </a:solidFill>
+              </a:defRPr>
+            </a:lvl9pPr>
+          </a:lstStyle>
+          <a:p>
+            <a:pPr lvl="0"/>
+            <a:r>
+              <a:rPr lang="da-DK"/>
+              <a:t>Rediger typografien i masterens</a:t>
+            </a:r>
+          </a:p>
+        </p:txBody>
+      </p:sp>
+      <p:sp>
+        <p:nvSpPr>
+          <p:cNvPr id="4" name="Date Placeholder 3"/>
+          <p:cNvSpPr>
+            <a:spLocks noGrp="1"/>
+          </p:cNvSpPr>
+          <p:nvPr>
+            <p:ph type="dt" sz="half" idx="10"/>
+          </p:nvPr>
+        </p:nvSpPr>
+        <p:spPr/>
+        <p:txBody>
+          <a:bodyPr/>
+          <a:lstStyle/>
+          <a:p>
+            <a:fld id="{89C235CF-BDA2-4E7E-8BBD-350479985E74}" type="datetimeFigureOut">
+              <a:rPr lang="en-US" smtClean="0"/>
+              <a:pPr/>
+              <a:t>1/10/2017</a:t>
+            </a:fld>
+            <a:endParaRPr lang="en-US" dirty="0"/>
+          </a:p>
+        </p:txBody>
+      </p:sp>
+      <p:sp>
+        <p:nvSpPr>
+          <p:cNvPr id="5" name="Footer Placeholder 4"/>
+          <p:cNvSpPr>
+            <a:spLocks noGrp="1"/>
+          </p:cNvSpPr>
+          <p:nvPr>
+            <p:ph type="ftr" sz="quarter" idx="11"/>
+          </p:nvPr>
+        </p:nvSpPr>
+        <p:spPr/>
+        <p:txBody>
+          <a:bodyPr/>
+          <a:lstStyle/>
+          <a:p>
+            <a:endParaRPr lang="en-US" dirty="0"/>
+          </a:p>
+        </p:txBody>
+      </p:sp>
+      <p:sp>
+        <p:nvSpPr>
+          <p:cNvPr id="6" name="Slide Number Placeholder 5"/>
+          <p:cNvSpPr>
+            <a:spLocks noGrp="1"/>
+          </p:cNvSpPr>
+          <p:nvPr>
+            <p:ph type="sldNum" sz="quarter" idx="12"/>
+          </p:nvPr>
+        </p:nvSpPr>
+        <p:spPr/>
+        <p:txBody>
+          <a:bodyPr/>
+          <a:lstStyle/>
+          <a:p>
+            <a:fld id="{4FAB73BC-B049-4115-A692-8D63A059BFB8}" type="slidenum">
+              <a:rPr lang="en-US" smtClean="0"/>
+              <a:pPr/>
+              <a:t>‹nr.›</a:t>
+            </a:fld>
+            <a:endParaRPr lang="en-US" dirty="0"/>
+          </a:p>
+        </p:txBody>
+      </p:sp>
+    </p:spTree>
+    <p:extLst>
+      <p:ext uri="{BB962C8B-B14F-4D97-AF65-F5344CB8AC3E}">
+        <p14:creationId xmlns:p14="http://schemas.microsoft.com/office/powerpoint/2010/main" val="2446444542"/>
+      </p:ext>
+    </p:extLst>
+  </p:cSld>
+  <p:clrMapOvr>
+    <a:masterClrMapping/>
+  </p:clrMapOvr>
+  <p:hf sldNum="0" hdr="0" ftr="0" dt="0"/>
+</p:sldLayout>
+</file>
+
+<file path=ppt/slideLayouts/slideLayout13.xml><?xml version="1.0" encoding="utf-8"?>
+<p:sldLayout xmlns:a="http://schemas.openxmlformats.org/drawingml/2006/main" xmlns:r="http://schemas.openxmlformats.org/officeDocument/2006/relationships" xmlns:p="http://schemas.openxmlformats.org/presentationml/2006/main" preserve="1">
+  <p:cSld name="Kort med citat og navn">
+    <p:spTree>
+      <p:nvGrpSpPr>
+        <p:cNvPr id="1" name=""/>
+        <p:cNvGrpSpPr/>
+        <p:nvPr/>
+      </p:nvGrpSpPr>
+      <p:grpSpPr>
+        <a:xfrm>
+          <a:off x="0" y="0"/>
+          <a:ext cx="0" cy="0"/>
+          <a:chOff x="0" y="0"/>
+          <a:chExt cx="0" cy="0"/>
+        </a:xfrm>
+      </p:grpSpPr>
+      <p:sp>
+        <p:nvSpPr>
+          <p:cNvPr id="2" name="Title 1"/>
+          <p:cNvSpPr>
+            <a:spLocks noGrp="1"/>
+          </p:cNvSpPr>
+          <p:nvPr>
+            <p:ph type="title"/>
+          </p:nvPr>
+        </p:nvSpPr>
+        <p:spPr>
+          <a:xfrm>
+            <a:off x="931334" y="609600"/>
+            <a:ext cx="8094134" cy="3022600"/>
+          </a:xfrm>
+        </p:spPr>
+        <p:txBody>
+          <a:bodyPr anchor="ctr">
+            <a:normAutofit/>
+          </a:bodyPr>
+          <a:lstStyle>
+            <a:lvl1pPr algn="l">
+              <a:defRPr sz="4400" b="0" cap="none"/>
+            </a:lvl1pPr>
+          </a:lstStyle>
+          <a:p>
+            <a:r>
+              <a:rPr lang="da-DK"/>
+              <a:t>Klik for at redigere i master</a:t>
+            </a:r>
+            <a:endParaRPr lang="en-US" dirty="0"/>
+          </a:p>
+        </p:txBody>
+      </p:sp>
+      <p:sp>
+        <p:nvSpPr>
+          <p:cNvPr id="23" name="Text Placeholder 9"/>
+          <p:cNvSpPr>
+            <a:spLocks noGrp="1"/>
+          </p:cNvSpPr>
+          <p:nvPr>
+            <p:ph type="body" sz="quarter" idx="13"/>
+          </p:nvPr>
+        </p:nvSpPr>
+        <p:spPr>
+          <a:xfrm>
+            <a:off x="677332" y="4013200"/>
+            <a:ext cx="8596669" cy="514248"/>
+          </a:xfrm>
+        </p:spPr>
+        <p:txBody>
+          <a:bodyPr anchor="b">
+            <a:noAutofit/>
+          </a:bodyPr>
+          <a:lstStyle>
+            <a:lvl1pPr marL="0" indent="0">
+              <a:buFontTx/>
+              <a:buNone/>
+              <a:defRPr sz="2400">
+                <a:solidFill>
+                  <a:schemeClr val="tx1">
+                    <a:lumMod val="75000"/>
+                    <a:lumOff val="25000"/>
+                  </a:schemeClr>
+                </a:solidFill>
+              </a:defRPr>
+            </a:lvl1pPr>
+            <a:lvl2pPr marL="457200" indent="0">
+              <a:buFontTx/>
+              <a:buNone/>
+              <a:defRPr/>
+            </a:lvl2pPr>
+            <a:lvl3pPr marL="914400" indent="0">
+              <a:buFontTx/>
+              <a:buNone/>
+              <a:defRPr/>
+            </a:lvl3pPr>
+            <a:lvl4pPr marL="1371600" indent="0">
+              <a:buFontTx/>
+              <a:buNone/>
+              <a:defRPr/>
+            </a:lvl4pPr>
+            <a:lvl5pPr marL="1828800" indent="0">
+              <a:buFontTx/>
+              <a:buNone/>
+              <a:defRPr/>
+            </a:lvl5pPr>
+          </a:lstStyle>
+          <a:p>
+            <a:pPr lvl="0"/>
+            <a:r>
+              <a:rPr lang="da-DK"/>
+              <a:t>Rediger typografien i masterens</a:t>
+            </a:r>
+          </a:p>
+        </p:txBody>
+      </p:sp>
+      <p:sp>
+        <p:nvSpPr>
+          <p:cNvPr id="3" name="Text Placeholder 2"/>
+          <p:cNvSpPr>
+            <a:spLocks noGrp="1"/>
+          </p:cNvSpPr>
+          <p:nvPr>
+            <p:ph type="body" idx="1"/>
+          </p:nvPr>
+        </p:nvSpPr>
+        <p:spPr>
+          <a:xfrm>
+            <a:off x="677335" y="4527448"/>
+            <a:ext cx="8596668" cy="1513914"/>
+          </a:xfrm>
+        </p:spPr>
+        <p:txBody>
+          <a:bodyPr anchor="t">
+            <a:normAutofit/>
+          </a:bodyPr>
+          <a:lstStyle>
+            <a:lvl1pPr marL="0" indent="0" algn="l">
+              <a:buNone/>
+              <a:defRPr sz="1800">
+                <a:solidFill>
+                  <a:schemeClr val="tx1">
+                    <a:lumMod val="50000"/>
+                    <a:lumOff val="50000"/>
+                  </a:schemeClr>
+                </a:solidFill>
+              </a:defRPr>
+            </a:lvl1pPr>
+            <a:lvl2pPr marL="457200" indent="0">
+              <a:buNone/>
+              <a:defRPr sz="1800">
+                <a:solidFill>
+                  <a:schemeClr val="tx1">
+                    <a:tint val="75000"/>
+                  </a:schemeClr>
+                </a:solidFill>
+              </a:defRPr>
+            </a:lvl2pPr>
+            <a:lvl3pPr marL="914400" indent="0">
+              <a:buNone/>
+              <a:defRPr sz="1600">
+                <a:solidFill>
+                  <a:schemeClr val="tx1">
+                    <a:tint val="75000"/>
+                  </a:schemeClr>
+                </a:solidFill>
+              </a:defRPr>
+            </a:lvl3pPr>
+            <a:lvl4pPr marL="1371600" indent="0">
+              <a:buNone/>
+              <a:defRPr sz="1400">
+                <a:solidFill>
+                  <a:schemeClr val="tx1">
+                    <a:tint val="75000"/>
+                  </a:schemeClr>
+                </a:solidFill>
+              </a:defRPr>
+            </a:lvl4pPr>
+            <a:lvl5pPr marL="1828800" indent="0">
+              <a:buNone/>
+              <a:defRPr sz="1400">
+                <a:solidFill>
+                  <a:schemeClr val="tx1">
+                    <a:tint val="75000"/>
+                  </a:schemeClr>
+                </a:solidFill>
+              </a:defRPr>
+            </a:lvl5pPr>
+            <a:lvl6pPr marL="2286000" indent="0">
+              <a:buNone/>
+              <a:defRPr sz="1400">
+                <a:solidFill>
+                  <a:schemeClr val="tx1">
+                    <a:tint val="75000"/>
+                  </a:schemeClr>
+                </a:solidFill>
+              </a:defRPr>
+            </a:lvl6pPr>
+            <a:lvl7pPr marL="2743200" indent="0">
+              <a:buNone/>
+              <a:defRPr sz="1400">
+                <a:solidFill>
+                  <a:schemeClr val="tx1">
+                    <a:tint val="75000"/>
+                  </a:schemeClr>
+                </a:solidFill>
+              </a:defRPr>
+            </a:lvl7pPr>
+            <a:lvl8pPr marL="3200400" indent="0">
+              <a:buNone/>
+              <a:defRPr sz="1400">
+                <a:solidFill>
+                  <a:schemeClr val="tx1">
+                    <a:tint val="75000"/>
+                  </a:schemeClr>
+                </a:solidFill>
+              </a:defRPr>
+            </a:lvl8pPr>
+            <a:lvl9pPr marL="3657600" indent="0">
+              <a:buNone/>
+              <a:defRPr sz="1400">
+                <a:solidFill>
+                  <a:schemeClr val="tx1">
+                    <a:tint val="75000"/>
+                  </a:schemeClr>
+                </a:solidFill>
+              </a:defRPr>
+            </a:lvl9pPr>
+          </a:lstStyle>
+          <a:p>
+            <a:pPr lvl="0"/>
+            <a:r>
+              <a:rPr lang="da-DK"/>
+              <a:t>Rediger typografien i masterens</a:t>
+            </a:r>
+          </a:p>
+        </p:txBody>
+      </p:sp>
+      <p:sp>
+        <p:nvSpPr>
+          <p:cNvPr id="4" name="Date Placeholder 3"/>
+          <p:cNvSpPr>
+            <a:spLocks noGrp="1"/>
+          </p:cNvSpPr>
+          <p:nvPr>
+            <p:ph type="dt" sz="half" idx="10"/>
+          </p:nvPr>
+        </p:nvSpPr>
+        <p:spPr/>
+        <p:txBody>
+          <a:bodyPr/>
+          <a:lstStyle/>
+          <a:p>
+            <a:fld id="{89C235CF-BDA2-4E7E-8BBD-350479985E74}" type="datetimeFigureOut">
+              <a:rPr lang="en-US" smtClean="0"/>
+              <a:pPr/>
+              <a:t>1/10/2017</a:t>
+            </a:fld>
+            <a:endParaRPr lang="en-US" dirty="0"/>
+          </a:p>
+        </p:txBody>
+      </p:sp>
+      <p:sp>
+        <p:nvSpPr>
+          <p:cNvPr id="5" name="Footer Placeholder 4"/>
+          <p:cNvSpPr>
+            <a:spLocks noGrp="1"/>
+          </p:cNvSpPr>
+          <p:nvPr>
+            <p:ph type="ftr" sz="quarter" idx="11"/>
+          </p:nvPr>
+        </p:nvSpPr>
+        <p:spPr/>
+        <p:txBody>
+          <a:bodyPr/>
+          <a:lstStyle/>
+          <a:p>
+            <a:endParaRPr lang="en-US" dirty="0"/>
+          </a:p>
+        </p:txBody>
+      </p:sp>
+      <p:sp>
+        <p:nvSpPr>
+          <p:cNvPr id="6" name="Slide Number Placeholder 5"/>
+          <p:cNvSpPr>
+            <a:spLocks noGrp="1"/>
+          </p:cNvSpPr>
+          <p:nvPr>
+            <p:ph type="sldNum" sz="quarter" idx="12"/>
+          </p:nvPr>
+        </p:nvSpPr>
+        <p:spPr/>
+        <p:txBody>
+          <a:bodyPr/>
+          <a:lstStyle/>
+          <a:p>
+            <a:fld id="{4FAB73BC-B049-4115-A692-8D63A059BFB8}" type="slidenum">
+              <a:rPr lang="en-US" smtClean="0"/>
+              <a:pPr/>
+              <a:t>‹nr.›</a:t>
+            </a:fld>
+            <a:endParaRPr lang="en-US" dirty="0"/>
+          </a:p>
+        </p:txBody>
+      </p:sp>
+      <p:sp>
+        <p:nvSpPr>
+          <p:cNvPr id="24" name="TextBox 23"/>
+          <p:cNvSpPr txBox="1"/>
+          <p:nvPr/>
+        </p:nvSpPr>
+        <p:spPr>
+          <a:xfrm>
+            <a:off x="541870" y="790378"/>
+            <a:ext cx="609600" cy="584776"/>
+          </a:xfrm>
+          <a:prstGeom prst="rect">
+            <a:avLst/>
+          </a:prstGeom>
+        </p:spPr>
+        <p:txBody>
+          <a:bodyPr vert="horz" lIns="91440" tIns="45720" rIns="91440" bIns="45720" rtlCol="0" anchor="ctr">
+            <a:noAutofit/>
+          </a:bodyPr>
+          <a:lstStyle/>
+          <a:p>
+            <a:pPr lvl="0"/>
+            <a:r>
+              <a:rPr lang="en-US" sz="8000" baseline="0" dirty="0">
+                <a:ln w="3175" cmpd="sng">
+                  <a:noFill/>
+                </a:ln>
+                <a:solidFill>
+                  <a:schemeClr val="accent1">
+                    <a:lumMod val="60000"/>
+                    <a:lumOff val="40000"/>
+                  </a:schemeClr>
+                </a:solidFill>
+                <a:effectLst/>
+                <a:latin typeface="Arial"/>
+              </a:rPr>
+              <a:t>“</a:t>
+            </a:r>
+          </a:p>
+        </p:txBody>
+      </p:sp>
+      <p:sp>
+        <p:nvSpPr>
+          <p:cNvPr id="25" name="TextBox 24"/>
+          <p:cNvSpPr txBox="1"/>
+          <p:nvPr/>
+        </p:nvSpPr>
+        <p:spPr>
+          <a:xfrm>
+            <a:off x="8893011" y="2886556"/>
+            <a:ext cx="609600" cy="584776"/>
+          </a:xfrm>
+          <a:prstGeom prst="rect">
+            <a:avLst/>
+          </a:prstGeom>
+        </p:spPr>
+        <p:txBody>
+          <a:bodyPr vert="horz" lIns="91440" tIns="45720" rIns="91440" bIns="45720" rtlCol="0" anchor="ctr">
+            <a:noAutofit/>
+          </a:bodyPr>
+          <a:lstStyle/>
+          <a:p>
+            <a:pPr lvl="0"/>
+            <a:r>
+              <a:rPr lang="en-US" sz="8000" baseline="0" dirty="0">
+                <a:ln w="3175" cmpd="sng">
+                  <a:noFill/>
+                </a:ln>
+                <a:solidFill>
+                  <a:schemeClr val="accent1">
+                    <a:lumMod val="60000"/>
+                    <a:lumOff val="40000"/>
+                  </a:schemeClr>
+                </a:solidFill>
+                <a:effectLst/>
+                <a:latin typeface="Arial"/>
+              </a:rPr>
+              <a:t>”</a:t>
+            </a:r>
+          </a:p>
+        </p:txBody>
+      </p:sp>
+    </p:spTree>
+    <p:extLst>
+      <p:ext uri="{BB962C8B-B14F-4D97-AF65-F5344CB8AC3E}">
+        <p14:creationId xmlns:p14="http://schemas.microsoft.com/office/powerpoint/2010/main" val="158245761"/>
+      </p:ext>
+    </p:extLst>
+  </p:cSld>
+  <p:clrMapOvr>
+    <a:masterClrMapping/>
+  </p:clrMapOvr>
+  <p:hf sldNum="0" hdr="0" ftr="0" dt="0"/>
+</p:sldLayout>
+</file>
+
+<file path=ppt/slideLayouts/slideLayout14.xml><?xml version="1.0" encoding="utf-8"?>
+<p:sldLayout xmlns:a="http://schemas.openxmlformats.org/drawingml/2006/main" xmlns:r="http://schemas.openxmlformats.org/officeDocument/2006/relationships" xmlns:p="http://schemas.openxmlformats.org/presentationml/2006/main" preserve="1">
+  <p:cSld name="Sandt eller falsk">
+    <p:spTree>
+      <p:nvGrpSpPr>
+        <p:cNvPr id="1" name=""/>
+        <p:cNvGrpSpPr/>
+        <p:nvPr/>
+      </p:nvGrpSpPr>
+      <p:grpSpPr>
+        <a:xfrm>
+          <a:off x="0" y="0"/>
+          <a:ext cx="0" cy="0"/>
+          <a:chOff x="0" y="0"/>
+          <a:chExt cx="0" cy="0"/>
+        </a:xfrm>
+      </p:grpSpPr>
+      <p:sp>
+        <p:nvSpPr>
+          <p:cNvPr id="2" name="Title 1"/>
+          <p:cNvSpPr>
+            <a:spLocks noGrp="1"/>
+          </p:cNvSpPr>
+          <p:nvPr>
+            <p:ph type="title"/>
+          </p:nvPr>
+        </p:nvSpPr>
+        <p:spPr>
+          <a:xfrm>
+            <a:off x="685799" y="609600"/>
+            <a:ext cx="8588203" cy="3022600"/>
+          </a:xfrm>
+        </p:spPr>
+        <p:txBody>
+          <a:bodyPr anchor="ctr">
+            <a:normAutofit/>
+          </a:bodyPr>
+          <a:lstStyle>
+            <a:lvl1pPr algn="l">
+              <a:defRPr sz="4400" b="0" cap="none"/>
+            </a:lvl1pPr>
+          </a:lstStyle>
+          <a:p>
+            <a:r>
+              <a:rPr lang="da-DK"/>
+              <a:t>Klik for at redigere i master</a:t>
+            </a:r>
+            <a:endParaRPr lang="en-US" dirty="0"/>
+          </a:p>
+        </p:txBody>
+      </p:sp>
+      <p:sp>
+        <p:nvSpPr>
+          <p:cNvPr id="23" name="Text Placeholder 9"/>
+          <p:cNvSpPr>
+            <a:spLocks noGrp="1"/>
+          </p:cNvSpPr>
+          <p:nvPr>
+            <p:ph type="body" sz="quarter" idx="13"/>
+          </p:nvPr>
+        </p:nvSpPr>
+        <p:spPr>
+          <a:xfrm>
+            <a:off x="677332" y="4013200"/>
+            <a:ext cx="8596669" cy="514248"/>
+          </a:xfrm>
+        </p:spPr>
+        <p:txBody>
+          <a:bodyPr anchor="b">
+            <a:noAutofit/>
+          </a:bodyPr>
+          <a:lstStyle>
+            <a:lvl1pPr marL="0" indent="0">
+              <a:buFontTx/>
+              <a:buNone/>
+              <a:defRPr sz="2400">
+                <a:solidFill>
+                  <a:schemeClr val="accent1"/>
+                </a:solidFill>
+              </a:defRPr>
+            </a:lvl1pPr>
+            <a:lvl2pPr marL="457200" indent="0">
+              <a:buFontTx/>
+              <a:buNone/>
+              <a:defRPr/>
+            </a:lvl2pPr>
+            <a:lvl3pPr marL="914400" indent="0">
+              <a:buFontTx/>
+              <a:buNone/>
+              <a:defRPr/>
+            </a:lvl3pPr>
+            <a:lvl4pPr marL="1371600" indent="0">
+              <a:buFontTx/>
+              <a:buNone/>
+              <a:defRPr/>
+            </a:lvl4pPr>
+            <a:lvl5pPr marL="1828800" indent="0">
+              <a:buFontTx/>
+              <a:buNone/>
+              <a:defRPr/>
+            </a:lvl5pPr>
+          </a:lstStyle>
+          <a:p>
+            <a:pPr lvl="0"/>
+            <a:r>
+              <a:rPr lang="da-DK"/>
+              <a:t>Rediger typografien i masterens</a:t>
+            </a:r>
+          </a:p>
+        </p:txBody>
+      </p:sp>
+      <p:sp>
+        <p:nvSpPr>
+          <p:cNvPr id="3" name="Text Placeholder 2"/>
+          <p:cNvSpPr>
+            <a:spLocks noGrp="1"/>
+          </p:cNvSpPr>
+          <p:nvPr>
+            <p:ph type="body" idx="1"/>
+          </p:nvPr>
+        </p:nvSpPr>
+        <p:spPr>
+          <a:xfrm>
+            <a:off x="677335" y="4527448"/>
+            <a:ext cx="8596668" cy="1513914"/>
+          </a:xfrm>
+        </p:spPr>
+        <p:txBody>
+          <a:bodyPr anchor="t">
+            <a:normAutofit/>
+          </a:bodyPr>
+          <a:lstStyle>
+            <a:lvl1pPr marL="0" indent="0" algn="l">
+              <a:buNone/>
+              <a:defRPr sz="1800">
+                <a:solidFill>
+                  <a:schemeClr val="tx1">
+                    <a:lumMod val="50000"/>
+                    <a:lumOff val="50000"/>
+                  </a:schemeClr>
+                </a:solidFill>
+              </a:defRPr>
+            </a:lvl1pPr>
+            <a:lvl2pPr marL="457200" indent="0">
+              <a:buNone/>
+              <a:defRPr sz="1800">
+                <a:solidFill>
+                  <a:schemeClr val="tx1">
+                    <a:tint val="75000"/>
+                  </a:schemeClr>
+                </a:solidFill>
+              </a:defRPr>
+            </a:lvl2pPr>
+            <a:lvl3pPr marL="914400" indent="0">
+              <a:buNone/>
+              <a:defRPr sz="1600">
+                <a:solidFill>
+                  <a:schemeClr val="tx1">
+                    <a:tint val="75000"/>
+                  </a:schemeClr>
+                </a:solidFill>
+              </a:defRPr>
+            </a:lvl3pPr>
+            <a:lvl4pPr marL="1371600" indent="0">
+              <a:buNone/>
+              <a:defRPr sz="1400">
+                <a:solidFill>
+                  <a:schemeClr val="tx1">
+                    <a:tint val="75000"/>
+                  </a:schemeClr>
+                </a:solidFill>
+              </a:defRPr>
+            </a:lvl4pPr>
+            <a:lvl5pPr marL="1828800" indent="0">
+              <a:buNone/>
+              <a:defRPr sz="1400">
+                <a:solidFill>
+                  <a:schemeClr val="tx1">
+                    <a:tint val="75000"/>
+                  </a:schemeClr>
+                </a:solidFill>
+              </a:defRPr>
+            </a:lvl5pPr>
+            <a:lvl6pPr marL="2286000" indent="0">
+              <a:buNone/>
+              <a:defRPr sz="1400">
+                <a:solidFill>
+                  <a:schemeClr val="tx1">
+                    <a:tint val="75000"/>
+                  </a:schemeClr>
+                </a:solidFill>
+              </a:defRPr>
+            </a:lvl6pPr>
+            <a:lvl7pPr marL="2743200" indent="0">
+              <a:buNone/>
+              <a:defRPr sz="1400">
+                <a:solidFill>
+                  <a:schemeClr val="tx1">
+                    <a:tint val="75000"/>
+                  </a:schemeClr>
+                </a:solidFill>
+              </a:defRPr>
+            </a:lvl7pPr>
+            <a:lvl8pPr marL="3200400" indent="0">
+              <a:buNone/>
+              <a:defRPr sz="1400">
+                <a:solidFill>
+                  <a:schemeClr val="tx1">
+                    <a:tint val="75000"/>
+                  </a:schemeClr>
+                </a:solidFill>
+              </a:defRPr>
+            </a:lvl8pPr>
+            <a:lvl9pPr marL="3657600" indent="0">
+              <a:buNone/>
+              <a:defRPr sz="1400">
+                <a:solidFill>
+                  <a:schemeClr val="tx1">
+                    <a:tint val="75000"/>
+                  </a:schemeClr>
+                </a:solidFill>
+              </a:defRPr>
+            </a:lvl9pPr>
+          </a:lstStyle>
+          <a:p>
+            <a:pPr lvl="0"/>
+            <a:r>
+              <a:rPr lang="da-DK"/>
+              <a:t>Rediger typografien i masterens</a:t>
+            </a:r>
+          </a:p>
+        </p:txBody>
+      </p:sp>
+      <p:sp>
+        <p:nvSpPr>
+          <p:cNvPr id="4" name="Date Placeholder 3"/>
+          <p:cNvSpPr>
+            <a:spLocks noGrp="1"/>
+          </p:cNvSpPr>
+          <p:nvPr>
+            <p:ph type="dt" sz="half" idx="10"/>
+          </p:nvPr>
+        </p:nvSpPr>
+        <p:spPr/>
+        <p:txBody>
+          <a:bodyPr/>
+          <a:lstStyle/>
+          <a:p>
+            <a:fld id="{89C235CF-BDA2-4E7E-8BBD-350479985E74}" type="datetimeFigureOut">
+              <a:rPr lang="en-US" smtClean="0"/>
+              <a:pPr/>
+              <a:t>1/10/2017</a:t>
+            </a:fld>
+            <a:endParaRPr lang="en-US" dirty="0"/>
+          </a:p>
+        </p:txBody>
+      </p:sp>
+      <p:sp>
+        <p:nvSpPr>
+          <p:cNvPr id="5" name="Footer Placeholder 4"/>
+          <p:cNvSpPr>
+            <a:spLocks noGrp="1"/>
+          </p:cNvSpPr>
+          <p:nvPr>
+            <p:ph type="ftr" sz="quarter" idx="11"/>
+          </p:nvPr>
+        </p:nvSpPr>
+        <p:spPr/>
+        <p:txBody>
+          <a:bodyPr/>
+          <a:lstStyle/>
+          <a:p>
+            <a:endParaRPr lang="en-US" dirty="0"/>
+          </a:p>
+        </p:txBody>
+      </p:sp>
+      <p:sp>
+        <p:nvSpPr>
+          <p:cNvPr id="6" name="Slide Number Placeholder 5"/>
+          <p:cNvSpPr>
+            <a:spLocks noGrp="1"/>
+          </p:cNvSpPr>
+          <p:nvPr>
+            <p:ph type="sldNum" sz="quarter" idx="12"/>
+          </p:nvPr>
+        </p:nvSpPr>
+        <p:spPr/>
+        <p:txBody>
+          <a:bodyPr/>
+          <a:lstStyle/>
+          <a:p>
+            <a:fld id="{4FAB73BC-B049-4115-A692-8D63A059BFB8}" type="slidenum">
+              <a:rPr lang="en-US" smtClean="0"/>
+              <a:pPr/>
+              <a:t>‹nr.›</a:t>
+            </a:fld>
+            <a:endParaRPr lang="en-US" dirty="0"/>
+          </a:p>
+        </p:txBody>
+      </p:sp>
+    </p:spTree>
+    <p:extLst>
+      <p:ext uri="{BB962C8B-B14F-4D97-AF65-F5344CB8AC3E}">
+        <p14:creationId xmlns:p14="http://schemas.microsoft.com/office/powerpoint/2010/main" val="1736713232"/>
+      </p:ext>
+    </p:extLst>
+  </p:cSld>
+  <p:clrMapOvr>
+    <a:masterClrMapping/>
+  </p:clrMapOvr>
+  <p:hf sldNum="0" hdr="0" ftr="0" dt="0"/>
+</p:sldLayout>
+</file>
+
+<file path=ppt/slideLayouts/slideLayout15.xml><?xml version="1.0" encoding="utf-8"?>
 <p:sldLayout xmlns:a="http://schemas.openxmlformats.org/drawingml/2006/main" xmlns:r="http://schemas.openxmlformats.org/officeDocument/2006/relationships" xmlns:p="http://schemas.openxmlformats.org/presentationml/2006/main" type="vertTx" preserve="1">
   <p:cSld name="Titel og lodret tekst">
     <p:spTree>
@@ -2461,7 +4562,7 @@
         </p:nvSpPr>
         <p:spPr/>
         <p:txBody>
-          <a:bodyPr vert="eaVert" lIns="45720" tIns="0" rIns="45720" bIns="0"/>
+          <a:bodyPr vert="eaVert"/>
           <a:lstStyle/>
           <a:p>
             <a:pPr lvl="0"/>
@@ -2569,7 +4670,7 @@
     </p:spTree>
     <p:extLst>
       <p:ext uri="{BB962C8B-B14F-4D97-AF65-F5344CB8AC3E}">
-        <p14:creationId xmlns:p14="http://schemas.microsoft.com/office/powerpoint/2010/main" val="1169741265"/>
+        <p14:creationId xmlns:p14="http://schemas.microsoft.com/office/powerpoint/2010/main" val="3693716635"/>
       </p:ext>
     </p:extLst>
   </p:cSld>
@@ -2579,8 +4680,8 @@
 </p:sldLayout>
 </file>
 
-<file path=ppt/slideLayouts/slideLayout11.xml><?xml version="1.0" encoding="utf-8"?>
-<p:sldLayout xmlns:a="http://schemas.openxmlformats.org/drawingml/2006/main" xmlns:r="http://schemas.openxmlformats.org/officeDocument/2006/relationships" xmlns:p="http://schemas.openxmlformats.org/presentationml/2006/main" showMasterSp="0" type="vertTitleAndTx" preserve="1">
+<file path=ppt/slideLayouts/slideLayout16.xml><?xml version="1.0" encoding="utf-8"?>
+<p:sldLayout xmlns:a="http://schemas.openxmlformats.org/drawingml/2006/main" xmlns:r="http://schemas.openxmlformats.org/officeDocument/2006/relationships" xmlns:p="http://schemas.openxmlformats.org/presentationml/2006/main" type="vertTitleAndTx" preserve="1">
   <p:cSld name="Lodret titel og tekst">
     <p:spTree>
       <p:nvGrpSpPr>
@@ -2598,126 +4699,50 @@
       </p:grpSpPr>
       <p:sp>
         <p:nvSpPr>
-          <p:cNvPr id="7" name="Rectangle 6"/>
-          <p:cNvSpPr/>
-          <p:nvPr/>
+          <p:cNvPr id="2" name="Vertical Title 1"/>
+          <p:cNvSpPr>
+            <a:spLocks noGrp="1"/>
+          </p:cNvSpPr>
+          <p:nvPr>
+            <p:ph type="title" orient="vert"/>
+          </p:nvPr>
         </p:nvSpPr>
         <p:spPr>
           <a:xfrm>
-            <a:off x="3175" y="6400800"/>
-            <a:ext cx="12188825" cy="457200"/>
+            <a:off x="7967673" y="609599"/>
+            <a:ext cx="1304743" cy="5251451"/>
           </a:xfrm>
-          <a:prstGeom prst="rect">
-            <a:avLst/>
-          </a:prstGeom>
-          <a:solidFill>
-            <a:schemeClr val="accent2"/>
-          </a:solidFill>
-          <a:ln>
-            <a:noFill/>
-          </a:ln>
         </p:spPr>
-        <p:style>
-          <a:lnRef idx="2">
-            <a:schemeClr val="accent1">
-              <a:shade val="50000"/>
-            </a:schemeClr>
-          </a:lnRef>
-          <a:fillRef idx="1">
-            <a:schemeClr val="accent1"/>
-          </a:fillRef>
-          <a:effectRef idx="0">
-            <a:schemeClr val="accent1"/>
-          </a:effectRef>
-          <a:fontRef idx="minor">
-            <a:schemeClr val="lt1"/>
-          </a:fontRef>
-        </p:style>
-      </p:sp>
-      <p:sp>
-        <p:nvSpPr>
-          <p:cNvPr id="8" name="Rectangle 7"/>
-          <p:cNvSpPr/>
-          <p:nvPr/>
+        <p:txBody>
+          <a:bodyPr vert="eaVert" anchor="ctr"/>
+          <a:lstStyle/>
+          <a:p>
+            <a:r>
+              <a:rPr lang="da-DK"/>
+              <a:t>Klik for at redigere i master</a:t>
+            </a:r>
+            <a:endParaRPr lang="en-US" dirty="0"/>
+          </a:p>
+        </p:txBody>
+      </p:sp>
+      <p:sp>
+        <p:nvSpPr>
+          <p:cNvPr id="3" name="Vertical Text Placeholder 2"/>
+          <p:cNvSpPr>
+            <a:spLocks noGrp="1"/>
+          </p:cNvSpPr>
+          <p:nvPr>
+            <p:ph type="body" orient="vert" idx="1"/>
+          </p:nvPr>
         </p:nvSpPr>
         <p:spPr>
           <a:xfrm>
-            <a:off x="15" y="6334316"/>
-            <a:ext cx="12188825" cy="64008"/>
-          </a:xfrm>
-          <a:prstGeom prst="rect">
-            <a:avLst/>
-          </a:prstGeom>
-          <a:solidFill>
-            <a:schemeClr val="accent1"/>
-          </a:solidFill>
-          <a:ln>
-            <a:noFill/>
-          </a:ln>
-        </p:spPr>
-        <p:style>
-          <a:lnRef idx="2">
-            <a:schemeClr val="accent1">
-              <a:shade val="50000"/>
-            </a:schemeClr>
-          </a:lnRef>
-          <a:fillRef idx="1">
-            <a:schemeClr val="accent1"/>
-          </a:fillRef>
-          <a:effectRef idx="0">
-            <a:schemeClr val="accent1"/>
-          </a:effectRef>
-          <a:fontRef idx="minor">
-            <a:schemeClr val="lt1"/>
-          </a:fontRef>
-        </p:style>
-      </p:sp>
-      <p:sp>
-        <p:nvSpPr>
-          <p:cNvPr id="2" name="Vertical Title 1"/>
-          <p:cNvSpPr>
-            <a:spLocks noGrp="1"/>
-          </p:cNvSpPr>
-          <p:nvPr>
-            <p:ph type="title" orient="vert"/>
-          </p:nvPr>
-        </p:nvSpPr>
-        <p:spPr>
-          <a:xfrm>
-            <a:off x="8724900" y="412302"/>
-            <a:ext cx="2628900" cy="5759898"/>
+            <a:off x="677335" y="609600"/>
+            <a:ext cx="7060150" cy="5251450"/>
           </a:xfrm>
         </p:spPr>
         <p:txBody>
           <a:bodyPr vert="eaVert"/>
-          <a:lstStyle/>
-          <a:p>
-            <a:r>
-              <a:rPr lang="da-DK"/>
-              <a:t>Klik for at redigere i master</a:t>
-            </a:r>
-            <a:endParaRPr lang="en-US" dirty="0"/>
-          </a:p>
-        </p:txBody>
-      </p:sp>
-      <p:sp>
-        <p:nvSpPr>
-          <p:cNvPr id="3" name="Vertical Text Placeholder 2"/>
-          <p:cNvSpPr>
-            <a:spLocks noGrp="1"/>
-          </p:cNvSpPr>
-          <p:nvPr>
-            <p:ph type="body" orient="vert" idx="1"/>
-          </p:nvPr>
-        </p:nvSpPr>
-        <p:spPr>
-          <a:xfrm>
-            <a:off x="838200" y="412302"/>
-            <a:ext cx="7734300" cy="5759898"/>
-          </a:xfrm>
-        </p:spPr>
-        <p:txBody>
-          <a:bodyPr vert="eaVert" lIns="45720" tIns="0" rIns="45720" bIns="0"/>
           <a:lstStyle/>
           <a:p>
             <a:pPr lvl="0"/>
@@ -2825,7 +4850,7 @@
     </p:spTree>
     <p:extLst>
       <p:ext uri="{BB962C8B-B14F-4D97-AF65-F5344CB8AC3E}">
-        <p14:creationId xmlns:p14="http://schemas.microsoft.com/office/powerpoint/2010/main" val="240334608"/>
+        <p14:creationId xmlns:p14="http://schemas.microsoft.com/office/powerpoint/2010/main" val="2807362205"/>
       </p:ext>
     </p:extLst>
   </p:cSld>
@@ -2995,7 +5020,7 @@
     </p:spTree>
     <p:extLst>
       <p:ext uri="{BB962C8B-B14F-4D97-AF65-F5344CB8AC3E}">
-        <p14:creationId xmlns:p14="http://schemas.microsoft.com/office/powerpoint/2010/main" val="2802144332"/>
+        <p14:creationId xmlns:p14="http://schemas.microsoft.com/office/powerpoint/2010/main" val="1368446359"/>
       </p:ext>
     </p:extLst>
   </p:cSld>
@@ -3006,16 +5031,8 @@
 </file>
 
 <file path=ppt/slideLayouts/slideLayout3.xml><?xml version="1.0" encoding="utf-8"?>
-<p:sldLayout xmlns:a="http://schemas.openxmlformats.org/drawingml/2006/main" xmlns:r="http://schemas.openxmlformats.org/officeDocument/2006/relationships" xmlns:p="http://schemas.openxmlformats.org/presentationml/2006/main" showMasterSp="0" type="secHead" preserve="1">
+<p:sldLayout xmlns:a="http://schemas.openxmlformats.org/drawingml/2006/main" xmlns:r="http://schemas.openxmlformats.org/officeDocument/2006/relationships" xmlns:p="http://schemas.openxmlformats.org/presentationml/2006/main" type="secHead" preserve="1">
   <p:cSld name="Afsnitsoverskrift">
-    <p:bg>
-      <p:bgPr>
-        <a:solidFill>
-          <a:schemeClr val="bg1"/>
-        </a:solidFill>
-        <a:effectLst/>
-      </p:bgPr>
-    </p:bg>
     <p:spTree>
       <p:nvGrpSpPr>
         <p:cNvPr id="1" name=""/>
@@ -3032,152 +5049,64 @@
       </p:grpSpPr>
       <p:sp>
         <p:nvSpPr>
-          <p:cNvPr id="7" name="Rectangle 6"/>
-          <p:cNvSpPr/>
-          <p:nvPr/>
+          <p:cNvPr id="2" name="Title 1"/>
+          <p:cNvSpPr>
+            <a:spLocks noGrp="1"/>
+          </p:cNvSpPr>
+          <p:nvPr>
+            <p:ph type="title"/>
+          </p:nvPr>
         </p:nvSpPr>
         <p:spPr>
           <a:xfrm>
-            <a:off x="3175" y="6400800"/>
-            <a:ext cx="12188825" cy="457200"/>
+            <a:off x="677335" y="2700867"/>
+            <a:ext cx="8596668" cy="1826581"/>
           </a:xfrm>
-          <a:prstGeom prst="rect">
-            <a:avLst/>
-          </a:prstGeom>
-          <a:solidFill>
-            <a:schemeClr val="accent2"/>
-          </a:solidFill>
-          <a:ln>
-            <a:noFill/>
-          </a:ln>
         </p:spPr>
-        <p:style>
-          <a:lnRef idx="2">
-            <a:schemeClr val="accent1">
-              <a:shade val="50000"/>
-            </a:schemeClr>
-          </a:lnRef>
-          <a:fillRef idx="1">
-            <a:schemeClr val="accent1"/>
-          </a:fillRef>
-          <a:effectRef idx="0">
-            <a:schemeClr val="accent1"/>
-          </a:effectRef>
-          <a:fontRef idx="minor">
-            <a:schemeClr val="lt1"/>
-          </a:fontRef>
-        </p:style>
-      </p:sp>
-      <p:sp>
-        <p:nvSpPr>
-          <p:cNvPr id="8" name="Rectangle 7"/>
-          <p:cNvSpPr/>
-          <p:nvPr/>
+        <p:txBody>
+          <a:bodyPr anchor="b"/>
+          <a:lstStyle>
+            <a:lvl1pPr algn="l">
+              <a:defRPr sz="4000" b="0" cap="none"/>
+            </a:lvl1pPr>
+          </a:lstStyle>
+          <a:p>
+            <a:r>
+              <a:rPr lang="da-DK"/>
+              <a:t>Klik for at redigere i master</a:t>
+            </a:r>
+            <a:endParaRPr lang="en-US" dirty="0"/>
+          </a:p>
+        </p:txBody>
+      </p:sp>
+      <p:sp>
+        <p:nvSpPr>
+          <p:cNvPr id="3" name="Text Placeholder 2"/>
+          <p:cNvSpPr>
+            <a:spLocks noGrp="1"/>
+          </p:cNvSpPr>
+          <p:nvPr>
+            <p:ph type="body" idx="1"/>
+          </p:nvPr>
         </p:nvSpPr>
         <p:spPr>
           <a:xfrm>
-            <a:off x="15" y="6334316"/>
-            <a:ext cx="12188825" cy="64008"/>
-          </a:xfrm>
-          <a:prstGeom prst="rect">
-            <a:avLst/>
-          </a:prstGeom>
-          <a:solidFill>
-            <a:schemeClr val="accent1"/>
-          </a:solidFill>
-          <a:ln>
-            <a:noFill/>
-          </a:ln>
-        </p:spPr>
-        <p:style>
-          <a:lnRef idx="2">
-            <a:schemeClr val="accent1">
-              <a:shade val="50000"/>
-            </a:schemeClr>
-          </a:lnRef>
-          <a:fillRef idx="1">
-            <a:schemeClr val="accent1"/>
-          </a:fillRef>
-          <a:effectRef idx="0">
-            <a:schemeClr val="accent1"/>
-          </a:effectRef>
-          <a:fontRef idx="minor">
-            <a:schemeClr val="lt1"/>
-          </a:fontRef>
-        </p:style>
-      </p:sp>
-      <p:sp>
-        <p:nvSpPr>
-          <p:cNvPr id="2" name="Title 1"/>
-          <p:cNvSpPr>
-            <a:spLocks noGrp="1"/>
-          </p:cNvSpPr>
-          <p:nvPr>
-            <p:ph type="title"/>
-          </p:nvPr>
-        </p:nvSpPr>
-        <p:spPr>
-          <a:xfrm>
-            <a:off x="1097280" y="758952"/>
-            <a:ext cx="10058400" cy="3566160"/>
+            <a:off x="677335" y="4527448"/>
+            <a:ext cx="8596668" cy="860400"/>
           </a:xfrm>
         </p:spPr>
         <p:txBody>
-          <a:bodyPr anchor="b" anchorCtr="0">
-            <a:normAutofit/>
-          </a:bodyPr>
+          <a:bodyPr anchor="t"/>
           <a:lstStyle>
-            <a:lvl1pPr>
-              <a:lnSpc>
-                <a:spcPct val="85000"/>
-              </a:lnSpc>
-              <a:defRPr sz="8000" b="0">
+            <a:lvl1pPr marL="0" indent="0" algn="l">
+              <a:buNone/>
+              <a:defRPr sz="2000">
                 <a:solidFill>
                   <a:schemeClr val="tx1">
-                    <a:lumMod val="85000"/>
-                    <a:lumOff val="15000"/>
+                    <a:lumMod val="50000"/>
+                    <a:lumOff val="50000"/>
                   </a:schemeClr>
                 </a:solidFill>
-              </a:defRPr>
-            </a:lvl1pPr>
-          </a:lstStyle>
-          <a:p>
-            <a:r>
-              <a:rPr lang="da-DK"/>
-              <a:t>Klik for at redigere i master</a:t>
-            </a:r>
-            <a:endParaRPr lang="en-US" dirty="0"/>
-          </a:p>
-        </p:txBody>
-      </p:sp>
-      <p:sp>
-        <p:nvSpPr>
-          <p:cNvPr id="3" name="Text Placeholder 2"/>
-          <p:cNvSpPr>
-            <a:spLocks noGrp="1"/>
-          </p:cNvSpPr>
-          <p:nvPr>
-            <p:ph type="body" idx="1"/>
-          </p:nvPr>
-        </p:nvSpPr>
-        <p:spPr>
-          <a:xfrm>
-            <a:off x="1097280" y="4453128"/>
-            <a:ext cx="10058400" cy="1143000"/>
-          </a:xfrm>
-        </p:spPr>
-        <p:txBody>
-          <a:bodyPr lIns="91440" rIns="91440" anchor="t" anchorCtr="0">
-            <a:normAutofit/>
-          </a:bodyPr>
-          <a:lstStyle>
-            <a:lvl1pPr marL="0" indent="0">
-              <a:buNone/>
-              <a:defRPr sz="2400" cap="all" spc="200" baseline="0">
-                <a:solidFill>
-                  <a:schemeClr val="tx2"/>
-                </a:solidFill>
-                <a:latin typeface="+mj-lt"/>
               </a:defRPr>
             </a:lvl1pPr>
             <a:lvl2pPr marL="457200" indent="0">
@@ -3335,48 +5264,10 @@
           </a:p>
         </p:txBody>
       </p:sp>
-      <p:cxnSp>
-        <p:nvCxnSpPr>
-          <p:cNvPr id="9" name="Straight Connector 8"/>
-          <p:cNvCxnSpPr/>
-          <p:nvPr/>
-        </p:nvCxnSpPr>
-        <p:spPr>
-          <a:xfrm>
-            <a:off x="1207658" y="4343400"/>
-            <a:ext cx="9875520" cy="0"/>
-          </a:xfrm>
-          <a:prstGeom prst="line">
-            <a:avLst/>
-          </a:prstGeom>
-          <a:ln w="6350">
-            <a:solidFill>
-              <a:schemeClr val="tx1">
-                <a:lumMod val="50000"/>
-                <a:lumOff val="50000"/>
-              </a:schemeClr>
-            </a:solidFill>
-          </a:ln>
-        </p:spPr>
-        <p:style>
-          <a:lnRef idx="1">
-            <a:schemeClr val="accent1"/>
-          </a:lnRef>
-          <a:fillRef idx="0">
-            <a:schemeClr val="accent1"/>
-          </a:fillRef>
-          <a:effectRef idx="0">
-            <a:schemeClr val="accent1"/>
-          </a:effectRef>
-          <a:fontRef idx="minor">
-            <a:schemeClr val="tx1"/>
-          </a:fontRef>
-        </p:style>
-      </p:cxnSp>
     </p:spTree>
     <p:extLst>
       <p:ext uri="{BB962C8B-B14F-4D97-AF65-F5344CB8AC3E}">
-        <p14:creationId xmlns:p14="http://schemas.microsoft.com/office/powerpoint/2010/main" val="1729782726"/>
+        <p14:creationId xmlns:p14="http://schemas.microsoft.com/office/powerpoint/2010/main" val="2443186566"/>
       </p:ext>
     </p:extLst>
   </p:cSld>
@@ -3405,27 +5296,79 @@
       </p:grpSpPr>
       <p:sp>
         <p:nvSpPr>
-          <p:cNvPr id="8" name="Title 7"/>
+          <p:cNvPr id="2" name="Title 1"/>
           <p:cNvSpPr>
             <a:spLocks noGrp="1"/>
           </p:cNvSpPr>
           <p:nvPr>
             <p:ph type="title"/>
+          </p:nvPr>
+        </p:nvSpPr>
+        <p:spPr/>
+        <p:txBody>
+          <a:bodyPr/>
+          <a:lstStyle/>
+          <a:p>
+            <a:r>
+              <a:rPr lang="da-DK"/>
+              <a:t>Klik for at redigere i master</a:t>
+            </a:r>
+            <a:endParaRPr lang="en-US" dirty="0"/>
+          </a:p>
+        </p:txBody>
+      </p:sp>
+      <p:sp>
+        <p:nvSpPr>
+          <p:cNvPr id="3" name="Content Placeholder 2"/>
+          <p:cNvSpPr>
+            <a:spLocks noGrp="1"/>
+          </p:cNvSpPr>
+          <p:nvPr>
+            <p:ph sz="half" idx="1"/>
           </p:nvPr>
         </p:nvSpPr>
         <p:spPr>
           <a:xfrm>
-            <a:off x="1097280" y="286603"/>
-            <a:ext cx="10058400" cy="1450757"/>
+            <a:off x="677334" y="2160589"/>
+            <a:ext cx="4184035" cy="3880772"/>
           </a:xfrm>
         </p:spPr>
         <p:txBody>
           <a:bodyPr/>
           <a:lstStyle/>
           <a:p>
+            <a:pPr lvl="0"/>
             <a:r>
               <a:rPr lang="da-DK"/>
-              <a:t>Klik for at redigere i master</a:t>
+              <a:t>Rediger typografien i masterens</a:t>
+            </a:r>
+          </a:p>
+          <a:p>
+            <a:pPr lvl="1"/>
+            <a:r>
+              <a:rPr lang="da-DK"/>
+              <a:t>Andet niveau</a:t>
+            </a:r>
+          </a:p>
+          <a:p>
+            <a:pPr lvl="2"/>
+            <a:r>
+              <a:rPr lang="da-DK"/>
+              <a:t>Tredje niveau</a:t>
+            </a:r>
+          </a:p>
+          <a:p>
+            <a:pPr lvl="3"/>
+            <a:r>
+              <a:rPr lang="da-DK"/>
+              <a:t>Fjerde niveau</a:t>
+            </a:r>
+          </a:p>
+          <a:p>
+            <a:pPr lvl="4"/>
+            <a:r>
+              <a:rPr lang="da-DK"/>
+              <a:t>Femte niveau</a:t>
             </a:r>
             <a:endParaRPr lang="en-US" dirty="0"/>
           </a:p>
@@ -3433,75 +5376,18 @@
       </p:sp>
       <p:sp>
         <p:nvSpPr>
-          <p:cNvPr id="3" name="Content Placeholder 2"/>
-          <p:cNvSpPr>
-            <a:spLocks noGrp="1"/>
-          </p:cNvSpPr>
-          <p:nvPr>
-            <p:ph sz="half" idx="1"/>
+          <p:cNvPr id="4" name="Content Placeholder 3"/>
+          <p:cNvSpPr>
+            <a:spLocks noGrp="1"/>
+          </p:cNvSpPr>
+          <p:nvPr>
+            <p:ph sz="half" idx="2"/>
           </p:nvPr>
         </p:nvSpPr>
         <p:spPr>
           <a:xfrm>
-            <a:off x="1097280" y="1845734"/>
-            <a:ext cx="4937760" cy="4023359"/>
-          </a:xfrm>
-        </p:spPr>
-        <p:txBody>
-          <a:bodyPr/>
-          <a:lstStyle/>
-          <a:p>
-            <a:pPr lvl="0"/>
-            <a:r>
-              <a:rPr lang="da-DK"/>
-              <a:t>Rediger typografien i masterens</a:t>
-            </a:r>
-          </a:p>
-          <a:p>
-            <a:pPr lvl="1"/>
-            <a:r>
-              <a:rPr lang="da-DK"/>
-              <a:t>Andet niveau</a:t>
-            </a:r>
-          </a:p>
-          <a:p>
-            <a:pPr lvl="2"/>
-            <a:r>
-              <a:rPr lang="da-DK"/>
-              <a:t>Tredje niveau</a:t>
-            </a:r>
-          </a:p>
-          <a:p>
-            <a:pPr lvl="3"/>
-            <a:r>
-              <a:rPr lang="da-DK"/>
-              <a:t>Fjerde niveau</a:t>
-            </a:r>
-          </a:p>
-          <a:p>
-            <a:pPr lvl="4"/>
-            <a:r>
-              <a:rPr lang="da-DK"/>
-              <a:t>Femte niveau</a:t>
-            </a:r>
-            <a:endParaRPr lang="en-US" dirty="0"/>
-          </a:p>
-        </p:txBody>
-      </p:sp>
-      <p:sp>
-        <p:nvSpPr>
-          <p:cNvPr id="4" name="Content Placeholder 3"/>
-          <p:cNvSpPr>
-            <a:spLocks noGrp="1"/>
-          </p:cNvSpPr>
-          <p:nvPr>
-            <p:ph sz="half" idx="2"/>
-          </p:nvPr>
-        </p:nvSpPr>
-        <p:spPr>
-          <a:xfrm>
-            <a:off x="6217920" y="1845735"/>
-            <a:ext cx="4937760" cy="4023360"/>
+            <a:off x="5089970" y="2160589"/>
+            <a:ext cx="4184034" cy="3880773"/>
           </a:xfrm>
         </p:spPr>
         <p:txBody>
@@ -3613,7 +5499,7 @@
     </p:spTree>
     <p:extLst>
       <p:ext uri="{BB962C8B-B14F-4D97-AF65-F5344CB8AC3E}">
-        <p14:creationId xmlns:p14="http://schemas.microsoft.com/office/powerpoint/2010/main" val="1046162724"/>
+        <p14:creationId xmlns:p14="http://schemas.microsoft.com/office/powerpoint/2010/main" val="3943755497"/>
       </p:ext>
     </p:extLst>
   </p:cSld>
@@ -3642,60 +5528,55 @@
       </p:grpSpPr>
       <p:sp>
         <p:nvSpPr>
-          <p:cNvPr id="10" name="Title 9"/>
+          <p:cNvPr id="2" name="Title 1"/>
           <p:cNvSpPr>
             <a:spLocks noGrp="1"/>
           </p:cNvSpPr>
           <p:nvPr>
             <p:ph type="title"/>
+          </p:nvPr>
+        </p:nvSpPr>
+        <p:spPr/>
+        <p:txBody>
+          <a:bodyPr/>
+          <a:lstStyle>
+            <a:lvl1pPr>
+              <a:defRPr/>
+            </a:lvl1pPr>
+          </a:lstStyle>
+          <a:p>
+            <a:r>
+              <a:rPr lang="da-DK"/>
+              <a:t>Klik for at redigere i master</a:t>
+            </a:r>
+            <a:endParaRPr lang="en-US" dirty="0"/>
+          </a:p>
+        </p:txBody>
+      </p:sp>
+      <p:sp>
+        <p:nvSpPr>
+          <p:cNvPr id="3" name="Text Placeholder 2"/>
+          <p:cNvSpPr>
+            <a:spLocks noGrp="1"/>
+          </p:cNvSpPr>
+          <p:nvPr>
+            <p:ph type="body" idx="1"/>
           </p:nvPr>
         </p:nvSpPr>
         <p:spPr>
           <a:xfrm>
-            <a:off x="1097280" y="286603"/>
-            <a:ext cx="10058400" cy="1450757"/>
+            <a:off x="675745" y="2160983"/>
+            <a:ext cx="4185623" cy="576262"/>
           </a:xfrm>
         </p:spPr>
         <p:txBody>
-          <a:bodyPr/>
-          <a:lstStyle/>
-          <a:p>
-            <a:r>
-              <a:rPr lang="da-DK"/>
-              <a:t>Klik for at redigere i master</a:t>
-            </a:r>
-            <a:endParaRPr lang="en-US" dirty="0"/>
-          </a:p>
-        </p:txBody>
-      </p:sp>
-      <p:sp>
-        <p:nvSpPr>
-          <p:cNvPr id="3" name="Text Placeholder 2"/>
-          <p:cNvSpPr>
-            <a:spLocks noGrp="1"/>
-          </p:cNvSpPr>
-          <p:nvPr>
-            <p:ph type="body" idx="1"/>
-          </p:nvPr>
-        </p:nvSpPr>
-        <p:spPr>
-          <a:xfrm>
-            <a:off x="1097280" y="1846052"/>
-            <a:ext cx="4937760" cy="736282"/>
-          </a:xfrm>
-        </p:spPr>
-        <p:txBody>
-          <a:bodyPr lIns="91440" rIns="91440" anchor="ctr">
-            <a:normAutofit/>
+          <a:bodyPr anchor="b">
+            <a:noAutofit/>
           </a:bodyPr>
           <a:lstStyle>
             <a:lvl1pPr marL="0" indent="0">
               <a:buNone/>
-              <a:defRPr sz="2000" b="0" cap="all" baseline="0">
-                <a:solidFill>
-                  <a:schemeClr val="tx2"/>
-                </a:solidFill>
-              </a:defRPr>
+              <a:defRPr sz="2400" b="0"/>
             </a:lvl1pPr>
             <a:lvl2pPr marL="457200" indent="0">
               <a:buNone/>
@@ -3751,12 +5632,14 @@
         </p:nvSpPr>
         <p:spPr>
           <a:xfrm>
-            <a:off x="1097280" y="2582335"/>
-            <a:ext cx="4937760" cy="3286760"/>
+            <a:off x="675745" y="2737245"/>
+            <a:ext cx="4185623" cy="3304117"/>
           </a:xfrm>
         </p:spPr>
         <p:txBody>
-          <a:bodyPr/>
+          <a:bodyPr>
+            <a:normAutofit/>
+          </a:bodyPr>
           <a:lstStyle/>
           <a:p>
             <a:pPr lvl="0"/>
@@ -3808,22 +5691,18 @@
         </p:nvSpPr>
         <p:spPr>
           <a:xfrm>
-            <a:off x="6217920" y="1846052"/>
-            <a:ext cx="4937760" cy="736282"/>
+            <a:off x="5088383" y="2160983"/>
+            <a:ext cx="4185618" cy="576262"/>
           </a:xfrm>
         </p:spPr>
         <p:txBody>
-          <a:bodyPr lIns="91440" rIns="91440" anchor="ctr">
-            <a:normAutofit/>
+          <a:bodyPr anchor="b">
+            <a:noAutofit/>
           </a:bodyPr>
           <a:lstStyle>
             <a:lvl1pPr marL="0" indent="0">
               <a:buNone/>
-              <a:defRPr sz="2000" b="0" cap="all" baseline="0">
-                <a:solidFill>
-                  <a:schemeClr val="tx2"/>
-                </a:solidFill>
-              </a:defRPr>
+              <a:defRPr sz="2400" b="0"/>
             </a:lvl1pPr>
             <a:lvl2pPr marL="457200" indent="0">
               <a:buNone/>
@@ -3879,12 +5758,14 @@
         </p:nvSpPr>
         <p:spPr>
           <a:xfrm>
-            <a:off x="6217920" y="2582334"/>
-            <a:ext cx="4937760" cy="3286760"/>
+            <a:off x="5088384" y="2737245"/>
+            <a:ext cx="4185617" cy="3304117"/>
           </a:xfrm>
         </p:spPr>
         <p:txBody>
-          <a:bodyPr/>
+          <a:bodyPr>
+            <a:normAutofit/>
+          </a:bodyPr>
           <a:lstStyle/>
           <a:p>
             <a:pPr lvl="0"/>
@@ -3992,7 +5873,7 @@
     </p:spTree>
     <p:extLst>
       <p:ext uri="{BB962C8B-B14F-4D97-AF65-F5344CB8AC3E}">
-        <p14:creationId xmlns:p14="http://schemas.microsoft.com/office/powerpoint/2010/main" val="3009347047"/>
+        <p14:creationId xmlns:p14="http://schemas.microsoft.com/office/powerpoint/2010/main" val="2186348244"/>
       </p:ext>
     </p:extLst>
   </p:cSld>
@@ -4029,7 +5910,12 @@
             <p:ph type="title"/>
           </p:nvPr>
         </p:nvSpPr>
-        <p:spPr/>
+        <p:spPr>
+          <a:xfrm>
+            <a:off x="677334" y="609600"/>
+            <a:ext cx="8596668" cy="1320800"/>
+          </a:xfrm>
+        </p:spPr>
         <p:txBody>
           <a:bodyPr/>
           <a:lstStyle/>
@@ -4110,7 +5996,7 @@
     </p:spTree>
     <p:extLst>
       <p:ext uri="{BB962C8B-B14F-4D97-AF65-F5344CB8AC3E}">
-        <p14:creationId xmlns:p14="http://schemas.microsoft.com/office/powerpoint/2010/main" val="291147459"/>
+        <p14:creationId xmlns:p14="http://schemas.microsoft.com/office/powerpoint/2010/main" val="3892598762"/>
       </p:ext>
     </p:extLst>
   </p:cSld>
@@ -4121,7 +6007,7 @@
 </file>
 
 <file path=ppt/slideLayouts/slideLayout7.xml><?xml version="1.0" encoding="utf-8"?>
-<p:sldLayout xmlns:a="http://schemas.openxmlformats.org/drawingml/2006/main" xmlns:r="http://schemas.openxmlformats.org/officeDocument/2006/relationships" xmlns:p="http://schemas.openxmlformats.org/presentationml/2006/main" showMasterSp="0" type="blank" preserve="1">
+<p:sldLayout xmlns:a="http://schemas.openxmlformats.org/drawingml/2006/main" xmlns:r="http://schemas.openxmlformats.org/officeDocument/2006/relationships" xmlns:p="http://schemas.openxmlformats.org/presentationml/2006/main" type="blank" preserve="1">
   <p:cSld name="Tom">
     <p:spTree>
       <p:nvGrpSpPr>
@@ -4139,83 +6025,7 @@
       </p:grpSpPr>
       <p:sp>
         <p:nvSpPr>
-          <p:cNvPr id="5" name="Rectangle 4"/>
-          <p:cNvSpPr/>
-          <p:nvPr/>
-        </p:nvSpPr>
-        <p:spPr>
-          <a:xfrm>
-            <a:off x="3175" y="6400800"/>
-            <a:ext cx="12188825" cy="457200"/>
-          </a:xfrm>
-          <a:prstGeom prst="rect">
-            <a:avLst/>
-          </a:prstGeom>
-          <a:solidFill>
-            <a:schemeClr val="accent2"/>
-          </a:solidFill>
-          <a:ln>
-            <a:noFill/>
-          </a:ln>
-        </p:spPr>
-        <p:style>
-          <a:lnRef idx="2">
-            <a:schemeClr val="accent1">
-              <a:shade val="50000"/>
-            </a:schemeClr>
-          </a:lnRef>
-          <a:fillRef idx="1">
-            <a:schemeClr val="accent1"/>
-          </a:fillRef>
-          <a:effectRef idx="0">
-            <a:schemeClr val="accent1"/>
-          </a:effectRef>
-          <a:fontRef idx="minor">
-            <a:schemeClr val="lt1"/>
-          </a:fontRef>
-        </p:style>
-      </p:sp>
-      <p:sp>
-        <p:nvSpPr>
-          <p:cNvPr id="6" name="Rectangle 5"/>
-          <p:cNvSpPr/>
-          <p:nvPr/>
-        </p:nvSpPr>
-        <p:spPr>
-          <a:xfrm>
-            <a:off x="15" y="6334316"/>
-            <a:ext cx="12188825" cy="64008"/>
-          </a:xfrm>
-          <a:prstGeom prst="rect">
-            <a:avLst/>
-          </a:prstGeom>
-          <a:solidFill>
-            <a:schemeClr val="accent1"/>
-          </a:solidFill>
-          <a:ln>
-            <a:noFill/>
-          </a:ln>
-        </p:spPr>
-        <p:style>
-          <a:lnRef idx="2">
-            <a:schemeClr val="accent1">
-              <a:shade val="50000"/>
-            </a:schemeClr>
-          </a:lnRef>
-          <a:fillRef idx="1">
-            <a:schemeClr val="accent1"/>
-          </a:fillRef>
-          <a:effectRef idx="0">
-            <a:schemeClr val="accent1"/>
-          </a:effectRef>
-          <a:fontRef idx="minor">
-            <a:schemeClr val="lt1"/>
-          </a:fontRef>
-        </p:style>
-      </p:sp>
-      <p:sp>
-        <p:nvSpPr>
-          <p:cNvPr id="7" name="Date Placeholder 6"/>
+          <p:cNvPr id="2" name="Date Placeholder 1"/>
           <p:cNvSpPr>
             <a:spLocks noGrp="1"/>
           </p:cNvSpPr>
@@ -4238,7 +6048,7 @@
       </p:sp>
       <p:sp>
         <p:nvSpPr>
-          <p:cNvPr id="8" name="Footer Placeholder 7"/>
+          <p:cNvPr id="3" name="Footer Placeholder 2"/>
           <p:cNvSpPr>
             <a:spLocks noGrp="1"/>
           </p:cNvSpPr>
@@ -4249,15 +6059,7 @@
         <p:spPr/>
         <p:txBody>
           <a:bodyPr/>
-          <a:lstStyle>
-            <a:lvl1pPr>
-              <a:defRPr>
-                <a:solidFill>
-                  <a:srgbClr val="FFFFFF"/>
-                </a:solidFill>
-              </a:defRPr>
-            </a:lvl1pPr>
-          </a:lstStyle>
+          <a:lstStyle/>
           <a:p>
             <a:endParaRPr lang="en-US" dirty="0"/>
           </a:p>
@@ -4265,7 +6067,7 @@
       </p:sp>
       <p:sp>
         <p:nvSpPr>
-          <p:cNvPr id="9" name="Slide Number Placeholder 8"/>
+          <p:cNvPr id="4" name="Slide Number Placeholder 3"/>
           <p:cNvSpPr>
             <a:spLocks noGrp="1"/>
           </p:cNvSpPr>
@@ -4289,7 +6091,7 @@
     </p:spTree>
     <p:extLst>
       <p:ext uri="{BB962C8B-B14F-4D97-AF65-F5344CB8AC3E}">
-        <p14:creationId xmlns:p14="http://schemas.microsoft.com/office/powerpoint/2010/main" val="2980987961"/>
+        <p14:creationId xmlns:p14="http://schemas.microsoft.com/office/powerpoint/2010/main" val="1195542562"/>
       </p:ext>
     </p:extLst>
   </p:cSld>
@@ -4300,7 +6102,7 @@
 </file>
 
 <file path=ppt/slideLayouts/slideLayout8.xml><?xml version="1.0" encoding="utf-8"?>
-<p:sldLayout xmlns:a="http://schemas.openxmlformats.org/drawingml/2006/main" xmlns:r="http://schemas.openxmlformats.org/officeDocument/2006/relationships" xmlns:p="http://schemas.openxmlformats.org/presentationml/2006/main" showMasterSp="0" type="objTx" preserve="1">
+<p:sldLayout xmlns:a="http://schemas.openxmlformats.org/drawingml/2006/main" xmlns:r="http://schemas.openxmlformats.org/officeDocument/2006/relationships" xmlns:p="http://schemas.openxmlformats.org/presentationml/2006/main" type="objTx" preserve="1">
   <p:cSld name="Indhold med billedtekst">
     <p:spTree>
       <p:nvGrpSpPr>
@@ -4318,94 +6120,18 @@
       </p:grpSpPr>
       <p:sp>
         <p:nvSpPr>
-          <p:cNvPr id="8" name="Rectangle 7"/>
-          <p:cNvSpPr/>
-          <p:nvPr/>
+          <p:cNvPr id="2" name="Title 1"/>
+          <p:cNvSpPr>
+            <a:spLocks noGrp="1"/>
+          </p:cNvSpPr>
+          <p:nvPr>
+            <p:ph type="title"/>
+          </p:nvPr>
         </p:nvSpPr>
         <p:spPr>
           <a:xfrm>
-            <a:off x="16" y="0"/>
-            <a:ext cx="4050791" cy="6858000"/>
-          </a:xfrm>
-          <a:prstGeom prst="rect">
-            <a:avLst/>
-          </a:prstGeom>
-          <a:solidFill>
-            <a:schemeClr val="accent2"/>
-          </a:solidFill>
-          <a:ln>
-            <a:noFill/>
-          </a:ln>
-        </p:spPr>
-        <p:style>
-          <a:lnRef idx="2">
-            <a:schemeClr val="accent1">
-              <a:shade val="50000"/>
-            </a:schemeClr>
-          </a:lnRef>
-          <a:fillRef idx="1">
-            <a:schemeClr val="accent1"/>
-          </a:fillRef>
-          <a:effectRef idx="0">
-            <a:schemeClr val="accent1"/>
-          </a:effectRef>
-          <a:fontRef idx="minor">
-            <a:schemeClr val="lt1"/>
-          </a:fontRef>
-        </p:style>
-      </p:sp>
-      <p:sp>
-        <p:nvSpPr>
-          <p:cNvPr id="9" name="Rectangle 8"/>
-          <p:cNvSpPr/>
-          <p:nvPr/>
-        </p:nvSpPr>
-        <p:spPr>
-          <a:xfrm>
-            <a:off x="4040071" y="0"/>
-            <a:ext cx="64008" cy="6858000"/>
-          </a:xfrm>
-          <a:prstGeom prst="rect">
-            <a:avLst/>
-          </a:prstGeom>
-          <a:solidFill>
-            <a:schemeClr val="accent1"/>
-          </a:solidFill>
-          <a:ln>
-            <a:noFill/>
-          </a:ln>
-        </p:spPr>
-        <p:style>
-          <a:lnRef idx="2">
-            <a:schemeClr val="accent1">
-              <a:shade val="50000"/>
-            </a:schemeClr>
-          </a:lnRef>
-          <a:fillRef idx="1">
-            <a:schemeClr val="accent1"/>
-          </a:fillRef>
-          <a:effectRef idx="0">
-            <a:schemeClr val="accent1"/>
-          </a:effectRef>
-          <a:fontRef idx="minor">
-            <a:schemeClr val="lt1"/>
-          </a:fontRef>
-        </p:style>
-      </p:sp>
-      <p:sp>
-        <p:nvSpPr>
-          <p:cNvPr id="2" name="Title 1"/>
-          <p:cNvSpPr>
-            <a:spLocks noGrp="1"/>
-          </p:cNvSpPr>
-          <p:nvPr>
-            <p:ph type="title"/>
-          </p:nvPr>
-        </p:nvSpPr>
-        <p:spPr>
-          <a:xfrm>
-            <a:off x="457200" y="594359"/>
-            <a:ext cx="3200400" cy="2286000"/>
+            <a:off x="677334" y="1498604"/>
+            <a:ext cx="3854528" cy="1278466"/>
           </a:xfrm>
         </p:spPr>
         <p:txBody>
@@ -4414,11 +6140,7 @@
           </a:bodyPr>
           <a:lstStyle>
             <a:lvl1pPr>
-              <a:defRPr sz="3600" b="0">
-                <a:solidFill>
-                  <a:srgbClr val="FFFFFF"/>
-                </a:solidFill>
-              </a:defRPr>
+              <a:defRPr sz="2000"/>
             </a:lvl1pPr>
           </a:lstStyle>
           <a:p>
@@ -4442,12 +6164,14 @@
         </p:nvSpPr>
         <p:spPr>
           <a:xfrm>
-            <a:off x="4800600" y="731520"/>
-            <a:ext cx="6492240" cy="5257800"/>
+            <a:off x="4760461" y="514924"/>
+            <a:ext cx="4513541" cy="5526437"/>
           </a:xfrm>
         </p:spPr>
         <p:txBody>
-          <a:bodyPr/>
+          <a:bodyPr>
+            <a:normAutofit/>
+          </a:bodyPr>
           <a:lstStyle/>
           <a:p>
             <a:pPr lvl="0"/>
@@ -4499,54 +6223,50 @@
         </p:nvSpPr>
         <p:spPr>
           <a:xfrm>
-            <a:off x="457200" y="2926080"/>
-            <a:ext cx="3200400" cy="3379124"/>
+            <a:off x="677334" y="2777069"/>
+            <a:ext cx="3854528" cy="2584449"/>
           </a:xfrm>
         </p:spPr>
         <p:txBody>
-          <a:bodyPr lIns="91440" rIns="91440">
+          <a:bodyPr>
             <a:normAutofit/>
           </a:bodyPr>
           <a:lstStyle>
             <a:lvl1pPr marL="0" indent="0">
               <a:buNone/>
-              <a:defRPr sz="1500">
-                <a:solidFill>
-                  <a:srgbClr val="FFFFFF"/>
-                </a:solidFill>
-              </a:defRPr>
+              <a:defRPr sz="1400"/>
             </a:lvl1pPr>
-            <a:lvl2pPr marL="457200" indent="0">
+            <a:lvl2pPr marL="457063" indent="0">
+              <a:buNone/>
+              <a:defRPr sz="1400"/>
+            </a:lvl2pPr>
+            <a:lvl3pPr marL="914126" indent="0">
               <a:buNone/>
               <a:defRPr sz="1200"/>
-            </a:lvl2pPr>
-            <a:lvl3pPr marL="914400" indent="0">
+            </a:lvl3pPr>
+            <a:lvl4pPr marL="1371189" indent="0">
               <a:buNone/>
               <a:defRPr sz="1000"/>
-            </a:lvl3pPr>
-            <a:lvl4pPr marL="1371600" indent="0">
-              <a:buNone/>
-              <a:defRPr sz="900"/>
             </a:lvl4pPr>
-            <a:lvl5pPr marL="1828800" indent="0">
-              <a:buNone/>
-              <a:defRPr sz="900"/>
+            <a:lvl5pPr marL="1828251" indent="0">
+              <a:buNone/>
+              <a:defRPr sz="1000"/>
             </a:lvl5pPr>
-            <a:lvl6pPr marL="2286000" indent="0">
-              <a:buNone/>
-              <a:defRPr sz="900"/>
+            <a:lvl6pPr marL="2285314" indent="0">
+              <a:buNone/>
+              <a:defRPr sz="1000"/>
             </a:lvl6pPr>
-            <a:lvl7pPr marL="2743200" indent="0">
-              <a:buNone/>
-              <a:defRPr sz="900"/>
+            <a:lvl7pPr marL="2742377" indent="0">
+              <a:buNone/>
+              <a:defRPr sz="1000"/>
             </a:lvl7pPr>
-            <a:lvl8pPr marL="3200400" indent="0">
-              <a:buNone/>
-              <a:defRPr sz="900"/>
+            <a:lvl8pPr marL="3199440" indent="0">
+              <a:buNone/>
+              <a:defRPr sz="1000"/>
             </a:lvl8pPr>
-            <a:lvl9pPr marL="3657600" indent="0">
-              <a:buNone/>
-              <a:defRPr sz="900"/>
+            <a:lvl9pPr marL="3656503" indent="0">
+              <a:buNone/>
+              <a:defRPr sz="1000"/>
             </a:lvl9pPr>
           </a:lstStyle>
           <a:p>
@@ -4568,19 +6288,10 @@
             <p:ph type="dt" sz="half" idx="10"/>
           </p:nvPr>
         </p:nvSpPr>
-        <p:spPr>
-          <a:xfrm>
-            <a:off x="465512" y="6459785"/>
-            <a:ext cx="2618510" cy="365125"/>
-          </a:xfrm>
-        </p:spPr>
-        <p:txBody>
-          <a:bodyPr/>
-          <a:lstStyle>
-            <a:lvl1pPr algn="l">
-              <a:defRPr/>
-            </a:lvl1pPr>
-          </a:lstStyle>
+        <p:spPr/>
+        <p:txBody>
+          <a:bodyPr/>
+          <a:lstStyle/>
           <a:p>
             <a:fld id="{B88C1D73-9400-43CA-A37F-F9B7D00DE14C}" type="datetimeFigureOut">
               <a:rPr lang="en-US" smtClean="0"/>
@@ -4600,23 +6311,10 @@
             <p:ph type="ftr" sz="quarter" idx="11"/>
           </p:nvPr>
         </p:nvSpPr>
-        <p:spPr>
-          <a:xfrm>
-            <a:off x="4800600" y="6459785"/>
-            <a:ext cx="4648200" cy="365125"/>
-          </a:xfrm>
-        </p:spPr>
-        <p:txBody>
-          <a:bodyPr/>
-          <a:lstStyle>
-            <a:lvl1pPr algn="l">
-              <a:defRPr>
-                <a:solidFill>
-                  <a:schemeClr val="tx2"/>
-                </a:solidFill>
-              </a:defRPr>
-            </a:lvl1pPr>
-          </a:lstStyle>
+        <p:spPr/>
+        <p:txBody>
+          <a:bodyPr/>
+          <a:lstStyle/>
           <a:p>
             <a:endParaRPr lang="en-US" dirty="0"/>
           </a:p>
@@ -4635,15 +6333,7 @@
         <p:spPr/>
         <p:txBody>
           <a:bodyPr/>
-          <a:lstStyle>
-            <a:lvl1pPr>
-              <a:defRPr>
-                <a:solidFill>
-                  <a:schemeClr val="tx2"/>
-                </a:solidFill>
-              </a:defRPr>
-            </a:lvl1pPr>
-          </a:lstStyle>
+          <a:lstStyle/>
           <a:p>
             <a:fld id="{4FAB73BC-B049-4115-A692-8D63A059BFB8}" type="slidenum">
               <a:rPr lang="en-US" smtClean="0"/>
@@ -4656,7 +6346,7 @@
     </p:spTree>
     <p:extLst>
       <p:ext uri="{BB962C8B-B14F-4D97-AF65-F5344CB8AC3E}">
-        <p14:creationId xmlns:p14="http://schemas.microsoft.com/office/powerpoint/2010/main" val="2343492180"/>
+        <p14:creationId xmlns:p14="http://schemas.microsoft.com/office/powerpoint/2010/main" val="242677375"/>
       </p:ext>
     </p:extLst>
   </p:cSld>
@@ -4667,7 +6357,7 @@
 </file>
 
 <file path=ppt/slideLayouts/slideLayout9.xml><?xml version="1.0" encoding="utf-8"?>
-<p:sldLayout xmlns:a="http://schemas.openxmlformats.org/drawingml/2006/main" xmlns:r="http://schemas.openxmlformats.org/officeDocument/2006/relationships" xmlns:p="http://schemas.openxmlformats.org/presentationml/2006/main" showMasterSp="0" type="picTx" preserve="1">
+<p:sldLayout xmlns:a="http://schemas.openxmlformats.org/drawingml/2006/main" xmlns:r="http://schemas.openxmlformats.org/officeDocument/2006/relationships" xmlns:p="http://schemas.openxmlformats.org/presentationml/2006/main" type="picTx" preserve="1">
   <p:cSld name="Billede med billedtekst">
     <p:spTree>
       <p:nvGrpSpPr>
@@ -4685,222 +6375,129 @@
       </p:grpSpPr>
       <p:sp>
         <p:nvSpPr>
-          <p:cNvPr id="8" name="Rectangle 7"/>
-          <p:cNvSpPr/>
-          <p:nvPr/>
+          <p:cNvPr id="2" name="Title 1"/>
+          <p:cNvSpPr>
+            <a:spLocks noGrp="1"/>
+          </p:cNvSpPr>
+          <p:nvPr>
+            <p:ph type="title"/>
+          </p:nvPr>
         </p:nvSpPr>
         <p:spPr>
           <a:xfrm>
-            <a:off x="0" y="4953000"/>
-            <a:ext cx="12188825" cy="1905000"/>
+            <a:off x="677334" y="4800600"/>
+            <a:ext cx="8596667" cy="566738"/>
           </a:xfrm>
-          <a:prstGeom prst="rect">
-            <a:avLst/>
-          </a:prstGeom>
-          <a:solidFill>
-            <a:schemeClr val="accent2"/>
-          </a:solidFill>
-          <a:ln>
-            <a:noFill/>
-          </a:ln>
         </p:spPr>
-        <p:style>
-          <a:lnRef idx="2">
-            <a:schemeClr val="accent1">
-              <a:shade val="50000"/>
-            </a:schemeClr>
-          </a:lnRef>
-          <a:fillRef idx="1">
-            <a:schemeClr val="accent1"/>
-          </a:fillRef>
-          <a:effectRef idx="0">
-            <a:schemeClr val="accent1"/>
-          </a:effectRef>
-          <a:fontRef idx="minor">
-            <a:schemeClr val="lt1"/>
-          </a:fontRef>
-        </p:style>
-      </p:sp>
-      <p:sp>
-        <p:nvSpPr>
-          <p:cNvPr id="9" name="Rectangle 8"/>
-          <p:cNvSpPr/>
-          <p:nvPr/>
+        <p:txBody>
+          <a:bodyPr anchor="b">
+            <a:normAutofit/>
+          </a:bodyPr>
+          <a:lstStyle>
+            <a:lvl1pPr algn="l">
+              <a:defRPr sz="2400" b="0"/>
+            </a:lvl1pPr>
+          </a:lstStyle>
+          <a:p>
+            <a:r>
+              <a:rPr lang="da-DK"/>
+              <a:t>Klik for at redigere i master</a:t>
+            </a:r>
+            <a:endParaRPr lang="en-US" dirty="0"/>
+          </a:p>
+        </p:txBody>
+      </p:sp>
+      <p:sp>
+        <p:nvSpPr>
+          <p:cNvPr id="3" name="Picture Placeholder 2"/>
+          <p:cNvSpPr>
+            <a:spLocks noGrp="1" noChangeAspect="1"/>
+          </p:cNvSpPr>
+          <p:nvPr>
+            <p:ph type="pic" idx="1"/>
+          </p:nvPr>
         </p:nvSpPr>
         <p:spPr>
           <a:xfrm>
-            <a:off x="15" y="4915076"/>
-            <a:ext cx="12188825" cy="64008"/>
+            <a:off x="677334" y="609600"/>
+            <a:ext cx="8596668" cy="3845718"/>
           </a:xfrm>
-          <a:prstGeom prst="rect">
-            <a:avLst/>
-          </a:prstGeom>
-          <a:solidFill>
-            <a:schemeClr val="accent1"/>
-          </a:solidFill>
-          <a:ln>
-            <a:noFill/>
-          </a:ln>
         </p:spPr>
-        <p:style>
-          <a:lnRef idx="2">
-            <a:schemeClr val="accent1">
-              <a:shade val="50000"/>
-            </a:schemeClr>
-          </a:lnRef>
-          <a:fillRef idx="1">
-            <a:schemeClr val="accent1"/>
-          </a:fillRef>
-          <a:effectRef idx="0">
-            <a:schemeClr val="accent1"/>
-          </a:effectRef>
-          <a:fontRef idx="minor">
-            <a:schemeClr val="lt1"/>
-          </a:fontRef>
-        </p:style>
-      </p:sp>
-      <p:sp>
-        <p:nvSpPr>
-          <p:cNvPr id="2" name="Title 1"/>
-          <p:cNvSpPr>
-            <a:spLocks noGrp="1"/>
-          </p:cNvSpPr>
-          <p:nvPr>
-            <p:ph type="title"/>
+        <p:txBody>
+          <a:bodyPr anchor="t">
+            <a:normAutofit/>
+          </a:bodyPr>
+          <a:lstStyle>
+            <a:lvl1pPr marL="0" indent="0" algn="ctr">
+              <a:buNone/>
+              <a:defRPr sz="1600"/>
+            </a:lvl1pPr>
+            <a:lvl2pPr marL="457200" indent="0">
+              <a:buNone/>
+              <a:defRPr sz="1600"/>
+            </a:lvl2pPr>
+            <a:lvl3pPr marL="914400" indent="0">
+              <a:buNone/>
+              <a:defRPr sz="1600"/>
+            </a:lvl3pPr>
+            <a:lvl4pPr marL="1371600" indent="0">
+              <a:buNone/>
+              <a:defRPr sz="1600"/>
+            </a:lvl4pPr>
+            <a:lvl5pPr marL="1828800" indent="0">
+              <a:buNone/>
+              <a:defRPr sz="1600"/>
+            </a:lvl5pPr>
+            <a:lvl6pPr marL="2286000" indent="0">
+              <a:buNone/>
+              <a:defRPr sz="1600"/>
+            </a:lvl6pPr>
+            <a:lvl7pPr marL="2743200" indent="0">
+              <a:buNone/>
+              <a:defRPr sz="1600"/>
+            </a:lvl7pPr>
+            <a:lvl8pPr marL="3200400" indent="0">
+              <a:buNone/>
+              <a:defRPr sz="1600"/>
+            </a:lvl8pPr>
+            <a:lvl9pPr marL="3657600" indent="0">
+              <a:buNone/>
+              <a:defRPr sz="1600"/>
+            </a:lvl9pPr>
+          </a:lstStyle>
+          <a:p>
+            <a:r>
+              <a:rPr lang="da-DK"/>
+              <a:t>Klik på ikonet for at tilføje et billede</a:t>
+            </a:r>
+            <a:endParaRPr lang="en-US" dirty="0"/>
+          </a:p>
+        </p:txBody>
+      </p:sp>
+      <p:sp>
+        <p:nvSpPr>
+          <p:cNvPr id="4" name="Text Placeholder 3"/>
+          <p:cNvSpPr>
+            <a:spLocks noGrp="1"/>
+          </p:cNvSpPr>
+          <p:nvPr>
+            <p:ph type="body" sz="half" idx="2"/>
           </p:nvPr>
         </p:nvSpPr>
         <p:spPr>
           <a:xfrm>
-            <a:off x="1097280" y="5074920"/>
-            <a:ext cx="10113645" cy="822960"/>
+            <a:off x="677334" y="5367338"/>
+            <a:ext cx="8596667" cy="674024"/>
           </a:xfrm>
         </p:spPr>
         <p:txBody>
-          <a:bodyPr tIns="0" bIns="0" anchor="b">
-            <a:noAutofit/>
-          </a:bodyPr>
-          <a:lstStyle>
-            <a:lvl1pPr>
-              <a:defRPr sz="3600" b="0">
-                <a:solidFill>
-                  <a:srgbClr val="FFFFFF"/>
-                </a:solidFill>
-              </a:defRPr>
-            </a:lvl1pPr>
-          </a:lstStyle>
-          <a:p>
-            <a:r>
-              <a:rPr lang="da-DK"/>
-              <a:t>Klik for at redigere i master</a:t>
-            </a:r>
-            <a:endParaRPr lang="en-US" dirty="0"/>
-          </a:p>
-        </p:txBody>
-      </p:sp>
-      <p:sp>
-        <p:nvSpPr>
-          <p:cNvPr id="3" name="Picture Placeholder 2"/>
-          <p:cNvSpPr>
-            <a:spLocks noGrp="1" noChangeAspect="1"/>
-          </p:cNvSpPr>
-          <p:nvPr>
-            <p:ph type="pic" idx="1"/>
-          </p:nvPr>
-        </p:nvSpPr>
-        <p:spPr>
-          <a:xfrm>
-            <a:off x="15" y="0"/>
-            <a:ext cx="12191985" cy="4915076"/>
-          </a:xfrm>
-          <a:solidFill>
-            <a:schemeClr val="bg2">
-              <a:lumMod val="90000"/>
-            </a:schemeClr>
-          </a:solidFill>
-        </p:spPr>
-        <p:txBody>
-          <a:bodyPr lIns="457200" tIns="457200" anchor="t"/>
-          <a:lstStyle>
-            <a:lvl1pPr marL="0" indent="0">
-              <a:buNone/>
-              <a:defRPr sz="3200"/>
-            </a:lvl1pPr>
-            <a:lvl2pPr marL="457200" indent="0">
-              <a:buNone/>
-              <a:defRPr sz="2800"/>
-            </a:lvl2pPr>
-            <a:lvl3pPr marL="914400" indent="0">
-              <a:buNone/>
-              <a:defRPr sz="2400"/>
-            </a:lvl3pPr>
-            <a:lvl4pPr marL="1371600" indent="0">
-              <a:buNone/>
-              <a:defRPr sz="2000"/>
-            </a:lvl4pPr>
-            <a:lvl5pPr marL="1828800" indent="0">
-              <a:buNone/>
-              <a:defRPr sz="2000"/>
-            </a:lvl5pPr>
-            <a:lvl6pPr marL="2286000" indent="0">
-              <a:buNone/>
-              <a:defRPr sz="2000"/>
-            </a:lvl6pPr>
-            <a:lvl7pPr marL="2743200" indent="0">
-              <a:buNone/>
-              <a:defRPr sz="2000"/>
-            </a:lvl7pPr>
-            <a:lvl8pPr marL="3200400" indent="0">
-              <a:buNone/>
-              <a:defRPr sz="2000"/>
-            </a:lvl8pPr>
-            <a:lvl9pPr marL="3657600" indent="0">
-              <a:buNone/>
-              <a:defRPr sz="2000"/>
-            </a:lvl9pPr>
-          </a:lstStyle>
-          <a:p>
-            <a:r>
-              <a:rPr lang="da-DK"/>
-              <a:t>Klik på ikonet for at tilføje et billede</a:t>
-            </a:r>
-            <a:endParaRPr lang="en-US" dirty="0"/>
-          </a:p>
-        </p:txBody>
-      </p:sp>
-      <p:sp>
-        <p:nvSpPr>
-          <p:cNvPr id="4" name="Text Placeholder 3"/>
-          <p:cNvSpPr>
-            <a:spLocks noGrp="1"/>
-          </p:cNvSpPr>
-          <p:nvPr>
-            <p:ph type="body" sz="half" idx="2"/>
-          </p:nvPr>
-        </p:nvSpPr>
-        <p:spPr>
-          <a:xfrm>
-            <a:off x="1097280" y="5907024"/>
-            <a:ext cx="10113264" cy="594360"/>
-          </a:xfrm>
-        </p:spPr>
-        <p:txBody>
-          <a:bodyPr lIns="91440" tIns="0" rIns="91440" bIns="0">
+          <a:bodyPr>
             <a:normAutofit/>
           </a:bodyPr>
           <a:lstStyle>
             <a:lvl1pPr marL="0" indent="0">
-              <a:spcBef>
-                <a:spcPts val="0"/>
-              </a:spcBef>
-              <a:spcAft>
-                <a:spcPts val="600"/>
-              </a:spcAft>
-              <a:buNone/>
-              <a:defRPr sz="1500">
-                <a:solidFill>
-                  <a:srgbClr val="FFFFFF"/>
-                </a:solidFill>
-              </a:defRPr>
+              <a:buNone/>
+              <a:defRPr sz="1200"/>
             </a:lvl1pPr>
             <a:lvl2pPr marL="457200" indent="0">
               <a:buNone/>
@@ -4941,6 +6538,48 @@
               <a:rPr lang="da-DK"/>
               <a:t>Rediger typografien i masterens</a:t>
             </a:r>
+          </a:p>
+        </p:txBody>
+      </p:sp>
+      <p:sp>
+        <p:nvSpPr>
+          <p:cNvPr id="6" name="Footer Placeholder 5"/>
+          <p:cNvSpPr>
+            <a:spLocks noGrp="1"/>
+          </p:cNvSpPr>
+          <p:nvPr>
+            <p:ph type="ftr" sz="quarter" idx="11"/>
+          </p:nvPr>
+        </p:nvSpPr>
+        <p:spPr/>
+        <p:txBody>
+          <a:bodyPr/>
+          <a:lstStyle/>
+          <a:p>
+            <a:endParaRPr lang="en-US" dirty="0"/>
+          </a:p>
+        </p:txBody>
+      </p:sp>
+      <p:sp>
+        <p:nvSpPr>
+          <p:cNvPr id="7" name="Slide Number Placeholder 6"/>
+          <p:cNvSpPr>
+            <a:spLocks noGrp="1"/>
+          </p:cNvSpPr>
+          <p:nvPr>
+            <p:ph type="sldNum" sz="quarter" idx="12"/>
+          </p:nvPr>
+        </p:nvSpPr>
+        <p:spPr/>
+        <p:txBody>
+          <a:bodyPr/>
+          <a:lstStyle/>
+          <a:p>
+            <a:fld id="{4FAB73BC-B049-4115-A692-8D63A059BFB8}" type="slidenum">
+              <a:rPr lang="en-US" smtClean="0"/>
+              <a:t>‹nr.›</a:t>
+            </a:fld>
+            <a:endParaRPr lang="en-US" dirty="0"/>
           </a:p>
         </p:txBody>
       </p:sp>
@@ -4967,52 +6606,10 @@
           </a:p>
         </p:txBody>
       </p:sp>
-      <p:sp>
-        <p:nvSpPr>
-          <p:cNvPr id="6" name="Footer Placeholder 5"/>
-          <p:cNvSpPr>
-            <a:spLocks noGrp="1"/>
-          </p:cNvSpPr>
-          <p:nvPr>
-            <p:ph type="ftr" sz="quarter" idx="11"/>
-          </p:nvPr>
-        </p:nvSpPr>
-        <p:spPr/>
-        <p:txBody>
-          <a:bodyPr/>
-          <a:lstStyle/>
-          <a:p>
-            <a:endParaRPr lang="en-US" dirty="0"/>
-          </a:p>
-        </p:txBody>
-      </p:sp>
-      <p:sp>
-        <p:nvSpPr>
-          <p:cNvPr id="7" name="Slide Number Placeholder 6"/>
-          <p:cNvSpPr>
-            <a:spLocks noGrp="1"/>
-          </p:cNvSpPr>
-          <p:nvPr>
-            <p:ph type="sldNum" sz="quarter" idx="12"/>
-          </p:nvPr>
-        </p:nvSpPr>
-        <p:spPr/>
-        <p:txBody>
-          <a:bodyPr/>
-          <a:lstStyle/>
-          <a:p>
-            <a:fld id="{4FAB73BC-B049-4115-A692-8D63A059BFB8}" type="slidenum">
-              <a:rPr lang="en-US" smtClean="0"/>
-              <a:t>‹nr.›</a:t>
-            </a:fld>
-            <a:endParaRPr lang="en-US" dirty="0"/>
-          </a:p>
-        </p:txBody>
-      </p:sp>
     </p:spTree>
     <p:extLst>
       <p:ext uri="{BB962C8B-B14F-4D97-AF65-F5344CB8AC3E}">
-        <p14:creationId xmlns:p14="http://schemas.microsoft.com/office/powerpoint/2010/main" val="1033614599"/>
+        <p14:creationId xmlns:p14="http://schemas.microsoft.com/office/powerpoint/2010/main" val="4237012447"/>
       </p:ext>
     </p:extLst>
   </p:cSld>
@@ -5044,103 +6641,558 @@
           <a:chExt cx="0" cy="0"/>
         </a:xfrm>
       </p:grpSpPr>
-      <p:sp>
-        <p:nvSpPr>
-          <p:cNvPr id="7" name="Rectangle 6"/>
-          <p:cNvSpPr/>
+      <p:grpSp>
+        <p:nvGrpSpPr>
+          <p:cNvPr id="44" name="Group 43"/>
+          <p:cNvGrpSpPr/>
           <p:nvPr/>
+        </p:nvGrpSpPr>
+        <p:grpSpPr>
+          <a:xfrm>
+            <a:off x="0" y="-8467"/>
+            <a:ext cx="12192000" cy="6866467"/>
+            <a:chOff x="0" y="-8467"/>
+            <a:chExt cx="12192000" cy="6866467"/>
+          </a:xfrm>
+        </p:grpSpPr>
+        <p:cxnSp>
+          <p:nvCxnSpPr>
+            <p:cNvPr id="20" name="Straight Connector 19"/>
+            <p:cNvCxnSpPr/>
+            <p:nvPr/>
+          </p:nvCxnSpPr>
+          <p:spPr>
+            <a:xfrm>
+              <a:off x="9371012" y="0"/>
+              <a:ext cx="1219200" cy="6858000"/>
+            </a:xfrm>
+            <a:prstGeom prst="line">
+              <a:avLst/>
+            </a:prstGeom>
+            <a:ln w="9525">
+              <a:solidFill>
+                <a:schemeClr val="accent1">
+                  <a:alpha val="70000"/>
+                </a:schemeClr>
+              </a:solidFill>
+            </a:ln>
+          </p:spPr>
+          <p:style>
+            <a:lnRef idx="2">
+              <a:schemeClr val="accent1"/>
+            </a:lnRef>
+            <a:fillRef idx="0">
+              <a:schemeClr val="accent1"/>
+            </a:fillRef>
+            <a:effectRef idx="1">
+              <a:schemeClr val="accent1"/>
+            </a:effectRef>
+            <a:fontRef idx="minor">
+              <a:schemeClr val="tx1"/>
+            </a:fontRef>
+          </p:style>
+        </p:cxnSp>
+        <p:cxnSp>
+          <p:nvCxnSpPr>
+            <p:cNvPr id="21" name="Straight Connector 20"/>
+            <p:cNvCxnSpPr/>
+            <p:nvPr/>
+          </p:nvCxnSpPr>
+          <p:spPr>
+            <a:xfrm flipH="1">
+              <a:off x="7425267" y="3681413"/>
+              <a:ext cx="4763558" cy="3176587"/>
+            </a:xfrm>
+            <a:prstGeom prst="line">
+              <a:avLst/>
+            </a:prstGeom>
+            <a:ln w="9525">
+              <a:solidFill>
+                <a:schemeClr val="accent1">
+                  <a:alpha val="70000"/>
+                </a:schemeClr>
+              </a:solidFill>
+            </a:ln>
+          </p:spPr>
+          <p:style>
+            <a:lnRef idx="2">
+              <a:schemeClr val="accent1"/>
+            </a:lnRef>
+            <a:fillRef idx="0">
+              <a:schemeClr val="accent1"/>
+            </a:fillRef>
+            <a:effectRef idx="1">
+              <a:schemeClr val="accent1"/>
+            </a:effectRef>
+            <a:fontRef idx="minor">
+              <a:schemeClr val="tx1"/>
+            </a:fontRef>
+          </p:style>
+        </p:cxnSp>
+        <p:sp>
+          <p:nvSpPr>
+            <p:cNvPr id="22" name="Rectangle 23"/>
+            <p:cNvSpPr/>
+            <p:nvPr/>
+          </p:nvSpPr>
+          <p:spPr>
+            <a:xfrm>
+              <a:off x="9181476" y="-8467"/>
+              <a:ext cx="3007349" cy="6866467"/>
+            </a:xfrm>
+            <a:custGeom>
+              <a:avLst/>
+              <a:gdLst/>
+              <a:ahLst/>
+              <a:cxnLst/>
+              <a:rect l="l" t="t" r="r" b="b"/>
+              <a:pathLst>
+                <a:path w="3007349" h="6866467">
+                  <a:moveTo>
+                    <a:pt x="2045532" y="0"/>
+                  </a:moveTo>
+                  <a:lnTo>
+                    <a:pt x="3007349" y="0"/>
+                  </a:lnTo>
+                  <a:lnTo>
+                    <a:pt x="3007349" y="6866467"/>
+                  </a:lnTo>
+                  <a:lnTo>
+                    <a:pt x="0" y="6866467"/>
+                  </a:lnTo>
+                  <a:lnTo>
+                    <a:pt x="2045532" y="0"/>
+                  </a:lnTo>
+                  <a:close/>
+                </a:path>
+              </a:pathLst>
+            </a:custGeom>
+            <a:solidFill>
+              <a:schemeClr val="accent1">
+                <a:alpha val="36000"/>
+              </a:schemeClr>
+            </a:solidFill>
+            <a:ln>
+              <a:noFill/>
+            </a:ln>
+            <a:effectLst/>
+          </p:spPr>
+          <p:style>
+            <a:lnRef idx="1">
+              <a:schemeClr val="accent1"/>
+            </a:lnRef>
+            <a:fillRef idx="3">
+              <a:schemeClr val="accent1"/>
+            </a:fillRef>
+            <a:effectRef idx="2">
+              <a:schemeClr val="accent1"/>
+            </a:effectRef>
+            <a:fontRef idx="minor">
+              <a:schemeClr val="lt1"/>
+            </a:fontRef>
+          </p:style>
+        </p:sp>
+        <p:sp>
+          <p:nvSpPr>
+            <p:cNvPr id="23" name="Rectangle 25"/>
+            <p:cNvSpPr/>
+            <p:nvPr/>
+          </p:nvSpPr>
+          <p:spPr>
+            <a:xfrm>
+              <a:off x="9603442" y="-8467"/>
+              <a:ext cx="2588558" cy="6866467"/>
+            </a:xfrm>
+            <a:custGeom>
+              <a:avLst/>
+              <a:gdLst/>
+              <a:ahLst/>
+              <a:cxnLst/>
+              <a:rect l="l" t="t" r="r" b="b"/>
+              <a:pathLst>
+                <a:path w="2573311" h="6866467">
+                  <a:moveTo>
+                    <a:pt x="0" y="0"/>
+                  </a:moveTo>
+                  <a:lnTo>
+                    <a:pt x="2573311" y="0"/>
+                  </a:lnTo>
+                  <a:lnTo>
+                    <a:pt x="2573311" y="6866467"/>
+                  </a:lnTo>
+                  <a:lnTo>
+                    <a:pt x="1202336" y="6866467"/>
+                  </a:lnTo>
+                  <a:lnTo>
+                    <a:pt x="0" y="0"/>
+                  </a:lnTo>
+                  <a:close/>
+                </a:path>
+              </a:pathLst>
+            </a:custGeom>
+            <a:solidFill>
+              <a:schemeClr val="accent1">
+                <a:alpha val="20000"/>
+              </a:schemeClr>
+            </a:solidFill>
+            <a:ln>
+              <a:noFill/>
+            </a:ln>
+            <a:effectLst/>
+          </p:spPr>
+          <p:style>
+            <a:lnRef idx="1">
+              <a:schemeClr val="accent1"/>
+            </a:lnRef>
+            <a:fillRef idx="3">
+              <a:schemeClr val="accent1"/>
+            </a:fillRef>
+            <a:effectRef idx="2">
+              <a:schemeClr val="accent1"/>
+            </a:effectRef>
+            <a:fontRef idx="minor">
+              <a:schemeClr val="lt1"/>
+            </a:fontRef>
+          </p:style>
+        </p:sp>
+        <p:sp>
+          <p:nvSpPr>
+            <p:cNvPr id="24" name="Isosceles Triangle 23"/>
+            <p:cNvSpPr/>
+            <p:nvPr/>
+          </p:nvSpPr>
+          <p:spPr>
+            <a:xfrm>
+              <a:off x="8932333" y="3048000"/>
+              <a:ext cx="3259667" cy="3810000"/>
+            </a:xfrm>
+            <a:prstGeom prst="triangle">
+              <a:avLst>
+                <a:gd name="adj" fmla="val 100000"/>
+              </a:avLst>
+            </a:prstGeom>
+            <a:solidFill>
+              <a:schemeClr val="accent1">
+                <a:lumMod val="75000"/>
+                <a:alpha val="66000"/>
+              </a:schemeClr>
+            </a:solidFill>
+            <a:ln>
+              <a:noFill/>
+            </a:ln>
+            <a:effectLst/>
+          </p:spPr>
+          <p:style>
+            <a:lnRef idx="1">
+              <a:schemeClr val="accent1"/>
+            </a:lnRef>
+            <a:fillRef idx="3">
+              <a:schemeClr val="accent1"/>
+            </a:fillRef>
+            <a:effectRef idx="2">
+              <a:schemeClr val="accent1"/>
+            </a:effectRef>
+            <a:fontRef idx="minor">
+              <a:schemeClr val="lt1"/>
+            </a:fontRef>
+          </p:style>
+        </p:sp>
+        <p:sp>
+          <p:nvSpPr>
+            <p:cNvPr id="25" name="Rectangle 27"/>
+            <p:cNvSpPr/>
+            <p:nvPr/>
+          </p:nvSpPr>
+          <p:spPr>
+            <a:xfrm>
+              <a:off x="9334500" y="-8467"/>
+              <a:ext cx="2854326" cy="6866467"/>
+            </a:xfrm>
+            <a:custGeom>
+              <a:avLst/>
+              <a:gdLst/>
+              <a:ahLst/>
+              <a:cxnLst/>
+              <a:rect l="l" t="t" r="r" b="b"/>
+              <a:pathLst>
+                <a:path w="2858013" h="6866467">
+                  <a:moveTo>
+                    <a:pt x="0" y="0"/>
+                  </a:moveTo>
+                  <a:lnTo>
+                    <a:pt x="2858013" y="0"/>
+                  </a:lnTo>
+                  <a:lnTo>
+                    <a:pt x="2858013" y="6866467"/>
+                  </a:lnTo>
+                  <a:lnTo>
+                    <a:pt x="2473942" y="6866467"/>
+                  </a:lnTo>
+                  <a:lnTo>
+                    <a:pt x="0" y="0"/>
+                  </a:lnTo>
+                  <a:close/>
+                </a:path>
+              </a:pathLst>
+            </a:custGeom>
+            <a:solidFill>
+              <a:schemeClr val="accent1">
+                <a:lumMod val="75000"/>
+                <a:alpha val="50000"/>
+              </a:schemeClr>
+            </a:solidFill>
+            <a:ln>
+              <a:noFill/>
+            </a:ln>
+            <a:effectLst/>
+          </p:spPr>
+          <p:style>
+            <a:lnRef idx="1">
+              <a:schemeClr val="accent1"/>
+            </a:lnRef>
+            <a:fillRef idx="3">
+              <a:schemeClr val="accent1"/>
+            </a:fillRef>
+            <a:effectRef idx="2">
+              <a:schemeClr val="accent1"/>
+            </a:effectRef>
+            <a:fontRef idx="minor">
+              <a:schemeClr val="lt1"/>
+            </a:fontRef>
+          </p:style>
+        </p:sp>
+        <p:sp>
+          <p:nvSpPr>
+            <p:cNvPr id="26" name="Rectangle 28"/>
+            <p:cNvSpPr/>
+            <p:nvPr/>
+          </p:nvSpPr>
+          <p:spPr>
+            <a:xfrm>
+              <a:off x="10898730" y="-8467"/>
+              <a:ext cx="1290094" cy="6866467"/>
+            </a:xfrm>
+            <a:custGeom>
+              <a:avLst/>
+              <a:gdLst/>
+              <a:ahLst/>
+              <a:cxnLst/>
+              <a:rect l="l" t="t" r="r" b="b"/>
+              <a:pathLst>
+                <a:path w="1290094" h="6858000">
+                  <a:moveTo>
+                    <a:pt x="1019735" y="0"/>
+                  </a:moveTo>
+                  <a:lnTo>
+                    <a:pt x="1290094" y="0"/>
+                  </a:lnTo>
+                  <a:lnTo>
+                    <a:pt x="1290094" y="6858000"/>
+                  </a:lnTo>
+                  <a:lnTo>
+                    <a:pt x="0" y="6858000"/>
+                  </a:lnTo>
+                  <a:lnTo>
+                    <a:pt x="1019735" y="0"/>
+                  </a:lnTo>
+                  <a:close/>
+                </a:path>
+              </a:pathLst>
+            </a:custGeom>
+            <a:solidFill>
+              <a:schemeClr val="accent2">
+                <a:alpha val="70000"/>
+              </a:schemeClr>
+            </a:solidFill>
+            <a:ln>
+              <a:noFill/>
+            </a:ln>
+            <a:effectLst/>
+          </p:spPr>
+          <p:style>
+            <a:lnRef idx="1">
+              <a:schemeClr val="accent1"/>
+            </a:lnRef>
+            <a:fillRef idx="3">
+              <a:schemeClr val="accent1"/>
+            </a:fillRef>
+            <a:effectRef idx="2">
+              <a:schemeClr val="accent1"/>
+            </a:effectRef>
+            <a:fontRef idx="minor">
+              <a:schemeClr val="lt1"/>
+            </a:fontRef>
+          </p:style>
+        </p:sp>
+        <p:sp>
+          <p:nvSpPr>
+            <p:cNvPr id="27" name="Rectangle 29"/>
+            <p:cNvSpPr/>
+            <p:nvPr/>
+          </p:nvSpPr>
+          <p:spPr>
+            <a:xfrm>
+              <a:off x="10938999" y="-8467"/>
+              <a:ext cx="1249825" cy="6866467"/>
+            </a:xfrm>
+            <a:custGeom>
+              <a:avLst/>
+              <a:gdLst/>
+              <a:ahLst/>
+              <a:cxnLst/>
+              <a:rect l="l" t="t" r="r" b="b"/>
+              <a:pathLst>
+                <a:path w="1249825" h="6858000">
+                  <a:moveTo>
+                    <a:pt x="0" y="0"/>
+                  </a:moveTo>
+                  <a:lnTo>
+                    <a:pt x="1249825" y="0"/>
+                  </a:lnTo>
+                  <a:lnTo>
+                    <a:pt x="1249825" y="6858000"/>
+                  </a:lnTo>
+                  <a:lnTo>
+                    <a:pt x="1109382" y="6858000"/>
+                  </a:lnTo>
+                  <a:lnTo>
+                    <a:pt x="0" y="0"/>
+                  </a:lnTo>
+                  <a:close/>
+                </a:path>
+              </a:pathLst>
+            </a:custGeom>
+            <a:solidFill>
+              <a:schemeClr val="accent2">
+                <a:lumMod val="75000"/>
+                <a:alpha val="80000"/>
+              </a:schemeClr>
+            </a:solidFill>
+            <a:ln>
+              <a:noFill/>
+            </a:ln>
+            <a:effectLst/>
+          </p:spPr>
+          <p:style>
+            <a:lnRef idx="1">
+              <a:schemeClr val="accent1"/>
+            </a:lnRef>
+            <a:fillRef idx="3">
+              <a:schemeClr val="accent1"/>
+            </a:fillRef>
+            <a:effectRef idx="2">
+              <a:schemeClr val="accent1"/>
+            </a:effectRef>
+            <a:fontRef idx="minor">
+              <a:schemeClr val="lt1"/>
+            </a:fontRef>
+          </p:style>
+        </p:sp>
+        <p:sp>
+          <p:nvSpPr>
+            <p:cNvPr id="28" name="Isosceles Triangle 27"/>
+            <p:cNvSpPr/>
+            <p:nvPr/>
+          </p:nvSpPr>
+          <p:spPr>
+            <a:xfrm>
+              <a:off x="10371666" y="3589867"/>
+              <a:ext cx="1817159" cy="3268133"/>
+            </a:xfrm>
+            <a:prstGeom prst="triangle">
+              <a:avLst>
+                <a:gd name="adj" fmla="val 100000"/>
+              </a:avLst>
+            </a:prstGeom>
+            <a:solidFill>
+              <a:schemeClr val="accent1">
+                <a:lumMod val="75000"/>
+                <a:alpha val="66000"/>
+              </a:schemeClr>
+            </a:solidFill>
+            <a:ln>
+              <a:noFill/>
+            </a:ln>
+            <a:effectLst/>
+          </p:spPr>
+          <p:style>
+            <a:lnRef idx="1">
+              <a:schemeClr val="accent1"/>
+            </a:lnRef>
+            <a:fillRef idx="3">
+              <a:schemeClr val="accent1"/>
+            </a:fillRef>
+            <a:effectRef idx="2">
+              <a:schemeClr val="accent1"/>
+            </a:effectRef>
+            <a:fontRef idx="minor">
+              <a:schemeClr val="lt1"/>
+            </a:fontRef>
+          </p:style>
+        </p:sp>
+        <p:sp>
+          <p:nvSpPr>
+            <p:cNvPr id="19" name="Isosceles Triangle 18"/>
+            <p:cNvSpPr/>
+            <p:nvPr/>
+          </p:nvSpPr>
+          <p:spPr>
+            <a:xfrm>
+              <a:off x="0" y="4013200"/>
+              <a:ext cx="448733" cy="2844800"/>
+            </a:xfrm>
+            <a:prstGeom prst="triangle">
+              <a:avLst>
+                <a:gd name="adj" fmla="val 0"/>
+              </a:avLst>
+            </a:prstGeom>
+            <a:solidFill>
+              <a:schemeClr val="accent1">
+                <a:alpha val="70000"/>
+              </a:schemeClr>
+            </a:solidFill>
+            <a:ln>
+              <a:noFill/>
+            </a:ln>
+            <a:effectLst/>
+          </p:spPr>
+          <p:style>
+            <a:lnRef idx="1">
+              <a:schemeClr val="accent1"/>
+            </a:lnRef>
+            <a:fillRef idx="3">
+              <a:schemeClr val="accent1"/>
+            </a:fillRef>
+            <a:effectRef idx="2">
+              <a:schemeClr val="accent1"/>
+            </a:effectRef>
+            <a:fontRef idx="minor">
+              <a:schemeClr val="lt1"/>
+            </a:fontRef>
+          </p:style>
+        </p:sp>
+      </p:grpSp>
+      <p:sp>
+        <p:nvSpPr>
+          <p:cNvPr id="2" name="Title Placeholder 1"/>
+          <p:cNvSpPr>
+            <a:spLocks noGrp="1"/>
+          </p:cNvSpPr>
+          <p:nvPr>
+            <p:ph type="title"/>
+          </p:nvPr>
         </p:nvSpPr>
         <p:spPr>
           <a:xfrm>
-            <a:off x="3175" y="6400800"/>
-            <a:ext cx="12188825" cy="457200"/>
-          </a:xfrm>
-          <a:prstGeom prst="rect">
-            <a:avLst/>
-          </a:prstGeom>
-          <a:solidFill>
-            <a:schemeClr val="accent2"/>
-          </a:solidFill>
-          <a:ln>
-            <a:noFill/>
-          </a:ln>
-        </p:spPr>
-        <p:style>
-          <a:lnRef idx="2">
-            <a:schemeClr val="accent1">
-              <a:shade val="50000"/>
-            </a:schemeClr>
-          </a:lnRef>
-          <a:fillRef idx="1">
-            <a:schemeClr val="accent1"/>
-          </a:fillRef>
-          <a:effectRef idx="0">
-            <a:schemeClr val="accent1"/>
-          </a:effectRef>
-          <a:fontRef idx="minor">
-            <a:schemeClr val="lt1"/>
-          </a:fontRef>
-        </p:style>
-      </p:sp>
-      <p:sp>
-        <p:nvSpPr>
-          <p:cNvPr id="9" name="Rectangle 8"/>
-          <p:cNvSpPr/>
-          <p:nvPr/>
-        </p:nvSpPr>
-        <p:spPr>
-          <a:xfrm>
-            <a:off x="15" y="6334316"/>
-            <a:ext cx="12188825" cy="64008"/>
-          </a:xfrm>
-          <a:prstGeom prst="rect">
-            <a:avLst/>
-          </a:prstGeom>
-          <a:solidFill>
-            <a:schemeClr val="accent1"/>
-          </a:solidFill>
-          <a:ln>
-            <a:noFill/>
-          </a:ln>
-        </p:spPr>
-        <p:style>
-          <a:lnRef idx="2">
-            <a:schemeClr val="accent1">
-              <a:shade val="50000"/>
-            </a:schemeClr>
-          </a:lnRef>
-          <a:fillRef idx="1">
-            <a:schemeClr val="accent1"/>
-          </a:fillRef>
-          <a:effectRef idx="0">
-            <a:schemeClr val="accent1"/>
-          </a:effectRef>
-          <a:fontRef idx="minor">
-            <a:schemeClr val="lt1"/>
-          </a:fontRef>
-        </p:style>
-      </p:sp>
-      <p:sp>
-        <p:nvSpPr>
-          <p:cNvPr id="2" name="Title Placeholder 1"/>
-          <p:cNvSpPr>
-            <a:spLocks noGrp="1"/>
-          </p:cNvSpPr>
-          <p:nvPr>
-            <p:ph type="title"/>
-          </p:nvPr>
-        </p:nvSpPr>
-        <p:spPr>
-          <a:xfrm>
-            <a:off x="1097280" y="286603"/>
-            <a:ext cx="10058400" cy="1450757"/>
+            <a:off x="677334" y="609600"/>
+            <a:ext cx="8596668" cy="1320800"/>
           </a:xfrm>
           <a:prstGeom prst="rect">
             <a:avLst/>
           </a:prstGeom>
         </p:spPr>
         <p:txBody>
-          <a:bodyPr vert="horz" lIns="91440" tIns="45720" rIns="91440" bIns="45720" rtlCol="0" anchor="b">
+          <a:bodyPr vert="horz" lIns="91440" tIns="45720" rIns="91440" bIns="45720" rtlCol="0" anchor="t">
             <a:normAutofit/>
           </a:bodyPr>
           <a:lstStyle/>
@@ -5165,15 +7217,15 @@
         </p:nvSpPr>
         <p:spPr>
           <a:xfrm>
-            <a:off x="1097280" y="1845734"/>
-            <a:ext cx="10058400" cy="4023360"/>
+            <a:off x="677334" y="2160589"/>
+            <a:ext cx="8596668" cy="3880773"/>
           </a:xfrm>
           <a:prstGeom prst="rect">
             <a:avLst/>
           </a:prstGeom>
         </p:spPr>
         <p:txBody>
-          <a:bodyPr vert="horz" lIns="0" tIns="45720" rIns="0" bIns="45720" rtlCol="0">
+          <a:bodyPr vert="horz" lIns="91440" tIns="45720" rIns="91440" bIns="45720" rtlCol="0">
             <a:normAutofit/>
           </a:bodyPr>
           <a:lstStyle/>
@@ -5227,8 +7279,8 @@
         </p:nvSpPr>
         <p:spPr>
           <a:xfrm>
-            <a:off x="1097280" y="6459785"/>
-            <a:ext cx="2472271" cy="365125"/>
+            <a:off x="7205133" y="6041362"/>
+            <a:ext cx="911939" cy="365125"/>
           </a:xfrm>
           <a:prstGeom prst="rect">
             <a:avLst/>
@@ -5237,10 +7289,12 @@
         <p:txBody>
           <a:bodyPr vert="horz" lIns="91440" tIns="45720" rIns="91440" bIns="45720" rtlCol="0" anchor="ctr"/>
           <a:lstStyle>
-            <a:lvl1pPr algn="l">
+            <a:lvl1pPr algn="r">
               <a:defRPr sz="900">
                 <a:solidFill>
-                  <a:srgbClr val="FFFFFF"/>
+                  <a:schemeClr val="tx1">
+                    <a:tint val="75000"/>
+                  </a:schemeClr>
                 </a:solidFill>
               </a:defRPr>
             </a:lvl1pPr>
@@ -5267,8 +7321,8 @@
         </p:nvSpPr>
         <p:spPr>
           <a:xfrm>
-            <a:off x="3686185" y="6459785"/>
-            <a:ext cx="4822804" cy="365125"/>
+            <a:off x="677334" y="6041362"/>
+            <a:ext cx="6297612" cy="365125"/>
           </a:xfrm>
           <a:prstGeom prst="rect">
             <a:avLst/>
@@ -5277,10 +7331,12 @@
         <p:txBody>
           <a:bodyPr vert="horz" lIns="91440" tIns="45720" rIns="91440" bIns="45720" rtlCol="0" anchor="ctr"/>
           <a:lstStyle>
-            <a:lvl1pPr algn="ctr">
-              <a:defRPr sz="900" cap="all" baseline="0">
+            <a:lvl1pPr algn="l">
+              <a:defRPr sz="900">
                 <a:solidFill>
-                  <a:srgbClr val="FFFFFF"/>
+                  <a:schemeClr val="tx1">
+                    <a:tint val="75000"/>
+                  </a:schemeClr>
                 </a:solidFill>
               </a:defRPr>
             </a:lvl1pPr>
@@ -5302,8 +7358,8 @@
         </p:nvSpPr>
         <p:spPr>
           <a:xfrm>
-            <a:off x="9900458" y="6459785"/>
-            <a:ext cx="1312025" cy="365125"/>
+            <a:off x="8590663" y="6041362"/>
+            <a:ext cx="683339" cy="365125"/>
           </a:xfrm>
           <a:prstGeom prst="rect">
             <a:avLst/>
@@ -5313,9 +7369,9 @@
           <a:bodyPr vert="horz" lIns="91440" tIns="45720" rIns="91440" bIns="45720" rtlCol="0" anchor="ctr"/>
           <a:lstStyle>
             <a:lvl1pPr algn="r">
-              <a:defRPr sz="1050">
+              <a:defRPr sz="900">
                 <a:solidFill>
-                  <a:srgbClr val="FFFFFF"/>
+                  <a:schemeClr val="accent1"/>
                 </a:solidFill>
               </a:defRPr>
             </a:lvl1pPr>
@@ -5330,107 +7386,121 @@
           </a:p>
         </p:txBody>
       </p:sp>
-      <p:cxnSp>
-        <p:nvCxnSpPr>
-          <p:cNvPr id="10" name="Straight Connector 9"/>
-          <p:cNvCxnSpPr/>
-          <p:nvPr/>
-        </p:nvCxnSpPr>
-        <p:spPr>
-          <a:xfrm>
-            <a:off x="1193532" y="1737845"/>
-            <a:ext cx="9966960" cy="0"/>
-          </a:xfrm>
-          <a:prstGeom prst="line">
-            <a:avLst/>
-          </a:prstGeom>
-          <a:ln w="6350">
-            <a:solidFill>
-              <a:schemeClr val="tx1">
-                <a:lumMod val="50000"/>
-                <a:lumOff val="50000"/>
-              </a:schemeClr>
-            </a:solidFill>
-          </a:ln>
-        </p:spPr>
-        <p:style>
-          <a:lnRef idx="1">
-            <a:schemeClr val="accent1"/>
-          </a:lnRef>
-          <a:fillRef idx="0">
-            <a:schemeClr val="accent1"/>
-          </a:fillRef>
-          <a:effectRef idx="0">
-            <a:schemeClr val="accent1"/>
-          </a:effectRef>
-          <a:fontRef idx="minor">
-            <a:schemeClr val="tx1"/>
-          </a:fontRef>
-        </p:style>
-      </p:cxnSp>
     </p:spTree>
     <p:extLst>
       <p:ext uri="{BB962C8B-B14F-4D97-AF65-F5344CB8AC3E}">
-        <p14:creationId xmlns:p14="http://schemas.microsoft.com/office/powerpoint/2010/main" val="1166207043"/>
+        <p14:creationId xmlns:p14="http://schemas.microsoft.com/office/powerpoint/2010/main" val="953583670"/>
       </p:ext>
     </p:extLst>
   </p:cSld>
   <p:clrMap bg1="lt1" tx1="dk1" bg2="lt2" tx2="dk2" accent1="accent1" accent2="accent2" accent3="accent3" accent4="accent4" accent5="accent5" accent6="accent6" hlink="hlink" folHlink="folHlink"/>
   <p:sldLayoutIdLst>
-    <p:sldLayoutId id="2147483973" r:id="rId1"/>
-    <p:sldLayoutId id="2147483974" r:id="rId2"/>
-    <p:sldLayoutId id="2147483975" r:id="rId3"/>
-    <p:sldLayoutId id="2147483976" r:id="rId4"/>
-    <p:sldLayoutId id="2147483977" r:id="rId5"/>
-    <p:sldLayoutId id="2147483978" r:id="rId6"/>
-    <p:sldLayoutId id="2147483979" r:id="rId7"/>
-    <p:sldLayoutId id="2147483980" r:id="rId8"/>
-    <p:sldLayoutId id="2147483981" r:id="rId9"/>
-    <p:sldLayoutId id="2147483982" r:id="rId10"/>
-    <p:sldLayoutId id="2147483983" r:id="rId11"/>
+    <p:sldLayoutId id="2147484002" r:id="rId1"/>
+    <p:sldLayoutId id="2147484003" r:id="rId2"/>
+    <p:sldLayoutId id="2147484004" r:id="rId3"/>
+    <p:sldLayoutId id="2147484005" r:id="rId4"/>
+    <p:sldLayoutId id="2147484006" r:id="rId5"/>
+    <p:sldLayoutId id="2147484007" r:id="rId6"/>
+    <p:sldLayoutId id="2147484008" r:id="rId7"/>
+    <p:sldLayoutId id="2147484009" r:id="rId8"/>
+    <p:sldLayoutId id="2147484010" r:id="rId9"/>
+    <p:sldLayoutId id="2147484011" r:id="rId10"/>
+    <p:sldLayoutId id="2147484012" r:id="rId11"/>
+    <p:sldLayoutId id="2147484013" r:id="rId12"/>
+    <p:sldLayoutId id="2147484014" r:id="rId13"/>
+    <p:sldLayoutId id="2147484015" r:id="rId14"/>
+    <p:sldLayoutId id="2147484016" r:id="rId15"/>
+    <p:sldLayoutId id="2147484017" r:id="rId16"/>
   </p:sldLayoutIdLst>
   <p:hf sldNum="0" hdr="0" ftr="0" dt="0"/>
   <p:txStyles>
     <p:titleStyle>
-      <a:lvl1pPr algn="l" defTabSz="914400" rtl="0" eaLnBrk="1" latinLnBrk="0" hangingPunct="1">
-        <a:lnSpc>
-          <a:spcPct val="85000"/>
-        </a:lnSpc>
+      <a:lvl1pPr algn="l" defTabSz="457200" rtl="0" eaLnBrk="1" latinLnBrk="0" hangingPunct="1">
         <a:spcBef>
           <a:spcPct val="0"/>
         </a:spcBef>
         <a:buNone/>
-        <a:defRPr sz="4800" kern="1200" spc="-50" baseline="0">
+        <a:defRPr sz="3600" kern="1200">
           <a:solidFill>
-            <a:schemeClr val="tx1">
-              <a:lumMod val="75000"/>
-              <a:lumOff val="25000"/>
-            </a:schemeClr>
+            <a:schemeClr val="accent1"/>
           </a:solidFill>
           <a:latin typeface="+mj-lt"/>
           <a:ea typeface="+mj-ea"/>
           <a:cs typeface="+mj-cs"/>
         </a:defRPr>
       </a:lvl1pPr>
+      <a:lvl2pPr eaLnBrk="1" hangingPunct="1">
+        <a:defRPr>
+          <a:solidFill>
+            <a:schemeClr val="tx2"/>
+          </a:solidFill>
+        </a:defRPr>
+      </a:lvl2pPr>
+      <a:lvl3pPr eaLnBrk="1" hangingPunct="1">
+        <a:defRPr>
+          <a:solidFill>
+            <a:schemeClr val="tx2"/>
+          </a:solidFill>
+        </a:defRPr>
+      </a:lvl3pPr>
+      <a:lvl4pPr eaLnBrk="1" hangingPunct="1">
+        <a:defRPr>
+          <a:solidFill>
+            <a:schemeClr val="tx2"/>
+          </a:solidFill>
+        </a:defRPr>
+      </a:lvl4pPr>
+      <a:lvl5pPr eaLnBrk="1" hangingPunct="1">
+        <a:defRPr>
+          <a:solidFill>
+            <a:schemeClr val="tx2"/>
+          </a:solidFill>
+        </a:defRPr>
+      </a:lvl5pPr>
+      <a:lvl6pPr eaLnBrk="1" hangingPunct="1">
+        <a:defRPr>
+          <a:solidFill>
+            <a:schemeClr val="tx2"/>
+          </a:solidFill>
+        </a:defRPr>
+      </a:lvl6pPr>
+      <a:lvl7pPr eaLnBrk="1" hangingPunct="1">
+        <a:defRPr>
+          <a:solidFill>
+            <a:schemeClr val="tx2"/>
+          </a:solidFill>
+        </a:defRPr>
+      </a:lvl7pPr>
+      <a:lvl8pPr eaLnBrk="1" hangingPunct="1">
+        <a:defRPr>
+          <a:solidFill>
+            <a:schemeClr val="tx2"/>
+          </a:solidFill>
+        </a:defRPr>
+      </a:lvl8pPr>
+      <a:lvl9pPr eaLnBrk="1" hangingPunct="1">
+        <a:defRPr>
+          <a:solidFill>
+            <a:schemeClr val="tx2"/>
+          </a:solidFill>
+        </a:defRPr>
+      </a:lvl9pPr>
     </p:titleStyle>
     <p:bodyStyle>
-      <a:lvl1pPr marL="91440" indent="-91440" algn="l" defTabSz="914400" rtl="0" eaLnBrk="1" latinLnBrk="0" hangingPunct="1">
-        <a:lnSpc>
-          <a:spcPct val="90000"/>
-        </a:lnSpc>
+      <a:lvl1pPr marL="342900" indent="-342900" algn="l" defTabSz="457200" rtl="0" eaLnBrk="1" latinLnBrk="0" hangingPunct="1">
         <a:spcBef>
-          <a:spcPts val="1200"/>
+          <a:spcPts val="1000"/>
         </a:spcBef>
         <a:spcAft>
-          <a:spcPts val="200"/>
+          <a:spcPts val="0"/>
         </a:spcAft>
         <a:buClr>
           <a:schemeClr val="accent1"/>
         </a:buClr>
-        <a:buSzPct val="100000"/>
-        <a:buFont typeface="Calibri" panose="020F0502020204030204" pitchFamily="34" charset="0"/>
-        <a:buChar char=" "/>
-        <a:defRPr sz="2000" kern="1200">
+        <a:buSzPct val="80000"/>
+        <a:buFont typeface="Wingdings 3" charset="2"/>
+        <a:buChar char=""/>
+        <a:defRPr sz="1800" kern="1200">
           <a:solidFill>
             <a:schemeClr val="tx1">
               <a:lumMod val="75000"/>
@@ -5442,22 +7512,20 @@
           <a:cs typeface="+mn-cs"/>
         </a:defRPr>
       </a:lvl1pPr>
-      <a:lvl2pPr marL="384048" indent="-182880" algn="l" defTabSz="914400" rtl="0" eaLnBrk="1" latinLnBrk="0" hangingPunct="1">
-        <a:lnSpc>
-          <a:spcPct val="90000"/>
-        </a:lnSpc>
+      <a:lvl2pPr marL="742950" indent="-285750" algn="l" defTabSz="457200" rtl="0" eaLnBrk="1" latinLnBrk="0" hangingPunct="1">
         <a:spcBef>
-          <a:spcPts val="200"/>
+          <a:spcPts val="1000"/>
         </a:spcBef>
         <a:spcAft>
-          <a:spcPts val="400"/>
+          <a:spcPts val="0"/>
         </a:spcAft>
         <a:buClr>
           <a:schemeClr val="accent1"/>
         </a:buClr>
-        <a:buFont typeface="Calibri" pitchFamily="34" charset="0"/>
-        <a:buChar char="◦"/>
-        <a:defRPr sz="1800" kern="1200">
+        <a:buSzPct val="80000"/>
+        <a:buFont typeface="Wingdings 3" charset="2"/>
+        <a:buChar char=""/>
+        <a:defRPr sz="1600" kern="1200">
           <a:solidFill>
             <a:schemeClr val="tx1">
               <a:lumMod val="75000"/>
@@ -5469,21 +7537,19 @@
           <a:cs typeface="+mn-cs"/>
         </a:defRPr>
       </a:lvl2pPr>
-      <a:lvl3pPr marL="566928" indent="-182880" algn="l" defTabSz="914400" rtl="0" eaLnBrk="1" latinLnBrk="0" hangingPunct="1">
-        <a:lnSpc>
-          <a:spcPct val="90000"/>
-        </a:lnSpc>
+      <a:lvl3pPr marL="1143000" indent="-228600" algn="l" defTabSz="457200" rtl="0" eaLnBrk="1" latinLnBrk="0" hangingPunct="1">
         <a:spcBef>
-          <a:spcPts val="200"/>
+          <a:spcPts val="1000"/>
         </a:spcBef>
         <a:spcAft>
-          <a:spcPts val="400"/>
+          <a:spcPts val="0"/>
         </a:spcAft>
         <a:buClr>
           <a:schemeClr val="accent1"/>
         </a:buClr>
-        <a:buFont typeface="Calibri" pitchFamily="34" charset="0"/>
-        <a:buChar char="◦"/>
+        <a:buSzPct val="80000"/>
+        <a:buFont typeface="Wingdings 3" charset="2"/>
+        <a:buChar char=""/>
         <a:defRPr sz="1400" kern="1200">
           <a:solidFill>
             <a:schemeClr val="tx1">
@@ -5496,22 +7562,20 @@
           <a:cs typeface="+mn-cs"/>
         </a:defRPr>
       </a:lvl3pPr>
-      <a:lvl4pPr marL="749808" indent="-182880" algn="l" defTabSz="914400" rtl="0" eaLnBrk="1" latinLnBrk="0" hangingPunct="1">
-        <a:lnSpc>
-          <a:spcPct val="90000"/>
-        </a:lnSpc>
+      <a:lvl4pPr marL="1600200" indent="-228600" algn="l" defTabSz="457200" rtl="0" eaLnBrk="1" latinLnBrk="0" hangingPunct="1">
         <a:spcBef>
-          <a:spcPts val="200"/>
+          <a:spcPts val="1000"/>
         </a:spcBef>
         <a:spcAft>
-          <a:spcPts val="400"/>
+          <a:spcPts val="0"/>
         </a:spcAft>
         <a:buClr>
           <a:schemeClr val="accent1"/>
         </a:buClr>
-        <a:buFont typeface="Calibri" pitchFamily="34" charset="0"/>
-        <a:buChar char="◦"/>
-        <a:defRPr sz="1400" kern="1200">
+        <a:buSzPct val="80000"/>
+        <a:buFont typeface="Wingdings 3" charset="2"/>
+        <a:buChar char=""/>
+        <a:defRPr sz="1200" kern="1200">
           <a:solidFill>
             <a:schemeClr val="tx1">
               <a:lumMod val="75000"/>
@@ -5523,22 +7587,20 @@
           <a:cs typeface="+mn-cs"/>
         </a:defRPr>
       </a:lvl4pPr>
-      <a:lvl5pPr marL="932688" indent="-182880" algn="l" defTabSz="914400" rtl="0" eaLnBrk="1" latinLnBrk="0" hangingPunct="1">
-        <a:lnSpc>
-          <a:spcPct val="90000"/>
-        </a:lnSpc>
+      <a:lvl5pPr marL="2057400" indent="-228600" algn="l" defTabSz="457200" rtl="0" eaLnBrk="1" latinLnBrk="0" hangingPunct="1">
         <a:spcBef>
-          <a:spcPts val="200"/>
+          <a:spcPts val="1000"/>
         </a:spcBef>
         <a:spcAft>
-          <a:spcPts val="400"/>
+          <a:spcPts val="0"/>
         </a:spcAft>
         <a:buClr>
           <a:schemeClr val="accent1"/>
         </a:buClr>
-        <a:buFont typeface="Calibri" pitchFamily="34" charset="0"/>
-        <a:buChar char="◦"/>
-        <a:defRPr sz="1400" kern="1200">
+        <a:buSzPct val="80000"/>
+        <a:buFont typeface="Wingdings 3" charset="2"/>
+        <a:buChar char=""/>
+        <a:defRPr sz="1200" kern="1200">
           <a:solidFill>
             <a:schemeClr val="tx1">
               <a:lumMod val="75000"/>
@@ -5550,22 +7612,20 @@
           <a:cs typeface="+mn-cs"/>
         </a:defRPr>
       </a:lvl5pPr>
-      <a:lvl6pPr marL="1100000" indent="-228600" algn="l" defTabSz="914400" rtl="0" eaLnBrk="1" latinLnBrk="0" hangingPunct="1">
-        <a:lnSpc>
-          <a:spcPct val="90000"/>
-        </a:lnSpc>
+      <a:lvl6pPr marL="2514600" indent="-228600" algn="l" defTabSz="457200" rtl="0" eaLnBrk="1" latinLnBrk="0" hangingPunct="1">
         <a:spcBef>
-          <a:spcPts val="200"/>
+          <a:spcPts val="1000"/>
         </a:spcBef>
         <a:spcAft>
-          <a:spcPts val="400"/>
+          <a:spcPts val="0"/>
         </a:spcAft>
         <a:buClr>
           <a:schemeClr val="accent1"/>
         </a:buClr>
-        <a:buFont typeface="Calibri" pitchFamily="34" charset="0"/>
-        <a:buChar char="◦"/>
-        <a:defRPr sz="1400" kern="1200">
+        <a:buSzPct val="80000"/>
+        <a:buFont typeface="Wingdings 3" charset="2"/>
+        <a:buChar char=""/>
+        <a:defRPr sz="1200" kern="1200">
           <a:solidFill>
             <a:schemeClr val="tx1">
               <a:lumMod val="75000"/>
@@ -5577,22 +7637,20 @@
           <a:cs typeface="+mn-cs"/>
         </a:defRPr>
       </a:lvl6pPr>
-      <a:lvl7pPr marL="1300000" indent="-228600" algn="l" defTabSz="914400" rtl="0" eaLnBrk="1" latinLnBrk="0" hangingPunct="1">
-        <a:lnSpc>
-          <a:spcPct val="90000"/>
-        </a:lnSpc>
+      <a:lvl7pPr marL="2971800" indent="-228600" algn="l" defTabSz="457200" rtl="0" eaLnBrk="1" latinLnBrk="0" hangingPunct="1">
         <a:spcBef>
-          <a:spcPts val="200"/>
+          <a:spcPts val="1000"/>
         </a:spcBef>
         <a:spcAft>
-          <a:spcPts val="400"/>
+          <a:spcPts val="0"/>
         </a:spcAft>
         <a:buClr>
           <a:schemeClr val="accent1"/>
         </a:buClr>
-        <a:buFont typeface="Calibri" pitchFamily="34" charset="0"/>
-        <a:buChar char="◦"/>
-        <a:defRPr sz="1400" kern="1200">
+        <a:buSzPct val="80000"/>
+        <a:buFont typeface="Wingdings 3" charset="2"/>
+        <a:buChar char=""/>
+        <a:defRPr sz="1200" kern="1200">
           <a:solidFill>
             <a:schemeClr val="tx1">
               <a:lumMod val="75000"/>
@@ -5604,22 +7662,20 @@
           <a:cs typeface="+mn-cs"/>
         </a:defRPr>
       </a:lvl7pPr>
-      <a:lvl8pPr marL="1500000" indent="-228600" algn="l" defTabSz="914400" rtl="0" eaLnBrk="1" latinLnBrk="0" hangingPunct="1">
-        <a:lnSpc>
-          <a:spcPct val="90000"/>
-        </a:lnSpc>
+      <a:lvl8pPr marL="3429000" indent="-228600" algn="l" defTabSz="457200" rtl="0" eaLnBrk="1" latinLnBrk="0" hangingPunct="1">
         <a:spcBef>
-          <a:spcPts val="200"/>
+          <a:spcPts val="1000"/>
         </a:spcBef>
         <a:spcAft>
-          <a:spcPts val="400"/>
+          <a:spcPts val="0"/>
         </a:spcAft>
         <a:buClr>
           <a:schemeClr val="accent1"/>
         </a:buClr>
-        <a:buFont typeface="Calibri" pitchFamily="34" charset="0"/>
-        <a:buChar char="◦"/>
-        <a:defRPr sz="1400" kern="1200">
+        <a:buSzPct val="80000"/>
+        <a:buFont typeface="Wingdings 3" charset="2"/>
+        <a:buChar char=""/>
+        <a:defRPr sz="1200" kern="1200">
           <a:solidFill>
             <a:schemeClr val="tx1">
               <a:lumMod val="75000"/>
@@ -5631,22 +7687,20 @@
           <a:cs typeface="+mn-cs"/>
         </a:defRPr>
       </a:lvl8pPr>
-      <a:lvl9pPr marL="1700000" indent="-228600" algn="l" defTabSz="914400" rtl="0" eaLnBrk="1" latinLnBrk="0" hangingPunct="1">
-        <a:lnSpc>
-          <a:spcPct val="90000"/>
-        </a:lnSpc>
+      <a:lvl9pPr marL="3886200" indent="-228600" algn="l" defTabSz="457200" rtl="0" eaLnBrk="1" latinLnBrk="0" hangingPunct="1">
         <a:spcBef>
-          <a:spcPts val="200"/>
+          <a:spcPts val="1000"/>
         </a:spcBef>
         <a:spcAft>
-          <a:spcPts val="400"/>
+          <a:spcPts val="0"/>
         </a:spcAft>
         <a:buClr>
           <a:schemeClr val="accent1"/>
         </a:buClr>
-        <a:buFont typeface="Calibri" pitchFamily="34" charset="0"/>
-        <a:buChar char="◦"/>
-        <a:defRPr sz="1400" kern="1200">
+        <a:buSzPct val="80000"/>
+        <a:buFont typeface="Wingdings 3" charset="2"/>
+        <a:buChar char=""/>
+        <a:defRPr sz="1200" kern="1200">
           <a:solidFill>
             <a:schemeClr val="tx1">
               <a:lumMod val="75000"/>
@@ -5663,7 +7717,7 @@
       <a:defPPr>
         <a:defRPr lang="en-US"/>
       </a:defPPr>
-      <a:lvl1pPr marL="0" algn="l" defTabSz="914400" rtl="0" eaLnBrk="1" latinLnBrk="0" hangingPunct="1">
+      <a:lvl1pPr marL="0" algn="l" defTabSz="457200" rtl="0" eaLnBrk="1" latinLnBrk="0" hangingPunct="1">
         <a:defRPr sz="1800" kern="1200">
           <a:solidFill>
             <a:schemeClr val="tx1"/>
@@ -5673,7 +7727,7 @@
           <a:cs typeface="+mn-cs"/>
         </a:defRPr>
       </a:lvl1pPr>
-      <a:lvl2pPr marL="457200" algn="l" defTabSz="914400" rtl="0" eaLnBrk="1" latinLnBrk="0" hangingPunct="1">
+      <a:lvl2pPr marL="457200" algn="l" defTabSz="457200" rtl="0" eaLnBrk="1" latinLnBrk="0" hangingPunct="1">
         <a:defRPr sz="1800" kern="1200">
           <a:solidFill>
             <a:schemeClr val="tx1"/>
@@ -5683,7 +7737,7 @@
           <a:cs typeface="+mn-cs"/>
         </a:defRPr>
       </a:lvl2pPr>
-      <a:lvl3pPr marL="914400" algn="l" defTabSz="914400" rtl="0" eaLnBrk="1" latinLnBrk="0" hangingPunct="1">
+      <a:lvl3pPr marL="914400" algn="l" defTabSz="457200" rtl="0" eaLnBrk="1" latinLnBrk="0" hangingPunct="1">
         <a:defRPr sz="1800" kern="1200">
           <a:solidFill>
             <a:schemeClr val="tx1"/>
@@ -5693,7 +7747,7 @@
           <a:cs typeface="+mn-cs"/>
         </a:defRPr>
       </a:lvl3pPr>
-      <a:lvl4pPr marL="1371600" algn="l" defTabSz="914400" rtl="0" eaLnBrk="1" latinLnBrk="0" hangingPunct="1">
+      <a:lvl4pPr marL="1371600" algn="l" defTabSz="457200" rtl="0" eaLnBrk="1" latinLnBrk="0" hangingPunct="1">
         <a:defRPr sz="1800" kern="1200">
           <a:solidFill>
             <a:schemeClr val="tx1"/>
@@ -5703,7 +7757,7 @@
           <a:cs typeface="+mn-cs"/>
         </a:defRPr>
       </a:lvl4pPr>
-      <a:lvl5pPr marL="1828800" algn="l" defTabSz="914400" rtl="0" eaLnBrk="1" latinLnBrk="0" hangingPunct="1">
+      <a:lvl5pPr marL="1828800" algn="l" defTabSz="457200" rtl="0" eaLnBrk="1" latinLnBrk="0" hangingPunct="1">
         <a:defRPr sz="1800" kern="1200">
           <a:solidFill>
             <a:schemeClr val="tx1"/>
@@ -5713,7 +7767,7 @@
           <a:cs typeface="+mn-cs"/>
         </a:defRPr>
       </a:lvl5pPr>
-      <a:lvl6pPr marL="2286000" algn="l" defTabSz="914400" rtl="0" eaLnBrk="1" latinLnBrk="0" hangingPunct="1">
+      <a:lvl6pPr marL="2286000" algn="l" defTabSz="457200" rtl="0" eaLnBrk="1" latinLnBrk="0" hangingPunct="1">
         <a:defRPr sz="1800" kern="1200">
           <a:solidFill>
             <a:schemeClr val="tx1"/>
@@ -5723,7 +7777,7 @@
           <a:cs typeface="+mn-cs"/>
         </a:defRPr>
       </a:lvl6pPr>
-      <a:lvl7pPr marL="2743200" algn="l" defTabSz="914400" rtl="0" eaLnBrk="1" latinLnBrk="0" hangingPunct="1">
+      <a:lvl7pPr marL="2743200" algn="l" defTabSz="457200" rtl="0" eaLnBrk="1" latinLnBrk="0" hangingPunct="1">
         <a:defRPr sz="1800" kern="1200">
           <a:solidFill>
             <a:schemeClr val="tx1"/>
@@ -5733,7 +7787,7 @@
           <a:cs typeface="+mn-cs"/>
         </a:defRPr>
       </a:lvl7pPr>
-      <a:lvl8pPr marL="3200400" algn="l" defTabSz="914400" rtl="0" eaLnBrk="1" latinLnBrk="0" hangingPunct="1">
+      <a:lvl8pPr marL="3200400" algn="l" defTabSz="457200" rtl="0" eaLnBrk="1" latinLnBrk="0" hangingPunct="1">
         <a:defRPr sz="1800" kern="1200">
           <a:solidFill>
             <a:schemeClr val="tx1"/>
@@ -5743,7 +7797,7 @@
           <a:cs typeface="+mn-cs"/>
         </a:defRPr>
       </a:lvl8pPr>
-      <a:lvl9pPr marL="3657600" algn="l" defTabSz="914400" rtl="0" eaLnBrk="1" latinLnBrk="0" hangingPunct="1">
+      <a:lvl9pPr marL="3657600" algn="l" defTabSz="457200" rtl="0" eaLnBrk="1" latinLnBrk="0" hangingPunct="1">
         <a:defRPr sz="1800" kern="1200">
           <a:solidFill>
             <a:schemeClr val="tx1"/>
@@ -5793,10 +7847,11 @@
         </p:spPr>
         <p:txBody>
           <a:bodyPr>
-            <a:normAutofit/>
+            <a:normAutofit fontScale="90000"/>
           </a:bodyPr>
           <a:lstStyle/>
           <a:p>
+            <a:pPr algn="l"/>
             <a:r>
               <a:rPr lang="da-DK" sz="6000" dirty="0">
                 <a:latin typeface="+mn-lt"/>
@@ -5827,129 +7882,31 @@
             <p:ph type="subTitle" idx="1"/>
           </p:nvPr>
         </p:nvSpPr>
-        <p:spPr/>
-        <p:txBody>
-          <a:bodyPr/>
-          <a:lstStyle/>
-          <a:p>
+        <p:spPr>
+          <a:xfrm>
+            <a:off x="1097279" y="4325112"/>
+            <a:ext cx="8237789" cy="1096899"/>
+          </a:xfrm>
+        </p:spPr>
+        <p:txBody>
+          <a:bodyPr/>
+          <a:lstStyle/>
+          <a:p>
+            <a:pPr algn="l"/>
             <a:r>
               <a:rPr lang="da-DK" dirty="0"/>
               <a:t>Bachelorprojekt for Diplomingeniører I ST og IKT</a:t>
             </a:r>
           </a:p>
           <a:p>
+            <a:pPr algn="l"/>
             <a:r>
               <a:rPr lang="da-DK" dirty="0"/>
-              <a:t>Af Marie, Mathias &amp; Charlotte</a:t>
-            </a:r>
-          </a:p>
-        </p:txBody>
-      </p:sp>
-      <p:pic>
-        <p:nvPicPr>
-          <p:cNvPr id="4" name="Billede 3"/>
-          <p:cNvPicPr>
-            <a:picLocks noChangeAspect="1"/>
-          </p:cNvPicPr>
-          <p:nvPr/>
-        </p:nvPicPr>
-        <p:blipFill rotWithShape="1">
-          <a:blip r:embed="rId3">
-            <a:extLst>
-              <a:ext uri="{BEBA8EAE-BF5A-486C-A8C5-ECC9F3942E4B}">
-                <a14:imgProps xmlns:a14="http://schemas.microsoft.com/office/drawing/2010/main">
-                  <a14:imgLayer r:embed="rId4">
-                    <a14:imgEffect>
-                      <a14:saturation sat="400000"/>
-                    </a14:imgEffect>
-                  </a14:imgLayer>
-                </a14:imgProps>
-              </a:ext>
-            </a:extLst>
-          </a:blip>
-          <a:srcRect t="18396"/>
-          <a:stretch/>
-        </p:blipFill>
-        <p:spPr>
-          <a:xfrm>
-            <a:off x="7237503" y="720850"/>
-            <a:ext cx="3918177" cy="3734771"/>
-          </a:xfrm>
-          <a:prstGeom prst="rect">
-            <a:avLst/>
-          </a:prstGeom>
-        </p:spPr>
-      </p:pic>
-      <p:pic>
-        <p:nvPicPr>
-          <p:cNvPr id="5" name="Billede 4"/>
-          <p:cNvPicPr>
-            <a:picLocks noChangeAspect="1"/>
-          </p:cNvPicPr>
-          <p:nvPr/>
-        </p:nvPicPr>
-        <p:blipFill rotWithShape="1">
-          <a:blip r:embed="rId3">
-            <a:extLst>
-              <a:ext uri="{BEBA8EAE-BF5A-486C-A8C5-ECC9F3942E4B}">
-                <a14:imgProps xmlns:a14="http://schemas.microsoft.com/office/drawing/2010/main">
-                  <a14:imgLayer r:embed="rId4">
-                    <a14:imgEffect>
-                      <a14:saturation sat="400000"/>
-                    </a14:imgEffect>
-                  </a14:imgLayer>
-                </a14:imgProps>
-              </a:ext>
-            </a:extLst>
-          </a:blip>
-          <a:srcRect t="18396"/>
-          <a:stretch/>
-        </p:blipFill>
-        <p:spPr>
-          <a:xfrm>
-            <a:off x="7237503" y="720850"/>
-            <a:ext cx="3918177" cy="3734771"/>
-          </a:xfrm>
-          <a:prstGeom prst="rect">
-            <a:avLst/>
-          </a:prstGeom>
-        </p:spPr>
-      </p:pic>
-      <p:pic>
-        <p:nvPicPr>
-          <p:cNvPr id="6" name="Billede 5"/>
-          <p:cNvPicPr>
-            <a:picLocks noChangeAspect="1"/>
-          </p:cNvPicPr>
-          <p:nvPr/>
-        </p:nvPicPr>
-        <p:blipFill rotWithShape="1">
-          <a:blip r:embed="rId3">
-            <a:extLst>
-              <a:ext uri="{BEBA8EAE-BF5A-486C-A8C5-ECC9F3942E4B}">
-                <a14:imgProps xmlns:a14="http://schemas.microsoft.com/office/drawing/2010/main">
-                  <a14:imgLayer r:embed="rId4">
-                    <a14:imgEffect>
-                      <a14:saturation sat="400000"/>
-                    </a14:imgEffect>
-                  </a14:imgLayer>
-                </a14:imgProps>
-              </a:ext>
-            </a:extLst>
-          </a:blip>
-          <a:srcRect t="18396"/>
-          <a:stretch/>
-        </p:blipFill>
-        <p:spPr>
-          <a:xfrm>
-            <a:off x="7237503" y="720850"/>
-            <a:ext cx="3918177" cy="3734771"/>
-          </a:xfrm>
-          <a:prstGeom prst="rect">
-            <a:avLst/>
-          </a:prstGeom>
-        </p:spPr>
-      </p:pic>
+              <a:t>Af Marie Kirkegaard, Mathias Siig Nørregaard og Charlotte Søgaard Kristensen</a:t>
+            </a:r>
+          </a:p>
+        </p:txBody>
+      </p:sp>
       <p:pic>
         <p:nvPicPr>
           <p:cNvPr id="7" name="Billede 6"/>
@@ -5977,8 +7934,78 @@
         </p:blipFill>
         <p:spPr>
           <a:xfrm>
-            <a:off x="7237503" y="720849"/>
-            <a:ext cx="3918177" cy="3734771"/>
+            <a:off x="6126480" y="891288"/>
+            <a:ext cx="3362453" cy="3205060"/>
+          </a:xfrm>
+          <a:prstGeom prst="rect">
+            <a:avLst/>
+          </a:prstGeom>
+        </p:spPr>
+      </p:pic>
+      <p:pic>
+        <p:nvPicPr>
+          <p:cNvPr id="8" name="Billede 7"/>
+          <p:cNvPicPr>
+            <a:picLocks noChangeAspect="1"/>
+          </p:cNvPicPr>
+          <p:nvPr/>
+        </p:nvPicPr>
+        <p:blipFill rotWithShape="1">
+          <a:blip r:embed="rId3">
+            <a:extLst>
+              <a:ext uri="{BEBA8EAE-BF5A-486C-A8C5-ECC9F3942E4B}">
+                <a14:imgProps xmlns:a14="http://schemas.microsoft.com/office/drawing/2010/main">
+                  <a14:imgLayer r:embed="rId4">
+                    <a14:imgEffect>
+                      <a14:saturation sat="400000"/>
+                    </a14:imgEffect>
+                  </a14:imgLayer>
+                </a14:imgProps>
+              </a:ext>
+            </a:extLst>
+          </a:blip>
+          <a:srcRect t="18396"/>
+          <a:stretch/>
+        </p:blipFill>
+        <p:spPr>
+          <a:xfrm>
+            <a:off x="6127667" y="891288"/>
+            <a:ext cx="3362453" cy="3205060"/>
+          </a:xfrm>
+          <a:prstGeom prst="rect">
+            <a:avLst/>
+          </a:prstGeom>
+        </p:spPr>
+      </p:pic>
+      <p:pic>
+        <p:nvPicPr>
+          <p:cNvPr id="9" name="Billede 8"/>
+          <p:cNvPicPr>
+            <a:picLocks noChangeAspect="1"/>
+          </p:cNvPicPr>
+          <p:nvPr/>
+        </p:nvPicPr>
+        <p:blipFill rotWithShape="1">
+          <a:blip r:embed="rId3">
+            <a:extLst>
+              <a:ext uri="{BEBA8EAE-BF5A-486C-A8C5-ECC9F3942E4B}">
+                <a14:imgProps xmlns:a14="http://schemas.microsoft.com/office/drawing/2010/main">
+                  <a14:imgLayer r:embed="rId4">
+                    <a14:imgEffect>
+                      <a14:saturation sat="400000"/>
+                    </a14:imgEffect>
+                  </a14:imgLayer>
+                </a14:imgProps>
+              </a:ext>
+            </a:extLst>
+          </a:blip>
+          <a:srcRect t="18396"/>
+          <a:stretch/>
+        </p:blipFill>
+        <p:spPr>
+          <a:xfrm>
+            <a:off x="6112594" y="891288"/>
+            <a:ext cx="3362453" cy="3205060"/>
           </a:xfrm>
           <a:prstGeom prst="rect">
             <a:avLst/>
@@ -6139,7 +8166,7 @@
         </p:blipFill>
         <p:spPr>
           <a:xfrm>
-            <a:off x="6059094" y="2161727"/>
+            <a:off x="4388127" y="1473823"/>
             <a:ext cx="5096586" cy="3391373"/>
           </a:xfrm>
           <a:prstGeom prst="rect">
@@ -6163,7 +8190,7 @@
         </p:blipFill>
         <p:spPr>
           <a:xfrm>
-            <a:off x="1097280" y="4542979"/>
+            <a:off x="887307" y="5061594"/>
             <a:ext cx="4505498" cy="1326115"/>
           </a:xfrm>
           <a:prstGeom prst="rect">
@@ -6288,7 +8315,7 @@
         </p:blipFill>
         <p:spPr>
           <a:xfrm>
-            <a:off x="6537500" y="1848983"/>
+            <a:off x="4626813" y="2021251"/>
             <a:ext cx="3791479" cy="4020111"/>
           </a:xfrm>
           <a:prstGeom prst="rect">
@@ -6383,7 +8410,7 @@
         </p:blipFill>
         <p:spPr>
           <a:xfrm>
-            <a:off x="2548687" y="2363555"/>
+            <a:off x="1397875" y="2607116"/>
             <a:ext cx="7155585" cy="2987718"/>
           </a:xfrm>
           <a:prstGeom prst="rect">
@@ -6570,62 +8597,28 @@
           </a:p>
         </p:txBody>
       </p:sp>
-      <p:pic>
-        <p:nvPicPr>
-          <p:cNvPr id="4" name="obOEEH45gpY"/>
-          <p:cNvPicPr>
-            <a:picLocks noGrp="1" noRot="1" noChangeAspect="1"/>
-          </p:cNvPicPr>
+      <p:sp>
+        <p:nvSpPr>
+          <p:cNvPr id="5" name="Pladsholder til indhold 4"/>
+          <p:cNvSpPr>
+            <a:spLocks noGrp="1"/>
+          </p:cNvSpPr>
           <p:nvPr>
             <p:ph idx="1"/>
-            <a:videoFile r:link="rId1"/>
-          </p:nvPr>
-        </p:nvPicPr>
-        <p:blipFill>
-          <a:blip r:embed="rId4"/>
-          <a:stretch>
-            <a:fillRect/>
-          </a:stretch>
-        </p:blipFill>
-        <p:spPr>
-          <a:xfrm>
-            <a:off x="0" y="0"/>
-            <a:ext cx="12192000" cy="6858000"/>
-          </a:xfrm>
-          <a:prstGeom prst="rect">
-            <a:avLst/>
-          </a:prstGeom>
-        </p:spPr>
-      </p:pic>
-      <p:sp>
-        <p:nvSpPr>
-          <p:cNvPr id="3" name="Tekstfelt 2"/>
-          <p:cNvSpPr txBox="1"/>
-          <p:nvPr/>
-        </p:nvSpPr>
-        <p:spPr>
-          <a:xfrm>
-            <a:off x="216131" y="286603"/>
-            <a:ext cx="3507971" cy="769441"/>
-          </a:xfrm>
-          <a:prstGeom prst="rect">
-            <a:avLst/>
-          </a:prstGeom>
-          <a:noFill/>
-        </p:spPr>
-        <p:txBody>
-          <a:bodyPr wrap="square" rtlCol="0">
-            <a:spAutoFit/>
-          </a:bodyPr>
-          <a:lstStyle/>
-          <a:p>
-            <a:r>
-              <a:rPr lang="da-DK" sz="4400" dirty="0">
-                <a:solidFill>
-                  <a:schemeClr val="bg1"/>
-                </a:solidFill>
-              </a:rPr>
-              <a:t>Demo</a:t>
+          </p:nvPr>
+        </p:nvSpPr>
+        <p:spPr/>
+        <p:txBody>
+          <a:bodyPr/>
+          <a:lstStyle/>
+          <a:p>
+            <a:pPr>
+              <a:buFont typeface="Arial" panose="020B0604020202020204" pitchFamily="34" charset="0"/>
+              <a:buChar char="•"/>
+            </a:pPr>
+            <a:r>
+              <a:rPr lang="da-DK" dirty="0"/>
+              <a:t> Demonstration i bachelorlokale K243 </a:t>
             </a:r>
           </a:p>
         </p:txBody>
@@ -6852,15 +8845,7 @@
             </a:pPr>
             <a:r>
               <a:rPr lang="da-DK" dirty="0"/>
-              <a:t> </a:t>
-            </a:r>
-            <a:r>
-              <a:rPr lang="da-DK" dirty="0" err="1"/>
-              <a:t>Cand.scient.med</a:t>
-            </a:r>
-            <a:r>
-              <a:rPr lang="da-DK" dirty="0"/>
-              <a:t>. Søren Pallesen og stifter af </a:t>
+              <a:t>Pallesen og stifter af </a:t>
             </a:r>
             <a:r>
               <a:rPr lang="da-DK" dirty="0" err="1"/>
@@ -6878,7 +8863,7 @@
             </a:pPr>
             <a:r>
               <a:rPr lang="da-DK" dirty="0"/>
-              <a:t> Uhensigtsmæssigheder ved mammografi med røntgen </a:t>
+              <a:t>Uhensigtsmæssigheder ved mammografi med røntgen </a:t>
             </a:r>
           </a:p>
           <a:p>
@@ -6888,7 +8873,7 @@
             </a:pPr>
             <a:r>
               <a:rPr lang="da-DK" dirty="0"/>
-              <a:t> Fordele ved brug af kombination af ultralyd og røntgen</a:t>
+              <a:t>Fordele ved brug af kombination af ultralyd og røntgen</a:t>
             </a:r>
           </a:p>
         </p:txBody>
@@ -6955,12 +8940,7 @@
             <p:ph idx="1"/>
           </p:nvPr>
         </p:nvSpPr>
-        <p:spPr>
-          <a:xfrm>
-            <a:off x="1097280" y="1845734"/>
-            <a:ext cx="10058400" cy="4023360"/>
-          </a:xfrm>
-        </p:spPr>
+        <p:spPr/>
         <p:txBody>
           <a:bodyPr>
             <a:normAutofit/>
@@ -7113,7 +9093,7 @@
             </a:pPr>
             <a:r>
               <a:rPr lang="da-DK" dirty="0"/>
-              <a:t> Flere kræftformer findes, højere overlevelsesproces, overdiagnosticering </a:t>
+              <a:t> Flere kræfttilfælde findes, højere overlevelsesproces, overdiagnosticering </a:t>
             </a:r>
           </a:p>
           <a:p>
@@ -7123,15 +9103,7 @@
             </a:pPr>
             <a:r>
               <a:rPr lang="da-DK" dirty="0"/>
-              <a:t> Medical Device </a:t>
-            </a:r>
-            <a:r>
-              <a:rPr lang="da-DK" dirty="0" err="1"/>
-              <a:t>Directiv</a:t>
-            </a:r>
-            <a:r>
-              <a:rPr lang="da-DK" dirty="0"/>
-              <a:t> skal overholdes</a:t>
+              <a:t> Medical Device Directive skal overholdes</a:t>
             </a:r>
           </a:p>
         </p:txBody>
@@ -7267,7 +9239,7 @@
         <p:spPr bwMode="auto">
           <a:xfrm>
             <a:off x="4945939" y="1952414"/>
-            <a:ext cx="6648450" cy="3810000"/>
+            <a:ext cx="4285394" cy="2455813"/>
           </a:xfrm>
           <a:prstGeom prst="rect">
             <a:avLst/>
@@ -7418,7 +9390,7 @@
         </p:blipFill>
         <p:spPr>
           <a:xfrm>
-            <a:off x="4278630" y="2442869"/>
+            <a:off x="1537143" y="3930475"/>
             <a:ext cx="6877050" cy="2619375"/>
           </a:xfrm>
           <a:prstGeom prst="rect">
@@ -7649,7 +9621,7 @@
         </p:blipFill>
         <p:spPr>
           <a:xfrm>
-            <a:off x="3454717" y="2804901"/>
+            <a:off x="2303905" y="2941378"/>
             <a:ext cx="5343525" cy="2105025"/>
           </a:xfrm>
           <a:prstGeom prst="rect">
@@ -7671,9 +9643,9 @@
 </file>
 
 <file path=ppt/theme/theme1.xml><?xml version="1.0" encoding="utf-8"?>
-<a:theme xmlns:a="http://schemas.openxmlformats.org/drawingml/2006/main" name="Retrospektiv">
+<a:theme xmlns:a="http://schemas.openxmlformats.org/drawingml/2006/main" name="Facet">
   <a:themeElements>
-    <a:clrScheme name="Blågrøn">
+    <a:clrScheme name="Facet">
       <a:dk1>
         <a:sysClr val="windowText" lastClr="000000"/>
       </a:dk1>
@@ -7681,52 +9653,52 @@
         <a:sysClr val="window" lastClr="FFFFFF"/>
       </a:lt1>
       <a:dk2>
-        <a:srgbClr val="373545"/>
+        <a:srgbClr val="2C3C43"/>
       </a:dk2>
       <a:lt2>
-        <a:srgbClr val="CEDBE6"/>
+        <a:srgbClr val="EBEBEB"/>
       </a:lt2>
       <a:accent1>
-        <a:srgbClr val="3494BA"/>
+        <a:srgbClr val="5FCBEF"/>
       </a:accent1>
       <a:accent2>
-        <a:srgbClr val="58B6C0"/>
+        <a:srgbClr val="2E83C3"/>
       </a:accent2>
       <a:accent3>
-        <a:srgbClr val="75BDA7"/>
+        <a:srgbClr val="42D0A2"/>
       </a:accent3>
       <a:accent4>
-        <a:srgbClr val="7A8C8E"/>
+        <a:srgbClr val="2E946B"/>
       </a:accent4>
       <a:accent5>
-        <a:srgbClr val="84ACB6"/>
+        <a:srgbClr val="42B051"/>
       </a:accent5>
       <a:accent6>
-        <a:srgbClr val="2683C6"/>
+        <a:srgbClr val="96D141"/>
       </a:accent6>
       <a:hlink>
-        <a:srgbClr val="6B9F25"/>
+        <a:srgbClr val="3FCDE7"/>
       </a:hlink>
       <a:folHlink>
-        <a:srgbClr val="9F6715"/>
+        <a:srgbClr val="A9D3E1"/>
       </a:folHlink>
     </a:clrScheme>
-    <a:fontScheme name="Retrospektiv">
+    <a:fontScheme name="Facet">
       <a:majorFont>
-        <a:latin typeface="Calibri Light" panose="020F0302020204030204"/>
+        <a:latin typeface="Trebuchet MS" panose="020B0603020202020204"/>
         <a:ea typeface=""/>
         <a:cs typeface=""/>
-        <a:font script="Jpan" typeface="ＭＳ Ｐゴシック"/>
+        <a:font script="Jpan" typeface="メイリオ"/>
         <a:font script="Hang" typeface="맑은 고딕"/>
-        <a:font script="Hans" typeface="宋体"/>
-        <a:font script="Hant" typeface="新細明體"/>
-        <a:font script="Arab" typeface="Times New Roman"/>
-        <a:font script="Hebr" typeface="Times New Roman"/>
-        <a:font script="Thai" typeface="Angsana New"/>
+        <a:font script="Hans" typeface="方正姚体"/>
+        <a:font script="Hant" typeface="微軟正黑體"/>
+        <a:font script="Arab" typeface="Tahoma"/>
+        <a:font script="Hebr" typeface="Arial"/>
+        <a:font script="Thai" typeface="Cordia New"/>
         <a:font script="Ethi" typeface="Nyala"/>
         <a:font script="Beng" typeface="Vrinda"/>
         <a:font script="Gujr" typeface="Shruti"/>
-        <a:font script="Khmr" typeface="MoolBoran"/>
+        <a:font script="Khmr" typeface="DaunPenh"/>
         <a:font script="Knda" typeface="Tunga"/>
         <a:font script="Guru" typeface="Raavi"/>
         <a:font script="Cans" typeface="Euphemia"/>
@@ -7743,21 +9715,21 @@
         <a:font script="Laoo" typeface="DokChampa"/>
         <a:font script="Sinh" typeface="Iskoola Pota"/>
         <a:font script="Mong" typeface="Mongolian Baiti"/>
-        <a:font script="Viet" typeface="Times New Roman"/>
+        <a:font script="Viet" typeface="Tahoma"/>
         <a:font script="Uigh" typeface="Microsoft Uighur"/>
         <a:font script="Geor" typeface="Sylfaen"/>
       </a:majorFont>
       <a:minorFont>
-        <a:latin typeface="Calibri" panose="020F0502020204030204"/>
+        <a:latin typeface="Trebuchet MS" panose="020B0603020202020204"/>
         <a:ea typeface=""/>
         <a:cs typeface=""/>
-        <a:font script="Jpan" typeface="ＭＳ Ｐゴシック"/>
-        <a:font script="Hang" typeface="맑은 고딕"/>
-        <a:font script="Hans" typeface="宋体"/>
-        <a:font script="Hant" typeface="新細明體"/>
-        <a:font script="Arab" typeface="Arial"/>
-        <a:font script="Hebr" typeface="Arial"/>
-        <a:font script="Thai" typeface="Cordia New"/>
+        <a:font script="Jpan" typeface="メイリオ"/>
+        <a:font script="Hang" typeface="HY그래픽M"/>
+        <a:font script="Hans" typeface="华文新魏"/>
+        <a:font script="Hant" typeface="微軟正黑體"/>
+        <a:font script="Arab" typeface="Tahoma"/>
+        <a:font script="Hebr" typeface="Gisha"/>
+        <a:font script="Thai" typeface="IrisUPC"/>
         <a:font script="Ethi" typeface="Nyala"/>
         <a:font script="Beng" typeface="Vrinda"/>
         <a:font script="Gujr" typeface="Shruti"/>
@@ -7783,7 +9755,7 @@
         <a:font script="Geor" typeface="Sylfaen"/>
       </a:minorFont>
     </a:fontScheme>
-    <a:fmtScheme name="Retrospektiv">
+    <a:fmtScheme name="Facet">
       <a:fillStyleLst>
         <a:solidFill>
           <a:schemeClr val="phClr"/>
@@ -7793,76 +9765,49 @@
             <a:gs pos="0">
               <a:schemeClr val="phClr">
                 <a:tint val="65000"/>
-                <a:shade val="92000"/>
-                <a:satMod val="130000"/>
+                <a:lumMod val="110000"/>
               </a:schemeClr>
             </a:gs>
-            <a:gs pos="45000">
+            <a:gs pos="88000">
               <a:schemeClr val="phClr">
-                <a:tint val="60000"/>
-                <a:shade val="99000"/>
-                <a:satMod val="120000"/>
-              </a:schemeClr>
-            </a:gs>
-            <a:gs pos="100000">
-              <a:schemeClr val="phClr">
-                <a:tint val="55000"/>
-                <a:satMod val="140000"/>
+                <a:tint val="90000"/>
               </a:schemeClr>
             </a:gs>
           </a:gsLst>
-          <a:path path="circle">
-            <a:fillToRect l="100000" t="100000" r="100000" b="100000"/>
-          </a:path>
+          <a:lin ang="5400000" scaled="0"/>
         </a:gradFill>
         <a:gradFill rotWithShape="1">
           <a:gsLst>
             <a:gs pos="0">
               <a:schemeClr val="phClr">
-                <a:shade val="85000"/>
-                <a:satMod val="130000"/>
+                <a:tint val="96000"/>
+                <a:lumMod val="100000"/>
               </a:schemeClr>
             </a:gs>
-            <a:gs pos="34000">
+            <a:gs pos="78000">
               <a:schemeClr val="phClr">
-                <a:shade val="87000"/>
-                <a:satMod val="125000"/>
-              </a:schemeClr>
-            </a:gs>
-            <a:gs pos="70000">
-              <a:schemeClr val="phClr">
-                <a:tint val="100000"/>
-                <a:shade val="90000"/>
-                <a:satMod val="130000"/>
-              </a:schemeClr>
-            </a:gs>
-            <a:gs pos="100000">
-              <a:schemeClr val="phClr">
-                <a:tint val="100000"/>
-                <a:shade val="100000"/>
-                <a:satMod val="110000"/>
+                <a:shade val="94000"/>
+                <a:lumMod val="94000"/>
               </a:schemeClr>
             </a:gs>
           </a:gsLst>
-          <a:path path="circle">
-            <a:fillToRect l="100000" t="100000" r="100000" b="100000"/>
-          </a:path>
+          <a:lin ang="5400000" scaled="0"/>
         </a:gradFill>
       </a:fillStyleLst>
       <a:lnStyleLst>
-        <a:ln w="12700" cap="flat" cmpd="sng" algn="ctr">
+        <a:ln w="12700" cap="rnd" cmpd="sng" algn="ctr">
           <a:solidFill>
             <a:schemeClr val="phClr"/>
           </a:solidFill>
           <a:prstDash val="solid"/>
         </a:ln>
-        <a:ln w="15875" cap="flat" cmpd="sng" algn="ctr">
+        <a:ln w="19050" cap="rnd" cmpd="sng" algn="ctr">
           <a:solidFill>
             <a:schemeClr val="phClr"/>
           </a:solidFill>
           <a:prstDash val="solid"/>
         </a:ln>
-        <a:ln w="25400" cap="flat" cmpd="sng" algn="ctr">
+        <a:ln w="25400" cap="rnd" cmpd="sng" algn="ctr">
           <a:solidFill>
             <a:schemeClr val="phClr"/>
           </a:solidFill>
@@ -7875,18 +9820,18 @@
         </a:effectStyle>
         <a:effectStyle>
           <a:effectLst>
-            <a:outerShdw blurRad="38100" dist="25400" dir="2700000" algn="br" rotWithShape="0">
+            <a:outerShdw blurRad="38100" dist="25400" dir="5400000" rotWithShape="0">
               <a:srgbClr val="000000">
-                <a:alpha val="60000"/>
+                <a:alpha val="35000"/>
               </a:srgbClr>
             </a:outerShdw>
           </a:effectLst>
         </a:effectStyle>
         <a:effectStyle>
           <a:effectLst>
-            <a:outerShdw blurRad="44450" dist="25400" dir="2700000" algn="br" rotWithShape="0">
+            <a:outerShdw blurRad="50800" dist="38100" dir="5400000" rotWithShape="0">
               <a:srgbClr val="000000">
-                <a:alpha val="60000"/>
+                <a:alpha val="35000"/>
               </a:srgbClr>
             </a:outerShdw>
           </a:effectLst>
@@ -7894,12 +9839,10 @@
             <a:camera prst="orthographicFront">
               <a:rot lat="0" lon="0" rev="0"/>
             </a:camera>
-            <a:lightRig rig="threePt" dir="t">
-              <a:rot lat="0" lon="0" rev="19800000"/>
-            </a:lightRig>
+            <a:lightRig rig="threePt" dir="tl"/>
           </a:scene3d>
-          <a:sp3d prstMaterial="flat">
-            <a:bevelT w="25400" h="31750"/>
+          <a:sp3d prstMaterial="plastic">
+            <a:bevelT w="0" h="0"/>
           </a:sp3d>
         </a:effectStyle>
       </a:effectStyleLst>
@@ -7907,38 +9850,41 @@
         <a:solidFill>
           <a:schemeClr val="phClr"/>
         </a:solidFill>
-        <a:solidFill>
-          <a:schemeClr val="phClr">
-            <a:tint val="90000"/>
-            <a:shade val="97000"/>
-            <a:satMod val="130000"/>
-          </a:schemeClr>
-        </a:solidFill>
         <a:gradFill rotWithShape="1">
           <a:gsLst>
             <a:gs pos="0">
               <a:schemeClr val="phClr">
-                <a:tint val="96000"/>
-                <a:shade val="99000"/>
-                <a:satMod val="140000"/>
+                <a:tint val="90000"/>
+                <a:lumMod val="104000"/>
               </a:schemeClr>
             </a:gs>
-            <a:gs pos="65000">
+            <a:gs pos="94000">
               <a:schemeClr val="phClr">
-                <a:tint val="100000"/>
-                <a:shade val="80000"/>
-                <a:satMod val="130000"/>
+                <a:shade val="96000"/>
+                <a:lumMod val="82000"/>
+              </a:schemeClr>
+            </a:gs>
+          </a:gsLst>
+          <a:lin ang="5400000" scaled="0"/>
+        </a:gradFill>
+        <a:gradFill rotWithShape="1">
+          <a:gsLst>
+            <a:gs pos="0">
+              <a:schemeClr val="phClr">
+                <a:tint val="90000"/>
+                <a:lumMod val="110000"/>
               </a:schemeClr>
             </a:gs>
             <a:gs pos="100000">
               <a:schemeClr val="phClr">
-                <a:tint val="100000"/>
-                <a:shade val="48000"/>
-                <a:satMod val="120000"/>
+                <a:shade val="94000"/>
+                <a:lumMod val="96000"/>
               </a:schemeClr>
             </a:gs>
           </a:gsLst>
-          <a:lin ang="16200000" scaled="0"/>
+          <a:path path="circle">
+            <a:fillToRect l="50000" t="50000" r="100000" b="100000"/>
+          </a:path>
         </a:gradFill>
       </a:bgFillStyleLst>
     </a:fmtScheme>
@@ -7947,7 +9893,7 @@
   <a:extraClrSchemeLst/>
   <a:extLst>
     <a:ext uri="{05A4C25C-085E-4340-85A3-A5531E510DB2}">
-      <thm15:themeFamily xmlns:thm15="http://schemas.microsoft.com/office/thememl/2012/main" name="Retrospect" id="{5F128B03-DCCA-4EEB-AB3B-CF2899314A46}" vid="{9CC26709-368C-4D72-9060-94E5B3FF3CD6}"/>
+      <thm15:themeFamily xmlns:thm15="http://schemas.microsoft.com/office/thememl/2012/main" name="Facet" id="{C0C680CD-088A-49FC-A102-D699147F32B2}" vid="{0B5AB586-D108-4FC1-8368-649FE654B894}"/>
     </a:ext>
   </a:extLst>
 </a:theme>

--- a/Præsentation_Eksamen.pptx
+++ b/Præsentation_Eksamen.pptx
@@ -1752,9 +1752,52 @@
             </a:r>
           </a:p>
           <a:p>
+            <a:endParaRPr lang="da-DK" baseline="0" dirty="0"/>
+          </a:p>
+          <a:p>
+            <a:pPr marL="0" marR="0" lvl="0" indent="0" algn="l" defTabSz="914400" rtl="0" eaLnBrk="1" fontAlgn="auto" latinLnBrk="0" hangingPunct="1">
+              <a:lnSpc>
+                <a:spcPct val="100000"/>
+              </a:lnSpc>
+              <a:spcBef>
+                <a:spcPts val="0"/>
+              </a:spcBef>
+              <a:spcAft>
+                <a:spcPts val="0"/>
+              </a:spcAft>
+              <a:buClrTx/>
+              <a:buSzTx/>
+              <a:buFontTx/>
+              <a:buNone/>
+              <a:tabLst/>
+              <a:defRPr/>
+            </a:pPr>
             <a:r>
               <a:rPr lang="da-DK" baseline="0" dirty="0"/>
-              <a:t>Omkostningerne for tid, indkøb mm. blev gjort op, og ud fra skemaet kan man se, at jo længere transporttid for radiologen, jo dyrere bliver scanningen. </a:t>
+              <a:t>Selve UR10 robotten koster tæt på de 200.000 kr. Derudover vil man skulle sætte penge af til at oplære radiografer, vedligeholdelse mm</a:t>
+            </a:r>
+          </a:p>
+          <a:p>
+            <a:pPr marL="0" marR="0" lvl="0" indent="0" algn="l" defTabSz="914400" rtl="0" eaLnBrk="1" fontAlgn="auto" latinLnBrk="0" hangingPunct="1">
+              <a:lnSpc>
+                <a:spcPct val="100000"/>
+              </a:lnSpc>
+              <a:spcBef>
+                <a:spcPts val="0"/>
+              </a:spcBef>
+              <a:spcAft>
+                <a:spcPts val="0"/>
+              </a:spcAft>
+              <a:buClrTx/>
+              <a:buSzTx/>
+              <a:buFontTx/>
+              <a:buNone/>
+              <a:tabLst/>
+              <a:defRPr/>
+            </a:pPr>
+            <a:r>
+              <a:rPr lang="da-DK" baseline="0" dirty="0"/>
+              <a:t>Omkostningerne for tid, indkøb mm. blev gjort op – 220.000 kroner, og ud fra skemaet kan man se, at jo længere transporttid for radiologen, jo dyrere bliver scanningen. </a:t>
             </a:r>
           </a:p>
           <a:p>
@@ -1787,18 +1830,6 @@
               <a:rPr lang="da-DK" baseline="0" dirty="0"/>
               <a:t> forskelle som tid for radiografer og radiologer. Tallene for den gennemsnitlige tid er et estimat af en radiolog og radiograf – men det ville styrke analysen at have flere radiologers estimat. </a:t>
             </a:r>
-          </a:p>
-          <a:p>
-            <a:endParaRPr lang="da-DK" baseline="0" dirty="0"/>
-          </a:p>
-          <a:p>
-            <a:r>
-              <a:rPr lang="da-DK" baseline="0" dirty="0"/>
-              <a:t>Selve UR10 robotten koster tæt på de 200.000 kr. Derudover vil man skulle sætte penge af til at oplære radiografer, vedligeholdelse mm</a:t>
-            </a:r>
-          </a:p>
-          <a:p>
-            <a:endParaRPr lang="da-DK" dirty="0"/>
           </a:p>
         </p:txBody>
       </p:sp>
@@ -8844,8 +8875,12 @@
               <a:buChar char="•"/>
             </a:pPr>
             <a:r>
+              <a:rPr lang="da-DK"/>
+              <a:t>Søren Pallesen </a:t>
+            </a:r>
+            <a:r>
               <a:rPr lang="da-DK" dirty="0"/>
-              <a:t>Pallesen og stifter af </a:t>
+              <a:t>og stifter af </a:t>
             </a:r>
             <a:r>
               <a:rPr lang="da-DK" dirty="0" err="1"/>
@@ -9363,14 +9398,8 @@
             </a:pPr>
             <a:r>
               <a:rPr lang="da-DK" dirty="0"/>
-              <a:t> Omkostninger til udstyr </a:t>
-            </a:r>
-          </a:p>
-          <a:p>
-            <a:pPr marL="0" indent="0">
-              <a:buNone/>
-            </a:pPr>
-            <a:endParaRPr lang="da-DK" dirty="0"/>
+              <a:t> Faste omkostninger til udstyr, opsætning etc.</a:t>
+            </a:r>
           </a:p>
         </p:txBody>
       </p:sp>

--- a/Præsentation_Eksamen.pptx
+++ b/Præsentation_Eksamen.pptx
@@ -8121,10 +8121,6 @@
               <a:buChar char="•"/>
             </a:pPr>
             <a:r>
-              <a:rPr lang="da-DK" dirty="0"/>
-              <a:t> </a:t>
-            </a:r>
-            <a:r>
               <a:rPr lang="da-DK" dirty="0" err="1"/>
               <a:t>Scrumboard</a:t>
             </a:r>
@@ -8140,7 +8136,7 @@
             </a:pPr>
             <a:r>
               <a:rPr lang="da-DK" dirty="0"/>
-              <a:t> Evaluering af sprint</a:t>
+              <a:t>Evaluering af sprint</a:t>
             </a:r>
           </a:p>
           <a:p>
@@ -8150,7 +8146,7 @@
             </a:pPr>
             <a:r>
               <a:rPr lang="da-DK" dirty="0"/>
-              <a:t> Risikovurdering af projektet</a:t>
+              <a:t>Risikovurdering af projektet</a:t>
             </a:r>
           </a:p>
           <a:p>
@@ -8158,10 +8154,6 @@
               <a:buFont typeface="Arial" panose="020B0604020202020204" pitchFamily="34" charset="0"/>
               <a:buChar char="•"/>
             </a:pPr>
-            <a:r>
-              <a:rPr lang="da-DK" dirty="0"/>
-              <a:t> </a:t>
-            </a:r>
             <a:r>
               <a:rPr lang="da-DK" dirty="0" err="1"/>
               <a:t>Burndown</a:t>
@@ -8302,7 +8294,7 @@
             </a:pPr>
             <a:r>
               <a:rPr lang="da-DK" dirty="0"/>
-              <a:t> Funktionelle krav </a:t>
+              <a:t>Funktionelle krav </a:t>
             </a:r>
           </a:p>
           <a:p>
@@ -8312,7 +8304,7 @@
             </a:pPr>
             <a:r>
               <a:rPr lang="da-DK" dirty="0"/>
-              <a:t> Ikke funktionelle krav</a:t>
+              <a:t>Ikke funktionelle krav</a:t>
             </a:r>
           </a:p>
           <a:p>
@@ -8322,7 +8314,7 @@
             </a:pPr>
             <a:r>
               <a:rPr lang="da-DK" dirty="0"/>
-              <a:t> Brugerundersøgelser</a:t>
+              <a:t>Brugerundersøgelser</a:t>
             </a:r>
           </a:p>
           <a:p>
@@ -8521,10 +8513,6 @@
               <a:buChar char="•"/>
             </a:pPr>
             <a:r>
-              <a:rPr lang="da-DK" dirty="0"/>
-              <a:t> </a:t>
-            </a:r>
-            <a:r>
               <a:rPr lang="da-DK" dirty="0" err="1"/>
               <a:t>Proof</a:t>
             </a:r>
@@ -8545,7 +8533,7 @@
             </a:pPr>
             <a:r>
               <a:rPr lang="da-DK" dirty="0"/>
-              <a:t> Videreudvikling påkrævet</a:t>
+              <a:t>Videreudvikling påkrævet</a:t>
             </a:r>
           </a:p>
           <a:p>
@@ -8555,7 +8543,7 @@
             </a:pPr>
             <a:r>
               <a:rPr lang="da-DK" dirty="0"/>
-              <a:t> Scrum </a:t>
+              <a:t>Scrum </a:t>
             </a:r>
           </a:p>
           <a:p>
@@ -8565,7 +8553,7 @@
             </a:pPr>
             <a:r>
               <a:rPr lang="da-DK" dirty="0"/>
-              <a:t> Tværfaglig forståelse </a:t>
+              <a:t>Tværfaglig forståelse </a:t>
             </a:r>
           </a:p>
           <a:p>
@@ -8648,8 +8636,12 @@
               <a:buChar char="•"/>
             </a:pPr>
             <a:r>
+              <a:rPr lang="da-DK"/>
+              <a:t>Demonstration </a:t>
+            </a:r>
+            <a:r>
               <a:rPr lang="da-DK" dirty="0"/>
-              <a:t> Demonstration i bachelorlokale K243 </a:t>
+              <a:t>i bachelorlokale K243 </a:t>
             </a:r>
           </a:p>
         </p:txBody>
@@ -8731,7 +8723,7 @@
             </a:pPr>
             <a:r>
               <a:rPr lang="da-DK" dirty="0"/>
-              <a:t> Indledning</a:t>
+              <a:t>Indledning</a:t>
             </a:r>
           </a:p>
           <a:p>
@@ -8741,7 +8733,7 @@
             </a:pPr>
             <a:r>
               <a:rPr lang="da-DK" dirty="0"/>
-              <a:t> Analyser </a:t>
+              <a:t>Analyser </a:t>
             </a:r>
           </a:p>
           <a:p>
@@ -8751,7 +8743,7 @@
             </a:pPr>
             <a:r>
               <a:rPr lang="da-DK" dirty="0"/>
-              <a:t> Metoder</a:t>
+              <a:t>Metoder</a:t>
             </a:r>
           </a:p>
           <a:p>
@@ -8761,7 +8753,7 @@
             </a:pPr>
             <a:r>
               <a:rPr lang="da-DK" dirty="0"/>
-              <a:t> Systemkrav</a:t>
+              <a:t>Systemkrav</a:t>
             </a:r>
           </a:p>
           <a:p>
@@ -8771,7 +8763,7 @@
             </a:pPr>
             <a:r>
               <a:rPr lang="da-DK" dirty="0"/>
-              <a:t> Software </a:t>
+              <a:t>Software </a:t>
             </a:r>
           </a:p>
           <a:p>
@@ -8781,7 +8773,7 @@
             </a:pPr>
             <a:r>
               <a:rPr lang="da-DK" dirty="0"/>
-              <a:t> Konklusion</a:t>
+              <a:t>Konklusion</a:t>
             </a:r>
           </a:p>
           <a:p>
@@ -8791,7 +8783,7 @@
             </a:pPr>
             <a:r>
               <a:rPr lang="da-DK" dirty="0"/>
-              <a:t> Demo </a:t>
+              <a:t>Demo </a:t>
             </a:r>
           </a:p>
         </p:txBody>
@@ -8875,12 +8867,8 @@
               <a:buChar char="•"/>
             </a:pPr>
             <a:r>
-              <a:rPr lang="da-DK"/>
-              <a:t>Søren Pallesen </a:t>
-            </a:r>
-            <a:r>
               <a:rPr lang="da-DK" dirty="0"/>
-              <a:t>og stifter af </a:t>
+              <a:t>Søren Pallesen, stifter af </a:t>
             </a:r>
             <a:r>
               <a:rPr lang="da-DK" dirty="0" err="1"/>
@@ -8994,7 +8982,7 @@
             </a:pPr>
             <a:r>
               <a:rPr lang="da-DK" dirty="0"/>
-              <a:t> Hvordan den udvikles</a:t>
+              <a:t>Hvordan den udvikles</a:t>
             </a:r>
           </a:p>
           <a:p>
@@ -9004,7 +8992,7 @@
             </a:pPr>
             <a:r>
               <a:rPr lang="da-DK" dirty="0"/>
-              <a:t> Omkostninger </a:t>
+              <a:t>Omkostninger </a:t>
             </a:r>
           </a:p>
           <a:p>
@@ -9014,7 +9002,7 @@
             </a:pPr>
             <a:r>
               <a:rPr lang="da-DK" dirty="0"/>
-              <a:t> Konsekvenser ved screeninger </a:t>
+              <a:t>Konsekvenser ved screeninger </a:t>
             </a:r>
           </a:p>
           <a:p>
@@ -9024,7 +9012,7 @@
             </a:pPr>
             <a:r>
               <a:rPr lang="da-DK" dirty="0"/>
-              <a:t> Medicinsk godkendelse </a:t>
+              <a:t>Medicinsk godkendelse </a:t>
             </a:r>
           </a:p>
         </p:txBody>
@@ -9108,7 +9096,7 @@
             </a:pPr>
             <a:r>
               <a:rPr lang="da-DK" dirty="0"/>
-              <a:t> Detektering af brystområde - ikke fuld ultralydsscanning </a:t>
+              <a:t>Detektering af brystområde - ikke fuld ultralydsscanning </a:t>
             </a:r>
           </a:p>
           <a:p>
@@ -9118,7 +9106,7 @@
             </a:pPr>
             <a:r>
               <a:rPr lang="da-DK" dirty="0"/>
-              <a:t> Screeningsprogrammets omkostninger </a:t>
+              <a:t>Screeningsprogrammets omkostninger </a:t>
             </a:r>
           </a:p>
           <a:p>
@@ -9128,7 +9116,7 @@
             </a:pPr>
             <a:r>
               <a:rPr lang="da-DK" dirty="0"/>
-              <a:t> Flere kræfttilfælde findes, højere overlevelsesproces, overdiagnosticering </a:t>
+              <a:t>Flere kræfttilfælde findes, højere overlevelsesproces, overdiagnosticering </a:t>
             </a:r>
           </a:p>
           <a:p>
@@ -9138,7 +9126,7 @@
             </a:pPr>
             <a:r>
               <a:rPr lang="da-DK" dirty="0"/>
-              <a:t> Medical Device Directive skal overholdes</a:t>
+              <a:t>Medical Device Directive skal overholdes</a:t>
             </a:r>
           </a:p>
         </p:txBody>
@@ -9222,7 +9210,7 @@
             </a:pPr>
             <a:r>
               <a:rPr lang="da-DK" dirty="0"/>
-              <a:t> Hvad er det? </a:t>
+              <a:t>Hvad er det? </a:t>
             </a:r>
           </a:p>
           <a:p>
@@ -9232,7 +9220,7 @@
             </a:pPr>
             <a:r>
               <a:rPr lang="da-DK" dirty="0"/>
-              <a:t> Hvorfor er det lavet? </a:t>
+              <a:t>Hvorfor er det lavet? </a:t>
             </a:r>
           </a:p>
           <a:p>
@@ -9242,7 +9230,7 @@
             </a:pPr>
             <a:r>
               <a:rPr lang="da-DK" dirty="0"/>
-              <a:t> Hvordan er det lavet? </a:t>
+              <a:t>Hvordan er det lavet? </a:t>
             </a:r>
           </a:p>
           <a:p>
@@ -9369,10 +9357,6 @@
               <a:buChar char="•"/>
             </a:pPr>
             <a:r>
-              <a:rPr lang="da-DK" dirty="0"/>
-              <a:t> </a:t>
-            </a:r>
-            <a:r>
               <a:rPr lang="da-DK" dirty="0" err="1"/>
               <a:t>Break-even</a:t>
             </a:r>
@@ -9388,7 +9372,7 @@
             </a:pPr>
             <a:r>
               <a:rPr lang="da-DK" dirty="0"/>
-              <a:t> Transport som variabel </a:t>
+              <a:t>Transport som variabel </a:t>
             </a:r>
           </a:p>
           <a:p>
@@ -9398,7 +9382,7 @@
             </a:pPr>
             <a:r>
               <a:rPr lang="da-DK" dirty="0"/>
-              <a:t> Faste omkostninger til udstyr, opsætning etc.</a:t>
+              <a:t>Faste omkostninger til udstyr, opsætning etc.</a:t>
             </a:r>
           </a:p>
         </p:txBody>
@@ -9506,7 +9490,7 @@
             </a:pPr>
             <a:r>
               <a:rPr lang="da-DK" dirty="0"/>
-              <a:t> Nationale og internationale studier</a:t>
+              <a:t>Nationale og internationale studier</a:t>
             </a:r>
           </a:p>
           <a:p>
@@ -9516,7 +9500,7 @@
             </a:pPr>
             <a:r>
               <a:rPr lang="da-DK" dirty="0"/>
-              <a:t> Kombination af ultralyd og røntgen opdager tidligere stadier af kræft </a:t>
+              <a:t>Kombination af ultralyd og røntgen opdager tidligere stadier af kræft </a:t>
             </a:r>
           </a:p>
           <a:p>
@@ -9526,7 +9510,7 @@
             </a:pPr>
             <a:r>
               <a:rPr lang="da-DK" dirty="0"/>
-              <a:t> Billigere behandling og højere overlevelsesprocent ved tidligere stadier </a:t>
+              <a:t>Billigere behandling og højere overlevelsesprocent ved tidligere stadier </a:t>
             </a:r>
           </a:p>
           <a:p>
@@ -9536,7 +9520,7 @@
             </a:pPr>
             <a:r>
               <a:rPr lang="da-DK" dirty="0"/>
-              <a:t> Overdiagnosticering og unødvendig behandling </a:t>
+              <a:t>Overdiagnosticering og unødvendig behandling </a:t>
             </a:r>
           </a:p>
           <a:p>
@@ -9546,7 +9530,7 @@
             </a:pPr>
             <a:r>
               <a:rPr lang="da-DK" dirty="0"/>
-              <a:t> Omkostningseffektivitet, QALY </a:t>
+              <a:t>Omkostningseffektivitet, QALY </a:t>
             </a:r>
           </a:p>
           <a:p>
